--- a/doc/4_Gestion_estado_persistencia.pptx
+++ b/doc/4_Gestion_estado_persistencia.pptx
@@ -223,7 +223,7 @@
           <a:p>
             <a:fld id="{1655E9AB-EF8E-404F-9ED0-86C5474D9762}" type="datetimeFigureOut">
               <a:rPr lang="es-ES" smtClean="0"/>
-              <a:t>08/09/2025</a:t>
+              <a:t>12/09/2025</a:t>
             </a:fld>
             <a:endParaRPr lang="es-ES"/>
           </a:p>
@@ -637,7 +637,7 @@
           <a:p>
             <a:fld id="{E62B872C-FC23-4055-8B07-FADE96D7802C}" type="datetime1">
               <a:rPr lang="es-ES" smtClean="0"/>
-              <a:t>08/09/2025</a:t>
+              <a:t>12/09/2025</a:t>
             </a:fld>
             <a:endParaRPr lang="es-ES"/>
           </a:p>
@@ -835,7 +835,7 @@
           <a:p>
             <a:fld id="{B2780EAF-7CB8-44B7-B12D-CC17A6ECD69E}" type="datetime1">
               <a:rPr lang="es-ES" smtClean="0"/>
-              <a:t>08/09/2025</a:t>
+              <a:t>12/09/2025</a:t>
             </a:fld>
             <a:endParaRPr lang="es-ES"/>
           </a:p>
@@ -1043,7 +1043,7 @@
           <a:p>
             <a:fld id="{A623F2D4-ACBE-488E-809A-D23F76D8B737}" type="datetime1">
               <a:rPr lang="es-ES" smtClean="0"/>
-              <a:t>08/09/2025</a:t>
+              <a:t>12/09/2025</a:t>
             </a:fld>
             <a:endParaRPr lang="es-ES"/>
           </a:p>
@@ -1241,7 +1241,7 @@
           <a:p>
             <a:fld id="{710B3105-95C4-4099-A364-90D93564A4C1}" type="datetime1">
               <a:rPr lang="es-ES" smtClean="0"/>
-              <a:t>08/09/2025</a:t>
+              <a:t>12/09/2025</a:t>
             </a:fld>
             <a:endParaRPr lang="es-ES"/>
           </a:p>
@@ -1516,7 +1516,7 @@
           <a:p>
             <a:fld id="{A3B2FD73-2912-4888-80DC-B2BB1E1705CB}" type="datetime1">
               <a:rPr lang="es-ES" smtClean="0"/>
-              <a:t>08/09/2025</a:t>
+              <a:t>12/09/2025</a:t>
             </a:fld>
             <a:endParaRPr lang="es-ES"/>
           </a:p>
@@ -1781,7 +1781,7 @@
           <a:p>
             <a:fld id="{FA9FEBBD-9F7A-482E-A376-3EDA971D0F0C}" type="datetime1">
               <a:rPr lang="es-ES" smtClean="0"/>
-              <a:t>08/09/2025</a:t>
+              <a:t>12/09/2025</a:t>
             </a:fld>
             <a:endParaRPr lang="es-ES"/>
           </a:p>
@@ -2193,7 +2193,7 @@
           <a:p>
             <a:fld id="{37E7EDCD-1D5A-44E7-A767-44DAEFB4D594}" type="datetime1">
               <a:rPr lang="es-ES" smtClean="0"/>
-              <a:t>08/09/2025</a:t>
+              <a:t>12/09/2025</a:t>
             </a:fld>
             <a:endParaRPr lang="es-ES"/>
           </a:p>
@@ -2334,7 +2334,7 @@
           <a:p>
             <a:fld id="{70EB0D49-9E68-475B-9FA0-3CFB085CC588}" type="datetime1">
               <a:rPr lang="es-ES" smtClean="0"/>
-              <a:t>08/09/2025</a:t>
+              <a:t>12/09/2025</a:t>
             </a:fld>
             <a:endParaRPr lang="es-ES"/>
           </a:p>
@@ -2447,7 +2447,7 @@
           <a:p>
             <a:fld id="{C90FA803-CDF8-4E5F-BF39-A047F2CE96C7}" type="datetime1">
               <a:rPr lang="es-ES" smtClean="0"/>
-              <a:t>08/09/2025</a:t>
+              <a:t>12/09/2025</a:t>
             </a:fld>
             <a:endParaRPr lang="es-ES"/>
           </a:p>
@@ -2758,7 +2758,7 @@
           <a:p>
             <a:fld id="{44BBC0B8-08BE-4E58-A5BF-D59E4AE70275}" type="datetime1">
               <a:rPr lang="es-ES" smtClean="0"/>
-              <a:t>08/09/2025</a:t>
+              <a:t>12/09/2025</a:t>
             </a:fld>
             <a:endParaRPr lang="es-ES"/>
           </a:p>
@@ -3046,7 +3046,7 @@
           <a:p>
             <a:fld id="{ED5126FC-B483-47DC-919E-F96E7C554726}" type="datetime1">
               <a:rPr lang="es-ES" smtClean="0"/>
-              <a:t>08/09/2025</a:t>
+              <a:t>12/09/2025</a:t>
             </a:fld>
             <a:endParaRPr lang="es-ES"/>
           </a:p>
@@ -3287,7 +3287,7 @@
           <a:p>
             <a:fld id="{99A794F4-2787-449C-B22E-09EB7B697085}" type="datetime1">
               <a:rPr lang="es-ES" smtClean="0"/>
-              <a:t>08/09/2025</a:t>
+              <a:t>12/09/2025</a:t>
             </a:fld>
             <a:endParaRPr lang="es-ES"/>
           </a:p>
@@ -6759,7 +6759,23 @@
             <a:pPr lvl="1"/>
             <a:r>
               <a:rPr lang="es-ES" dirty="0"/>
-              <a:t>Integración con MySQL, PostgreSQL y bases de datos NoSQL como MongoDB. </a:t>
+              <a:t>Integración con </a:t>
+            </a:r>
+            <a:r>
+              <a:rPr lang="es-ES" b="1" dirty="0"/>
+              <a:t>MySQL</a:t>
+            </a:r>
+            <a:r>
+              <a:rPr lang="es-ES" dirty="0"/>
+              <a:t>, </a:t>
+            </a:r>
+            <a:r>
+              <a:rPr lang="es-ES" b="1" dirty="0"/>
+              <a:t>PostgreSQL</a:t>
+            </a:r>
+            <a:r>
+              <a:rPr lang="es-ES" dirty="0"/>
+              <a:t> y bases de datos NoSQL como MongoDB. </a:t>
             </a:r>
           </a:p>
           <a:p>

--- a/doc/4_Gestion_estado_persistencia.pptx
+++ b/doc/4_Gestion_estado_persistencia.pptx
@@ -5,7 +5,7 @@
     <p:sldMasterId id="2147483648" r:id="rId1"/>
   </p:sldMasterIdLst>
   <p:notesMasterIdLst>
-    <p:notesMasterId r:id="rId29"/>
+    <p:notesMasterId r:id="rId37"/>
   </p:notesMasterIdLst>
   <p:sldIdLst>
     <p:sldId id="256" r:id="rId2"/>
@@ -26,15 +26,23 @@
     <p:sldId id="279" r:id="rId17"/>
     <p:sldId id="280" r:id="rId18"/>
     <p:sldId id="268" r:id="rId19"/>
-    <p:sldId id="269" r:id="rId20"/>
-    <p:sldId id="281" r:id="rId21"/>
-    <p:sldId id="259" r:id="rId22"/>
-    <p:sldId id="261" r:id="rId23"/>
-    <p:sldId id="263" r:id="rId24"/>
-    <p:sldId id="282" r:id="rId25"/>
-    <p:sldId id="283" r:id="rId26"/>
-    <p:sldId id="284" r:id="rId27"/>
-    <p:sldId id="285" r:id="rId28"/>
+    <p:sldId id="287" r:id="rId20"/>
+    <p:sldId id="286" r:id="rId21"/>
+    <p:sldId id="281" r:id="rId22"/>
+    <p:sldId id="259" r:id="rId23"/>
+    <p:sldId id="289" r:id="rId24"/>
+    <p:sldId id="261" r:id="rId25"/>
+    <p:sldId id="263" r:id="rId26"/>
+    <p:sldId id="291" r:id="rId27"/>
+    <p:sldId id="292" r:id="rId28"/>
+    <p:sldId id="293" r:id="rId29"/>
+    <p:sldId id="288" r:id="rId30"/>
+    <p:sldId id="269" r:id="rId31"/>
+    <p:sldId id="290" r:id="rId32"/>
+    <p:sldId id="282" r:id="rId33"/>
+    <p:sldId id="283" r:id="rId34"/>
+    <p:sldId id="284" r:id="rId35"/>
+    <p:sldId id="285" r:id="rId36"/>
   </p:sldIdLst>
   <p:sldSz cx="12192000" cy="6858000"/>
   <p:notesSz cx="6858000" cy="9144000"/>
@@ -223,7 +231,7 @@
           <a:p>
             <a:fld id="{1655E9AB-EF8E-404F-9ED0-86C5474D9762}" type="datetimeFigureOut">
               <a:rPr lang="es-ES" smtClean="0"/>
-              <a:t>12/09/2025</a:t>
+              <a:t>15/09/2025</a:t>
             </a:fld>
             <a:endParaRPr lang="es-ES"/>
           </a:p>
@@ -637,7 +645,7 @@
           <a:p>
             <a:fld id="{E62B872C-FC23-4055-8B07-FADE96D7802C}" type="datetime1">
               <a:rPr lang="es-ES" smtClean="0"/>
-              <a:t>12/09/2025</a:t>
+              <a:t>15/09/2025</a:t>
             </a:fld>
             <a:endParaRPr lang="es-ES"/>
           </a:p>
@@ -835,7 +843,7 @@
           <a:p>
             <a:fld id="{B2780EAF-7CB8-44B7-B12D-CC17A6ECD69E}" type="datetime1">
               <a:rPr lang="es-ES" smtClean="0"/>
-              <a:t>12/09/2025</a:t>
+              <a:t>15/09/2025</a:t>
             </a:fld>
             <a:endParaRPr lang="es-ES"/>
           </a:p>
@@ -1043,7 +1051,7 @@
           <a:p>
             <a:fld id="{A623F2D4-ACBE-488E-809A-D23F76D8B737}" type="datetime1">
               <a:rPr lang="es-ES" smtClean="0"/>
-              <a:t>12/09/2025</a:t>
+              <a:t>15/09/2025</a:t>
             </a:fld>
             <a:endParaRPr lang="es-ES"/>
           </a:p>
@@ -1241,7 +1249,7 @@
           <a:p>
             <a:fld id="{710B3105-95C4-4099-A364-90D93564A4C1}" type="datetime1">
               <a:rPr lang="es-ES" smtClean="0"/>
-              <a:t>12/09/2025</a:t>
+              <a:t>15/09/2025</a:t>
             </a:fld>
             <a:endParaRPr lang="es-ES"/>
           </a:p>
@@ -1516,7 +1524,7 @@
           <a:p>
             <a:fld id="{A3B2FD73-2912-4888-80DC-B2BB1E1705CB}" type="datetime1">
               <a:rPr lang="es-ES" smtClean="0"/>
-              <a:t>12/09/2025</a:t>
+              <a:t>15/09/2025</a:t>
             </a:fld>
             <a:endParaRPr lang="es-ES"/>
           </a:p>
@@ -1781,7 +1789,7 @@
           <a:p>
             <a:fld id="{FA9FEBBD-9F7A-482E-A376-3EDA971D0F0C}" type="datetime1">
               <a:rPr lang="es-ES" smtClean="0"/>
-              <a:t>12/09/2025</a:t>
+              <a:t>15/09/2025</a:t>
             </a:fld>
             <a:endParaRPr lang="es-ES"/>
           </a:p>
@@ -2193,7 +2201,7 @@
           <a:p>
             <a:fld id="{37E7EDCD-1D5A-44E7-A767-44DAEFB4D594}" type="datetime1">
               <a:rPr lang="es-ES" smtClean="0"/>
-              <a:t>12/09/2025</a:t>
+              <a:t>15/09/2025</a:t>
             </a:fld>
             <a:endParaRPr lang="es-ES"/>
           </a:p>
@@ -2334,7 +2342,7 @@
           <a:p>
             <a:fld id="{70EB0D49-9E68-475B-9FA0-3CFB085CC588}" type="datetime1">
               <a:rPr lang="es-ES" smtClean="0"/>
-              <a:t>12/09/2025</a:t>
+              <a:t>15/09/2025</a:t>
             </a:fld>
             <a:endParaRPr lang="es-ES"/>
           </a:p>
@@ -2447,7 +2455,7 @@
           <a:p>
             <a:fld id="{C90FA803-CDF8-4E5F-BF39-A047F2CE96C7}" type="datetime1">
               <a:rPr lang="es-ES" smtClean="0"/>
-              <a:t>12/09/2025</a:t>
+              <a:t>15/09/2025</a:t>
             </a:fld>
             <a:endParaRPr lang="es-ES"/>
           </a:p>
@@ -2758,7 +2766,7 @@
           <a:p>
             <a:fld id="{44BBC0B8-08BE-4E58-A5BF-D59E4AE70275}" type="datetime1">
               <a:rPr lang="es-ES" smtClean="0"/>
-              <a:t>12/09/2025</a:t>
+              <a:t>15/09/2025</a:t>
             </a:fld>
             <a:endParaRPr lang="es-ES"/>
           </a:p>
@@ -3046,7 +3054,7 @@
           <a:p>
             <a:fld id="{ED5126FC-B483-47DC-919E-F96E7C554726}" type="datetime1">
               <a:rPr lang="es-ES" smtClean="0"/>
-              <a:t>12/09/2025</a:t>
+              <a:t>15/09/2025</a:t>
             </a:fld>
             <a:endParaRPr lang="es-ES"/>
           </a:p>
@@ -3287,7 +3295,7 @@
           <a:p>
             <a:fld id="{99A794F4-2787-449C-B22E-09EB7B697085}" type="datetime1">
               <a:rPr lang="es-ES" smtClean="0"/>
-              <a:t>12/09/2025</a:t>
+              <a:t>15/09/2025</a:t>
             </a:fld>
             <a:endParaRPr lang="es-ES"/>
           </a:p>
@@ -6317,7 +6325,7 @@
           <a:lstStyle/>
           <a:p>
             <a:r>
-              <a:rPr lang="es-ES" dirty="0"/>
+              <a:rPr lang="es-ES" b="1" dirty="0"/>
               <a:t>MySQL</a:t>
             </a:r>
           </a:p>
@@ -6345,10 +6353,10 @@
           <a:lstStyle/>
           <a:p>
             <a:r>
-              <a:rPr lang="es-ES" dirty="0" err="1"/>
+              <a:rPr lang="es-ES" b="1" dirty="0" err="1"/>
               <a:t>libmysql</a:t>
             </a:r>
-            <a:endParaRPr lang="es-ES" dirty="0"/>
+            <a:endParaRPr lang="es-ES" b="1" dirty="0"/>
           </a:p>
         </p:txBody>
       </p:sp>
@@ -6589,7 +6597,7 @@
           <p:cNvPr id="2" name="Título 1">
             <a:extLst>
               <a:ext uri="{FF2B5EF4-FFF2-40B4-BE49-F238E27FC236}">
-                <a16:creationId xmlns:a16="http://schemas.microsoft.com/office/drawing/2014/main" id="{BBA0DD6A-B826-1778-EE8A-9933BD58EDD8}"/>
+                <a16:creationId xmlns:a16="http://schemas.microsoft.com/office/drawing/2014/main" id="{4728137D-FB17-406A-B90A-BA89E37898E5}"/>
               </a:ext>
             </a:extLst>
           </p:cNvPr>
@@ -6605,15 +6613,7 @@
           <a:bodyPr/>
           <a:lstStyle/>
           <a:p>
-            <a:r>
-              <a:rPr lang="es-ES" dirty="0"/>
-              <a:t>Librería </a:t>
-            </a:r>
-            <a:r>
-              <a:rPr lang="es-ES" dirty="0" err="1"/>
-              <a:t>libpq</a:t>
-            </a:r>
-            <a:endParaRPr lang="es-ES" dirty="0"/>
+            <a:endParaRPr lang="es-ES"/>
           </a:p>
         </p:txBody>
       </p:sp>
@@ -6622,7 +6622,7 @@
           <p:cNvPr id="3" name="Marcador de contenido 2">
             <a:extLst>
               <a:ext uri="{FF2B5EF4-FFF2-40B4-BE49-F238E27FC236}">
-                <a16:creationId xmlns:a16="http://schemas.microsoft.com/office/drawing/2014/main" id="{4B987BDD-3F1A-3808-CA10-98DFB2A29874}"/>
+                <a16:creationId xmlns:a16="http://schemas.microsoft.com/office/drawing/2014/main" id="{912FF012-3A61-8635-F819-397A60EE785E}"/>
               </a:ext>
             </a:extLst>
           </p:cNvPr>
@@ -6647,7 +6647,7 @@
           <p:cNvPr id="4" name="Marcador de número de diapositiva 3">
             <a:extLst>
               <a:ext uri="{FF2B5EF4-FFF2-40B4-BE49-F238E27FC236}">
-                <a16:creationId xmlns:a16="http://schemas.microsoft.com/office/drawing/2014/main" id="{0A7F6A1E-78C3-1F32-689E-71AE0ED5F694}"/>
+                <a16:creationId xmlns:a16="http://schemas.microsoft.com/office/drawing/2014/main" id="{C2193FF3-7866-C2DB-2933-3372408CFF69}"/>
               </a:ext>
             </a:extLst>
           </p:cNvPr>
@@ -6674,7 +6674,7 @@
     </p:spTree>
     <p:extLst>
       <p:ext uri="{BB962C8B-B14F-4D97-AF65-F5344CB8AC3E}">
-        <p14:creationId xmlns:p14="http://schemas.microsoft.com/office/powerpoint/2010/main" val="3028369718"/>
+        <p14:creationId xmlns:p14="http://schemas.microsoft.com/office/powerpoint/2010/main" val="432546355"/>
       </p:ext>
     </p:extLst>
   </p:cSld>
@@ -6782,10 +6782,18 @@
             <a:pPr lvl="1"/>
             <a:r>
               <a:rPr lang="es-ES" dirty="0"/>
-              <a:t>Uso de librerías ORM como </a:t>
-            </a:r>
-            <a:r>
-              <a:rPr lang="es-ES" dirty="0" err="1"/>
+              <a:t>Uso de librerías </a:t>
+            </a:r>
+            <a:r>
+              <a:rPr lang="es-ES" b="1" dirty="0"/>
+              <a:t>ORM</a:t>
+            </a:r>
+            <a:r>
+              <a:rPr lang="es-ES" dirty="0"/>
+              <a:t> como </a:t>
+            </a:r>
+            <a:r>
+              <a:rPr lang="es-ES" b="1" dirty="0" err="1"/>
               <a:t>soci</a:t>
             </a:r>
             <a:r>
@@ -6793,7 +6801,7 @@
               <a:t> o </a:t>
             </a:r>
             <a:r>
-              <a:rPr lang="es-ES" dirty="0" err="1"/>
+              <a:rPr lang="es-ES" b="1" dirty="0" err="1"/>
               <a:t>libpqxx</a:t>
             </a:r>
             <a:r>
@@ -6902,41 +6910,51 @@
       </p:grpSpPr>
       <p:sp>
         <p:nvSpPr>
-          <p:cNvPr id="5" name="Título 4">
-            <a:extLst>
-              <a:ext uri="{FF2B5EF4-FFF2-40B4-BE49-F238E27FC236}">
-                <a16:creationId xmlns:a16="http://schemas.microsoft.com/office/drawing/2014/main" id="{B18E6648-95B8-F084-3CEA-029F64EC2DE5}"/>
-              </a:ext>
-            </a:extLst>
-          </p:cNvPr>
-          <p:cNvSpPr>
-            <a:spLocks noGrp="1"/>
-          </p:cNvSpPr>
-          <p:nvPr>
-            <p:ph type="ctrTitle"/>
-          </p:nvPr>
-        </p:nvSpPr>
-        <p:spPr>
-          <a:xfrm>
-            <a:off x="1524000" y="2235200"/>
-            <a:ext cx="9144000" cy="2387600"/>
-          </a:xfrm>
-        </p:spPr>
-        <p:txBody>
-          <a:bodyPr/>
-          <a:lstStyle/>
-          <a:p>
-            <a:r>
-              <a:rPr lang="es-ES" b="1" dirty="0"/>
-              <a:t>BD NoSQL</a:t>
-            </a:r>
-            <a:br>
-              <a:rPr lang="es-ES" b="1" dirty="0"/>
-            </a:br>
-            <a:r>
-              <a:rPr lang="es-ES" b="1" dirty="0"/>
-              <a:t>MongoDB</a:t>
-            </a:r>
+          <p:cNvPr id="2" name="Título 1">
+            <a:extLst>
+              <a:ext uri="{FF2B5EF4-FFF2-40B4-BE49-F238E27FC236}">
+                <a16:creationId xmlns:a16="http://schemas.microsoft.com/office/drawing/2014/main" id="{E89063EF-6BC8-CAEF-70F7-83DFEBB31E44}"/>
+              </a:ext>
+            </a:extLst>
+          </p:cNvPr>
+          <p:cNvSpPr>
+            <a:spLocks noGrp="1"/>
+          </p:cNvSpPr>
+          <p:nvPr>
+            <p:ph type="title"/>
+          </p:nvPr>
+        </p:nvSpPr>
+        <p:spPr/>
+        <p:txBody>
+          <a:bodyPr/>
+          <a:lstStyle/>
+          <a:p>
+            <a:endParaRPr lang="es-ES"/>
+          </a:p>
+        </p:txBody>
+      </p:sp>
+      <p:sp>
+        <p:nvSpPr>
+          <p:cNvPr id="3" name="Marcador de contenido 2">
+            <a:extLst>
+              <a:ext uri="{FF2B5EF4-FFF2-40B4-BE49-F238E27FC236}">
+                <a16:creationId xmlns:a16="http://schemas.microsoft.com/office/drawing/2014/main" id="{A030E0D7-47AB-EE86-2359-FFC3ABE3D349}"/>
+              </a:ext>
+            </a:extLst>
+          </p:cNvPr>
+          <p:cNvSpPr>
+            <a:spLocks noGrp="1"/>
+          </p:cNvSpPr>
+          <p:nvPr>
+            <p:ph idx="1"/>
+          </p:nvPr>
+        </p:nvSpPr>
+        <p:spPr/>
+        <p:txBody>
+          <a:bodyPr/>
+          <a:lstStyle/>
+          <a:p>
+            <a:endParaRPr lang="es-ES"/>
           </a:p>
         </p:txBody>
       </p:sp>
@@ -6945,7 +6963,7 @@
           <p:cNvPr id="4" name="Marcador de número de diapositiva 3">
             <a:extLst>
               <a:ext uri="{FF2B5EF4-FFF2-40B4-BE49-F238E27FC236}">
-                <a16:creationId xmlns:a16="http://schemas.microsoft.com/office/drawing/2014/main" id="{6E392DDE-7D2D-8321-D831-B6ACC01199AF}"/>
+                <a16:creationId xmlns:a16="http://schemas.microsoft.com/office/drawing/2014/main" id="{B3AC588F-9147-9040-7FD7-D3127F99FF23}"/>
               </a:ext>
             </a:extLst>
           </p:cNvPr>
@@ -6972,7 +6990,7 @@
     </p:spTree>
     <p:extLst>
       <p:ext uri="{BB962C8B-B14F-4D97-AF65-F5344CB8AC3E}">
-        <p14:creationId xmlns:p14="http://schemas.microsoft.com/office/powerpoint/2010/main" val="1844079400"/>
+        <p14:creationId xmlns:p14="http://schemas.microsoft.com/office/powerpoint/2010/main" val="303348382"/>
       </p:ext>
     </p:extLst>
   </p:cSld>
@@ -7001,51 +7019,41 @@
       </p:grpSpPr>
       <p:sp>
         <p:nvSpPr>
-          <p:cNvPr id="2" name="Título 1">
-            <a:extLst>
-              <a:ext uri="{FF2B5EF4-FFF2-40B4-BE49-F238E27FC236}">
-                <a16:creationId xmlns:a16="http://schemas.microsoft.com/office/drawing/2014/main" id="{55AD6E9E-D2B3-7EA0-CCA5-7DB45FC993D8}"/>
-              </a:ext>
-            </a:extLst>
-          </p:cNvPr>
-          <p:cNvSpPr>
-            <a:spLocks noGrp="1"/>
-          </p:cNvSpPr>
-          <p:nvPr>
-            <p:ph type="title"/>
-          </p:nvPr>
-        </p:nvSpPr>
-        <p:spPr/>
-        <p:txBody>
-          <a:bodyPr/>
-          <a:lstStyle/>
-          <a:p>
-            <a:endParaRPr lang="es-ES"/>
-          </a:p>
-        </p:txBody>
-      </p:sp>
-      <p:sp>
-        <p:nvSpPr>
-          <p:cNvPr id="3" name="Marcador de contenido 2">
-            <a:extLst>
-              <a:ext uri="{FF2B5EF4-FFF2-40B4-BE49-F238E27FC236}">
-                <a16:creationId xmlns:a16="http://schemas.microsoft.com/office/drawing/2014/main" id="{5E48EFA1-0F74-1914-F3EE-BBB48688781D}"/>
-              </a:ext>
-            </a:extLst>
-          </p:cNvPr>
-          <p:cNvSpPr>
-            <a:spLocks noGrp="1"/>
-          </p:cNvSpPr>
-          <p:nvPr>
-            <p:ph idx="1"/>
-          </p:nvPr>
-        </p:nvSpPr>
-        <p:spPr/>
-        <p:txBody>
-          <a:bodyPr/>
-          <a:lstStyle/>
-          <a:p>
-            <a:endParaRPr lang="es-ES"/>
+          <p:cNvPr id="5" name="Título 4">
+            <a:extLst>
+              <a:ext uri="{FF2B5EF4-FFF2-40B4-BE49-F238E27FC236}">
+                <a16:creationId xmlns:a16="http://schemas.microsoft.com/office/drawing/2014/main" id="{B18E6648-95B8-F084-3CEA-029F64EC2DE5}"/>
+              </a:ext>
+            </a:extLst>
+          </p:cNvPr>
+          <p:cNvSpPr>
+            <a:spLocks noGrp="1"/>
+          </p:cNvSpPr>
+          <p:nvPr>
+            <p:ph type="ctrTitle"/>
+          </p:nvPr>
+        </p:nvSpPr>
+        <p:spPr>
+          <a:xfrm>
+            <a:off x="1524000" y="2235200"/>
+            <a:ext cx="9144000" cy="2387600"/>
+          </a:xfrm>
+        </p:spPr>
+        <p:txBody>
+          <a:bodyPr/>
+          <a:lstStyle/>
+          <a:p>
+            <a:r>
+              <a:rPr lang="es-ES" b="1" dirty="0"/>
+              <a:t>BD NoSQL</a:t>
+            </a:r>
+            <a:br>
+              <a:rPr lang="es-ES" b="1" dirty="0"/>
+            </a:br>
+            <a:r>
+              <a:rPr lang="es-ES" b="1" dirty="0"/>
+              <a:t>MongoDB</a:t>
+            </a:r>
           </a:p>
         </p:txBody>
       </p:sp>
@@ -7054,7 +7062,7 @@
           <p:cNvPr id="4" name="Marcador de número de diapositiva 3">
             <a:extLst>
               <a:ext uri="{FF2B5EF4-FFF2-40B4-BE49-F238E27FC236}">
-                <a16:creationId xmlns:a16="http://schemas.microsoft.com/office/drawing/2014/main" id="{6F673F4A-EB42-1EE3-6623-CEC4AD8A122D}"/>
+                <a16:creationId xmlns:a16="http://schemas.microsoft.com/office/drawing/2014/main" id="{6E392DDE-7D2D-8321-D831-B6ACC01199AF}"/>
               </a:ext>
             </a:extLst>
           </p:cNvPr>
@@ -7081,7 +7089,7 @@
     </p:spTree>
     <p:extLst>
       <p:ext uri="{BB962C8B-B14F-4D97-AF65-F5344CB8AC3E}">
-        <p14:creationId xmlns:p14="http://schemas.microsoft.com/office/powerpoint/2010/main" val="878187405"/>
+        <p14:creationId xmlns:p14="http://schemas.microsoft.com/office/powerpoint/2010/main" val="1844079400"/>
       </p:ext>
     </p:extLst>
   </p:cSld>
@@ -7110,46 +7118,18 @@
       </p:grpSpPr>
       <p:sp>
         <p:nvSpPr>
-          <p:cNvPr id="5" name="Título 4">
-            <a:extLst>
-              <a:ext uri="{FF2B5EF4-FFF2-40B4-BE49-F238E27FC236}">
-                <a16:creationId xmlns:a16="http://schemas.microsoft.com/office/drawing/2014/main" id="{A404BEC5-DE6F-CF3C-1699-1F145C405240}"/>
-              </a:ext>
-            </a:extLst>
-          </p:cNvPr>
-          <p:cNvSpPr>
-            <a:spLocks noGrp="1"/>
-          </p:cNvSpPr>
-          <p:nvPr>
-            <p:ph type="ctrTitle"/>
-          </p:nvPr>
-        </p:nvSpPr>
-        <p:spPr/>
-        <p:txBody>
-          <a:bodyPr/>
-          <a:lstStyle/>
-          <a:p>
-            <a:r>
-              <a:rPr lang="es-ES" b="1" dirty="0"/>
-              <a:t>Librerías ORM</a:t>
-            </a:r>
-          </a:p>
-        </p:txBody>
-      </p:sp>
-      <p:sp>
-        <p:nvSpPr>
-          <p:cNvPr id="6" name="Subtítulo 5">
-            <a:extLst>
-              <a:ext uri="{FF2B5EF4-FFF2-40B4-BE49-F238E27FC236}">
-                <a16:creationId xmlns:a16="http://schemas.microsoft.com/office/drawing/2014/main" id="{B963E14F-2C41-74DC-253B-EC7C34ED0EEA}"/>
-              </a:ext>
-            </a:extLst>
-          </p:cNvPr>
-          <p:cNvSpPr>
-            <a:spLocks noGrp="1"/>
-          </p:cNvSpPr>
-          <p:nvPr>
-            <p:ph type="subTitle" idx="1"/>
+          <p:cNvPr id="2" name="Título 1">
+            <a:extLst>
+              <a:ext uri="{FF2B5EF4-FFF2-40B4-BE49-F238E27FC236}">
+                <a16:creationId xmlns:a16="http://schemas.microsoft.com/office/drawing/2014/main" id="{55AD6E9E-D2B3-7EA0-CCA5-7DB45FC993D8}"/>
+              </a:ext>
+            </a:extLst>
+          </p:cNvPr>
+          <p:cNvSpPr>
+            <a:spLocks noGrp="1"/>
+          </p:cNvSpPr>
+          <p:nvPr>
+            <p:ph type="title"/>
           </p:nvPr>
         </p:nvSpPr>
         <p:spPr/>
@@ -7163,10 +7143,35 @@
       </p:sp>
       <p:sp>
         <p:nvSpPr>
+          <p:cNvPr id="3" name="Marcador de contenido 2">
+            <a:extLst>
+              <a:ext uri="{FF2B5EF4-FFF2-40B4-BE49-F238E27FC236}">
+                <a16:creationId xmlns:a16="http://schemas.microsoft.com/office/drawing/2014/main" id="{5E48EFA1-0F74-1914-F3EE-BBB48688781D}"/>
+              </a:ext>
+            </a:extLst>
+          </p:cNvPr>
+          <p:cNvSpPr>
+            <a:spLocks noGrp="1"/>
+          </p:cNvSpPr>
+          <p:nvPr>
+            <p:ph idx="1"/>
+          </p:nvPr>
+        </p:nvSpPr>
+        <p:spPr/>
+        <p:txBody>
+          <a:bodyPr/>
+          <a:lstStyle/>
+          <a:p>
+            <a:endParaRPr lang="es-ES"/>
+          </a:p>
+        </p:txBody>
+      </p:sp>
+      <p:sp>
+        <p:nvSpPr>
           <p:cNvPr id="4" name="Marcador de número de diapositiva 3">
             <a:extLst>
               <a:ext uri="{FF2B5EF4-FFF2-40B4-BE49-F238E27FC236}">
-                <a16:creationId xmlns:a16="http://schemas.microsoft.com/office/drawing/2014/main" id="{F43AA9CF-8E05-5681-1693-72F5F532D498}"/>
+                <a16:creationId xmlns:a16="http://schemas.microsoft.com/office/drawing/2014/main" id="{6F673F4A-EB42-1EE3-6623-CEC4AD8A122D}"/>
               </a:ext>
             </a:extLst>
           </p:cNvPr>
@@ -7193,7 +7198,7 @@
     </p:spTree>
     <p:extLst>
       <p:ext uri="{BB962C8B-B14F-4D97-AF65-F5344CB8AC3E}">
-        <p14:creationId xmlns:p14="http://schemas.microsoft.com/office/powerpoint/2010/main" val="409650315"/>
+        <p14:creationId xmlns:p14="http://schemas.microsoft.com/office/powerpoint/2010/main" val="878187405"/>
       </p:ext>
     </p:extLst>
   </p:cSld>
@@ -7225,7 +7230,7 @@
           <p:cNvPr id="2" name="Título 1">
             <a:extLst>
               <a:ext uri="{FF2B5EF4-FFF2-40B4-BE49-F238E27FC236}">
-                <a16:creationId xmlns:a16="http://schemas.microsoft.com/office/drawing/2014/main" id="{487D14C8-1F50-44BD-9693-CB411CC92A5C}"/>
+                <a16:creationId xmlns:a16="http://schemas.microsoft.com/office/drawing/2014/main" id="{035CB3A6-00E6-968A-5C85-AED5554102AF}"/>
               </a:ext>
             </a:extLst>
           </p:cNvPr>
@@ -7250,7 +7255,7 @@
           <p:cNvPr id="3" name="Marcador de contenido 2">
             <a:extLst>
               <a:ext uri="{FF2B5EF4-FFF2-40B4-BE49-F238E27FC236}">
-                <a16:creationId xmlns:a16="http://schemas.microsoft.com/office/drawing/2014/main" id="{F323F636-E28A-4C95-EF99-52B58968CE9A}"/>
+                <a16:creationId xmlns:a16="http://schemas.microsoft.com/office/drawing/2014/main" id="{D7E8AC37-ED28-FBC9-874F-F96B01D2D78B}"/>
               </a:ext>
             </a:extLst>
           </p:cNvPr>
@@ -7275,7 +7280,7 @@
           <p:cNvPr id="4" name="Marcador de número de diapositiva 3">
             <a:extLst>
               <a:ext uri="{FF2B5EF4-FFF2-40B4-BE49-F238E27FC236}">
-                <a16:creationId xmlns:a16="http://schemas.microsoft.com/office/drawing/2014/main" id="{209D1638-FD86-948E-4C26-864B0A22DE71}"/>
+                <a16:creationId xmlns:a16="http://schemas.microsoft.com/office/drawing/2014/main" id="{5E02B180-D28A-FFC9-F737-E43310F23A2C}"/>
               </a:ext>
             </a:extLst>
           </p:cNvPr>
@@ -7302,7 +7307,7 @@
     </p:spTree>
     <p:extLst>
       <p:ext uri="{BB962C8B-B14F-4D97-AF65-F5344CB8AC3E}">
-        <p14:creationId xmlns:p14="http://schemas.microsoft.com/office/powerpoint/2010/main" val="1975831455"/>
+        <p14:creationId xmlns:p14="http://schemas.microsoft.com/office/powerpoint/2010/main" val="3530689104"/>
       </p:ext>
     </p:extLst>
   </p:cSld>
@@ -7334,7 +7339,7 @@
           <p:cNvPr id="5" name="Título 4">
             <a:extLst>
               <a:ext uri="{FF2B5EF4-FFF2-40B4-BE49-F238E27FC236}">
-                <a16:creationId xmlns:a16="http://schemas.microsoft.com/office/drawing/2014/main" id="{3530AFC8-879B-AB7E-BD55-0F2A15347493}"/>
+                <a16:creationId xmlns:a16="http://schemas.microsoft.com/office/drawing/2014/main" id="{A404BEC5-DE6F-CF3C-1699-1F145C405240}"/>
               </a:ext>
             </a:extLst>
           </p:cNvPr>
@@ -7345,20 +7350,52 @@
             <p:ph type="ctrTitle"/>
           </p:nvPr>
         </p:nvSpPr>
-        <p:spPr>
-          <a:xfrm>
-            <a:off x="1524000" y="1988636"/>
-            <a:ext cx="9144000" cy="2387600"/>
-          </a:xfrm>
-        </p:spPr>
+        <p:spPr/>
         <p:txBody>
           <a:bodyPr/>
           <a:lstStyle/>
           <a:p>
             <a:r>
               <a:rPr lang="es-ES" b="1" dirty="0"/>
-              <a:t>Estrategias de persistencia y acceso rápido a datos </a:t>
-            </a:r>
+              <a:t>Librerías ORM</a:t>
+            </a:r>
+          </a:p>
+        </p:txBody>
+      </p:sp>
+      <p:sp>
+        <p:nvSpPr>
+          <p:cNvPr id="6" name="Subtítulo 5">
+            <a:extLst>
+              <a:ext uri="{FF2B5EF4-FFF2-40B4-BE49-F238E27FC236}">
+                <a16:creationId xmlns:a16="http://schemas.microsoft.com/office/drawing/2014/main" id="{B963E14F-2C41-74DC-253B-EC7C34ED0EEA}"/>
+              </a:ext>
+            </a:extLst>
+          </p:cNvPr>
+          <p:cNvSpPr>
+            <a:spLocks noGrp="1"/>
+          </p:cNvSpPr>
+          <p:nvPr>
+            <p:ph type="subTitle" idx="1"/>
+          </p:nvPr>
+        </p:nvSpPr>
+        <p:spPr/>
+        <p:txBody>
+          <a:bodyPr/>
+          <a:lstStyle/>
+          <a:p>
+            <a:r>
+              <a:rPr lang="es-ES" dirty="0" err="1"/>
+              <a:t>soci</a:t>
+            </a:r>
+            <a:r>
+              <a:rPr lang="es-ES" dirty="0"/>
+              <a:t> / </a:t>
+            </a:r>
+            <a:r>
+              <a:rPr lang="es-ES" dirty="0" err="1"/>
+              <a:t>libpqxx</a:t>
+            </a:r>
+            <a:endParaRPr lang="es-ES" dirty="0"/>
           </a:p>
         </p:txBody>
       </p:sp>
@@ -7367,7 +7404,7 @@
           <p:cNvPr id="4" name="Marcador de número de diapositiva 3">
             <a:extLst>
               <a:ext uri="{FF2B5EF4-FFF2-40B4-BE49-F238E27FC236}">
-                <a16:creationId xmlns:a16="http://schemas.microsoft.com/office/drawing/2014/main" id="{3ACD2230-B698-9BBC-AE67-4C639DF769BF}"/>
+                <a16:creationId xmlns:a16="http://schemas.microsoft.com/office/drawing/2014/main" id="{F43AA9CF-8E05-5681-1693-72F5F532D498}"/>
               </a:ext>
             </a:extLst>
           </p:cNvPr>
@@ -7394,7 +7431,7 @@
     </p:spTree>
     <p:extLst>
       <p:ext uri="{BB962C8B-B14F-4D97-AF65-F5344CB8AC3E}">
-        <p14:creationId xmlns:p14="http://schemas.microsoft.com/office/powerpoint/2010/main" val="215953526"/>
+        <p14:creationId xmlns:p14="http://schemas.microsoft.com/office/powerpoint/2010/main" val="409650315"/>
       </p:ext>
     </p:extLst>
   </p:cSld>
@@ -7426,7 +7463,7 @@
           <p:cNvPr id="2" name="Título 1">
             <a:extLst>
               <a:ext uri="{FF2B5EF4-FFF2-40B4-BE49-F238E27FC236}">
-                <a16:creationId xmlns:a16="http://schemas.microsoft.com/office/drawing/2014/main" id="{F7F18BDE-AFE9-009B-D6D1-7D572F17D467}"/>
+                <a16:creationId xmlns:a16="http://schemas.microsoft.com/office/drawing/2014/main" id="{487D14C8-1F50-44BD-9693-CB411CC92A5C}"/>
               </a:ext>
             </a:extLst>
           </p:cNvPr>
@@ -7437,67 +7474,202 @@
             <p:ph type="title"/>
           </p:nvPr>
         </p:nvSpPr>
-        <p:spPr>
-          <a:xfrm>
-            <a:off x="211756" y="365125"/>
-            <a:ext cx="11829448" cy="1325563"/>
-          </a:xfrm>
-        </p:spPr>
+        <p:spPr/>
+        <p:txBody>
+          <a:bodyPr/>
+          <a:lstStyle/>
+          <a:p>
+            <a:r>
+              <a:rPr lang="es-ES" dirty="0"/>
+              <a:t>Instalación</a:t>
+            </a:r>
+          </a:p>
+        </p:txBody>
+      </p:sp>
+      <p:sp>
+        <p:nvSpPr>
+          <p:cNvPr id="3" name="Marcador de contenido 2">
+            <a:extLst>
+              <a:ext uri="{FF2B5EF4-FFF2-40B4-BE49-F238E27FC236}">
+                <a16:creationId xmlns:a16="http://schemas.microsoft.com/office/drawing/2014/main" id="{F323F636-E28A-4C95-EF99-52B58968CE9A}"/>
+              </a:ext>
+            </a:extLst>
+          </p:cNvPr>
+          <p:cNvSpPr>
+            <a:spLocks noGrp="1"/>
+          </p:cNvSpPr>
+          <p:nvPr>
+            <p:ph idx="1"/>
+          </p:nvPr>
+        </p:nvSpPr>
+        <p:spPr/>
         <p:txBody>
           <a:bodyPr>
-            <a:normAutofit fontScale="90000"/>
+            <a:normAutofit fontScale="92500" lnSpcReduction="10000"/>
           </a:bodyPr>
           <a:lstStyle/>
           <a:p>
-            <a:br>
-              <a:rPr lang="es-ES" dirty="0"/>
-            </a:br>
-            <a:r>
-              <a:rPr lang="es-ES" dirty="0" err="1"/>
-              <a:t>Caching</a:t>
-            </a:r>
-            <a:r>
-              <a:rPr lang="es-ES" dirty="0"/>
-              <a:t> con Redis o </a:t>
-            </a:r>
-            <a:r>
-              <a:rPr lang="es-ES" dirty="0" err="1"/>
-              <a:t>Memcached</a:t>
-            </a:r>
-            <a:r>
-              <a:rPr lang="es-ES" dirty="0"/>
-              <a:t> en aplicaciones C++. </a:t>
-            </a:r>
-            <a:br>
-              <a:rPr lang="es-ES" dirty="0"/>
-            </a:br>
+            <a:r>
+              <a:rPr lang="es-ES" dirty="0" err="1"/>
+              <a:t>vcpkg</a:t>
+            </a:r>
+            <a:r>
+              <a:rPr lang="es-ES" dirty="0"/>
+              <a:t> </a:t>
+            </a:r>
+            <a:r>
+              <a:rPr lang="es-ES" dirty="0" err="1"/>
+              <a:t>install</a:t>
+            </a:r>
+            <a:r>
+              <a:rPr lang="es-ES" dirty="0"/>
+              <a:t> </a:t>
+            </a:r>
+            <a:r>
+              <a:rPr lang="es-ES" dirty="0" err="1"/>
+              <a:t>soci</a:t>
+            </a:r>
             <a:endParaRPr lang="es-ES" dirty="0"/>
           </a:p>
-        </p:txBody>
-      </p:sp>
-      <p:sp>
-        <p:nvSpPr>
-          <p:cNvPr id="3" name="Marcador de contenido 2">
-            <a:extLst>
-              <a:ext uri="{FF2B5EF4-FFF2-40B4-BE49-F238E27FC236}">
-                <a16:creationId xmlns:a16="http://schemas.microsoft.com/office/drawing/2014/main" id="{EA659A88-5D37-41C8-64E8-31D6A24EE5E3}"/>
-              </a:ext>
-            </a:extLst>
-          </p:cNvPr>
-          <p:cNvSpPr>
-            <a:spLocks noGrp="1"/>
-          </p:cNvSpPr>
-          <p:nvPr>
-            <p:ph idx="1"/>
-          </p:nvPr>
-        </p:nvSpPr>
-        <p:spPr/>
-        <p:txBody>
-          <a:bodyPr/>
-          <a:lstStyle/>
-          <a:p>
+          <a:p>
+            <a:r>
+              <a:rPr lang="es-ES" dirty="0" err="1"/>
+              <a:t>vcpkg</a:t>
+            </a:r>
+            <a:r>
+              <a:rPr lang="es-ES" dirty="0"/>
+              <a:t> </a:t>
+            </a:r>
+            <a:r>
+              <a:rPr lang="es-ES" dirty="0" err="1"/>
+              <a:t>install</a:t>
+            </a:r>
+            <a:r>
+              <a:rPr lang="es-ES" dirty="0"/>
+              <a:t> </a:t>
+            </a:r>
+            <a:r>
+              <a:rPr lang="es-ES" dirty="0" err="1"/>
+              <a:t>libpqxx</a:t>
+            </a:r>
             <a:endParaRPr lang="es-ES" dirty="0"/>
           </a:p>
+          <a:p>
+            <a:endParaRPr lang="es-ES" dirty="0"/>
+          </a:p>
+          <a:p>
+            <a:r>
+              <a:rPr lang="es-ES" dirty="0"/>
+              <a:t>Para integrar en visual </a:t>
+            </a:r>
+            <a:r>
+              <a:rPr lang="es-ES" dirty="0" err="1"/>
+              <a:t>studio</a:t>
+            </a:r>
+            <a:r>
+              <a:rPr lang="es-ES" dirty="0"/>
+              <a:t>:</a:t>
+            </a:r>
+          </a:p>
+          <a:p>
+            <a:pPr lvl="1"/>
+            <a:r>
+              <a:rPr lang="es-ES" dirty="0" err="1"/>
+              <a:t>vcpkg</a:t>
+            </a:r>
+            <a:r>
+              <a:rPr lang="es-ES" dirty="0"/>
+              <a:t> </a:t>
+            </a:r>
+            <a:r>
+              <a:rPr lang="es-ES" dirty="0" err="1"/>
+              <a:t>integrate</a:t>
+            </a:r>
+            <a:r>
+              <a:rPr lang="es-ES" dirty="0"/>
+              <a:t> </a:t>
+            </a:r>
+            <a:r>
+              <a:rPr lang="es-ES" dirty="0" err="1"/>
+              <a:t>install</a:t>
+            </a:r>
+            <a:endParaRPr lang="es-ES" dirty="0"/>
+          </a:p>
+          <a:p>
+            <a:pPr lvl="1"/>
+            <a:endParaRPr lang="es-ES" dirty="0"/>
+          </a:p>
+          <a:p>
+            <a:r>
+              <a:rPr lang="es-ES" b="1" dirty="0" err="1"/>
+              <a:t>soci</a:t>
+            </a:r>
+            <a:r>
+              <a:rPr lang="es-ES" dirty="0"/>
+              <a:t> es un </a:t>
+            </a:r>
+            <a:r>
+              <a:rPr lang="es-ES" b="1" dirty="0"/>
+              <a:t>ORM</a:t>
+            </a:r>
+            <a:r>
+              <a:rPr lang="es-ES" dirty="0"/>
+              <a:t> (</a:t>
+            </a:r>
+            <a:r>
+              <a:rPr lang="es-ES" dirty="0" err="1"/>
+              <a:t>object</a:t>
+            </a:r>
+            <a:r>
+              <a:rPr lang="es-ES" dirty="0"/>
+              <a:t> </a:t>
+            </a:r>
+            <a:r>
+              <a:rPr lang="es-ES" dirty="0" err="1"/>
+              <a:t>relational</a:t>
+            </a:r>
+            <a:r>
+              <a:rPr lang="es-ES" dirty="0"/>
+              <a:t> </a:t>
+            </a:r>
+            <a:r>
+              <a:rPr lang="es-ES" dirty="0" err="1"/>
+              <a:t>mapping</a:t>
+            </a:r>
+            <a:r>
+              <a:rPr lang="es-ES" dirty="0"/>
+              <a:t>). Nos abstrae de utilizar el SQL y podemos trabajar con un modelo orientado a objetos.</a:t>
+            </a:r>
+          </a:p>
+          <a:p>
+            <a:endParaRPr lang="es-ES" dirty="0"/>
+          </a:p>
+          <a:p>
+            <a:r>
+              <a:rPr lang="es-ES" b="1" dirty="0" err="1"/>
+              <a:t>libpqxx</a:t>
+            </a:r>
+            <a:r>
+              <a:rPr lang="es-ES" dirty="0"/>
+              <a:t> es un </a:t>
+            </a:r>
+            <a:r>
+              <a:rPr lang="es-ES" b="1" dirty="0"/>
+              <a:t>cliente</a:t>
+            </a:r>
+            <a:r>
+              <a:rPr lang="es-ES" dirty="0"/>
+              <a:t> puro para </a:t>
+            </a:r>
+            <a:r>
+              <a:rPr lang="es-ES" b="1" dirty="0" err="1"/>
+              <a:t>postgresql</a:t>
+            </a:r>
+            <a:r>
+              <a:rPr lang="es-ES" dirty="0"/>
+              <a:t>, pero no es un ORM.</a:t>
+            </a:r>
+          </a:p>
         </p:txBody>
       </p:sp>
       <p:sp>
@@ -7505,7 +7677,7 @@
           <p:cNvPr id="4" name="Marcador de número de diapositiva 3">
             <a:extLst>
               <a:ext uri="{FF2B5EF4-FFF2-40B4-BE49-F238E27FC236}">
-                <a16:creationId xmlns:a16="http://schemas.microsoft.com/office/drawing/2014/main" id="{B4554192-6168-CC32-B34C-95A000769902}"/>
+                <a16:creationId xmlns:a16="http://schemas.microsoft.com/office/drawing/2014/main" id="{209D1638-FD86-948E-4C26-864B0A22DE71}"/>
               </a:ext>
             </a:extLst>
           </p:cNvPr>
@@ -7532,7 +7704,7 @@
     </p:spTree>
     <p:extLst>
       <p:ext uri="{BB962C8B-B14F-4D97-AF65-F5344CB8AC3E}">
-        <p14:creationId xmlns:p14="http://schemas.microsoft.com/office/powerpoint/2010/main" val="616475062"/>
+        <p14:creationId xmlns:p14="http://schemas.microsoft.com/office/powerpoint/2010/main" val="1975831455"/>
       </p:ext>
     </p:extLst>
   </p:cSld>
@@ -7564,7 +7736,7 @@
           <p:cNvPr id="2" name="Título 1">
             <a:extLst>
               <a:ext uri="{FF2B5EF4-FFF2-40B4-BE49-F238E27FC236}">
-                <a16:creationId xmlns:a16="http://schemas.microsoft.com/office/drawing/2014/main" id="{49BB2EED-00D7-72C8-4BAA-9054EDCFA75D}"/>
+                <a16:creationId xmlns:a16="http://schemas.microsoft.com/office/drawing/2014/main" id="{333CF42C-705E-2FA8-2AE0-43A3CF4B5E4B}"/>
               </a:ext>
             </a:extLst>
           </p:cNvPr>
@@ -7580,7 +7752,11 @@
           <a:bodyPr/>
           <a:lstStyle/>
           <a:p>
-            <a:endParaRPr lang="es-ES"/>
+            <a:r>
+              <a:rPr lang="es-ES" dirty="0" err="1"/>
+              <a:t>soci</a:t>
+            </a:r>
+            <a:endParaRPr lang="es-ES" dirty="0"/>
           </a:p>
         </p:txBody>
       </p:sp>
@@ -7589,7 +7765,7 @@
           <p:cNvPr id="3" name="Marcador de contenido 2">
             <a:extLst>
               <a:ext uri="{FF2B5EF4-FFF2-40B4-BE49-F238E27FC236}">
-                <a16:creationId xmlns:a16="http://schemas.microsoft.com/office/drawing/2014/main" id="{4E51DAE2-6BF9-D230-8633-B37A6B6FAA28}"/>
+                <a16:creationId xmlns:a16="http://schemas.microsoft.com/office/drawing/2014/main" id="{46D8D569-541B-DF55-E779-A961B6CEB91F}"/>
               </a:ext>
             </a:extLst>
           </p:cNvPr>
@@ -7605,7 +7781,45 @@
           <a:bodyPr/>
           <a:lstStyle/>
           <a:p>
-            <a:endParaRPr lang="es-ES"/>
+            <a:r>
+              <a:rPr lang="es-ES" dirty="0"/>
+              <a:t>Es una abstracción de acceso a base de datos que permite escribir código C++ sin preocuparse por el SQL específico del motor.</a:t>
+            </a:r>
+          </a:p>
+          <a:p>
+            <a:endParaRPr lang="es-ES" dirty="0"/>
+          </a:p>
+          <a:p>
+            <a:r>
+              <a:rPr lang="es-ES" dirty="0"/>
+              <a:t>Tiene una sintaxis tipo ORM, aunque no es un ORM completo.</a:t>
+            </a:r>
+          </a:p>
+          <a:p>
+            <a:endParaRPr lang="es-ES" dirty="0"/>
+          </a:p>
+          <a:p>
+            <a:r>
+              <a:rPr lang="es-ES" dirty="0"/>
+              <a:t>Soporta múltiples </a:t>
+            </a:r>
+            <a:r>
+              <a:rPr lang="es-ES" dirty="0" err="1"/>
+              <a:t>backends</a:t>
+            </a:r>
+            <a:r>
+              <a:rPr lang="es-ES" dirty="0"/>
+              <a:t>: PostgreSQL, MySQL, SQLite, Oracle.</a:t>
+            </a:r>
+          </a:p>
+          <a:p>
+            <a:endParaRPr lang="es-ES" dirty="0"/>
+          </a:p>
+          <a:p>
+            <a:r>
+              <a:rPr lang="es-ES" dirty="0"/>
+              <a:t>Puedes usar macros para generar clases que se mapean a tablas</a:t>
+            </a:r>
           </a:p>
         </p:txBody>
       </p:sp>
@@ -7614,7 +7828,7 @@
           <p:cNvPr id="4" name="Marcador de número de diapositiva 3">
             <a:extLst>
               <a:ext uri="{FF2B5EF4-FFF2-40B4-BE49-F238E27FC236}">
-                <a16:creationId xmlns:a16="http://schemas.microsoft.com/office/drawing/2014/main" id="{7C785272-8B36-78C1-1936-DD08C0F0D35C}"/>
+                <a16:creationId xmlns:a16="http://schemas.microsoft.com/office/drawing/2014/main" id="{90F6CF22-5523-7A95-C18D-9A2E00296B5F}"/>
               </a:ext>
             </a:extLst>
           </p:cNvPr>
@@ -7641,7 +7855,7 @@
     </p:spTree>
     <p:extLst>
       <p:ext uri="{BB962C8B-B14F-4D97-AF65-F5344CB8AC3E}">
-        <p14:creationId xmlns:p14="http://schemas.microsoft.com/office/powerpoint/2010/main" val="1445094952"/>
+        <p14:creationId xmlns:p14="http://schemas.microsoft.com/office/powerpoint/2010/main" val="4249216608"/>
       </p:ext>
     </p:extLst>
   </p:cSld>
@@ -7673,7 +7887,7 @@
           <p:cNvPr id="2" name="Título 1">
             <a:extLst>
               <a:ext uri="{FF2B5EF4-FFF2-40B4-BE49-F238E27FC236}">
-                <a16:creationId xmlns:a16="http://schemas.microsoft.com/office/drawing/2014/main" id="{0AF1788B-5C79-E93A-CFF1-2028E33D14F2}"/>
+                <a16:creationId xmlns:a16="http://schemas.microsoft.com/office/drawing/2014/main" id="{E29530BB-B740-3377-912F-A40AADF2DDC0}"/>
               </a:ext>
             </a:extLst>
           </p:cNvPr>
@@ -7686,21 +7900,13 @@
         </p:nvSpPr>
         <p:spPr/>
         <p:txBody>
-          <a:bodyPr>
-            <a:normAutofit fontScale="90000"/>
-          </a:bodyPr>
-          <a:lstStyle/>
-          <a:p>
-            <a:br>
-              <a:rPr lang="es-ES" dirty="0"/>
-            </a:br>
-            <a:r>
-              <a:rPr lang="es-ES" dirty="0"/>
-              <a:t>Implementación de acceso en tiempo real a grandes volúmenes de datos </a:t>
-            </a:r>
-            <a:br>
-              <a:rPr lang="es-ES" dirty="0"/>
-            </a:br>
+          <a:bodyPr/>
+          <a:lstStyle/>
+          <a:p>
+            <a:r>
+              <a:rPr lang="es-ES" dirty="0" err="1"/>
+              <a:t>libmqxx</a:t>
+            </a:r>
             <a:endParaRPr lang="es-ES" dirty="0"/>
           </a:p>
         </p:txBody>
@@ -7710,7 +7916,7 @@
           <p:cNvPr id="3" name="Marcador de contenido 2">
             <a:extLst>
               <a:ext uri="{FF2B5EF4-FFF2-40B4-BE49-F238E27FC236}">
-                <a16:creationId xmlns:a16="http://schemas.microsoft.com/office/drawing/2014/main" id="{2D020A8F-0A2D-0870-5DA2-82B7D01EAC67}"/>
+                <a16:creationId xmlns:a16="http://schemas.microsoft.com/office/drawing/2014/main" id="{7C2A9EFF-669C-2506-D366-AB42A65B4E8D}"/>
               </a:ext>
             </a:extLst>
           </p:cNvPr>
@@ -7726,7 +7932,45 @@
           <a:bodyPr/>
           <a:lstStyle/>
           <a:p>
-            <a:endParaRPr lang="es-ES"/>
+            <a:r>
+              <a:rPr lang="es-ES" dirty="0"/>
+              <a:t>Es el </a:t>
+            </a:r>
+            <a:r>
+              <a:rPr lang="es-ES" dirty="0" err="1"/>
+              <a:t>wrapper</a:t>
+            </a:r>
+            <a:r>
+              <a:rPr lang="es-ES" dirty="0"/>
+              <a:t> oficial en C++ para PostgreSQL.</a:t>
+            </a:r>
+          </a:p>
+          <a:p>
+            <a:endParaRPr lang="es-ES" dirty="0"/>
+          </a:p>
+          <a:p>
+            <a:r>
+              <a:rPr lang="es-ES" dirty="0"/>
+              <a:t>No es un ORM, sino una interfaz directa al motor PostgreSQL.</a:t>
+            </a:r>
+          </a:p>
+          <a:p>
+            <a:endParaRPr lang="es-ES" dirty="0"/>
+          </a:p>
+          <a:p>
+            <a:r>
+              <a:rPr lang="es-ES" dirty="0"/>
+              <a:t>Ofrece acceso a transacciones, consultas, y manejo de resultados con una API moderna en C++.</a:t>
+            </a:r>
+          </a:p>
+          <a:p>
+            <a:endParaRPr lang="es-ES" dirty="0"/>
+          </a:p>
+          <a:p>
+            <a:r>
+              <a:rPr lang="es-ES" dirty="0"/>
+              <a:t>Ideal si quieres control total sobre el SQL y rendimiento.</a:t>
+            </a:r>
           </a:p>
         </p:txBody>
       </p:sp>
@@ -7735,7 +7979,7 @@
           <p:cNvPr id="4" name="Marcador de número de diapositiva 3">
             <a:extLst>
               <a:ext uri="{FF2B5EF4-FFF2-40B4-BE49-F238E27FC236}">
-                <a16:creationId xmlns:a16="http://schemas.microsoft.com/office/drawing/2014/main" id="{91067DBD-6930-F91A-B260-0C31A518892C}"/>
+                <a16:creationId xmlns:a16="http://schemas.microsoft.com/office/drawing/2014/main" id="{BA090F34-E141-6675-3F4C-39170F3E3BD6}"/>
               </a:ext>
             </a:extLst>
           </p:cNvPr>
@@ -7762,7 +8006,254 @@
     </p:spTree>
     <p:extLst>
       <p:ext uri="{BB962C8B-B14F-4D97-AF65-F5344CB8AC3E}">
-        <p14:creationId xmlns:p14="http://schemas.microsoft.com/office/powerpoint/2010/main" val="2528525117"/>
+        <p14:creationId xmlns:p14="http://schemas.microsoft.com/office/powerpoint/2010/main" val="3245247156"/>
+      </p:ext>
+    </p:extLst>
+  </p:cSld>
+  <p:clrMapOvr>
+    <a:masterClrMapping/>
+  </p:clrMapOvr>
+</p:sld>
+</file>
+
+<file path=ppt/slides/slide28.xml><?xml version="1.0" encoding="utf-8"?>
+<p:sld xmlns:a="http://schemas.openxmlformats.org/drawingml/2006/main" xmlns:r="http://schemas.openxmlformats.org/officeDocument/2006/relationships" xmlns:p="http://schemas.openxmlformats.org/presentationml/2006/main">
+  <p:cSld>
+    <p:spTree>
+      <p:nvGrpSpPr>
+        <p:cNvPr id="1" name=""/>
+        <p:cNvGrpSpPr/>
+        <p:nvPr/>
+      </p:nvGrpSpPr>
+      <p:grpSpPr>
+        <a:xfrm>
+          <a:off x="0" y="0"/>
+          <a:ext cx="0" cy="0"/>
+          <a:chOff x="0" y="0"/>
+          <a:chExt cx="0" cy="0"/>
+        </a:xfrm>
+      </p:grpSpPr>
+      <p:sp>
+        <p:nvSpPr>
+          <p:cNvPr id="2" name="Título 1">
+            <a:extLst>
+              <a:ext uri="{FF2B5EF4-FFF2-40B4-BE49-F238E27FC236}">
+                <a16:creationId xmlns:a16="http://schemas.microsoft.com/office/drawing/2014/main" id="{F90C6389-08B9-9576-2ACE-51D9B226896F}"/>
+              </a:ext>
+            </a:extLst>
+          </p:cNvPr>
+          <p:cNvSpPr>
+            <a:spLocks noGrp="1"/>
+          </p:cNvSpPr>
+          <p:nvPr>
+            <p:ph type="title"/>
+          </p:nvPr>
+        </p:nvSpPr>
+        <p:spPr/>
+        <p:txBody>
+          <a:bodyPr/>
+          <a:lstStyle/>
+          <a:p>
+            <a:r>
+              <a:rPr lang="es-ES" dirty="0"/>
+              <a:t>Comparativa </a:t>
+            </a:r>
+            <a:r>
+              <a:rPr lang="es-ES" dirty="0" err="1"/>
+              <a:t>soci</a:t>
+            </a:r>
+            <a:r>
+              <a:rPr lang="es-ES" dirty="0"/>
+              <a:t> vs </a:t>
+            </a:r>
+            <a:r>
+              <a:rPr lang="es-ES" dirty="0" err="1"/>
+              <a:t>libpqxx</a:t>
+            </a:r>
+            <a:endParaRPr lang="es-ES" dirty="0"/>
+          </a:p>
+        </p:txBody>
+      </p:sp>
+      <p:sp>
+        <p:nvSpPr>
+          <p:cNvPr id="4" name="Marcador de número de diapositiva 3">
+            <a:extLst>
+              <a:ext uri="{FF2B5EF4-FFF2-40B4-BE49-F238E27FC236}">
+                <a16:creationId xmlns:a16="http://schemas.microsoft.com/office/drawing/2014/main" id="{3C28BEE4-3184-5CC6-1751-A48F33BA623E}"/>
+              </a:ext>
+            </a:extLst>
+          </p:cNvPr>
+          <p:cNvSpPr>
+            <a:spLocks noGrp="1"/>
+          </p:cNvSpPr>
+          <p:nvPr>
+            <p:ph type="sldNum" sz="quarter" idx="12"/>
+          </p:nvPr>
+        </p:nvSpPr>
+        <p:spPr/>
+        <p:txBody>
+          <a:bodyPr/>
+          <a:lstStyle/>
+          <a:p>
+            <a:fld id="{768BFD4A-17AE-4857-8B7E-5E5A409CCC86}" type="slidenum">
+              <a:rPr lang="es-ES" smtClean="0"/>
+              <a:t>28</a:t>
+            </a:fld>
+            <a:endParaRPr lang="es-ES"/>
+          </a:p>
+        </p:txBody>
+      </p:sp>
+      <p:pic>
+        <p:nvPicPr>
+          <p:cNvPr id="6" name="Imagen 5">
+            <a:extLst>
+              <a:ext uri="{FF2B5EF4-FFF2-40B4-BE49-F238E27FC236}">
+                <a16:creationId xmlns:a16="http://schemas.microsoft.com/office/drawing/2014/main" id="{BD002857-72B1-314D-535C-EA5D882B5057}"/>
+              </a:ext>
+            </a:extLst>
+          </p:cNvPr>
+          <p:cNvPicPr>
+            <a:picLocks noChangeAspect="1"/>
+          </p:cNvPicPr>
+          <p:nvPr/>
+        </p:nvPicPr>
+        <p:blipFill>
+          <a:blip r:embed="rId2"/>
+          <a:stretch>
+            <a:fillRect/>
+          </a:stretch>
+        </p:blipFill>
+        <p:spPr>
+          <a:xfrm>
+            <a:off x="1102150" y="1744892"/>
+            <a:ext cx="10172308" cy="4294974"/>
+          </a:xfrm>
+          <a:prstGeom prst="rect">
+            <a:avLst/>
+          </a:prstGeom>
+        </p:spPr>
+      </p:pic>
+    </p:spTree>
+    <p:extLst>
+      <p:ext uri="{BB962C8B-B14F-4D97-AF65-F5344CB8AC3E}">
+        <p14:creationId xmlns:p14="http://schemas.microsoft.com/office/powerpoint/2010/main" val="4179700746"/>
+      </p:ext>
+    </p:extLst>
+  </p:cSld>
+  <p:clrMapOvr>
+    <a:masterClrMapping/>
+  </p:clrMapOvr>
+</p:sld>
+</file>
+
+<file path=ppt/slides/slide29.xml><?xml version="1.0" encoding="utf-8"?>
+<p:sld xmlns:a="http://schemas.openxmlformats.org/drawingml/2006/main" xmlns:r="http://schemas.openxmlformats.org/officeDocument/2006/relationships" xmlns:p="http://schemas.openxmlformats.org/presentationml/2006/main">
+  <p:cSld>
+    <p:spTree>
+      <p:nvGrpSpPr>
+        <p:cNvPr id="1" name=""/>
+        <p:cNvGrpSpPr/>
+        <p:nvPr/>
+      </p:nvGrpSpPr>
+      <p:grpSpPr>
+        <a:xfrm>
+          <a:off x="0" y="0"/>
+          <a:ext cx="0" cy="0"/>
+          <a:chOff x="0" y="0"/>
+          <a:chExt cx="0" cy="0"/>
+        </a:xfrm>
+      </p:grpSpPr>
+      <p:sp>
+        <p:nvSpPr>
+          <p:cNvPr id="5" name="Título 4">
+            <a:extLst>
+              <a:ext uri="{FF2B5EF4-FFF2-40B4-BE49-F238E27FC236}">
+                <a16:creationId xmlns:a16="http://schemas.microsoft.com/office/drawing/2014/main" id="{3CBC71DF-E9A0-E7AC-9262-923C65314C00}"/>
+              </a:ext>
+            </a:extLst>
+          </p:cNvPr>
+          <p:cNvSpPr>
+            <a:spLocks noGrp="1"/>
+          </p:cNvSpPr>
+          <p:nvPr>
+            <p:ph type="ctrTitle"/>
+          </p:nvPr>
+        </p:nvSpPr>
+        <p:spPr/>
+        <p:txBody>
+          <a:bodyPr/>
+          <a:lstStyle/>
+          <a:p>
+            <a:r>
+              <a:rPr lang="es-ES" b="1" dirty="0" err="1"/>
+              <a:t>PostGreSQL</a:t>
+            </a:r>
+            <a:endParaRPr lang="es-ES" b="1" dirty="0"/>
+          </a:p>
+        </p:txBody>
+      </p:sp>
+      <p:sp>
+        <p:nvSpPr>
+          <p:cNvPr id="6" name="Subtítulo 5">
+            <a:extLst>
+              <a:ext uri="{FF2B5EF4-FFF2-40B4-BE49-F238E27FC236}">
+                <a16:creationId xmlns:a16="http://schemas.microsoft.com/office/drawing/2014/main" id="{B40A83A0-C658-B075-6760-5FAA27DC7ECD}"/>
+              </a:ext>
+            </a:extLst>
+          </p:cNvPr>
+          <p:cNvSpPr>
+            <a:spLocks noGrp="1"/>
+          </p:cNvSpPr>
+          <p:nvPr>
+            <p:ph type="subTitle" idx="1"/>
+          </p:nvPr>
+        </p:nvSpPr>
+        <p:spPr/>
+        <p:txBody>
+          <a:bodyPr/>
+          <a:lstStyle/>
+          <a:p>
+            <a:r>
+              <a:rPr lang="es-ES" b="1" dirty="0" err="1"/>
+              <a:t>libpq</a:t>
+            </a:r>
+            <a:endParaRPr lang="es-ES" b="1" dirty="0"/>
+          </a:p>
+        </p:txBody>
+      </p:sp>
+      <p:sp>
+        <p:nvSpPr>
+          <p:cNvPr id="4" name="Marcador de número de diapositiva 3">
+            <a:extLst>
+              <a:ext uri="{FF2B5EF4-FFF2-40B4-BE49-F238E27FC236}">
+                <a16:creationId xmlns:a16="http://schemas.microsoft.com/office/drawing/2014/main" id="{A21E00CF-60DA-6313-B007-A7888B182274}"/>
+              </a:ext>
+            </a:extLst>
+          </p:cNvPr>
+          <p:cNvSpPr>
+            <a:spLocks noGrp="1"/>
+          </p:cNvSpPr>
+          <p:nvPr>
+            <p:ph type="sldNum" sz="quarter" idx="12"/>
+          </p:nvPr>
+        </p:nvSpPr>
+        <p:spPr/>
+        <p:txBody>
+          <a:bodyPr/>
+          <a:lstStyle/>
+          <a:p>
+            <a:fld id="{768BFD4A-17AE-4857-8B7E-5E5A409CCC86}" type="slidenum">
+              <a:rPr lang="es-ES" smtClean="0"/>
+              <a:t>29</a:t>
+            </a:fld>
+            <a:endParaRPr lang="es-ES"/>
+          </a:p>
+        </p:txBody>
+      </p:sp>
+    </p:spTree>
+    <p:extLst>
+      <p:ext uri="{BB962C8B-B14F-4D97-AF65-F5344CB8AC3E}">
+        <p14:creationId xmlns:p14="http://schemas.microsoft.com/office/powerpoint/2010/main" val="2950113179"/>
       </p:ext>
     </p:extLst>
   </p:cSld>
@@ -7833,6 +8324,692 @@
     <p:extLst>
       <p:ext uri="{BB962C8B-B14F-4D97-AF65-F5344CB8AC3E}">
         <p14:creationId xmlns:p14="http://schemas.microsoft.com/office/powerpoint/2010/main" val="290165640"/>
+      </p:ext>
+    </p:extLst>
+  </p:cSld>
+  <p:clrMapOvr>
+    <a:masterClrMapping/>
+  </p:clrMapOvr>
+</p:sld>
+</file>
+
+<file path=ppt/slides/slide30.xml><?xml version="1.0" encoding="utf-8"?>
+<p:sld xmlns:a="http://schemas.openxmlformats.org/drawingml/2006/main" xmlns:r="http://schemas.openxmlformats.org/officeDocument/2006/relationships" xmlns:p="http://schemas.openxmlformats.org/presentationml/2006/main">
+  <p:cSld>
+    <p:spTree>
+      <p:nvGrpSpPr>
+        <p:cNvPr id="1" name=""/>
+        <p:cNvGrpSpPr/>
+        <p:nvPr/>
+      </p:nvGrpSpPr>
+      <p:grpSpPr>
+        <a:xfrm>
+          <a:off x="0" y="0"/>
+          <a:ext cx="0" cy="0"/>
+          <a:chOff x="0" y="0"/>
+          <a:chExt cx="0" cy="0"/>
+        </a:xfrm>
+      </p:grpSpPr>
+      <p:sp>
+        <p:nvSpPr>
+          <p:cNvPr id="2" name="Título 1">
+            <a:extLst>
+              <a:ext uri="{FF2B5EF4-FFF2-40B4-BE49-F238E27FC236}">
+                <a16:creationId xmlns:a16="http://schemas.microsoft.com/office/drawing/2014/main" id="{BBA0DD6A-B826-1778-EE8A-9933BD58EDD8}"/>
+              </a:ext>
+            </a:extLst>
+          </p:cNvPr>
+          <p:cNvSpPr>
+            <a:spLocks noGrp="1"/>
+          </p:cNvSpPr>
+          <p:nvPr>
+            <p:ph type="title"/>
+          </p:nvPr>
+        </p:nvSpPr>
+        <p:spPr/>
+        <p:txBody>
+          <a:bodyPr/>
+          <a:lstStyle/>
+          <a:p>
+            <a:r>
+              <a:rPr lang="es-ES" dirty="0"/>
+              <a:t>Librería </a:t>
+            </a:r>
+            <a:r>
+              <a:rPr lang="es-ES" dirty="0" err="1"/>
+              <a:t>libpq</a:t>
+            </a:r>
+            <a:endParaRPr lang="es-ES" dirty="0"/>
+          </a:p>
+        </p:txBody>
+      </p:sp>
+      <p:sp>
+        <p:nvSpPr>
+          <p:cNvPr id="3" name="Marcador de contenido 2">
+            <a:extLst>
+              <a:ext uri="{FF2B5EF4-FFF2-40B4-BE49-F238E27FC236}">
+                <a16:creationId xmlns:a16="http://schemas.microsoft.com/office/drawing/2014/main" id="{4B987BDD-3F1A-3808-CA10-98DFB2A29874}"/>
+              </a:ext>
+            </a:extLst>
+          </p:cNvPr>
+          <p:cNvSpPr>
+            <a:spLocks noGrp="1"/>
+          </p:cNvSpPr>
+          <p:nvPr>
+            <p:ph idx="1"/>
+          </p:nvPr>
+        </p:nvSpPr>
+        <p:spPr/>
+        <p:txBody>
+          <a:bodyPr/>
+          <a:lstStyle/>
+          <a:p>
+            <a:endParaRPr lang="es-ES"/>
+          </a:p>
+        </p:txBody>
+      </p:sp>
+      <p:sp>
+        <p:nvSpPr>
+          <p:cNvPr id="4" name="Marcador de número de diapositiva 3">
+            <a:extLst>
+              <a:ext uri="{FF2B5EF4-FFF2-40B4-BE49-F238E27FC236}">
+                <a16:creationId xmlns:a16="http://schemas.microsoft.com/office/drawing/2014/main" id="{0A7F6A1E-78C3-1F32-689E-71AE0ED5F694}"/>
+              </a:ext>
+            </a:extLst>
+          </p:cNvPr>
+          <p:cNvSpPr>
+            <a:spLocks noGrp="1"/>
+          </p:cNvSpPr>
+          <p:nvPr>
+            <p:ph type="sldNum" sz="quarter" idx="12"/>
+          </p:nvPr>
+        </p:nvSpPr>
+        <p:spPr/>
+        <p:txBody>
+          <a:bodyPr/>
+          <a:lstStyle/>
+          <a:p>
+            <a:fld id="{768BFD4A-17AE-4857-8B7E-5E5A409CCC86}" type="slidenum">
+              <a:rPr lang="es-ES" smtClean="0"/>
+              <a:t>30</a:t>
+            </a:fld>
+            <a:endParaRPr lang="es-ES"/>
+          </a:p>
+        </p:txBody>
+      </p:sp>
+    </p:spTree>
+    <p:extLst>
+      <p:ext uri="{BB962C8B-B14F-4D97-AF65-F5344CB8AC3E}">
+        <p14:creationId xmlns:p14="http://schemas.microsoft.com/office/powerpoint/2010/main" val="3028369718"/>
+      </p:ext>
+    </p:extLst>
+  </p:cSld>
+  <p:clrMapOvr>
+    <a:masterClrMapping/>
+  </p:clrMapOvr>
+</p:sld>
+</file>
+
+<file path=ppt/slides/slide31.xml><?xml version="1.0" encoding="utf-8"?>
+<p:sld xmlns:a="http://schemas.openxmlformats.org/drawingml/2006/main" xmlns:r="http://schemas.openxmlformats.org/officeDocument/2006/relationships" xmlns:p="http://schemas.openxmlformats.org/presentationml/2006/main">
+  <p:cSld>
+    <p:spTree>
+      <p:nvGrpSpPr>
+        <p:cNvPr id="1" name=""/>
+        <p:cNvGrpSpPr/>
+        <p:nvPr/>
+      </p:nvGrpSpPr>
+      <p:grpSpPr>
+        <a:xfrm>
+          <a:off x="0" y="0"/>
+          <a:ext cx="0" cy="0"/>
+          <a:chOff x="0" y="0"/>
+          <a:chExt cx="0" cy="0"/>
+        </a:xfrm>
+      </p:grpSpPr>
+      <p:sp>
+        <p:nvSpPr>
+          <p:cNvPr id="2" name="Título 1">
+            <a:extLst>
+              <a:ext uri="{FF2B5EF4-FFF2-40B4-BE49-F238E27FC236}">
+                <a16:creationId xmlns:a16="http://schemas.microsoft.com/office/drawing/2014/main" id="{579ECEA9-3045-A5C4-03D4-848D328F22CE}"/>
+              </a:ext>
+            </a:extLst>
+          </p:cNvPr>
+          <p:cNvSpPr>
+            <a:spLocks noGrp="1"/>
+          </p:cNvSpPr>
+          <p:nvPr>
+            <p:ph type="title"/>
+          </p:nvPr>
+        </p:nvSpPr>
+        <p:spPr/>
+        <p:txBody>
+          <a:bodyPr/>
+          <a:lstStyle/>
+          <a:p>
+            <a:endParaRPr lang="es-ES"/>
+          </a:p>
+        </p:txBody>
+      </p:sp>
+      <p:sp>
+        <p:nvSpPr>
+          <p:cNvPr id="3" name="Marcador de contenido 2">
+            <a:extLst>
+              <a:ext uri="{FF2B5EF4-FFF2-40B4-BE49-F238E27FC236}">
+                <a16:creationId xmlns:a16="http://schemas.microsoft.com/office/drawing/2014/main" id="{A484EE05-89D7-6AA8-11A0-E3739725FE76}"/>
+              </a:ext>
+            </a:extLst>
+          </p:cNvPr>
+          <p:cNvSpPr>
+            <a:spLocks noGrp="1"/>
+          </p:cNvSpPr>
+          <p:nvPr>
+            <p:ph idx="1"/>
+          </p:nvPr>
+        </p:nvSpPr>
+        <p:spPr/>
+        <p:txBody>
+          <a:bodyPr/>
+          <a:lstStyle/>
+          <a:p>
+            <a:endParaRPr lang="es-ES"/>
+          </a:p>
+        </p:txBody>
+      </p:sp>
+      <p:sp>
+        <p:nvSpPr>
+          <p:cNvPr id="4" name="Marcador de número de diapositiva 3">
+            <a:extLst>
+              <a:ext uri="{FF2B5EF4-FFF2-40B4-BE49-F238E27FC236}">
+                <a16:creationId xmlns:a16="http://schemas.microsoft.com/office/drawing/2014/main" id="{9F6D5783-F9DD-A59A-BCEC-CA2FA10AE038}"/>
+              </a:ext>
+            </a:extLst>
+          </p:cNvPr>
+          <p:cNvSpPr>
+            <a:spLocks noGrp="1"/>
+          </p:cNvSpPr>
+          <p:nvPr>
+            <p:ph type="sldNum" sz="quarter" idx="12"/>
+          </p:nvPr>
+        </p:nvSpPr>
+        <p:spPr/>
+        <p:txBody>
+          <a:bodyPr/>
+          <a:lstStyle/>
+          <a:p>
+            <a:fld id="{768BFD4A-17AE-4857-8B7E-5E5A409CCC86}" type="slidenum">
+              <a:rPr lang="es-ES" smtClean="0"/>
+              <a:t>31</a:t>
+            </a:fld>
+            <a:endParaRPr lang="es-ES"/>
+          </a:p>
+        </p:txBody>
+      </p:sp>
+    </p:spTree>
+    <p:extLst>
+      <p:ext uri="{BB962C8B-B14F-4D97-AF65-F5344CB8AC3E}">
+        <p14:creationId xmlns:p14="http://schemas.microsoft.com/office/powerpoint/2010/main" val="3524649023"/>
+      </p:ext>
+    </p:extLst>
+  </p:cSld>
+  <p:clrMapOvr>
+    <a:masterClrMapping/>
+  </p:clrMapOvr>
+</p:sld>
+</file>
+
+<file path=ppt/slides/slide32.xml><?xml version="1.0" encoding="utf-8"?>
+<p:sld xmlns:a="http://schemas.openxmlformats.org/drawingml/2006/main" xmlns:r="http://schemas.openxmlformats.org/officeDocument/2006/relationships" xmlns:p="http://schemas.openxmlformats.org/presentationml/2006/main">
+  <p:cSld>
+    <p:spTree>
+      <p:nvGrpSpPr>
+        <p:cNvPr id="1" name=""/>
+        <p:cNvGrpSpPr/>
+        <p:nvPr/>
+      </p:nvGrpSpPr>
+      <p:grpSpPr>
+        <a:xfrm>
+          <a:off x="0" y="0"/>
+          <a:ext cx="0" cy="0"/>
+          <a:chOff x="0" y="0"/>
+          <a:chExt cx="0" cy="0"/>
+        </a:xfrm>
+      </p:grpSpPr>
+      <p:sp>
+        <p:nvSpPr>
+          <p:cNvPr id="5" name="Título 4">
+            <a:extLst>
+              <a:ext uri="{FF2B5EF4-FFF2-40B4-BE49-F238E27FC236}">
+                <a16:creationId xmlns:a16="http://schemas.microsoft.com/office/drawing/2014/main" id="{3530AFC8-879B-AB7E-BD55-0F2A15347493}"/>
+              </a:ext>
+            </a:extLst>
+          </p:cNvPr>
+          <p:cNvSpPr>
+            <a:spLocks noGrp="1"/>
+          </p:cNvSpPr>
+          <p:nvPr>
+            <p:ph type="ctrTitle"/>
+          </p:nvPr>
+        </p:nvSpPr>
+        <p:spPr>
+          <a:xfrm>
+            <a:off x="1524000" y="1988636"/>
+            <a:ext cx="9144000" cy="2387600"/>
+          </a:xfrm>
+        </p:spPr>
+        <p:txBody>
+          <a:bodyPr/>
+          <a:lstStyle/>
+          <a:p>
+            <a:r>
+              <a:rPr lang="es-ES" b="1" dirty="0"/>
+              <a:t>Estrategias de persistencia y acceso rápido a datos </a:t>
+            </a:r>
+          </a:p>
+        </p:txBody>
+      </p:sp>
+      <p:sp>
+        <p:nvSpPr>
+          <p:cNvPr id="4" name="Marcador de número de diapositiva 3">
+            <a:extLst>
+              <a:ext uri="{FF2B5EF4-FFF2-40B4-BE49-F238E27FC236}">
+                <a16:creationId xmlns:a16="http://schemas.microsoft.com/office/drawing/2014/main" id="{3ACD2230-B698-9BBC-AE67-4C639DF769BF}"/>
+              </a:ext>
+            </a:extLst>
+          </p:cNvPr>
+          <p:cNvSpPr>
+            <a:spLocks noGrp="1"/>
+          </p:cNvSpPr>
+          <p:nvPr>
+            <p:ph type="sldNum" sz="quarter" idx="12"/>
+          </p:nvPr>
+        </p:nvSpPr>
+        <p:spPr/>
+        <p:txBody>
+          <a:bodyPr/>
+          <a:lstStyle/>
+          <a:p>
+            <a:fld id="{768BFD4A-17AE-4857-8B7E-5E5A409CCC86}" type="slidenum">
+              <a:rPr lang="es-ES" smtClean="0"/>
+              <a:t>32</a:t>
+            </a:fld>
+            <a:endParaRPr lang="es-ES"/>
+          </a:p>
+        </p:txBody>
+      </p:sp>
+    </p:spTree>
+    <p:extLst>
+      <p:ext uri="{BB962C8B-B14F-4D97-AF65-F5344CB8AC3E}">
+        <p14:creationId xmlns:p14="http://schemas.microsoft.com/office/powerpoint/2010/main" val="215953526"/>
+      </p:ext>
+    </p:extLst>
+  </p:cSld>
+  <p:clrMapOvr>
+    <a:masterClrMapping/>
+  </p:clrMapOvr>
+</p:sld>
+</file>
+
+<file path=ppt/slides/slide33.xml><?xml version="1.0" encoding="utf-8"?>
+<p:sld xmlns:a="http://schemas.openxmlformats.org/drawingml/2006/main" xmlns:r="http://schemas.openxmlformats.org/officeDocument/2006/relationships" xmlns:p="http://schemas.openxmlformats.org/presentationml/2006/main">
+  <p:cSld>
+    <p:spTree>
+      <p:nvGrpSpPr>
+        <p:cNvPr id="1" name=""/>
+        <p:cNvGrpSpPr/>
+        <p:nvPr/>
+      </p:nvGrpSpPr>
+      <p:grpSpPr>
+        <a:xfrm>
+          <a:off x="0" y="0"/>
+          <a:ext cx="0" cy="0"/>
+          <a:chOff x="0" y="0"/>
+          <a:chExt cx="0" cy="0"/>
+        </a:xfrm>
+      </p:grpSpPr>
+      <p:sp>
+        <p:nvSpPr>
+          <p:cNvPr id="2" name="Título 1">
+            <a:extLst>
+              <a:ext uri="{FF2B5EF4-FFF2-40B4-BE49-F238E27FC236}">
+                <a16:creationId xmlns:a16="http://schemas.microsoft.com/office/drawing/2014/main" id="{F7F18BDE-AFE9-009B-D6D1-7D572F17D467}"/>
+              </a:ext>
+            </a:extLst>
+          </p:cNvPr>
+          <p:cNvSpPr>
+            <a:spLocks noGrp="1"/>
+          </p:cNvSpPr>
+          <p:nvPr>
+            <p:ph type="title"/>
+          </p:nvPr>
+        </p:nvSpPr>
+        <p:spPr>
+          <a:xfrm>
+            <a:off x="211756" y="365125"/>
+            <a:ext cx="11829448" cy="1325563"/>
+          </a:xfrm>
+        </p:spPr>
+        <p:txBody>
+          <a:bodyPr>
+            <a:normAutofit fontScale="90000"/>
+          </a:bodyPr>
+          <a:lstStyle/>
+          <a:p>
+            <a:br>
+              <a:rPr lang="es-ES" dirty="0"/>
+            </a:br>
+            <a:r>
+              <a:rPr lang="es-ES" dirty="0" err="1"/>
+              <a:t>Caching</a:t>
+            </a:r>
+            <a:r>
+              <a:rPr lang="es-ES" dirty="0"/>
+              <a:t> con Redis o </a:t>
+            </a:r>
+            <a:r>
+              <a:rPr lang="es-ES" dirty="0" err="1"/>
+              <a:t>Memcached</a:t>
+            </a:r>
+            <a:r>
+              <a:rPr lang="es-ES" dirty="0"/>
+              <a:t> en aplicaciones C++. </a:t>
+            </a:r>
+            <a:br>
+              <a:rPr lang="es-ES" dirty="0"/>
+            </a:br>
+            <a:endParaRPr lang="es-ES" dirty="0"/>
+          </a:p>
+        </p:txBody>
+      </p:sp>
+      <p:sp>
+        <p:nvSpPr>
+          <p:cNvPr id="3" name="Marcador de contenido 2">
+            <a:extLst>
+              <a:ext uri="{FF2B5EF4-FFF2-40B4-BE49-F238E27FC236}">
+                <a16:creationId xmlns:a16="http://schemas.microsoft.com/office/drawing/2014/main" id="{EA659A88-5D37-41C8-64E8-31D6A24EE5E3}"/>
+              </a:ext>
+            </a:extLst>
+          </p:cNvPr>
+          <p:cNvSpPr>
+            <a:spLocks noGrp="1"/>
+          </p:cNvSpPr>
+          <p:nvPr>
+            <p:ph idx="1"/>
+          </p:nvPr>
+        </p:nvSpPr>
+        <p:spPr/>
+        <p:txBody>
+          <a:bodyPr/>
+          <a:lstStyle/>
+          <a:p>
+            <a:endParaRPr lang="es-ES" dirty="0"/>
+          </a:p>
+        </p:txBody>
+      </p:sp>
+      <p:sp>
+        <p:nvSpPr>
+          <p:cNvPr id="4" name="Marcador de número de diapositiva 3">
+            <a:extLst>
+              <a:ext uri="{FF2B5EF4-FFF2-40B4-BE49-F238E27FC236}">
+                <a16:creationId xmlns:a16="http://schemas.microsoft.com/office/drawing/2014/main" id="{B4554192-6168-CC32-B34C-95A000769902}"/>
+              </a:ext>
+            </a:extLst>
+          </p:cNvPr>
+          <p:cNvSpPr>
+            <a:spLocks noGrp="1"/>
+          </p:cNvSpPr>
+          <p:nvPr>
+            <p:ph type="sldNum" sz="quarter" idx="12"/>
+          </p:nvPr>
+        </p:nvSpPr>
+        <p:spPr/>
+        <p:txBody>
+          <a:bodyPr/>
+          <a:lstStyle/>
+          <a:p>
+            <a:fld id="{768BFD4A-17AE-4857-8B7E-5E5A409CCC86}" type="slidenum">
+              <a:rPr lang="es-ES" smtClean="0"/>
+              <a:t>33</a:t>
+            </a:fld>
+            <a:endParaRPr lang="es-ES"/>
+          </a:p>
+        </p:txBody>
+      </p:sp>
+    </p:spTree>
+    <p:extLst>
+      <p:ext uri="{BB962C8B-B14F-4D97-AF65-F5344CB8AC3E}">
+        <p14:creationId xmlns:p14="http://schemas.microsoft.com/office/powerpoint/2010/main" val="616475062"/>
+      </p:ext>
+    </p:extLst>
+  </p:cSld>
+  <p:clrMapOvr>
+    <a:masterClrMapping/>
+  </p:clrMapOvr>
+</p:sld>
+</file>
+
+<file path=ppt/slides/slide34.xml><?xml version="1.0" encoding="utf-8"?>
+<p:sld xmlns:a="http://schemas.openxmlformats.org/drawingml/2006/main" xmlns:r="http://schemas.openxmlformats.org/officeDocument/2006/relationships" xmlns:p="http://schemas.openxmlformats.org/presentationml/2006/main">
+  <p:cSld>
+    <p:spTree>
+      <p:nvGrpSpPr>
+        <p:cNvPr id="1" name=""/>
+        <p:cNvGrpSpPr/>
+        <p:nvPr/>
+      </p:nvGrpSpPr>
+      <p:grpSpPr>
+        <a:xfrm>
+          <a:off x="0" y="0"/>
+          <a:ext cx="0" cy="0"/>
+          <a:chOff x="0" y="0"/>
+          <a:chExt cx="0" cy="0"/>
+        </a:xfrm>
+      </p:grpSpPr>
+      <p:sp>
+        <p:nvSpPr>
+          <p:cNvPr id="2" name="Título 1">
+            <a:extLst>
+              <a:ext uri="{FF2B5EF4-FFF2-40B4-BE49-F238E27FC236}">
+                <a16:creationId xmlns:a16="http://schemas.microsoft.com/office/drawing/2014/main" id="{49BB2EED-00D7-72C8-4BAA-9054EDCFA75D}"/>
+              </a:ext>
+            </a:extLst>
+          </p:cNvPr>
+          <p:cNvSpPr>
+            <a:spLocks noGrp="1"/>
+          </p:cNvSpPr>
+          <p:nvPr>
+            <p:ph type="title"/>
+          </p:nvPr>
+        </p:nvSpPr>
+        <p:spPr/>
+        <p:txBody>
+          <a:bodyPr/>
+          <a:lstStyle/>
+          <a:p>
+            <a:endParaRPr lang="es-ES"/>
+          </a:p>
+        </p:txBody>
+      </p:sp>
+      <p:sp>
+        <p:nvSpPr>
+          <p:cNvPr id="3" name="Marcador de contenido 2">
+            <a:extLst>
+              <a:ext uri="{FF2B5EF4-FFF2-40B4-BE49-F238E27FC236}">
+                <a16:creationId xmlns:a16="http://schemas.microsoft.com/office/drawing/2014/main" id="{4E51DAE2-6BF9-D230-8633-B37A6B6FAA28}"/>
+              </a:ext>
+            </a:extLst>
+          </p:cNvPr>
+          <p:cNvSpPr>
+            <a:spLocks noGrp="1"/>
+          </p:cNvSpPr>
+          <p:nvPr>
+            <p:ph idx="1"/>
+          </p:nvPr>
+        </p:nvSpPr>
+        <p:spPr/>
+        <p:txBody>
+          <a:bodyPr/>
+          <a:lstStyle/>
+          <a:p>
+            <a:endParaRPr lang="es-ES"/>
+          </a:p>
+        </p:txBody>
+      </p:sp>
+      <p:sp>
+        <p:nvSpPr>
+          <p:cNvPr id="4" name="Marcador de número de diapositiva 3">
+            <a:extLst>
+              <a:ext uri="{FF2B5EF4-FFF2-40B4-BE49-F238E27FC236}">
+                <a16:creationId xmlns:a16="http://schemas.microsoft.com/office/drawing/2014/main" id="{7C785272-8B36-78C1-1936-DD08C0F0D35C}"/>
+              </a:ext>
+            </a:extLst>
+          </p:cNvPr>
+          <p:cNvSpPr>
+            <a:spLocks noGrp="1"/>
+          </p:cNvSpPr>
+          <p:nvPr>
+            <p:ph type="sldNum" sz="quarter" idx="12"/>
+          </p:nvPr>
+        </p:nvSpPr>
+        <p:spPr/>
+        <p:txBody>
+          <a:bodyPr/>
+          <a:lstStyle/>
+          <a:p>
+            <a:fld id="{768BFD4A-17AE-4857-8B7E-5E5A409CCC86}" type="slidenum">
+              <a:rPr lang="es-ES" smtClean="0"/>
+              <a:t>34</a:t>
+            </a:fld>
+            <a:endParaRPr lang="es-ES"/>
+          </a:p>
+        </p:txBody>
+      </p:sp>
+    </p:spTree>
+    <p:extLst>
+      <p:ext uri="{BB962C8B-B14F-4D97-AF65-F5344CB8AC3E}">
+        <p14:creationId xmlns:p14="http://schemas.microsoft.com/office/powerpoint/2010/main" val="1445094952"/>
+      </p:ext>
+    </p:extLst>
+  </p:cSld>
+  <p:clrMapOvr>
+    <a:masterClrMapping/>
+  </p:clrMapOvr>
+</p:sld>
+</file>
+
+<file path=ppt/slides/slide35.xml><?xml version="1.0" encoding="utf-8"?>
+<p:sld xmlns:a="http://schemas.openxmlformats.org/drawingml/2006/main" xmlns:r="http://schemas.openxmlformats.org/officeDocument/2006/relationships" xmlns:p="http://schemas.openxmlformats.org/presentationml/2006/main">
+  <p:cSld>
+    <p:spTree>
+      <p:nvGrpSpPr>
+        <p:cNvPr id="1" name=""/>
+        <p:cNvGrpSpPr/>
+        <p:nvPr/>
+      </p:nvGrpSpPr>
+      <p:grpSpPr>
+        <a:xfrm>
+          <a:off x="0" y="0"/>
+          <a:ext cx="0" cy="0"/>
+          <a:chOff x="0" y="0"/>
+          <a:chExt cx="0" cy="0"/>
+        </a:xfrm>
+      </p:grpSpPr>
+      <p:sp>
+        <p:nvSpPr>
+          <p:cNvPr id="2" name="Título 1">
+            <a:extLst>
+              <a:ext uri="{FF2B5EF4-FFF2-40B4-BE49-F238E27FC236}">
+                <a16:creationId xmlns:a16="http://schemas.microsoft.com/office/drawing/2014/main" id="{0AF1788B-5C79-E93A-CFF1-2028E33D14F2}"/>
+              </a:ext>
+            </a:extLst>
+          </p:cNvPr>
+          <p:cNvSpPr>
+            <a:spLocks noGrp="1"/>
+          </p:cNvSpPr>
+          <p:nvPr>
+            <p:ph type="title"/>
+          </p:nvPr>
+        </p:nvSpPr>
+        <p:spPr/>
+        <p:txBody>
+          <a:bodyPr>
+            <a:normAutofit fontScale="90000"/>
+          </a:bodyPr>
+          <a:lstStyle/>
+          <a:p>
+            <a:br>
+              <a:rPr lang="es-ES" dirty="0"/>
+            </a:br>
+            <a:r>
+              <a:rPr lang="es-ES" dirty="0"/>
+              <a:t>Implementación de acceso en tiempo real a grandes volúmenes de datos </a:t>
+            </a:r>
+            <a:br>
+              <a:rPr lang="es-ES" dirty="0"/>
+            </a:br>
+            <a:endParaRPr lang="es-ES" dirty="0"/>
+          </a:p>
+        </p:txBody>
+      </p:sp>
+      <p:sp>
+        <p:nvSpPr>
+          <p:cNvPr id="3" name="Marcador de contenido 2">
+            <a:extLst>
+              <a:ext uri="{FF2B5EF4-FFF2-40B4-BE49-F238E27FC236}">
+                <a16:creationId xmlns:a16="http://schemas.microsoft.com/office/drawing/2014/main" id="{2D020A8F-0A2D-0870-5DA2-82B7D01EAC67}"/>
+              </a:ext>
+            </a:extLst>
+          </p:cNvPr>
+          <p:cNvSpPr>
+            <a:spLocks noGrp="1"/>
+          </p:cNvSpPr>
+          <p:nvPr>
+            <p:ph idx="1"/>
+          </p:nvPr>
+        </p:nvSpPr>
+        <p:spPr/>
+        <p:txBody>
+          <a:bodyPr/>
+          <a:lstStyle/>
+          <a:p>
+            <a:endParaRPr lang="es-ES"/>
+          </a:p>
+        </p:txBody>
+      </p:sp>
+      <p:sp>
+        <p:nvSpPr>
+          <p:cNvPr id="4" name="Marcador de número de diapositiva 3">
+            <a:extLst>
+              <a:ext uri="{FF2B5EF4-FFF2-40B4-BE49-F238E27FC236}">
+                <a16:creationId xmlns:a16="http://schemas.microsoft.com/office/drawing/2014/main" id="{91067DBD-6930-F91A-B260-0C31A518892C}"/>
+              </a:ext>
+            </a:extLst>
+          </p:cNvPr>
+          <p:cNvSpPr>
+            <a:spLocks noGrp="1"/>
+          </p:cNvSpPr>
+          <p:nvPr>
+            <p:ph type="sldNum" sz="quarter" idx="12"/>
+          </p:nvPr>
+        </p:nvSpPr>
+        <p:spPr/>
+        <p:txBody>
+          <a:bodyPr/>
+          <a:lstStyle/>
+          <a:p>
+            <a:fld id="{768BFD4A-17AE-4857-8B7E-5E5A409CCC86}" type="slidenum">
+              <a:rPr lang="es-ES" smtClean="0"/>
+              <a:t>35</a:t>
+            </a:fld>
+            <a:endParaRPr lang="es-ES"/>
+          </a:p>
+        </p:txBody>
+      </p:sp>
+    </p:spTree>
+    <p:extLst>
+      <p:ext uri="{BB962C8B-B14F-4D97-AF65-F5344CB8AC3E}">
+        <p14:creationId xmlns:p14="http://schemas.microsoft.com/office/powerpoint/2010/main" val="2528525117"/>
       </p:ext>
     </p:extLst>
   </p:cSld>

--- a/doc/4_Gestion_estado_persistencia.pptx
+++ b/doc/4_Gestion_estado_persistencia.pptx
@@ -7505,59 +7505,129 @@
         <p:spPr/>
         <p:txBody>
           <a:bodyPr>
-            <a:normAutofit fontScale="92500" lnSpcReduction="10000"/>
+            <a:normAutofit fontScale="85000" lnSpcReduction="20000"/>
           </a:bodyPr>
           <a:lstStyle/>
           <a:p>
             <a:r>
-              <a:rPr lang="es-ES" dirty="0" err="1"/>
+              <a:rPr lang="es-ES" b="1" dirty="0" err="1"/>
               <a:t>vcpkg</a:t>
             </a:r>
             <a:r>
-              <a:rPr lang="es-ES" dirty="0"/>
+              <a:rPr lang="es-ES" b="1" dirty="0"/>
               <a:t> </a:t>
             </a:r>
             <a:r>
-              <a:rPr lang="es-ES" dirty="0" err="1"/>
+              <a:rPr lang="es-ES" b="1" dirty="0" err="1"/>
               <a:t>install</a:t>
             </a:r>
             <a:r>
-              <a:rPr lang="es-ES" dirty="0"/>
+              <a:rPr lang="es-ES" b="1" dirty="0"/>
               <a:t> </a:t>
             </a:r>
             <a:r>
-              <a:rPr lang="es-ES" dirty="0" err="1"/>
+              <a:rPr lang="es-ES" b="1" dirty="0" err="1"/>
               <a:t>soci</a:t>
             </a:r>
+            <a:r>
+              <a:rPr lang="es-ES" b="1" dirty="0"/>
+              <a:t>   </a:t>
+            </a:r>
+            <a:r>
+              <a:rPr lang="es-ES" dirty="0">
+                <a:sym typeface="Wingdings" panose="05000000000000000000" pitchFamily="2" charset="2"/>
+              </a:rPr>
+              <a:t> Con esto no se instala un </a:t>
+            </a:r>
+            <a:r>
+              <a:rPr lang="es-ES" dirty="0" err="1">
+                <a:sym typeface="Wingdings" panose="05000000000000000000" pitchFamily="2" charset="2"/>
+              </a:rPr>
+              <a:t>backend</a:t>
+            </a:r>
+            <a:r>
+              <a:rPr lang="es-ES" dirty="0">
+                <a:sym typeface="Wingdings" panose="05000000000000000000" pitchFamily="2" charset="2"/>
+              </a:rPr>
+              <a:t> de </a:t>
+            </a:r>
+            <a:r>
+              <a:rPr lang="es-ES" dirty="0" err="1">
+                <a:sym typeface="Wingdings" panose="05000000000000000000" pitchFamily="2" charset="2"/>
+              </a:rPr>
+              <a:t>mysql</a:t>
+            </a:r>
+            <a:r>
+              <a:rPr lang="es-ES" dirty="0">
+                <a:sym typeface="Wingdings" panose="05000000000000000000" pitchFamily="2" charset="2"/>
+              </a:rPr>
+              <a:t>, faltaría:</a:t>
+            </a:r>
+          </a:p>
+          <a:p>
+            <a:r>
+              <a:rPr lang="es-ES" b="1" dirty="0" err="1"/>
+              <a:t>vcpkg</a:t>
+            </a:r>
+            <a:r>
+              <a:rPr lang="es-ES" b="1" dirty="0"/>
+              <a:t> </a:t>
+            </a:r>
+            <a:r>
+              <a:rPr lang="es-ES" b="1" dirty="0" err="1"/>
+              <a:t>install</a:t>
+            </a:r>
+            <a:r>
+              <a:rPr lang="es-ES" b="1" dirty="0"/>
+              <a:t> </a:t>
+            </a:r>
+            <a:r>
+              <a:rPr lang="es-ES" b="1" dirty="0" err="1"/>
+              <a:t>soci</a:t>
+            </a:r>
+            <a:r>
+              <a:rPr lang="es-ES" b="1" dirty="0"/>
+              <a:t>[</a:t>
+            </a:r>
+            <a:r>
+              <a:rPr lang="es-ES" b="1" dirty="0" err="1"/>
+              <a:t>core,mysql</a:t>
+            </a:r>
+            <a:r>
+              <a:rPr lang="es-ES" b="1" dirty="0"/>
+              <a:t>]</a:t>
+            </a:r>
+          </a:p>
+          <a:p>
             <a:endParaRPr lang="es-ES" dirty="0"/>
           </a:p>
           <a:p>
             <a:r>
-              <a:rPr lang="es-ES" dirty="0" err="1"/>
+              <a:rPr lang="es-ES" b="1" dirty="0" err="1"/>
               <a:t>vcpkg</a:t>
             </a:r>
             <a:r>
-              <a:rPr lang="es-ES" dirty="0"/>
+              <a:rPr lang="es-ES" b="1" dirty="0"/>
               <a:t> </a:t>
             </a:r>
             <a:r>
-              <a:rPr lang="es-ES" dirty="0" err="1"/>
+              <a:rPr lang="es-ES" b="1" dirty="0" err="1"/>
               <a:t>install</a:t>
             </a:r>
             <a:r>
-              <a:rPr lang="es-ES" dirty="0"/>
+              <a:rPr lang="es-ES" b="1" dirty="0"/>
               <a:t> </a:t>
             </a:r>
             <a:r>
-              <a:rPr lang="es-ES" dirty="0" err="1"/>
+              <a:rPr lang="es-ES" b="1" dirty="0" err="1"/>
               <a:t>libpqxx</a:t>
             </a:r>
+            <a:endParaRPr lang="es-ES" b="1" dirty="0"/>
+          </a:p>
+          <a:p>
             <a:endParaRPr lang="es-ES" dirty="0"/>
           </a:p>
           <a:p>
-            <a:endParaRPr lang="es-ES" dirty="0"/>
-          </a:p>
-          <a:p>
             <a:r>
               <a:rPr lang="es-ES" dirty="0"/>
               <a:t>Para integrar en visual </a:t>
@@ -7574,26 +7644,26 @@
           <a:p>
             <a:pPr lvl="1"/>
             <a:r>
-              <a:rPr lang="es-ES" dirty="0" err="1"/>
+              <a:rPr lang="es-ES" b="1" dirty="0" err="1"/>
               <a:t>vcpkg</a:t>
             </a:r>
             <a:r>
-              <a:rPr lang="es-ES" dirty="0"/>
+              <a:rPr lang="es-ES" b="1" dirty="0"/>
               <a:t> </a:t>
             </a:r>
             <a:r>
-              <a:rPr lang="es-ES" dirty="0" err="1"/>
+              <a:rPr lang="es-ES" b="1" dirty="0" err="1"/>
               <a:t>integrate</a:t>
             </a:r>
             <a:r>
-              <a:rPr lang="es-ES" dirty="0"/>
+              <a:rPr lang="es-ES" b="1" dirty="0"/>
               <a:t> </a:t>
             </a:r>
             <a:r>
-              <a:rPr lang="es-ES" dirty="0" err="1"/>
+              <a:rPr lang="es-ES" b="1" dirty="0" err="1"/>
               <a:t>install</a:t>
             </a:r>
-            <a:endParaRPr lang="es-ES" dirty="0"/>
+            <a:endParaRPr lang="es-ES" b="1" dirty="0"/>
           </a:p>
           <a:p>
             <a:pPr lvl="1"/>

--- a/doc/4_Gestion_estado_persistencia.pptx
+++ b/doc/4_Gestion_estado_persistencia.pptx
@@ -5,7 +5,7 @@
     <p:sldMasterId id="2147483648" r:id="rId1"/>
   </p:sldMasterIdLst>
   <p:notesMasterIdLst>
-    <p:notesMasterId r:id="rId37"/>
+    <p:notesMasterId r:id="rId46"/>
   </p:notesMasterIdLst>
   <p:sldIdLst>
     <p:sldId id="256" r:id="rId2"/>
@@ -36,13 +36,22 @@
     <p:sldId id="291" r:id="rId27"/>
     <p:sldId id="292" r:id="rId28"/>
     <p:sldId id="293" r:id="rId29"/>
-    <p:sldId id="288" r:id="rId30"/>
-    <p:sldId id="269" r:id="rId31"/>
-    <p:sldId id="290" r:id="rId32"/>
-    <p:sldId id="282" r:id="rId33"/>
-    <p:sldId id="283" r:id="rId34"/>
-    <p:sldId id="284" r:id="rId35"/>
-    <p:sldId id="285" r:id="rId36"/>
+    <p:sldId id="294" r:id="rId30"/>
+    <p:sldId id="295" r:id="rId31"/>
+    <p:sldId id="296" r:id="rId32"/>
+    <p:sldId id="297" r:id="rId33"/>
+    <p:sldId id="298" r:id="rId34"/>
+    <p:sldId id="299" r:id="rId35"/>
+    <p:sldId id="302" r:id="rId36"/>
+    <p:sldId id="300" r:id="rId37"/>
+    <p:sldId id="301" r:id="rId38"/>
+    <p:sldId id="288" r:id="rId39"/>
+    <p:sldId id="269" r:id="rId40"/>
+    <p:sldId id="290" r:id="rId41"/>
+    <p:sldId id="282" r:id="rId42"/>
+    <p:sldId id="283" r:id="rId43"/>
+    <p:sldId id="284" r:id="rId44"/>
+    <p:sldId id="285" r:id="rId45"/>
   </p:sldIdLst>
   <p:sldSz cx="12192000" cy="6858000"/>
   <p:notesSz cx="6858000" cy="9144000"/>
@@ -7397,6 +7406,15 @@
             </a:r>
             <a:endParaRPr lang="es-ES" dirty="0"/>
           </a:p>
+          <a:p>
+            <a:endParaRPr lang="es-ES" b="1" dirty="0"/>
+          </a:p>
+          <a:p>
+            <a:r>
+              <a:rPr lang="es-ES" b="1" dirty="0"/>
+              <a:t>Proyectos con C++ 17</a:t>
+            </a:r>
+          </a:p>
         </p:txBody>
       </p:sp>
       <p:sp>
@@ -7848,7 +7866,9 @@
         </p:nvSpPr>
         <p:spPr/>
         <p:txBody>
-          <a:bodyPr/>
+          <a:bodyPr>
+            <a:normAutofit fontScale="92500" lnSpcReduction="10000"/>
+          </a:bodyPr>
           <a:lstStyle/>
           <a:p>
             <a:r>
@@ -7862,7 +7882,7 @@
           <a:p>
             <a:r>
               <a:rPr lang="es-ES" dirty="0"/>
-              <a:t>Tiene una sintaxis tipo ORM, aunque no es un ORM completo.</a:t>
+              <a:t>Tiene una sintaxis tipo ORM, aunque no es un ORM completo, no te quita el SQL, pero permite realizar las consultas de una forma mas estructurada.</a:t>
             </a:r>
           </a:p>
           <a:p>
@@ -8235,59 +8255,198 @@
       </p:grpSpPr>
       <p:sp>
         <p:nvSpPr>
-          <p:cNvPr id="5" name="Título 4">
-            <a:extLst>
-              <a:ext uri="{FF2B5EF4-FFF2-40B4-BE49-F238E27FC236}">
-                <a16:creationId xmlns:a16="http://schemas.microsoft.com/office/drawing/2014/main" id="{3CBC71DF-E9A0-E7AC-9262-923C65314C00}"/>
-              </a:ext>
-            </a:extLst>
-          </p:cNvPr>
-          <p:cNvSpPr>
-            <a:spLocks noGrp="1"/>
-          </p:cNvSpPr>
-          <p:nvPr>
-            <p:ph type="ctrTitle"/>
-          </p:nvPr>
-        </p:nvSpPr>
-        <p:spPr/>
-        <p:txBody>
-          <a:bodyPr/>
-          <a:lstStyle/>
-          <a:p>
+          <p:cNvPr id="2" name="Título 1">
+            <a:extLst>
+              <a:ext uri="{FF2B5EF4-FFF2-40B4-BE49-F238E27FC236}">
+                <a16:creationId xmlns:a16="http://schemas.microsoft.com/office/drawing/2014/main" id="{D3CFEB1F-387F-D05D-1BEC-838D75904295}"/>
+              </a:ext>
+            </a:extLst>
+          </p:cNvPr>
+          <p:cNvSpPr>
+            <a:spLocks noGrp="1"/>
+          </p:cNvSpPr>
+          <p:nvPr>
+            <p:ph type="title"/>
+          </p:nvPr>
+        </p:nvSpPr>
+        <p:spPr>
+          <a:xfrm>
+            <a:off x="838200" y="365126"/>
+            <a:ext cx="10515600" cy="700104"/>
+          </a:xfrm>
+        </p:spPr>
+        <p:txBody>
+          <a:bodyPr/>
+          <a:lstStyle/>
+          <a:p>
+            <a:r>
+              <a:rPr lang="es-ES" dirty="0" err="1"/>
+              <a:t>soci</a:t>
+            </a:r>
+            <a:endParaRPr lang="es-ES" dirty="0"/>
+          </a:p>
+        </p:txBody>
+      </p:sp>
+      <p:sp>
+        <p:nvSpPr>
+          <p:cNvPr id="3" name="Marcador de contenido 2">
+            <a:extLst>
+              <a:ext uri="{FF2B5EF4-FFF2-40B4-BE49-F238E27FC236}">
+                <a16:creationId xmlns:a16="http://schemas.microsoft.com/office/drawing/2014/main" id="{FF4227AA-A00A-A573-4B06-07DB5C778C65}"/>
+              </a:ext>
+            </a:extLst>
+          </p:cNvPr>
+          <p:cNvSpPr>
+            <a:spLocks noGrp="1"/>
+          </p:cNvSpPr>
+          <p:nvPr>
+            <p:ph idx="1"/>
+          </p:nvPr>
+        </p:nvSpPr>
+        <p:spPr>
+          <a:xfrm>
+            <a:off x="593889" y="1291472"/>
+            <a:ext cx="10916239" cy="5201402"/>
+          </a:xfrm>
+        </p:spPr>
+        <p:txBody>
+          <a:bodyPr>
+            <a:normAutofit fontScale="85000" lnSpcReduction="20000"/>
+          </a:bodyPr>
+          <a:lstStyle/>
+          <a:p>
+            <a:r>
+              <a:rPr lang="es-ES" dirty="0"/>
+              <a:t>SOCI se define como una </a:t>
+            </a:r>
+            <a:r>
+              <a:rPr lang="es-ES" b="1" dirty="0"/>
+              <a:t>biblioteca de acceso a bases de datos para C++</a:t>
+            </a:r>
+            <a:r>
+              <a:rPr lang="es-ES" dirty="0"/>
+              <a:t>, que:</a:t>
+            </a:r>
+          </a:p>
+          <a:p>
+            <a:endParaRPr lang="es-ES" dirty="0"/>
+          </a:p>
+          <a:p>
+            <a:r>
+              <a:rPr lang="es-ES" dirty="0"/>
+              <a:t>Usa </a:t>
+            </a:r>
             <a:r>
               <a:rPr lang="es-ES" b="1" dirty="0" err="1"/>
-              <a:t>PostGreSQL</a:t>
-            </a:r>
-            <a:endParaRPr lang="es-ES" b="1" dirty="0"/>
-          </a:p>
-        </p:txBody>
-      </p:sp>
-      <p:sp>
-        <p:nvSpPr>
-          <p:cNvPr id="6" name="Subtítulo 5">
-            <a:extLst>
-              <a:ext uri="{FF2B5EF4-FFF2-40B4-BE49-F238E27FC236}">
-                <a16:creationId xmlns:a16="http://schemas.microsoft.com/office/drawing/2014/main" id="{B40A83A0-C658-B075-6760-5FAA27DC7ECD}"/>
-              </a:ext>
-            </a:extLst>
-          </p:cNvPr>
-          <p:cNvSpPr>
-            <a:spLocks noGrp="1"/>
-          </p:cNvSpPr>
-          <p:nvPr>
-            <p:ph type="subTitle" idx="1"/>
-          </p:nvPr>
-        </p:nvSpPr>
-        <p:spPr/>
-        <p:txBody>
-          <a:bodyPr/>
-          <a:lstStyle/>
-          <a:p>
-            <a:r>
-              <a:rPr lang="es-ES" b="1" dirty="0" err="1"/>
-              <a:t>libpq</a:t>
-            </a:r>
-            <a:endParaRPr lang="es-ES" b="1" dirty="0"/>
+              <a:t>bindings</a:t>
+            </a:r>
+            <a:r>
+              <a:rPr lang="es-ES" b="1" dirty="0"/>
+              <a:t> tipo C++</a:t>
+            </a:r>
+            <a:r>
+              <a:rPr lang="es-ES" dirty="0"/>
+              <a:t> para ejecutar SQL.</a:t>
+            </a:r>
+          </a:p>
+          <a:p>
+            <a:endParaRPr lang="es-ES" dirty="0"/>
+          </a:p>
+          <a:p>
+            <a:r>
+              <a:rPr lang="es-ES" dirty="0"/>
+              <a:t>Permite </a:t>
+            </a:r>
+            <a:r>
+              <a:rPr lang="es-ES" b="1" dirty="0"/>
+              <a:t>mapear resultados a variables C++</a:t>
+            </a:r>
+            <a:r>
+              <a:rPr lang="es-ES" dirty="0"/>
+              <a:t> con </a:t>
+            </a:r>
+            <a:r>
+              <a:rPr lang="es-ES" dirty="0" err="1"/>
+              <a:t>soci</a:t>
+            </a:r>
+            <a:r>
+              <a:rPr lang="es-ES" dirty="0"/>
+              <a:t>::</a:t>
+            </a:r>
+            <a:r>
+              <a:rPr lang="es-ES" dirty="0" err="1"/>
+              <a:t>into</a:t>
+            </a:r>
+            <a:r>
+              <a:rPr lang="es-ES" dirty="0"/>
+              <a:t>() y pasar parámetros con </a:t>
+            </a:r>
+            <a:r>
+              <a:rPr lang="es-ES" dirty="0" err="1"/>
+              <a:t>soci</a:t>
+            </a:r>
+            <a:r>
+              <a:rPr lang="es-ES" dirty="0"/>
+              <a:t>::use().</a:t>
+            </a:r>
+          </a:p>
+          <a:p>
+            <a:endParaRPr lang="es-ES" dirty="0"/>
+          </a:p>
+          <a:p>
+            <a:r>
+              <a:rPr lang="es-ES" dirty="0"/>
+              <a:t>Soporta múltiples </a:t>
+            </a:r>
+            <a:r>
+              <a:rPr lang="es-ES" dirty="0" err="1"/>
+              <a:t>backends</a:t>
+            </a:r>
+            <a:r>
+              <a:rPr lang="es-ES" dirty="0"/>
+              <a:t> (MySQL, PostgreSQL, SQLite…).</a:t>
+            </a:r>
+          </a:p>
+          <a:p>
+            <a:endParaRPr lang="es-ES" dirty="0"/>
+          </a:p>
+          <a:p>
+            <a:r>
+              <a:rPr lang="es-ES" dirty="0"/>
+              <a:t>Pero </a:t>
+            </a:r>
+            <a:r>
+              <a:rPr lang="es-ES" b="1" dirty="0"/>
+              <a:t>no</a:t>
+            </a:r>
+            <a:r>
+              <a:rPr lang="es-ES" dirty="0"/>
+              <a:t>:</a:t>
+            </a:r>
+          </a:p>
+          <a:p>
+            <a:pPr lvl="1"/>
+            <a:r>
+              <a:rPr lang="es-ES" dirty="0"/>
+              <a:t>Genera SQL automáticamente.</a:t>
+            </a:r>
+          </a:p>
+          <a:p>
+            <a:pPr lvl="1"/>
+            <a:r>
+              <a:rPr lang="es-ES" dirty="0"/>
+              <a:t>Mapea clases C++ a tablas de forma automática.</a:t>
+            </a:r>
+          </a:p>
+          <a:p>
+            <a:pPr lvl="1"/>
+            <a:r>
+              <a:rPr lang="es-ES" dirty="0"/>
+              <a:t>Hace migraciones, validaciones o relaciones entre entidades.</a:t>
+            </a:r>
+          </a:p>
+          <a:p>
+            <a:endParaRPr lang="es-ES" dirty="0"/>
           </a:p>
         </p:txBody>
       </p:sp>
@@ -8296,7 +8455,7 @@
           <p:cNvPr id="4" name="Marcador de número de diapositiva 3">
             <a:extLst>
               <a:ext uri="{FF2B5EF4-FFF2-40B4-BE49-F238E27FC236}">
-                <a16:creationId xmlns:a16="http://schemas.microsoft.com/office/drawing/2014/main" id="{A21E00CF-60DA-6313-B007-A7888B182274}"/>
+                <a16:creationId xmlns:a16="http://schemas.microsoft.com/office/drawing/2014/main" id="{1BC9E422-0143-4B58-B23D-A4784B40DE5C}"/>
               </a:ext>
             </a:extLst>
           </p:cNvPr>
@@ -8323,7 +8482,7 @@
     </p:spTree>
     <p:extLst>
       <p:ext uri="{BB962C8B-B14F-4D97-AF65-F5344CB8AC3E}">
-        <p14:creationId xmlns:p14="http://schemas.microsoft.com/office/powerpoint/2010/main" val="2950113179"/>
+        <p14:creationId xmlns:p14="http://schemas.microsoft.com/office/powerpoint/2010/main" val="3669249973"/>
       </p:ext>
     </p:extLst>
   </p:cSld>
@@ -8425,7 +8584,7 @@
           <p:cNvPr id="2" name="Título 1">
             <a:extLst>
               <a:ext uri="{FF2B5EF4-FFF2-40B4-BE49-F238E27FC236}">
-                <a16:creationId xmlns:a16="http://schemas.microsoft.com/office/drawing/2014/main" id="{BBA0DD6A-B826-1778-EE8A-9933BD58EDD8}"/>
+                <a16:creationId xmlns:a16="http://schemas.microsoft.com/office/drawing/2014/main" id="{0E9F85E8-1A5C-69A5-DD6E-43F16DB91512}"/>
               </a:ext>
             </a:extLst>
           </p:cNvPr>
@@ -8443,38 +8602,78 @@
           <a:p>
             <a:r>
               <a:rPr lang="es-ES" dirty="0"/>
-              <a:t>Librería </a:t>
-            </a:r>
-            <a:r>
-              <a:rPr lang="es-ES" dirty="0" err="1"/>
-              <a:t>libpq</a:t>
-            </a:r>
+              <a:t>Objetos principales de SOCI</a:t>
+            </a:r>
+          </a:p>
+        </p:txBody>
+      </p:sp>
+      <p:sp>
+        <p:nvSpPr>
+          <p:cNvPr id="3" name="Marcador de contenido 2">
+            <a:extLst>
+              <a:ext uri="{FF2B5EF4-FFF2-40B4-BE49-F238E27FC236}">
+                <a16:creationId xmlns:a16="http://schemas.microsoft.com/office/drawing/2014/main" id="{DD1AC559-3C76-811A-D651-B4EF563BC509}"/>
+              </a:ext>
+            </a:extLst>
+          </p:cNvPr>
+          <p:cNvSpPr>
+            <a:spLocks noGrp="1"/>
+          </p:cNvSpPr>
+          <p:nvPr>
+            <p:ph idx="1"/>
+          </p:nvPr>
+        </p:nvSpPr>
+        <p:spPr/>
+        <p:txBody>
+          <a:bodyPr/>
+          <a:lstStyle/>
+          <a:p>
+            <a:r>
+              <a:rPr lang="es-ES" b="1" dirty="0" err="1"/>
+              <a:t>soci</a:t>
+            </a:r>
+            <a:r>
+              <a:rPr lang="es-ES" b="1" dirty="0"/>
+              <a:t>::</a:t>
+            </a:r>
+            <a:r>
+              <a:rPr lang="es-ES" b="1" dirty="0" err="1"/>
+              <a:t>session</a:t>
+            </a:r>
+            <a:endParaRPr lang="es-ES" b="1" dirty="0"/>
+          </a:p>
+          <a:p>
+            <a:pPr lvl="1"/>
+            <a:r>
+              <a:rPr lang="es-ES" dirty="0"/>
+              <a:t>El objeto principal que representa una conexión activa con la base de datos.</a:t>
+            </a:r>
+          </a:p>
+          <a:p>
+            <a:pPr lvl="2"/>
+            <a:r>
+              <a:rPr lang="it-IT" dirty="0"/>
+              <a:t>soci::session sql(soci::mysql, "db=empresa3 user=antonio password=antonio host=127.0.0.1 port=3307");</a:t>
+            </a:r>
+          </a:p>
+          <a:p>
+            <a:pPr lvl="1"/>
             <a:endParaRPr lang="es-ES" dirty="0"/>
           </a:p>
-        </p:txBody>
-      </p:sp>
-      <p:sp>
-        <p:nvSpPr>
-          <p:cNvPr id="3" name="Marcador de contenido 2">
-            <a:extLst>
-              <a:ext uri="{FF2B5EF4-FFF2-40B4-BE49-F238E27FC236}">
-                <a16:creationId xmlns:a16="http://schemas.microsoft.com/office/drawing/2014/main" id="{4B987BDD-3F1A-3808-CA10-98DFB2A29874}"/>
-              </a:ext>
-            </a:extLst>
-          </p:cNvPr>
-          <p:cNvSpPr>
-            <a:spLocks noGrp="1"/>
-          </p:cNvSpPr>
-          <p:nvPr>
-            <p:ph idx="1"/>
-          </p:nvPr>
-        </p:nvSpPr>
-        <p:spPr/>
-        <p:txBody>
-          <a:bodyPr/>
-          <a:lstStyle/>
-          <a:p>
-            <a:endParaRPr lang="es-ES"/>
+          <a:p>
+            <a:pPr lvl="1"/>
+            <a:r>
+              <a:rPr lang="es-ES" dirty="0"/>
+              <a:t>Se pasa por referencia a las clases DAO (como </a:t>
+            </a:r>
+            <a:r>
+              <a:rPr lang="es-ES" dirty="0" err="1"/>
+              <a:t>EmpleadoRepository</a:t>
+            </a:r>
+            <a:r>
+              <a:rPr lang="es-ES" dirty="0"/>
+              <a:t>) para ejecutar consultas.</a:t>
+            </a:r>
           </a:p>
         </p:txBody>
       </p:sp>
@@ -8483,7 +8682,7 @@
           <p:cNvPr id="4" name="Marcador de número de diapositiva 3">
             <a:extLst>
               <a:ext uri="{FF2B5EF4-FFF2-40B4-BE49-F238E27FC236}">
-                <a16:creationId xmlns:a16="http://schemas.microsoft.com/office/drawing/2014/main" id="{0A7F6A1E-78C3-1F32-689E-71AE0ED5F694}"/>
+                <a16:creationId xmlns:a16="http://schemas.microsoft.com/office/drawing/2014/main" id="{79364409-5D1A-6A85-C6AD-1A8B314E1D2B}"/>
               </a:ext>
             </a:extLst>
           </p:cNvPr>
@@ -8510,7 +8709,7 @@
     </p:spTree>
     <p:extLst>
       <p:ext uri="{BB962C8B-B14F-4D97-AF65-F5344CB8AC3E}">
-        <p14:creationId xmlns:p14="http://schemas.microsoft.com/office/powerpoint/2010/main" val="3028369718"/>
+        <p14:creationId xmlns:p14="http://schemas.microsoft.com/office/powerpoint/2010/main" val="55504434"/>
       </p:ext>
     </p:extLst>
   </p:cSld>
@@ -8542,7 +8741,7 @@
           <p:cNvPr id="2" name="Título 1">
             <a:extLst>
               <a:ext uri="{FF2B5EF4-FFF2-40B4-BE49-F238E27FC236}">
-                <a16:creationId xmlns:a16="http://schemas.microsoft.com/office/drawing/2014/main" id="{579ECEA9-3045-A5C4-03D4-848D328F22CE}"/>
+                <a16:creationId xmlns:a16="http://schemas.microsoft.com/office/drawing/2014/main" id="{480BD974-582C-3D59-A0B8-B09B9F5718D1}"/>
               </a:ext>
             </a:extLst>
           </p:cNvPr>
@@ -8558,7 +8757,10 @@
           <a:bodyPr/>
           <a:lstStyle/>
           <a:p>
-            <a:endParaRPr lang="es-ES"/>
+            <a:r>
+              <a:rPr lang="es-ES" dirty="0"/>
+              <a:t>Objetos principales de SOCI</a:t>
+            </a:r>
           </a:p>
         </p:txBody>
       </p:sp>
@@ -8567,7 +8769,7 @@
           <p:cNvPr id="3" name="Marcador de contenido 2">
             <a:extLst>
               <a:ext uri="{FF2B5EF4-FFF2-40B4-BE49-F238E27FC236}">
-                <a16:creationId xmlns:a16="http://schemas.microsoft.com/office/drawing/2014/main" id="{A484EE05-89D7-6AA8-11A0-E3739725FE76}"/>
+                <a16:creationId xmlns:a16="http://schemas.microsoft.com/office/drawing/2014/main" id="{62330173-49BF-4D9F-5BC3-B19FA7A3524C}"/>
               </a:ext>
             </a:extLst>
           </p:cNvPr>
@@ -8580,10 +8782,242 @@
         </p:nvSpPr>
         <p:spPr/>
         <p:txBody>
-          <a:bodyPr/>
-          <a:lstStyle/>
-          <a:p>
-            <a:endParaRPr lang="es-ES"/>
+          <a:bodyPr>
+            <a:normAutofit fontScale="85000" lnSpcReduction="10000"/>
+          </a:bodyPr>
+          <a:lstStyle/>
+          <a:p>
+            <a:r>
+              <a:rPr lang="es-ES" b="1" dirty="0" err="1"/>
+              <a:t>soci</a:t>
+            </a:r>
+            <a:r>
+              <a:rPr lang="es-ES" b="1" dirty="0"/>
+              <a:t>::</a:t>
+            </a:r>
+            <a:r>
+              <a:rPr lang="es-ES" b="1" dirty="0" err="1"/>
+              <a:t>into</a:t>
+            </a:r>
+            <a:endParaRPr lang="es-ES" b="1" dirty="0"/>
+          </a:p>
+          <a:p>
+            <a:pPr lvl="1"/>
+            <a:r>
+              <a:rPr lang="es-ES" dirty="0"/>
+              <a:t>Se usa para recibir resultados de una consulta SQL en variables C++.</a:t>
+            </a:r>
+          </a:p>
+          <a:p>
+            <a:pPr lvl="2"/>
+            <a:r>
+              <a:rPr lang="es-ES" dirty="0" err="1"/>
+              <a:t>sql</a:t>
+            </a:r>
+            <a:r>
+              <a:rPr lang="es-ES" dirty="0"/>
+              <a:t> &lt;&lt; "SELECT nombre FROM empleados WHERE id = :id", </a:t>
+            </a:r>
+            <a:r>
+              <a:rPr lang="es-ES" b="1" dirty="0" err="1"/>
+              <a:t>soci</a:t>
+            </a:r>
+            <a:r>
+              <a:rPr lang="es-ES" b="1" dirty="0"/>
+              <a:t>::use</a:t>
+            </a:r>
+            <a:r>
+              <a:rPr lang="es-ES" dirty="0"/>
+              <a:t>(id), </a:t>
+            </a:r>
+            <a:r>
+              <a:rPr lang="es-ES" b="1" dirty="0" err="1"/>
+              <a:t>soci</a:t>
+            </a:r>
+            <a:r>
+              <a:rPr lang="es-ES" b="1" dirty="0"/>
+              <a:t>::</a:t>
+            </a:r>
+            <a:r>
+              <a:rPr lang="es-ES" b="1" dirty="0" err="1"/>
+              <a:t>into</a:t>
+            </a:r>
+            <a:r>
+              <a:rPr lang="es-ES" dirty="0"/>
+              <a:t>(nombre);</a:t>
+            </a:r>
+          </a:p>
+          <a:p>
+            <a:pPr lvl="2"/>
+            <a:endParaRPr lang="es-ES" dirty="0"/>
+          </a:p>
+          <a:p>
+            <a:r>
+              <a:rPr lang="es-ES" b="1" dirty="0" err="1"/>
+              <a:t>soci</a:t>
+            </a:r>
+            <a:r>
+              <a:rPr lang="es-ES" b="1" dirty="0"/>
+              <a:t>::use</a:t>
+            </a:r>
+          </a:p>
+          <a:p>
+            <a:pPr lvl="1"/>
+            <a:r>
+              <a:rPr lang="es-ES" dirty="0"/>
+              <a:t>Para inyectar un parámetro en una consulta parametrizada.</a:t>
+            </a:r>
+          </a:p>
+          <a:p>
+            <a:pPr lvl="1"/>
+            <a:endParaRPr lang="es-ES" dirty="0"/>
+          </a:p>
+          <a:p>
+            <a:r>
+              <a:rPr lang="es-ES" b="1" dirty="0" err="1"/>
+              <a:t>soci</a:t>
+            </a:r>
+            <a:r>
+              <a:rPr lang="es-ES" b="1" dirty="0"/>
+              <a:t>::</a:t>
+            </a:r>
+            <a:r>
+              <a:rPr lang="es-ES" b="1" dirty="0" err="1"/>
+              <a:t>indicator</a:t>
+            </a:r>
+            <a:endParaRPr lang="es-ES" b="1" dirty="0"/>
+          </a:p>
+          <a:p>
+            <a:pPr lvl="1"/>
+            <a:r>
+              <a:rPr lang="es-ES" dirty="0"/>
+              <a:t>Permite detectar si un valor devuelto por la base de datos es NULL.</a:t>
+            </a:r>
+          </a:p>
+          <a:p>
+            <a:pPr lvl="1"/>
+            <a:endParaRPr lang="es-ES" dirty="0"/>
+          </a:p>
+          <a:p>
+            <a:pPr lvl="2"/>
+            <a:r>
+              <a:rPr lang="es-ES" dirty="0" err="1"/>
+              <a:t>soci</a:t>
+            </a:r>
+            <a:r>
+              <a:rPr lang="es-ES" dirty="0"/>
+              <a:t>::</a:t>
+            </a:r>
+            <a:r>
+              <a:rPr lang="es-ES" dirty="0" err="1"/>
+              <a:t>indicator</a:t>
+            </a:r>
+            <a:r>
+              <a:rPr lang="es-ES" dirty="0"/>
+              <a:t> </a:t>
+            </a:r>
+            <a:r>
+              <a:rPr lang="es-ES" dirty="0" err="1"/>
+              <a:t>ind</a:t>
+            </a:r>
+            <a:r>
+              <a:rPr lang="es-ES" dirty="0"/>
+              <a:t>;</a:t>
+            </a:r>
+          </a:p>
+          <a:p>
+            <a:pPr lvl="2"/>
+            <a:r>
+              <a:rPr lang="es-ES" dirty="0" err="1"/>
+              <a:t>sql</a:t>
+            </a:r>
+            <a:r>
+              <a:rPr lang="es-ES" dirty="0"/>
+              <a:t> &lt;&lt; "SELECT id FROM empleados WHERE id = :id", </a:t>
+            </a:r>
+            <a:r>
+              <a:rPr lang="es-ES" dirty="0" err="1"/>
+              <a:t>soci</a:t>
+            </a:r>
+            <a:r>
+              <a:rPr lang="es-ES" dirty="0"/>
+              <a:t>::use(id), </a:t>
+            </a:r>
+            <a:r>
+              <a:rPr lang="es-ES" dirty="0" err="1"/>
+              <a:t>soci</a:t>
+            </a:r>
+            <a:r>
+              <a:rPr lang="es-ES" dirty="0"/>
+              <a:t>::</a:t>
+            </a:r>
+            <a:r>
+              <a:rPr lang="es-ES" dirty="0" err="1"/>
+              <a:t>into</a:t>
+            </a:r>
+            <a:r>
+              <a:rPr lang="es-ES" dirty="0"/>
+              <a:t>(</a:t>
+            </a:r>
+            <a:r>
+              <a:rPr lang="es-ES" dirty="0" err="1"/>
+              <a:t>emp.id</a:t>
+            </a:r>
+            <a:r>
+              <a:rPr lang="es-ES" dirty="0"/>
+              <a:t>, </a:t>
+            </a:r>
+            <a:r>
+              <a:rPr lang="es-ES" dirty="0" err="1"/>
+              <a:t>ind</a:t>
+            </a:r>
+            <a:r>
+              <a:rPr lang="es-ES" dirty="0"/>
+              <a:t>);</a:t>
+            </a:r>
+          </a:p>
+          <a:p>
+            <a:pPr lvl="2"/>
+            <a:r>
+              <a:rPr lang="es-ES" dirty="0" err="1"/>
+              <a:t>if</a:t>
+            </a:r>
+            <a:r>
+              <a:rPr lang="es-ES" dirty="0"/>
+              <a:t> (</a:t>
+            </a:r>
+            <a:r>
+              <a:rPr lang="es-ES" dirty="0" err="1"/>
+              <a:t>ind</a:t>
+            </a:r>
+            <a:r>
+              <a:rPr lang="es-ES" dirty="0"/>
+              <a:t> == </a:t>
+            </a:r>
+            <a:r>
+              <a:rPr lang="es-ES" dirty="0" err="1"/>
+              <a:t>soci</a:t>
+            </a:r>
+            <a:r>
+              <a:rPr lang="es-ES" dirty="0"/>
+              <a:t>::</a:t>
+            </a:r>
+            <a:r>
+              <a:rPr lang="es-ES" dirty="0" err="1"/>
+              <a:t>i_null</a:t>
+            </a:r>
+            <a:r>
+              <a:rPr lang="es-ES" dirty="0"/>
+              <a:t>) { /* manejar ausencia de datos */ }</a:t>
+            </a:r>
+          </a:p>
+          <a:p>
+            <a:pPr lvl="1"/>
+            <a:endParaRPr lang="es-ES" dirty="0"/>
+          </a:p>
+          <a:p>
+            <a:pPr lvl="1"/>
+            <a:endParaRPr lang="es-ES" dirty="0"/>
           </a:p>
         </p:txBody>
       </p:sp>
@@ -8592,7 +9026,7 @@
           <p:cNvPr id="4" name="Marcador de número de diapositiva 3">
             <a:extLst>
               <a:ext uri="{FF2B5EF4-FFF2-40B4-BE49-F238E27FC236}">
-                <a16:creationId xmlns:a16="http://schemas.microsoft.com/office/drawing/2014/main" id="{9F6D5783-F9DD-A59A-BCEC-CA2FA10AE038}"/>
+                <a16:creationId xmlns:a16="http://schemas.microsoft.com/office/drawing/2014/main" id="{930F1451-C2F0-243D-B5D9-9FBB796F4B65}"/>
               </a:ext>
             </a:extLst>
           </p:cNvPr>
@@ -8619,7 +9053,7 @@
     </p:spTree>
     <p:extLst>
       <p:ext uri="{BB962C8B-B14F-4D97-AF65-F5344CB8AC3E}">
-        <p14:creationId xmlns:p14="http://schemas.microsoft.com/office/powerpoint/2010/main" val="3524649023"/>
+        <p14:creationId xmlns:p14="http://schemas.microsoft.com/office/powerpoint/2010/main" val="3262438600"/>
       </p:ext>
     </p:extLst>
   </p:cSld>
@@ -8648,34 +9082,185 @@
       </p:grpSpPr>
       <p:sp>
         <p:nvSpPr>
-          <p:cNvPr id="5" name="Título 4">
-            <a:extLst>
-              <a:ext uri="{FF2B5EF4-FFF2-40B4-BE49-F238E27FC236}">
-                <a16:creationId xmlns:a16="http://schemas.microsoft.com/office/drawing/2014/main" id="{3530AFC8-879B-AB7E-BD55-0F2A15347493}"/>
-              </a:ext>
-            </a:extLst>
-          </p:cNvPr>
-          <p:cNvSpPr>
-            <a:spLocks noGrp="1"/>
-          </p:cNvSpPr>
-          <p:nvPr>
-            <p:ph type="ctrTitle"/>
-          </p:nvPr>
-        </p:nvSpPr>
-        <p:spPr>
-          <a:xfrm>
-            <a:off x="1524000" y="1988636"/>
-            <a:ext cx="9144000" cy="2387600"/>
-          </a:xfrm>
-        </p:spPr>
-        <p:txBody>
-          <a:bodyPr/>
-          <a:lstStyle/>
-          <a:p>
+          <p:cNvPr id="2" name="Título 1">
+            <a:extLst>
+              <a:ext uri="{FF2B5EF4-FFF2-40B4-BE49-F238E27FC236}">
+                <a16:creationId xmlns:a16="http://schemas.microsoft.com/office/drawing/2014/main" id="{9B06251E-BF8C-9377-97F2-9A79E4C4B155}"/>
+              </a:ext>
+            </a:extLst>
+          </p:cNvPr>
+          <p:cNvSpPr>
+            <a:spLocks noGrp="1"/>
+          </p:cNvSpPr>
+          <p:nvPr>
+            <p:ph type="title"/>
+          </p:nvPr>
+        </p:nvSpPr>
+        <p:spPr/>
+        <p:txBody>
+          <a:bodyPr/>
+          <a:lstStyle/>
+          <a:p>
+            <a:r>
+              <a:rPr lang="es-ES" dirty="0"/>
+              <a:t>Objetos principales de SOCI</a:t>
+            </a:r>
+          </a:p>
+        </p:txBody>
+      </p:sp>
+      <p:sp>
+        <p:nvSpPr>
+          <p:cNvPr id="3" name="Marcador de contenido 2">
+            <a:extLst>
+              <a:ext uri="{FF2B5EF4-FFF2-40B4-BE49-F238E27FC236}">
+                <a16:creationId xmlns:a16="http://schemas.microsoft.com/office/drawing/2014/main" id="{EB28DAAB-4C7F-2C8F-93F2-997A5507AC80}"/>
+              </a:ext>
+            </a:extLst>
+          </p:cNvPr>
+          <p:cNvSpPr>
+            <a:spLocks noGrp="1"/>
+          </p:cNvSpPr>
+          <p:nvPr>
+            <p:ph idx="1"/>
+          </p:nvPr>
+        </p:nvSpPr>
+        <p:spPr/>
+        <p:txBody>
+          <a:bodyPr/>
+          <a:lstStyle/>
+          <a:p>
+            <a:r>
+              <a:rPr lang="es-ES" b="1" dirty="0" err="1"/>
+              <a:t>soci</a:t>
+            </a:r>
             <a:r>
               <a:rPr lang="es-ES" b="1" dirty="0"/>
-              <a:t>Estrategias de persistencia y acceso rápido a datos </a:t>
-            </a:r>
+              <a:t>::</a:t>
+            </a:r>
+            <a:r>
+              <a:rPr lang="es-ES" b="1" dirty="0" err="1"/>
+              <a:t>rowset</a:t>
+            </a:r>
+            <a:r>
+              <a:rPr lang="es-ES" b="1" dirty="0"/>
+              <a:t>&lt;</a:t>
+            </a:r>
+            <a:r>
+              <a:rPr lang="es-ES" b="1" dirty="0" err="1"/>
+              <a:t>soci</a:t>
+            </a:r>
+            <a:r>
+              <a:rPr lang="es-ES" b="1" dirty="0"/>
+              <a:t>::</a:t>
+            </a:r>
+            <a:r>
+              <a:rPr lang="es-ES" b="1" dirty="0" err="1"/>
+              <a:t>row</a:t>
+            </a:r>
+            <a:r>
+              <a:rPr lang="es-ES" b="1" dirty="0"/>
+              <a:t>&gt;</a:t>
+            </a:r>
+          </a:p>
+          <a:p>
+            <a:pPr lvl="1"/>
+            <a:r>
+              <a:rPr lang="es-ES" dirty="0"/>
+              <a:t>Permite recorrer múltiples resultados de una consulta SELECT.</a:t>
+            </a:r>
+          </a:p>
+          <a:p>
+            <a:pPr lvl="2"/>
+            <a:r>
+              <a:rPr lang="es-ES" dirty="0" err="1"/>
+              <a:t>soci</a:t>
+            </a:r>
+            <a:r>
+              <a:rPr lang="es-ES" dirty="0"/>
+              <a:t>::</a:t>
+            </a:r>
+            <a:r>
+              <a:rPr lang="es-ES" dirty="0" err="1"/>
+              <a:t>rowset</a:t>
+            </a:r>
+            <a:r>
+              <a:rPr lang="es-ES" dirty="0"/>
+              <a:t>&lt;</a:t>
+            </a:r>
+            <a:r>
+              <a:rPr lang="es-ES" dirty="0" err="1"/>
+              <a:t>soci</a:t>
+            </a:r>
+            <a:r>
+              <a:rPr lang="es-ES" dirty="0"/>
+              <a:t>::</a:t>
+            </a:r>
+            <a:r>
+              <a:rPr lang="es-ES" dirty="0" err="1"/>
+              <a:t>row</a:t>
+            </a:r>
+            <a:r>
+              <a:rPr lang="es-ES" dirty="0"/>
+              <a:t>&gt; </a:t>
+            </a:r>
+            <a:r>
+              <a:rPr lang="es-ES" dirty="0" err="1"/>
+              <a:t>rs</a:t>
+            </a:r>
+            <a:r>
+              <a:rPr lang="es-ES" dirty="0"/>
+              <a:t> = </a:t>
+            </a:r>
+            <a:r>
+              <a:rPr lang="es-ES" dirty="0" err="1"/>
+              <a:t>sql.prepare</a:t>
+            </a:r>
+            <a:r>
+              <a:rPr lang="es-ES" dirty="0"/>
+              <a:t> &lt;&lt; "SELECT id, nombre, cargo FROM empleados";</a:t>
+            </a:r>
+          </a:p>
+          <a:p>
+            <a:pPr lvl="2"/>
+            <a:r>
+              <a:rPr lang="es-ES" dirty="0" err="1"/>
+              <a:t>for</a:t>
+            </a:r>
+            <a:r>
+              <a:rPr lang="es-ES" dirty="0"/>
+              <a:t> (</a:t>
+            </a:r>
+            <a:r>
+              <a:rPr lang="es-ES" dirty="0" err="1"/>
+              <a:t>const</a:t>
+            </a:r>
+            <a:r>
+              <a:rPr lang="es-ES" dirty="0"/>
+              <a:t> auto&amp; r : </a:t>
+            </a:r>
+            <a:r>
+              <a:rPr lang="es-ES" dirty="0" err="1"/>
+              <a:t>rs</a:t>
+            </a:r>
+            <a:r>
+              <a:rPr lang="es-ES" dirty="0"/>
+              <a:t>) { /* recorrer resultados */ }</a:t>
+            </a:r>
+          </a:p>
+          <a:p>
+            <a:pPr lvl="2"/>
+            <a:endParaRPr lang="es-ES" dirty="0"/>
+          </a:p>
+          <a:p>
+            <a:pPr lvl="1"/>
+            <a:r>
+              <a:rPr lang="es-ES" dirty="0"/>
+              <a:t>Listados y consultas que devuelven varias filas.</a:t>
+            </a:r>
+          </a:p>
+          <a:p>
+            <a:pPr lvl="1"/>
+            <a:endParaRPr lang="es-ES" dirty="0"/>
           </a:p>
         </p:txBody>
       </p:sp>
@@ -8684,7 +9269,7 @@
           <p:cNvPr id="4" name="Marcador de número de diapositiva 3">
             <a:extLst>
               <a:ext uri="{FF2B5EF4-FFF2-40B4-BE49-F238E27FC236}">
-                <a16:creationId xmlns:a16="http://schemas.microsoft.com/office/drawing/2014/main" id="{3ACD2230-B698-9BBC-AE67-4C639DF769BF}"/>
+                <a16:creationId xmlns:a16="http://schemas.microsoft.com/office/drawing/2014/main" id="{3EE97A1E-56E1-0C18-7B64-C0314060717D}"/>
               </a:ext>
             </a:extLst>
           </p:cNvPr>
@@ -8711,7 +9296,7 @@
     </p:spTree>
     <p:extLst>
       <p:ext uri="{BB962C8B-B14F-4D97-AF65-F5344CB8AC3E}">
-        <p14:creationId xmlns:p14="http://schemas.microsoft.com/office/powerpoint/2010/main" val="215953526"/>
+        <p14:creationId xmlns:p14="http://schemas.microsoft.com/office/powerpoint/2010/main" val="3271043193"/>
       </p:ext>
     </p:extLst>
   </p:cSld>
@@ -8743,7 +9328,7 @@
           <p:cNvPr id="2" name="Título 1">
             <a:extLst>
               <a:ext uri="{FF2B5EF4-FFF2-40B4-BE49-F238E27FC236}">
-                <a16:creationId xmlns:a16="http://schemas.microsoft.com/office/drawing/2014/main" id="{F7F18BDE-AFE9-009B-D6D1-7D572F17D467}"/>
+                <a16:creationId xmlns:a16="http://schemas.microsoft.com/office/drawing/2014/main" id="{461D34BD-5FA6-92C0-BEE3-E956B6F3B4B7}"/>
               </a:ext>
             </a:extLst>
           </p:cNvPr>
@@ -8754,67 +9339,218 @@
             <p:ph type="title"/>
           </p:nvPr>
         </p:nvSpPr>
-        <p:spPr>
-          <a:xfrm>
-            <a:off x="211756" y="365125"/>
-            <a:ext cx="11829448" cy="1325563"/>
-          </a:xfrm>
-        </p:spPr>
-        <p:txBody>
-          <a:bodyPr>
-            <a:normAutofit fontScale="90000"/>
-          </a:bodyPr>
-          <a:lstStyle/>
-          <a:p>
-            <a:br>
-              <a:rPr lang="es-ES" dirty="0"/>
-            </a:br>
-            <a:r>
-              <a:rPr lang="es-ES" dirty="0" err="1"/>
-              <a:t>Caching</a:t>
-            </a:r>
-            <a:r>
-              <a:rPr lang="es-ES" dirty="0"/>
-              <a:t> con Redis o </a:t>
-            </a:r>
-            <a:r>
-              <a:rPr lang="es-ES" dirty="0" err="1"/>
-              <a:t>Memcached</a:t>
-            </a:r>
-            <a:r>
-              <a:rPr lang="es-ES" dirty="0"/>
-              <a:t> en aplicaciones C++. </a:t>
-            </a:r>
-            <a:br>
-              <a:rPr lang="es-ES" dirty="0"/>
-            </a:br>
+        <p:spPr/>
+        <p:txBody>
+          <a:bodyPr/>
+          <a:lstStyle/>
+          <a:p>
+            <a:r>
+              <a:rPr lang="es-ES" dirty="0"/>
+              <a:t>Objetos principales de SOCI</a:t>
+            </a:r>
+          </a:p>
+        </p:txBody>
+      </p:sp>
+      <p:sp>
+        <p:nvSpPr>
+          <p:cNvPr id="3" name="Marcador de contenido 2">
+            <a:extLst>
+              <a:ext uri="{FF2B5EF4-FFF2-40B4-BE49-F238E27FC236}">
+                <a16:creationId xmlns:a16="http://schemas.microsoft.com/office/drawing/2014/main" id="{DE5B42B5-DBBB-5D26-7382-135A5336FA6F}"/>
+              </a:ext>
+            </a:extLst>
+          </p:cNvPr>
+          <p:cNvSpPr>
+            <a:spLocks noGrp="1"/>
+          </p:cNvSpPr>
+          <p:nvPr>
+            <p:ph idx="1"/>
+          </p:nvPr>
+        </p:nvSpPr>
+        <p:spPr/>
+        <p:txBody>
+          <a:bodyPr/>
+          <a:lstStyle/>
+          <a:p>
+            <a:r>
+              <a:rPr lang="es-ES" b="1" dirty="0"/>
+              <a:t>#include &lt;</a:t>
+            </a:r>
+            <a:r>
+              <a:rPr lang="es-ES" b="1" dirty="0" err="1"/>
+              <a:t>optional</a:t>
+            </a:r>
+            <a:r>
+              <a:rPr lang="es-ES" b="1" dirty="0"/>
+              <a:t>&gt;</a:t>
+            </a:r>
+          </a:p>
+          <a:p>
+            <a:r>
+              <a:rPr lang="es-ES" b="1" dirty="0" err="1"/>
+              <a:t>std</a:t>
+            </a:r>
+            <a:r>
+              <a:rPr lang="es-ES" b="1" dirty="0"/>
+              <a:t>::</a:t>
+            </a:r>
+            <a:r>
+              <a:rPr lang="es-ES" b="1" dirty="0" err="1"/>
+              <a:t>optional</a:t>
+            </a:r>
+            <a:r>
+              <a:rPr lang="es-ES" b="1" dirty="0"/>
+              <a:t>&lt;T&gt;</a:t>
+            </a:r>
+          </a:p>
+          <a:p>
             <a:endParaRPr lang="es-ES" dirty="0"/>
           </a:p>
-        </p:txBody>
-      </p:sp>
-      <p:sp>
-        <p:nvSpPr>
-          <p:cNvPr id="3" name="Marcador de contenido 2">
-            <a:extLst>
-              <a:ext uri="{FF2B5EF4-FFF2-40B4-BE49-F238E27FC236}">
-                <a16:creationId xmlns:a16="http://schemas.microsoft.com/office/drawing/2014/main" id="{EA659A88-5D37-41C8-64E8-31D6A24EE5E3}"/>
-              </a:ext>
-            </a:extLst>
-          </p:cNvPr>
-          <p:cNvSpPr>
-            <a:spLocks noGrp="1"/>
-          </p:cNvSpPr>
-          <p:nvPr>
-            <p:ph idx="1"/>
-          </p:nvPr>
-        </p:nvSpPr>
-        <p:spPr/>
-        <p:txBody>
-          <a:bodyPr/>
-          <a:lstStyle/>
-          <a:p>
+          <a:p>
+            <a:r>
+              <a:rPr lang="es-ES" dirty="0"/>
+              <a:t>Parte de </a:t>
+            </a:r>
+            <a:r>
+              <a:rPr lang="es-ES" b="1" dirty="0"/>
+              <a:t>C++17</a:t>
+            </a:r>
+            <a:r>
+              <a:rPr lang="es-ES" dirty="0"/>
+              <a:t>, representa un valor que puede existir o no.</a:t>
+            </a:r>
+          </a:p>
+          <a:p>
+            <a:pPr lvl="1"/>
+            <a:r>
+              <a:rPr lang="es-ES" dirty="0" err="1"/>
+              <a:t>std</a:t>
+            </a:r>
+            <a:r>
+              <a:rPr lang="es-ES" dirty="0"/>
+              <a:t>::</a:t>
+            </a:r>
+            <a:r>
+              <a:rPr lang="es-ES" dirty="0" err="1"/>
+              <a:t>optional</a:t>
+            </a:r>
+            <a:r>
+              <a:rPr lang="es-ES" dirty="0"/>
+              <a:t>&lt;Empleado&gt; resultado = </a:t>
+            </a:r>
+            <a:r>
+              <a:rPr lang="es-ES" dirty="0" err="1"/>
+              <a:t>repo.recuperarEmpleado</a:t>
+            </a:r>
+            <a:r>
+              <a:rPr lang="es-ES" dirty="0"/>
+              <a:t>(5);</a:t>
+            </a:r>
+          </a:p>
+          <a:p>
+            <a:pPr lvl="1"/>
+            <a:r>
+              <a:rPr lang="es-ES" dirty="0" err="1"/>
+              <a:t>if</a:t>
+            </a:r>
+            <a:r>
+              <a:rPr lang="es-ES" dirty="0"/>
+              <a:t> (resultado) { </a:t>
+            </a:r>
+            <a:r>
+              <a:rPr lang="es-ES" dirty="0" err="1"/>
+              <a:t>std</a:t>
+            </a:r>
+            <a:r>
+              <a:rPr lang="es-ES" dirty="0"/>
+              <a:t>::</a:t>
+            </a:r>
+            <a:r>
+              <a:rPr lang="es-ES" dirty="0" err="1"/>
+              <a:t>cout</a:t>
+            </a:r>
+            <a:r>
+              <a:rPr lang="es-ES" dirty="0"/>
+              <a:t> &lt;&lt; resultado-&gt;nombre; }</a:t>
+            </a:r>
+          </a:p>
+          <a:p>
+            <a:pPr lvl="1"/>
             <a:endParaRPr lang="es-ES" dirty="0"/>
           </a:p>
+          <a:p>
+            <a:pPr lvl="1"/>
+            <a:r>
+              <a:rPr lang="es-ES" b="1" dirty="0" err="1"/>
+              <a:t>std</a:t>
+            </a:r>
+            <a:r>
+              <a:rPr lang="es-ES" b="1" dirty="0"/>
+              <a:t>::</a:t>
+            </a:r>
+            <a:r>
+              <a:rPr lang="es-ES" b="1" dirty="0" err="1"/>
+              <a:t>nullopt</a:t>
+            </a:r>
+            <a:endParaRPr lang="es-ES" b="1" dirty="0"/>
+          </a:p>
+          <a:p>
+            <a:pPr lvl="2"/>
+            <a:r>
+              <a:rPr lang="es-ES" dirty="0"/>
+              <a:t>Constante que representa un </a:t>
+            </a:r>
+            <a:r>
+              <a:rPr lang="es-ES" dirty="0" err="1"/>
+              <a:t>std</a:t>
+            </a:r>
+            <a:r>
+              <a:rPr lang="es-ES" dirty="0"/>
+              <a:t>::</a:t>
+            </a:r>
+            <a:r>
+              <a:rPr lang="es-ES" dirty="0" err="1"/>
+              <a:t>optional</a:t>
+            </a:r>
+            <a:r>
+              <a:rPr lang="es-ES" dirty="0"/>
+              <a:t> vacío.</a:t>
+            </a:r>
+          </a:p>
+          <a:p>
+            <a:pPr lvl="2"/>
+            <a:r>
+              <a:rPr lang="es-ES" dirty="0" err="1"/>
+              <a:t>return</a:t>
+            </a:r>
+            <a:r>
+              <a:rPr lang="es-ES" dirty="0"/>
+              <a:t> </a:t>
+            </a:r>
+            <a:r>
+              <a:rPr lang="es-ES" dirty="0" err="1"/>
+              <a:t>std</a:t>
+            </a:r>
+            <a:r>
+              <a:rPr lang="es-ES" dirty="0"/>
+              <a:t>::</a:t>
+            </a:r>
+            <a:r>
+              <a:rPr lang="es-ES" dirty="0" err="1"/>
+              <a:t>nullopt</a:t>
+            </a:r>
+            <a:r>
+              <a:rPr lang="es-ES" dirty="0"/>
+              <a:t>;</a:t>
+            </a:r>
+          </a:p>
+          <a:p>
+            <a:pPr lvl="2"/>
+            <a:endParaRPr lang="es-ES" dirty="0"/>
+          </a:p>
+          <a:p>
+            <a:endParaRPr lang="es-ES" dirty="0"/>
+          </a:p>
         </p:txBody>
       </p:sp>
       <p:sp>
@@ -8822,7 +9558,7 @@
           <p:cNvPr id="4" name="Marcador de número de diapositiva 3">
             <a:extLst>
               <a:ext uri="{FF2B5EF4-FFF2-40B4-BE49-F238E27FC236}">
-                <a16:creationId xmlns:a16="http://schemas.microsoft.com/office/drawing/2014/main" id="{B4554192-6168-CC32-B34C-95A000769902}"/>
+                <a16:creationId xmlns:a16="http://schemas.microsoft.com/office/drawing/2014/main" id="{2639F735-E5C0-D8E4-0254-002F1CF0DE68}"/>
               </a:ext>
             </a:extLst>
           </p:cNvPr>
@@ -8849,7 +9585,7 @@
     </p:spTree>
     <p:extLst>
       <p:ext uri="{BB962C8B-B14F-4D97-AF65-F5344CB8AC3E}">
-        <p14:creationId xmlns:p14="http://schemas.microsoft.com/office/powerpoint/2010/main" val="616475062"/>
+        <p14:creationId xmlns:p14="http://schemas.microsoft.com/office/powerpoint/2010/main" val="1785666173"/>
       </p:ext>
     </p:extLst>
   </p:cSld>
@@ -8881,7 +9617,7 @@
           <p:cNvPr id="2" name="Título 1">
             <a:extLst>
               <a:ext uri="{FF2B5EF4-FFF2-40B4-BE49-F238E27FC236}">
-                <a16:creationId xmlns:a16="http://schemas.microsoft.com/office/drawing/2014/main" id="{49BB2EED-00D7-72C8-4BAA-9054EDCFA75D}"/>
+                <a16:creationId xmlns:a16="http://schemas.microsoft.com/office/drawing/2014/main" id="{63902AC2-F984-1883-11EA-601B7F9BBE15}"/>
               </a:ext>
             </a:extLst>
           </p:cNvPr>
@@ -8892,12 +9628,20 @@
             <p:ph type="title"/>
           </p:nvPr>
         </p:nvSpPr>
-        <p:spPr/>
-        <p:txBody>
-          <a:bodyPr/>
-          <a:lstStyle/>
-          <a:p>
-            <a:endParaRPr lang="es-ES"/>
+        <p:spPr>
+          <a:xfrm>
+            <a:off x="838200" y="365126"/>
+            <a:ext cx="10515600" cy="822652"/>
+          </a:xfrm>
+        </p:spPr>
+        <p:txBody>
+          <a:bodyPr/>
+          <a:lstStyle/>
+          <a:p>
+            <a:r>
+              <a:rPr lang="es-ES" dirty="0"/>
+              <a:t>Transacciones</a:t>
+            </a:r>
           </a:p>
         </p:txBody>
       </p:sp>
@@ -8906,7 +9650,7 @@
           <p:cNvPr id="3" name="Marcador de contenido 2">
             <a:extLst>
               <a:ext uri="{FF2B5EF4-FFF2-40B4-BE49-F238E27FC236}">
-                <a16:creationId xmlns:a16="http://schemas.microsoft.com/office/drawing/2014/main" id="{4E51DAE2-6BF9-D230-8633-B37A6B6FAA28}"/>
+                <a16:creationId xmlns:a16="http://schemas.microsoft.com/office/drawing/2014/main" id="{AD940DFB-6257-D227-D3C0-823D5E43B4FB}"/>
               </a:ext>
             </a:extLst>
           </p:cNvPr>
@@ -8917,12 +9661,187 @@
             <p:ph idx="1"/>
           </p:nvPr>
         </p:nvSpPr>
-        <p:spPr/>
-        <p:txBody>
-          <a:bodyPr/>
-          <a:lstStyle/>
-          <a:p>
-            <a:endParaRPr lang="es-ES"/>
+        <p:spPr>
+          <a:xfrm>
+            <a:off x="565607" y="1395166"/>
+            <a:ext cx="11010507" cy="5097707"/>
+          </a:xfrm>
+        </p:spPr>
+        <p:txBody>
+          <a:bodyPr>
+            <a:normAutofit fontScale="85000" lnSpcReduction="20000"/>
+          </a:bodyPr>
+          <a:lstStyle/>
+          <a:p>
+            <a:pPr marL="0" indent="0">
+              <a:buNone/>
+            </a:pPr>
+            <a:r>
+              <a:rPr lang="es-ES" dirty="0" err="1"/>
+              <a:t>sql.begin</a:t>
+            </a:r>
+            <a:r>
+              <a:rPr lang="es-ES" dirty="0"/>
+              <a:t>(); // Inicia la transacción</a:t>
+            </a:r>
+          </a:p>
+          <a:p>
+            <a:pPr marL="0" indent="0">
+              <a:buNone/>
+            </a:pPr>
+            <a:endParaRPr lang="es-ES" dirty="0"/>
+          </a:p>
+          <a:p>
+            <a:pPr marL="0" indent="0">
+              <a:buNone/>
+            </a:pPr>
+            <a:r>
+              <a:rPr lang="es-ES" dirty="0"/>
+              <a:t>try {</a:t>
+            </a:r>
+          </a:p>
+          <a:p>
+            <a:pPr marL="0" indent="0">
+              <a:buNone/>
+            </a:pPr>
+            <a:r>
+              <a:rPr lang="es-ES" dirty="0"/>
+              <a:t>    </a:t>
+            </a:r>
+            <a:r>
+              <a:rPr lang="es-ES" dirty="0" err="1"/>
+              <a:t>sql</a:t>
+            </a:r>
+            <a:r>
+              <a:rPr lang="es-ES" dirty="0"/>
+              <a:t> &lt;&lt; "INSERT INTO empleados(nombre, cargo) VALUES(:nombre, :cargo)",</a:t>
+            </a:r>
+          </a:p>
+          <a:p>
+            <a:pPr marL="0" indent="0">
+              <a:buNone/>
+            </a:pPr>
+            <a:r>
+              <a:rPr lang="es-ES" dirty="0"/>
+              <a:t>        </a:t>
+            </a:r>
+            <a:r>
+              <a:rPr lang="es-ES" dirty="0" err="1"/>
+              <a:t>soci</a:t>
+            </a:r>
+            <a:r>
+              <a:rPr lang="es-ES" dirty="0"/>
+              <a:t>::use("Luis"), </a:t>
+            </a:r>
+            <a:r>
+              <a:rPr lang="es-ES" dirty="0" err="1"/>
+              <a:t>soci</a:t>
+            </a:r>
+            <a:r>
+              <a:rPr lang="es-ES" dirty="0"/>
+              <a:t>::use("Contable");</a:t>
+            </a:r>
+          </a:p>
+          <a:p>
+            <a:pPr marL="0" indent="0">
+              <a:buNone/>
+            </a:pPr>
+            <a:endParaRPr lang="es-ES" dirty="0"/>
+          </a:p>
+          <a:p>
+            <a:pPr marL="0" indent="0">
+              <a:buNone/>
+            </a:pPr>
+            <a:r>
+              <a:rPr lang="es-ES" dirty="0"/>
+              <a:t>    </a:t>
+            </a:r>
+            <a:r>
+              <a:rPr lang="es-ES" dirty="0" err="1"/>
+              <a:t>sql</a:t>
+            </a:r>
+            <a:r>
+              <a:rPr lang="es-ES" dirty="0"/>
+              <a:t> &lt;&lt; "UPDATE empleados SET cargo = 'Gerente' WHERE id = 5";</a:t>
+            </a:r>
+          </a:p>
+          <a:p>
+            <a:pPr marL="0" indent="0">
+              <a:buNone/>
+            </a:pPr>
+            <a:endParaRPr lang="es-ES" dirty="0"/>
+          </a:p>
+          <a:p>
+            <a:pPr marL="0" indent="0">
+              <a:buNone/>
+            </a:pPr>
+            <a:r>
+              <a:rPr lang="es-ES" dirty="0"/>
+              <a:t>    </a:t>
+            </a:r>
+            <a:r>
+              <a:rPr lang="es-ES" dirty="0" err="1"/>
+              <a:t>sql.commit</a:t>
+            </a:r>
+            <a:r>
+              <a:rPr lang="es-ES" dirty="0"/>
+              <a:t>(); // Confirma los cambios</a:t>
+            </a:r>
+          </a:p>
+          <a:p>
+            <a:pPr marL="0" indent="0">
+              <a:buNone/>
+            </a:pPr>
+            <a:r>
+              <a:rPr lang="es-ES" dirty="0"/>
+              <a:t>} catch (...) {</a:t>
+            </a:r>
+          </a:p>
+          <a:p>
+            <a:pPr marL="0" indent="0">
+              <a:buNone/>
+            </a:pPr>
+            <a:r>
+              <a:rPr lang="es-ES" dirty="0"/>
+              <a:t>    </a:t>
+            </a:r>
+            <a:r>
+              <a:rPr lang="es-ES" dirty="0" err="1"/>
+              <a:t>sql.rollback</a:t>
+            </a:r>
+            <a:r>
+              <a:rPr lang="es-ES" dirty="0"/>
+              <a:t>(); // Revierte todo si hay error</a:t>
+            </a:r>
+          </a:p>
+          <a:p>
+            <a:pPr marL="0" indent="0">
+              <a:buNone/>
+            </a:pPr>
+            <a:r>
+              <a:rPr lang="es-ES" dirty="0"/>
+              <a:t>    </a:t>
+            </a:r>
+            <a:r>
+              <a:rPr lang="es-ES" dirty="0" err="1"/>
+              <a:t>throw</a:t>
+            </a:r>
+            <a:r>
+              <a:rPr lang="es-ES" dirty="0"/>
+              <a:t>;</a:t>
+            </a:r>
+          </a:p>
+          <a:p>
+            <a:pPr marL="0" indent="0">
+              <a:buNone/>
+            </a:pPr>
+            <a:r>
+              <a:rPr lang="es-ES" dirty="0"/>
+              <a:t>}</a:t>
+            </a:r>
+          </a:p>
+          <a:p>
+            <a:endParaRPr lang="es-ES" dirty="0"/>
           </a:p>
         </p:txBody>
       </p:sp>
@@ -8931,7 +9850,7 @@
           <p:cNvPr id="4" name="Marcador de número de diapositiva 3">
             <a:extLst>
               <a:ext uri="{FF2B5EF4-FFF2-40B4-BE49-F238E27FC236}">
-                <a16:creationId xmlns:a16="http://schemas.microsoft.com/office/drawing/2014/main" id="{7C785272-8B36-78C1-1936-DD08C0F0D35C}"/>
+                <a16:creationId xmlns:a16="http://schemas.microsoft.com/office/drawing/2014/main" id="{35DECA4A-EDB8-8C9D-B73C-F5B1D572CA53}"/>
               </a:ext>
             </a:extLst>
           </p:cNvPr>
@@ -8958,7 +9877,7 @@
     </p:spTree>
     <p:extLst>
       <p:ext uri="{BB962C8B-B14F-4D97-AF65-F5344CB8AC3E}">
-        <p14:creationId xmlns:p14="http://schemas.microsoft.com/office/powerpoint/2010/main" val="1445094952"/>
+        <p14:creationId xmlns:p14="http://schemas.microsoft.com/office/powerpoint/2010/main" val="3440067851"/>
       </p:ext>
     </p:extLst>
   </p:cSld>
@@ -8990,7 +9909,7 @@
           <p:cNvPr id="2" name="Título 1">
             <a:extLst>
               <a:ext uri="{FF2B5EF4-FFF2-40B4-BE49-F238E27FC236}">
-                <a16:creationId xmlns:a16="http://schemas.microsoft.com/office/drawing/2014/main" id="{0AF1788B-5C79-E93A-CFF1-2028E33D14F2}"/>
+                <a16:creationId xmlns:a16="http://schemas.microsoft.com/office/drawing/2014/main" id="{E008E65A-B79C-05BE-AE9D-34A411163EBF}"/>
               </a:ext>
             </a:extLst>
           </p:cNvPr>
@@ -9003,22 +9922,13 @@
         </p:nvSpPr>
         <p:spPr/>
         <p:txBody>
-          <a:bodyPr>
-            <a:normAutofit fontScale="90000"/>
-          </a:bodyPr>
-          <a:lstStyle/>
-          <a:p>
-            <a:br>
-              <a:rPr lang="es-ES" dirty="0"/>
-            </a:br>
-            <a:r>
-              <a:rPr lang="es-ES" dirty="0"/>
-              <a:t>Implementación de acceso en tiempo real a grandes volúmenes de datos </a:t>
-            </a:r>
-            <a:br>
-              <a:rPr lang="es-ES" dirty="0"/>
-            </a:br>
-            <a:endParaRPr lang="es-ES" dirty="0"/>
+          <a:bodyPr/>
+          <a:lstStyle/>
+          <a:p>
+            <a:r>
+              <a:rPr lang="es-ES" dirty="0"/>
+              <a:t>Transacciones</a:t>
+            </a:r>
           </a:p>
         </p:txBody>
       </p:sp>
@@ -9027,7 +9937,7 @@
           <p:cNvPr id="3" name="Marcador de contenido 2">
             <a:extLst>
               <a:ext uri="{FF2B5EF4-FFF2-40B4-BE49-F238E27FC236}">
-                <a16:creationId xmlns:a16="http://schemas.microsoft.com/office/drawing/2014/main" id="{2D020A8F-0A2D-0870-5DA2-82B7D01EAC67}"/>
+                <a16:creationId xmlns:a16="http://schemas.microsoft.com/office/drawing/2014/main" id="{EBB54A6F-0D31-78F3-5A44-E555FBB777C4}"/>
               </a:ext>
             </a:extLst>
           </p:cNvPr>
@@ -9038,12 +9948,29 @@
             <p:ph idx="1"/>
           </p:nvPr>
         </p:nvSpPr>
-        <p:spPr/>
-        <p:txBody>
-          <a:bodyPr/>
-          <a:lstStyle/>
-          <a:p>
-            <a:endParaRPr lang="es-ES"/>
+        <p:spPr>
+          <a:xfrm>
+            <a:off x="838200" y="1825625"/>
+            <a:ext cx="10515600" cy="568783"/>
+          </a:xfrm>
+        </p:spPr>
+        <p:txBody>
+          <a:bodyPr/>
+          <a:lstStyle/>
+          <a:p>
+            <a:r>
+              <a:rPr lang="es-ES" b="1" dirty="0" err="1"/>
+              <a:t>soci</a:t>
+            </a:r>
+            <a:r>
+              <a:rPr lang="es-ES" b="1" dirty="0"/>
+              <a:t>::</a:t>
+            </a:r>
+            <a:r>
+              <a:rPr lang="es-ES" b="1" dirty="0" err="1"/>
+              <a:t>transaction</a:t>
+            </a:r>
+            <a:endParaRPr lang="es-ES" b="1" dirty="0"/>
           </a:p>
         </p:txBody>
       </p:sp>
@@ -9052,7 +9979,7 @@
           <p:cNvPr id="4" name="Marcador de número de diapositiva 3">
             <a:extLst>
               <a:ext uri="{FF2B5EF4-FFF2-40B4-BE49-F238E27FC236}">
-                <a16:creationId xmlns:a16="http://schemas.microsoft.com/office/drawing/2014/main" id="{91067DBD-6930-F91A-B260-0C31A518892C}"/>
+                <a16:creationId xmlns:a16="http://schemas.microsoft.com/office/drawing/2014/main" id="{3E98C5B8-FDE3-A905-D441-488CF1CA3FA3}"/>
               </a:ext>
             </a:extLst>
           </p:cNvPr>
@@ -9076,10 +10003,724 @@
           </a:p>
         </p:txBody>
       </p:sp>
+      <p:pic>
+        <p:nvPicPr>
+          <p:cNvPr id="6" name="Imagen 5">
+            <a:extLst>
+              <a:ext uri="{FF2B5EF4-FFF2-40B4-BE49-F238E27FC236}">
+                <a16:creationId xmlns:a16="http://schemas.microsoft.com/office/drawing/2014/main" id="{E92BF9C6-A560-F3C1-E2AE-223ACC07480F}"/>
+              </a:ext>
+            </a:extLst>
+          </p:cNvPr>
+          <p:cNvPicPr>
+            <a:picLocks noChangeAspect="1"/>
+          </p:cNvPicPr>
+          <p:nvPr/>
+        </p:nvPicPr>
+        <p:blipFill>
+          <a:blip r:embed="rId2"/>
+          <a:stretch>
+            <a:fillRect/>
+          </a:stretch>
+        </p:blipFill>
+        <p:spPr>
+          <a:xfrm>
+            <a:off x="1017604" y="2575153"/>
+            <a:ext cx="10250184" cy="2713284"/>
+          </a:xfrm>
+          <a:prstGeom prst="rect">
+            <a:avLst/>
+          </a:prstGeom>
+        </p:spPr>
+      </p:pic>
     </p:spTree>
     <p:extLst>
       <p:ext uri="{BB962C8B-B14F-4D97-AF65-F5344CB8AC3E}">
-        <p14:creationId xmlns:p14="http://schemas.microsoft.com/office/powerpoint/2010/main" val="2528525117"/>
+        <p14:creationId xmlns:p14="http://schemas.microsoft.com/office/powerpoint/2010/main" val="358339659"/>
+      </p:ext>
+    </p:extLst>
+  </p:cSld>
+  <p:clrMapOvr>
+    <a:masterClrMapping/>
+  </p:clrMapOvr>
+</p:sld>
+</file>
+
+<file path=ppt/slides/slide36.xml><?xml version="1.0" encoding="utf-8"?>
+<p:sld xmlns:a="http://schemas.openxmlformats.org/drawingml/2006/main" xmlns:r="http://schemas.openxmlformats.org/officeDocument/2006/relationships" xmlns:p="http://schemas.openxmlformats.org/presentationml/2006/main">
+  <p:cSld>
+    <p:spTree>
+      <p:nvGrpSpPr>
+        <p:cNvPr id="1" name=""/>
+        <p:cNvGrpSpPr/>
+        <p:nvPr/>
+      </p:nvGrpSpPr>
+      <p:grpSpPr>
+        <a:xfrm>
+          <a:off x="0" y="0"/>
+          <a:ext cx="0" cy="0"/>
+          <a:chOff x="0" y="0"/>
+          <a:chExt cx="0" cy="0"/>
+        </a:xfrm>
+      </p:grpSpPr>
+      <p:sp>
+        <p:nvSpPr>
+          <p:cNvPr id="2" name="Título 1">
+            <a:extLst>
+              <a:ext uri="{FF2B5EF4-FFF2-40B4-BE49-F238E27FC236}">
+                <a16:creationId xmlns:a16="http://schemas.microsoft.com/office/drawing/2014/main" id="{99FB31B7-2FE7-EBD6-E14A-E7CF64D6D3D8}"/>
+              </a:ext>
+            </a:extLst>
+          </p:cNvPr>
+          <p:cNvSpPr>
+            <a:spLocks noGrp="1"/>
+          </p:cNvSpPr>
+          <p:nvPr>
+            <p:ph type="title"/>
+          </p:nvPr>
+        </p:nvSpPr>
+        <p:spPr/>
+        <p:txBody>
+          <a:bodyPr/>
+          <a:lstStyle/>
+          <a:p>
+            <a:r>
+              <a:rPr lang="es-ES" dirty="0"/>
+              <a:t>Recuperar el id autogenerado</a:t>
+            </a:r>
+          </a:p>
+        </p:txBody>
+      </p:sp>
+      <p:sp>
+        <p:nvSpPr>
+          <p:cNvPr id="3" name="Marcador de contenido 2">
+            <a:extLst>
+              <a:ext uri="{FF2B5EF4-FFF2-40B4-BE49-F238E27FC236}">
+                <a16:creationId xmlns:a16="http://schemas.microsoft.com/office/drawing/2014/main" id="{20640F77-7883-03DF-6987-9CBA317FBBC1}"/>
+              </a:ext>
+            </a:extLst>
+          </p:cNvPr>
+          <p:cNvSpPr>
+            <a:spLocks noGrp="1"/>
+          </p:cNvSpPr>
+          <p:nvPr>
+            <p:ph idx="1"/>
+          </p:nvPr>
+        </p:nvSpPr>
+        <p:spPr>
+          <a:xfrm>
+            <a:off x="131975" y="1825625"/>
+            <a:ext cx="11906054" cy="4351338"/>
+          </a:xfrm>
+        </p:spPr>
+        <p:txBody>
+          <a:bodyPr/>
+          <a:lstStyle/>
+          <a:p>
+            <a:r>
+              <a:rPr lang="es-ES" dirty="0"/>
+              <a:t>Después de un </a:t>
+            </a:r>
+            <a:r>
+              <a:rPr lang="es-ES" dirty="0" err="1"/>
+              <a:t>insert</a:t>
+            </a:r>
+            <a:r>
+              <a:rPr lang="es-ES" dirty="0"/>
+              <a:t>:</a:t>
+            </a:r>
+          </a:p>
+          <a:p>
+            <a:pPr lvl="1"/>
+            <a:r>
+              <a:rPr lang="es-ES" dirty="0" err="1"/>
+              <a:t>int</a:t>
+            </a:r>
+            <a:r>
+              <a:rPr lang="es-ES" dirty="0"/>
+              <a:t> </a:t>
+            </a:r>
+            <a:r>
+              <a:rPr lang="es-ES" dirty="0" err="1"/>
+              <a:t>nuevoId</a:t>
+            </a:r>
+            <a:r>
+              <a:rPr lang="es-ES" dirty="0"/>
+              <a:t>;</a:t>
+            </a:r>
+          </a:p>
+          <a:p>
+            <a:pPr lvl="1"/>
+            <a:r>
+              <a:rPr lang="es-ES" dirty="0" err="1"/>
+              <a:t>sql</a:t>
+            </a:r>
+            <a:r>
+              <a:rPr lang="es-ES" dirty="0"/>
+              <a:t> &lt;&lt; "INSERT INTO empleados(nombre, cargo) VALUES(:nombre, :cargo)",</a:t>
+            </a:r>
+          </a:p>
+          <a:p>
+            <a:pPr lvl="1"/>
+            <a:r>
+              <a:rPr lang="es-ES" dirty="0"/>
+              <a:t>    </a:t>
+            </a:r>
+            <a:r>
+              <a:rPr lang="es-ES" dirty="0" err="1"/>
+              <a:t>soci</a:t>
+            </a:r>
+            <a:r>
+              <a:rPr lang="es-ES" dirty="0"/>
+              <a:t>::use("Marta"), </a:t>
+            </a:r>
+            <a:r>
+              <a:rPr lang="es-ES" dirty="0" err="1"/>
+              <a:t>soci</a:t>
+            </a:r>
+            <a:r>
+              <a:rPr lang="es-ES" dirty="0"/>
+              <a:t>::use("Diseñadora");</a:t>
+            </a:r>
+          </a:p>
+          <a:p>
+            <a:pPr lvl="1"/>
+            <a:endParaRPr lang="es-ES" dirty="0"/>
+          </a:p>
+          <a:p>
+            <a:pPr lvl="1"/>
+            <a:r>
+              <a:rPr lang="es-ES" dirty="0"/>
+              <a:t>Para </a:t>
+            </a:r>
+            <a:r>
+              <a:rPr lang="es-ES" dirty="0" err="1"/>
+              <a:t>mysql</a:t>
+            </a:r>
+            <a:r>
+              <a:rPr lang="es-ES" dirty="0"/>
+              <a:t>:</a:t>
+            </a:r>
+          </a:p>
+          <a:p>
+            <a:pPr lvl="2"/>
+            <a:r>
+              <a:rPr lang="es-ES" dirty="0" err="1"/>
+              <a:t>sql</a:t>
+            </a:r>
+            <a:r>
+              <a:rPr lang="es-ES" dirty="0"/>
+              <a:t> &lt;&lt; "SELECT </a:t>
+            </a:r>
+            <a:r>
+              <a:rPr lang="es-ES" b="1" dirty="0"/>
+              <a:t>LAST_INSERT_ID</a:t>
+            </a:r>
+            <a:r>
+              <a:rPr lang="es-ES" dirty="0"/>
+              <a:t>()", </a:t>
+            </a:r>
+            <a:r>
+              <a:rPr lang="es-ES" dirty="0" err="1"/>
+              <a:t>soci</a:t>
+            </a:r>
+            <a:r>
+              <a:rPr lang="es-ES" dirty="0"/>
+              <a:t>::</a:t>
+            </a:r>
+            <a:r>
+              <a:rPr lang="es-ES" dirty="0" err="1"/>
+              <a:t>into</a:t>
+            </a:r>
+            <a:r>
+              <a:rPr lang="es-ES" dirty="0"/>
+              <a:t>(</a:t>
+            </a:r>
+            <a:r>
+              <a:rPr lang="es-ES" dirty="0" err="1"/>
+              <a:t>nuevoId</a:t>
+            </a:r>
+            <a:r>
+              <a:rPr lang="es-ES" dirty="0"/>
+              <a:t>);</a:t>
+            </a:r>
+          </a:p>
+          <a:p>
+            <a:endParaRPr lang="es-ES" dirty="0"/>
+          </a:p>
+        </p:txBody>
+      </p:sp>
+      <p:sp>
+        <p:nvSpPr>
+          <p:cNvPr id="4" name="Marcador de número de diapositiva 3">
+            <a:extLst>
+              <a:ext uri="{FF2B5EF4-FFF2-40B4-BE49-F238E27FC236}">
+                <a16:creationId xmlns:a16="http://schemas.microsoft.com/office/drawing/2014/main" id="{7D7024B8-0750-E3D8-9A4A-FCC8E75AA8B3}"/>
+              </a:ext>
+            </a:extLst>
+          </p:cNvPr>
+          <p:cNvSpPr>
+            <a:spLocks noGrp="1"/>
+          </p:cNvSpPr>
+          <p:nvPr>
+            <p:ph type="sldNum" sz="quarter" idx="12"/>
+          </p:nvPr>
+        </p:nvSpPr>
+        <p:spPr/>
+        <p:txBody>
+          <a:bodyPr/>
+          <a:lstStyle/>
+          <a:p>
+            <a:fld id="{768BFD4A-17AE-4857-8B7E-5E5A409CCC86}" type="slidenum">
+              <a:rPr lang="es-ES" smtClean="0"/>
+              <a:t>36</a:t>
+            </a:fld>
+            <a:endParaRPr lang="es-ES"/>
+          </a:p>
+        </p:txBody>
+      </p:sp>
+    </p:spTree>
+    <p:extLst>
+      <p:ext uri="{BB962C8B-B14F-4D97-AF65-F5344CB8AC3E}">
+        <p14:creationId xmlns:p14="http://schemas.microsoft.com/office/powerpoint/2010/main" val="359230601"/>
+      </p:ext>
+    </p:extLst>
+  </p:cSld>
+  <p:clrMapOvr>
+    <a:masterClrMapping/>
+  </p:clrMapOvr>
+</p:sld>
+</file>
+
+<file path=ppt/slides/slide37.xml><?xml version="1.0" encoding="utf-8"?>
+<p:sld xmlns:a="http://schemas.openxmlformats.org/drawingml/2006/main" xmlns:r="http://schemas.openxmlformats.org/officeDocument/2006/relationships" xmlns:p="http://schemas.openxmlformats.org/presentationml/2006/main">
+  <p:cSld>
+    <p:spTree>
+      <p:nvGrpSpPr>
+        <p:cNvPr id="1" name=""/>
+        <p:cNvGrpSpPr/>
+        <p:nvPr/>
+      </p:nvGrpSpPr>
+      <p:grpSpPr>
+        <a:xfrm>
+          <a:off x="0" y="0"/>
+          <a:ext cx="0" cy="0"/>
+          <a:chOff x="0" y="0"/>
+          <a:chExt cx="0" cy="0"/>
+        </a:xfrm>
+      </p:grpSpPr>
+      <p:sp>
+        <p:nvSpPr>
+          <p:cNvPr id="2" name="Título 1">
+            <a:extLst>
+              <a:ext uri="{FF2B5EF4-FFF2-40B4-BE49-F238E27FC236}">
+                <a16:creationId xmlns:a16="http://schemas.microsoft.com/office/drawing/2014/main" id="{0B18BA58-4F1B-DBE2-0338-3C4A38402C47}"/>
+              </a:ext>
+            </a:extLst>
+          </p:cNvPr>
+          <p:cNvSpPr>
+            <a:spLocks noGrp="1"/>
+          </p:cNvSpPr>
+          <p:nvPr>
+            <p:ph type="title"/>
+          </p:nvPr>
+        </p:nvSpPr>
+        <p:spPr/>
+        <p:txBody>
+          <a:bodyPr/>
+          <a:lstStyle/>
+          <a:p>
+            <a:r>
+              <a:rPr lang="es-ES" dirty="0"/>
+              <a:t>Número de registros afectados</a:t>
+            </a:r>
+          </a:p>
+        </p:txBody>
+      </p:sp>
+      <p:sp>
+        <p:nvSpPr>
+          <p:cNvPr id="3" name="Marcador de contenido 2">
+            <a:extLst>
+              <a:ext uri="{FF2B5EF4-FFF2-40B4-BE49-F238E27FC236}">
+                <a16:creationId xmlns:a16="http://schemas.microsoft.com/office/drawing/2014/main" id="{00373C51-989C-8567-E120-1CF419091791}"/>
+              </a:ext>
+            </a:extLst>
+          </p:cNvPr>
+          <p:cNvSpPr>
+            <a:spLocks noGrp="1"/>
+          </p:cNvSpPr>
+          <p:nvPr>
+            <p:ph idx="1"/>
+          </p:nvPr>
+        </p:nvSpPr>
+        <p:spPr>
+          <a:xfrm>
+            <a:off x="254524" y="1825625"/>
+            <a:ext cx="11679810" cy="4351338"/>
+          </a:xfrm>
+        </p:spPr>
+        <p:txBody>
+          <a:bodyPr/>
+          <a:lstStyle/>
+          <a:p>
+            <a:r>
+              <a:rPr lang="es-ES" dirty="0"/>
+              <a:t>SOCI permite obtener el número de filas modificadas por una consulta de acción (UPDATE, DELETE, etc.) usando </a:t>
+            </a:r>
+            <a:r>
+              <a:rPr lang="es-ES" b="1" dirty="0" err="1"/>
+              <a:t>get_affected_rows</a:t>
+            </a:r>
+            <a:r>
+              <a:rPr lang="es-ES" dirty="0"/>
+              <a:t>()</a:t>
+            </a:r>
+          </a:p>
+          <a:p>
+            <a:endParaRPr lang="es-ES" dirty="0"/>
+          </a:p>
+          <a:p>
+            <a:r>
+              <a:rPr lang="es-ES" dirty="0" err="1"/>
+              <a:t>sql</a:t>
+            </a:r>
+            <a:r>
+              <a:rPr lang="es-ES" dirty="0"/>
+              <a:t> &lt;&lt; "UPDATE empleados SET cargo = 'Analista' WHERE cargo = 'Junior'";</a:t>
+            </a:r>
+          </a:p>
+          <a:p>
+            <a:r>
+              <a:rPr lang="es-ES" dirty="0" err="1"/>
+              <a:t>std</a:t>
+            </a:r>
+            <a:r>
+              <a:rPr lang="es-ES" dirty="0"/>
+              <a:t>::</a:t>
+            </a:r>
+            <a:r>
+              <a:rPr lang="es-ES" dirty="0" err="1"/>
+              <a:t>size_t</a:t>
+            </a:r>
+            <a:r>
+              <a:rPr lang="es-ES" dirty="0"/>
+              <a:t> filas = </a:t>
+            </a:r>
+            <a:r>
+              <a:rPr lang="es-ES" b="1" dirty="0" err="1"/>
+              <a:t>sql.get_affected_rows</a:t>
+            </a:r>
+            <a:r>
+              <a:rPr lang="es-ES" dirty="0"/>
+              <a:t>();</a:t>
+            </a:r>
+          </a:p>
+          <a:p>
+            <a:r>
+              <a:rPr lang="es-ES" dirty="0" err="1"/>
+              <a:t>std</a:t>
+            </a:r>
+            <a:r>
+              <a:rPr lang="es-ES" dirty="0"/>
+              <a:t>::</a:t>
+            </a:r>
+            <a:r>
+              <a:rPr lang="es-ES" dirty="0" err="1"/>
+              <a:t>cout</a:t>
+            </a:r>
+            <a:r>
+              <a:rPr lang="es-ES" dirty="0"/>
+              <a:t> &lt;&lt; "Filas actualizadas: " &lt;&lt; filas &lt;&lt; </a:t>
+            </a:r>
+            <a:r>
+              <a:rPr lang="es-ES" dirty="0" err="1"/>
+              <a:t>std</a:t>
+            </a:r>
+            <a:r>
+              <a:rPr lang="es-ES" dirty="0"/>
+              <a:t>::</a:t>
+            </a:r>
+            <a:r>
+              <a:rPr lang="es-ES" dirty="0" err="1"/>
+              <a:t>endl</a:t>
+            </a:r>
+            <a:r>
+              <a:rPr lang="es-ES" dirty="0"/>
+              <a:t>;</a:t>
+            </a:r>
+          </a:p>
+          <a:p>
+            <a:endParaRPr lang="es-ES" dirty="0"/>
+          </a:p>
+        </p:txBody>
+      </p:sp>
+      <p:sp>
+        <p:nvSpPr>
+          <p:cNvPr id="4" name="Marcador de número de diapositiva 3">
+            <a:extLst>
+              <a:ext uri="{FF2B5EF4-FFF2-40B4-BE49-F238E27FC236}">
+                <a16:creationId xmlns:a16="http://schemas.microsoft.com/office/drawing/2014/main" id="{5AD7B0F1-02B2-93E8-7656-440D1DBF34CD}"/>
+              </a:ext>
+            </a:extLst>
+          </p:cNvPr>
+          <p:cNvSpPr>
+            <a:spLocks noGrp="1"/>
+          </p:cNvSpPr>
+          <p:nvPr>
+            <p:ph type="sldNum" sz="quarter" idx="12"/>
+          </p:nvPr>
+        </p:nvSpPr>
+        <p:spPr/>
+        <p:txBody>
+          <a:bodyPr/>
+          <a:lstStyle/>
+          <a:p>
+            <a:fld id="{768BFD4A-17AE-4857-8B7E-5E5A409CCC86}" type="slidenum">
+              <a:rPr lang="es-ES" smtClean="0"/>
+              <a:t>37</a:t>
+            </a:fld>
+            <a:endParaRPr lang="es-ES"/>
+          </a:p>
+        </p:txBody>
+      </p:sp>
+    </p:spTree>
+    <p:extLst>
+      <p:ext uri="{BB962C8B-B14F-4D97-AF65-F5344CB8AC3E}">
+        <p14:creationId xmlns:p14="http://schemas.microsoft.com/office/powerpoint/2010/main" val="2926640137"/>
+      </p:ext>
+    </p:extLst>
+  </p:cSld>
+  <p:clrMapOvr>
+    <a:masterClrMapping/>
+  </p:clrMapOvr>
+</p:sld>
+</file>
+
+<file path=ppt/slides/slide38.xml><?xml version="1.0" encoding="utf-8"?>
+<p:sld xmlns:a="http://schemas.openxmlformats.org/drawingml/2006/main" xmlns:r="http://schemas.openxmlformats.org/officeDocument/2006/relationships" xmlns:p="http://schemas.openxmlformats.org/presentationml/2006/main">
+  <p:cSld>
+    <p:spTree>
+      <p:nvGrpSpPr>
+        <p:cNvPr id="1" name=""/>
+        <p:cNvGrpSpPr/>
+        <p:nvPr/>
+      </p:nvGrpSpPr>
+      <p:grpSpPr>
+        <a:xfrm>
+          <a:off x="0" y="0"/>
+          <a:ext cx="0" cy="0"/>
+          <a:chOff x="0" y="0"/>
+          <a:chExt cx="0" cy="0"/>
+        </a:xfrm>
+      </p:grpSpPr>
+      <p:sp>
+        <p:nvSpPr>
+          <p:cNvPr id="5" name="Título 4">
+            <a:extLst>
+              <a:ext uri="{FF2B5EF4-FFF2-40B4-BE49-F238E27FC236}">
+                <a16:creationId xmlns:a16="http://schemas.microsoft.com/office/drawing/2014/main" id="{3CBC71DF-E9A0-E7AC-9262-923C65314C00}"/>
+              </a:ext>
+            </a:extLst>
+          </p:cNvPr>
+          <p:cNvSpPr>
+            <a:spLocks noGrp="1"/>
+          </p:cNvSpPr>
+          <p:nvPr>
+            <p:ph type="ctrTitle"/>
+          </p:nvPr>
+        </p:nvSpPr>
+        <p:spPr/>
+        <p:txBody>
+          <a:bodyPr/>
+          <a:lstStyle/>
+          <a:p>
+            <a:r>
+              <a:rPr lang="es-ES" b="1" dirty="0" err="1"/>
+              <a:t>PostGreSQL</a:t>
+            </a:r>
+            <a:endParaRPr lang="es-ES" b="1" dirty="0"/>
+          </a:p>
+        </p:txBody>
+      </p:sp>
+      <p:sp>
+        <p:nvSpPr>
+          <p:cNvPr id="6" name="Subtítulo 5">
+            <a:extLst>
+              <a:ext uri="{FF2B5EF4-FFF2-40B4-BE49-F238E27FC236}">
+                <a16:creationId xmlns:a16="http://schemas.microsoft.com/office/drawing/2014/main" id="{B40A83A0-C658-B075-6760-5FAA27DC7ECD}"/>
+              </a:ext>
+            </a:extLst>
+          </p:cNvPr>
+          <p:cNvSpPr>
+            <a:spLocks noGrp="1"/>
+          </p:cNvSpPr>
+          <p:nvPr>
+            <p:ph type="subTitle" idx="1"/>
+          </p:nvPr>
+        </p:nvSpPr>
+        <p:spPr/>
+        <p:txBody>
+          <a:bodyPr/>
+          <a:lstStyle/>
+          <a:p>
+            <a:r>
+              <a:rPr lang="es-ES" b="1" dirty="0" err="1"/>
+              <a:t>libpq</a:t>
+            </a:r>
+            <a:endParaRPr lang="es-ES" b="1" dirty="0"/>
+          </a:p>
+        </p:txBody>
+      </p:sp>
+      <p:sp>
+        <p:nvSpPr>
+          <p:cNvPr id="4" name="Marcador de número de diapositiva 3">
+            <a:extLst>
+              <a:ext uri="{FF2B5EF4-FFF2-40B4-BE49-F238E27FC236}">
+                <a16:creationId xmlns:a16="http://schemas.microsoft.com/office/drawing/2014/main" id="{A21E00CF-60DA-6313-B007-A7888B182274}"/>
+              </a:ext>
+            </a:extLst>
+          </p:cNvPr>
+          <p:cNvSpPr>
+            <a:spLocks noGrp="1"/>
+          </p:cNvSpPr>
+          <p:nvPr>
+            <p:ph type="sldNum" sz="quarter" idx="12"/>
+          </p:nvPr>
+        </p:nvSpPr>
+        <p:spPr/>
+        <p:txBody>
+          <a:bodyPr/>
+          <a:lstStyle/>
+          <a:p>
+            <a:fld id="{768BFD4A-17AE-4857-8B7E-5E5A409CCC86}" type="slidenum">
+              <a:rPr lang="es-ES" smtClean="0"/>
+              <a:t>38</a:t>
+            </a:fld>
+            <a:endParaRPr lang="es-ES"/>
+          </a:p>
+        </p:txBody>
+      </p:sp>
+    </p:spTree>
+    <p:extLst>
+      <p:ext uri="{BB962C8B-B14F-4D97-AF65-F5344CB8AC3E}">
+        <p14:creationId xmlns:p14="http://schemas.microsoft.com/office/powerpoint/2010/main" val="2950113179"/>
+      </p:ext>
+    </p:extLst>
+  </p:cSld>
+  <p:clrMapOvr>
+    <a:masterClrMapping/>
+  </p:clrMapOvr>
+</p:sld>
+</file>
+
+<file path=ppt/slides/slide39.xml><?xml version="1.0" encoding="utf-8"?>
+<p:sld xmlns:a="http://schemas.openxmlformats.org/drawingml/2006/main" xmlns:r="http://schemas.openxmlformats.org/officeDocument/2006/relationships" xmlns:p="http://schemas.openxmlformats.org/presentationml/2006/main">
+  <p:cSld>
+    <p:spTree>
+      <p:nvGrpSpPr>
+        <p:cNvPr id="1" name=""/>
+        <p:cNvGrpSpPr/>
+        <p:nvPr/>
+      </p:nvGrpSpPr>
+      <p:grpSpPr>
+        <a:xfrm>
+          <a:off x="0" y="0"/>
+          <a:ext cx="0" cy="0"/>
+          <a:chOff x="0" y="0"/>
+          <a:chExt cx="0" cy="0"/>
+        </a:xfrm>
+      </p:grpSpPr>
+      <p:sp>
+        <p:nvSpPr>
+          <p:cNvPr id="2" name="Título 1">
+            <a:extLst>
+              <a:ext uri="{FF2B5EF4-FFF2-40B4-BE49-F238E27FC236}">
+                <a16:creationId xmlns:a16="http://schemas.microsoft.com/office/drawing/2014/main" id="{BBA0DD6A-B826-1778-EE8A-9933BD58EDD8}"/>
+              </a:ext>
+            </a:extLst>
+          </p:cNvPr>
+          <p:cNvSpPr>
+            <a:spLocks noGrp="1"/>
+          </p:cNvSpPr>
+          <p:nvPr>
+            <p:ph type="title"/>
+          </p:nvPr>
+        </p:nvSpPr>
+        <p:spPr/>
+        <p:txBody>
+          <a:bodyPr/>
+          <a:lstStyle/>
+          <a:p>
+            <a:r>
+              <a:rPr lang="es-ES" dirty="0"/>
+              <a:t>Librería </a:t>
+            </a:r>
+            <a:r>
+              <a:rPr lang="es-ES" dirty="0" err="1"/>
+              <a:t>libpq</a:t>
+            </a:r>
+            <a:endParaRPr lang="es-ES" dirty="0"/>
+          </a:p>
+        </p:txBody>
+      </p:sp>
+      <p:sp>
+        <p:nvSpPr>
+          <p:cNvPr id="3" name="Marcador de contenido 2">
+            <a:extLst>
+              <a:ext uri="{FF2B5EF4-FFF2-40B4-BE49-F238E27FC236}">
+                <a16:creationId xmlns:a16="http://schemas.microsoft.com/office/drawing/2014/main" id="{4B987BDD-3F1A-3808-CA10-98DFB2A29874}"/>
+              </a:ext>
+            </a:extLst>
+          </p:cNvPr>
+          <p:cNvSpPr>
+            <a:spLocks noGrp="1"/>
+          </p:cNvSpPr>
+          <p:nvPr>
+            <p:ph idx="1"/>
+          </p:nvPr>
+        </p:nvSpPr>
+        <p:spPr/>
+        <p:txBody>
+          <a:bodyPr/>
+          <a:lstStyle/>
+          <a:p>
+            <a:endParaRPr lang="es-ES"/>
+          </a:p>
+        </p:txBody>
+      </p:sp>
+      <p:sp>
+        <p:nvSpPr>
+          <p:cNvPr id="4" name="Marcador de número de diapositiva 3">
+            <a:extLst>
+              <a:ext uri="{FF2B5EF4-FFF2-40B4-BE49-F238E27FC236}">
+                <a16:creationId xmlns:a16="http://schemas.microsoft.com/office/drawing/2014/main" id="{0A7F6A1E-78C3-1F32-689E-71AE0ED5F694}"/>
+              </a:ext>
+            </a:extLst>
+          </p:cNvPr>
+          <p:cNvSpPr>
+            <a:spLocks noGrp="1"/>
+          </p:cNvSpPr>
+          <p:nvPr>
+            <p:ph type="sldNum" sz="quarter" idx="12"/>
+          </p:nvPr>
+        </p:nvSpPr>
+        <p:spPr/>
+        <p:txBody>
+          <a:bodyPr/>
+          <a:lstStyle/>
+          <a:p>
+            <a:fld id="{768BFD4A-17AE-4857-8B7E-5E5A409CCC86}" type="slidenum">
+              <a:rPr lang="es-ES" smtClean="0"/>
+              <a:t>39</a:t>
+            </a:fld>
+            <a:endParaRPr lang="es-ES"/>
+          </a:p>
+        </p:txBody>
+      </p:sp>
+    </p:spTree>
+    <p:extLst>
+      <p:ext uri="{BB962C8B-B14F-4D97-AF65-F5344CB8AC3E}">
+        <p14:creationId xmlns:p14="http://schemas.microsoft.com/office/powerpoint/2010/main" val="3028369718"/>
       </p:ext>
     </p:extLst>
   </p:cSld>
@@ -9387,6 +11028,575 @@
     <p:extLst>
       <p:ext uri="{BB962C8B-B14F-4D97-AF65-F5344CB8AC3E}">
         <p14:creationId xmlns:p14="http://schemas.microsoft.com/office/powerpoint/2010/main" val="934077032"/>
+      </p:ext>
+    </p:extLst>
+  </p:cSld>
+  <p:clrMapOvr>
+    <a:masterClrMapping/>
+  </p:clrMapOvr>
+</p:sld>
+</file>
+
+<file path=ppt/slides/slide40.xml><?xml version="1.0" encoding="utf-8"?>
+<p:sld xmlns:a="http://schemas.openxmlformats.org/drawingml/2006/main" xmlns:r="http://schemas.openxmlformats.org/officeDocument/2006/relationships" xmlns:p="http://schemas.openxmlformats.org/presentationml/2006/main">
+  <p:cSld>
+    <p:spTree>
+      <p:nvGrpSpPr>
+        <p:cNvPr id="1" name=""/>
+        <p:cNvGrpSpPr/>
+        <p:nvPr/>
+      </p:nvGrpSpPr>
+      <p:grpSpPr>
+        <a:xfrm>
+          <a:off x="0" y="0"/>
+          <a:ext cx="0" cy="0"/>
+          <a:chOff x="0" y="0"/>
+          <a:chExt cx="0" cy="0"/>
+        </a:xfrm>
+      </p:grpSpPr>
+      <p:sp>
+        <p:nvSpPr>
+          <p:cNvPr id="2" name="Título 1">
+            <a:extLst>
+              <a:ext uri="{FF2B5EF4-FFF2-40B4-BE49-F238E27FC236}">
+                <a16:creationId xmlns:a16="http://schemas.microsoft.com/office/drawing/2014/main" id="{579ECEA9-3045-A5C4-03D4-848D328F22CE}"/>
+              </a:ext>
+            </a:extLst>
+          </p:cNvPr>
+          <p:cNvSpPr>
+            <a:spLocks noGrp="1"/>
+          </p:cNvSpPr>
+          <p:nvPr>
+            <p:ph type="title"/>
+          </p:nvPr>
+        </p:nvSpPr>
+        <p:spPr/>
+        <p:txBody>
+          <a:bodyPr/>
+          <a:lstStyle/>
+          <a:p>
+            <a:endParaRPr lang="es-ES"/>
+          </a:p>
+        </p:txBody>
+      </p:sp>
+      <p:sp>
+        <p:nvSpPr>
+          <p:cNvPr id="3" name="Marcador de contenido 2">
+            <a:extLst>
+              <a:ext uri="{FF2B5EF4-FFF2-40B4-BE49-F238E27FC236}">
+                <a16:creationId xmlns:a16="http://schemas.microsoft.com/office/drawing/2014/main" id="{A484EE05-89D7-6AA8-11A0-E3739725FE76}"/>
+              </a:ext>
+            </a:extLst>
+          </p:cNvPr>
+          <p:cNvSpPr>
+            <a:spLocks noGrp="1"/>
+          </p:cNvSpPr>
+          <p:nvPr>
+            <p:ph idx="1"/>
+          </p:nvPr>
+        </p:nvSpPr>
+        <p:spPr/>
+        <p:txBody>
+          <a:bodyPr/>
+          <a:lstStyle/>
+          <a:p>
+            <a:endParaRPr lang="es-ES"/>
+          </a:p>
+        </p:txBody>
+      </p:sp>
+      <p:sp>
+        <p:nvSpPr>
+          <p:cNvPr id="4" name="Marcador de número de diapositiva 3">
+            <a:extLst>
+              <a:ext uri="{FF2B5EF4-FFF2-40B4-BE49-F238E27FC236}">
+                <a16:creationId xmlns:a16="http://schemas.microsoft.com/office/drawing/2014/main" id="{9F6D5783-F9DD-A59A-BCEC-CA2FA10AE038}"/>
+              </a:ext>
+            </a:extLst>
+          </p:cNvPr>
+          <p:cNvSpPr>
+            <a:spLocks noGrp="1"/>
+          </p:cNvSpPr>
+          <p:nvPr>
+            <p:ph type="sldNum" sz="quarter" idx="12"/>
+          </p:nvPr>
+        </p:nvSpPr>
+        <p:spPr/>
+        <p:txBody>
+          <a:bodyPr/>
+          <a:lstStyle/>
+          <a:p>
+            <a:fld id="{768BFD4A-17AE-4857-8B7E-5E5A409CCC86}" type="slidenum">
+              <a:rPr lang="es-ES" smtClean="0"/>
+              <a:t>40</a:t>
+            </a:fld>
+            <a:endParaRPr lang="es-ES"/>
+          </a:p>
+        </p:txBody>
+      </p:sp>
+    </p:spTree>
+    <p:extLst>
+      <p:ext uri="{BB962C8B-B14F-4D97-AF65-F5344CB8AC3E}">
+        <p14:creationId xmlns:p14="http://schemas.microsoft.com/office/powerpoint/2010/main" val="3524649023"/>
+      </p:ext>
+    </p:extLst>
+  </p:cSld>
+  <p:clrMapOvr>
+    <a:masterClrMapping/>
+  </p:clrMapOvr>
+</p:sld>
+</file>
+
+<file path=ppt/slides/slide41.xml><?xml version="1.0" encoding="utf-8"?>
+<p:sld xmlns:a="http://schemas.openxmlformats.org/drawingml/2006/main" xmlns:r="http://schemas.openxmlformats.org/officeDocument/2006/relationships" xmlns:p="http://schemas.openxmlformats.org/presentationml/2006/main">
+  <p:cSld>
+    <p:spTree>
+      <p:nvGrpSpPr>
+        <p:cNvPr id="1" name=""/>
+        <p:cNvGrpSpPr/>
+        <p:nvPr/>
+      </p:nvGrpSpPr>
+      <p:grpSpPr>
+        <a:xfrm>
+          <a:off x="0" y="0"/>
+          <a:ext cx="0" cy="0"/>
+          <a:chOff x="0" y="0"/>
+          <a:chExt cx="0" cy="0"/>
+        </a:xfrm>
+      </p:grpSpPr>
+      <p:sp>
+        <p:nvSpPr>
+          <p:cNvPr id="5" name="Título 4">
+            <a:extLst>
+              <a:ext uri="{FF2B5EF4-FFF2-40B4-BE49-F238E27FC236}">
+                <a16:creationId xmlns:a16="http://schemas.microsoft.com/office/drawing/2014/main" id="{3530AFC8-879B-AB7E-BD55-0F2A15347493}"/>
+              </a:ext>
+            </a:extLst>
+          </p:cNvPr>
+          <p:cNvSpPr>
+            <a:spLocks noGrp="1"/>
+          </p:cNvSpPr>
+          <p:nvPr>
+            <p:ph type="ctrTitle"/>
+          </p:nvPr>
+        </p:nvSpPr>
+        <p:spPr>
+          <a:xfrm>
+            <a:off x="1524000" y="1988636"/>
+            <a:ext cx="9144000" cy="2387600"/>
+          </a:xfrm>
+        </p:spPr>
+        <p:txBody>
+          <a:bodyPr/>
+          <a:lstStyle/>
+          <a:p>
+            <a:r>
+              <a:rPr lang="es-ES" b="1" dirty="0"/>
+              <a:t>Estrategias de persistencia y acceso rápido a datos </a:t>
+            </a:r>
+          </a:p>
+        </p:txBody>
+      </p:sp>
+      <p:sp>
+        <p:nvSpPr>
+          <p:cNvPr id="4" name="Marcador de número de diapositiva 3">
+            <a:extLst>
+              <a:ext uri="{FF2B5EF4-FFF2-40B4-BE49-F238E27FC236}">
+                <a16:creationId xmlns:a16="http://schemas.microsoft.com/office/drawing/2014/main" id="{3ACD2230-B698-9BBC-AE67-4C639DF769BF}"/>
+              </a:ext>
+            </a:extLst>
+          </p:cNvPr>
+          <p:cNvSpPr>
+            <a:spLocks noGrp="1"/>
+          </p:cNvSpPr>
+          <p:nvPr>
+            <p:ph type="sldNum" sz="quarter" idx="12"/>
+          </p:nvPr>
+        </p:nvSpPr>
+        <p:spPr/>
+        <p:txBody>
+          <a:bodyPr/>
+          <a:lstStyle/>
+          <a:p>
+            <a:fld id="{768BFD4A-17AE-4857-8B7E-5E5A409CCC86}" type="slidenum">
+              <a:rPr lang="es-ES" smtClean="0"/>
+              <a:t>41</a:t>
+            </a:fld>
+            <a:endParaRPr lang="es-ES"/>
+          </a:p>
+        </p:txBody>
+      </p:sp>
+    </p:spTree>
+    <p:extLst>
+      <p:ext uri="{BB962C8B-B14F-4D97-AF65-F5344CB8AC3E}">
+        <p14:creationId xmlns:p14="http://schemas.microsoft.com/office/powerpoint/2010/main" val="215953526"/>
+      </p:ext>
+    </p:extLst>
+  </p:cSld>
+  <p:clrMapOvr>
+    <a:masterClrMapping/>
+  </p:clrMapOvr>
+</p:sld>
+</file>
+
+<file path=ppt/slides/slide42.xml><?xml version="1.0" encoding="utf-8"?>
+<p:sld xmlns:a="http://schemas.openxmlformats.org/drawingml/2006/main" xmlns:r="http://schemas.openxmlformats.org/officeDocument/2006/relationships" xmlns:p="http://schemas.openxmlformats.org/presentationml/2006/main">
+  <p:cSld>
+    <p:spTree>
+      <p:nvGrpSpPr>
+        <p:cNvPr id="1" name=""/>
+        <p:cNvGrpSpPr/>
+        <p:nvPr/>
+      </p:nvGrpSpPr>
+      <p:grpSpPr>
+        <a:xfrm>
+          <a:off x="0" y="0"/>
+          <a:ext cx="0" cy="0"/>
+          <a:chOff x="0" y="0"/>
+          <a:chExt cx="0" cy="0"/>
+        </a:xfrm>
+      </p:grpSpPr>
+      <p:sp>
+        <p:nvSpPr>
+          <p:cNvPr id="2" name="Título 1">
+            <a:extLst>
+              <a:ext uri="{FF2B5EF4-FFF2-40B4-BE49-F238E27FC236}">
+                <a16:creationId xmlns:a16="http://schemas.microsoft.com/office/drawing/2014/main" id="{F7F18BDE-AFE9-009B-D6D1-7D572F17D467}"/>
+              </a:ext>
+            </a:extLst>
+          </p:cNvPr>
+          <p:cNvSpPr>
+            <a:spLocks noGrp="1"/>
+          </p:cNvSpPr>
+          <p:nvPr>
+            <p:ph type="title"/>
+          </p:nvPr>
+        </p:nvSpPr>
+        <p:spPr>
+          <a:xfrm>
+            <a:off x="211756" y="365125"/>
+            <a:ext cx="11829448" cy="1325563"/>
+          </a:xfrm>
+        </p:spPr>
+        <p:txBody>
+          <a:bodyPr>
+            <a:normAutofit fontScale="90000"/>
+          </a:bodyPr>
+          <a:lstStyle/>
+          <a:p>
+            <a:br>
+              <a:rPr lang="es-ES" dirty="0"/>
+            </a:br>
+            <a:r>
+              <a:rPr lang="es-ES" dirty="0" err="1"/>
+              <a:t>Caching</a:t>
+            </a:r>
+            <a:r>
+              <a:rPr lang="es-ES" dirty="0"/>
+              <a:t> con Redis o </a:t>
+            </a:r>
+            <a:r>
+              <a:rPr lang="es-ES" dirty="0" err="1"/>
+              <a:t>Memcached</a:t>
+            </a:r>
+            <a:r>
+              <a:rPr lang="es-ES" dirty="0"/>
+              <a:t> en aplicaciones C++. </a:t>
+            </a:r>
+            <a:br>
+              <a:rPr lang="es-ES" dirty="0"/>
+            </a:br>
+            <a:endParaRPr lang="es-ES" dirty="0"/>
+          </a:p>
+        </p:txBody>
+      </p:sp>
+      <p:sp>
+        <p:nvSpPr>
+          <p:cNvPr id="3" name="Marcador de contenido 2">
+            <a:extLst>
+              <a:ext uri="{FF2B5EF4-FFF2-40B4-BE49-F238E27FC236}">
+                <a16:creationId xmlns:a16="http://schemas.microsoft.com/office/drawing/2014/main" id="{EA659A88-5D37-41C8-64E8-31D6A24EE5E3}"/>
+              </a:ext>
+            </a:extLst>
+          </p:cNvPr>
+          <p:cNvSpPr>
+            <a:spLocks noGrp="1"/>
+          </p:cNvSpPr>
+          <p:nvPr>
+            <p:ph idx="1"/>
+          </p:nvPr>
+        </p:nvSpPr>
+        <p:spPr/>
+        <p:txBody>
+          <a:bodyPr/>
+          <a:lstStyle/>
+          <a:p>
+            <a:endParaRPr lang="es-ES" dirty="0"/>
+          </a:p>
+        </p:txBody>
+      </p:sp>
+      <p:sp>
+        <p:nvSpPr>
+          <p:cNvPr id="4" name="Marcador de número de diapositiva 3">
+            <a:extLst>
+              <a:ext uri="{FF2B5EF4-FFF2-40B4-BE49-F238E27FC236}">
+                <a16:creationId xmlns:a16="http://schemas.microsoft.com/office/drawing/2014/main" id="{B4554192-6168-CC32-B34C-95A000769902}"/>
+              </a:ext>
+            </a:extLst>
+          </p:cNvPr>
+          <p:cNvSpPr>
+            <a:spLocks noGrp="1"/>
+          </p:cNvSpPr>
+          <p:nvPr>
+            <p:ph type="sldNum" sz="quarter" idx="12"/>
+          </p:nvPr>
+        </p:nvSpPr>
+        <p:spPr/>
+        <p:txBody>
+          <a:bodyPr/>
+          <a:lstStyle/>
+          <a:p>
+            <a:fld id="{768BFD4A-17AE-4857-8B7E-5E5A409CCC86}" type="slidenum">
+              <a:rPr lang="es-ES" smtClean="0"/>
+              <a:t>42</a:t>
+            </a:fld>
+            <a:endParaRPr lang="es-ES"/>
+          </a:p>
+        </p:txBody>
+      </p:sp>
+    </p:spTree>
+    <p:extLst>
+      <p:ext uri="{BB962C8B-B14F-4D97-AF65-F5344CB8AC3E}">
+        <p14:creationId xmlns:p14="http://schemas.microsoft.com/office/powerpoint/2010/main" val="616475062"/>
+      </p:ext>
+    </p:extLst>
+  </p:cSld>
+  <p:clrMapOvr>
+    <a:masterClrMapping/>
+  </p:clrMapOvr>
+</p:sld>
+</file>
+
+<file path=ppt/slides/slide43.xml><?xml version="1.0" encoding="utf-8"?>
+<p:sld xmlns:a="http://schemas.openxmlformats.org/drawingml/2006/main" xmlns:r="http://schemas.openxmlformats.org/officeDocument/2006/relationships" xmlns:p="http://schemas.openxmlformats.org/presentationml/2006/main">
+  <p:cSld>
+    <p:spTree>
+      <p:nvGrpSpPr>
+        <p:cNvPr id="1" name=""/>
+        <p:cNvGrpSpPr/>
+        <p:nvPr/>
+      </p:nvGrpSpPr>
+      <p:grpSpPr>
+        <a:xfrm>
+          <a:off x="0" y="0"/>
+          <a:ext cx="0" cy="0"/>
+          <a:chOff x="0" y="0"/>
+          <a:chExt cx="0" cy="0"/>
+        </a:xfrm>
+      </p:grpSpPr>
+      <p:sp>
+        <p:nvSpPr>
+          <p:cNvPr id="2" name="Título 1">
+            <a:extLst>
+              <a:ext uri="{FF2B5EF4-FFF2-40B4-BE49-F238E27FC236}">
+                <a16:creationId xmlns:a16="http://schemas.microsoft.com/office/drawing/2014/main" id="{49BB2EED-00D7-72C8-4BAA-9054EDCFA75D}"/>
+              </a:ext>
+            </a:extLst>
+          </p:cNvPr>
+          <p:cNvSpPr>
+            <a:spLocks noGrp="1"/>
+          </p:cNvSpPr>
+          <p:nvPr>
+            <p:ph type="title"/>
+          </p:nvPr>
+        </p:nvSpPr>
+        <p:spPr/>
+        <p:txBody>
+          <a:bodyPr/>
+          <a:lstStyle/>
+          <a:p>
+            <a:endParaRPr lang="es-ES"/>
+          </a:p>
+        </p:txBody>
+      </p:sp>
+      <p:sp>
+        <p:nvSpPr>
+          <p:cNvPr id="3" name="Marcador de contenido 2">
+            <a:extLst>
+              <a:ext uri="{FF2B5EF4-FFF2-40B4-BE49-F238E27FC236}">
+                <a16:creationId xmlns:a16="http://schemas.microsoft.com/office/drawing/2014/main" id="{4E51DAE2-6BF9-D230-8633-B37A6B6FAA28}"/>
+              </a:ext>
+            </a:extLst>
+          </p:cNvPr>
+          <p:cNvSpPr>
+            <a:spLocks noGrp="1"/>
+          </p:cNvSpPr>
+          <p:nvPr>
+            <p:ph idx="1"/>
+          </p:nvPr>
+        </p:nvSpPr>
+        <p:spPr/>
+        <p:txBody>
+          <a:bodyPr/>
+          <a:lstStyle/>
+          <a:p>
+            <a:endParaRPr lang="es-ES"/>
+          </a:p>
+        </p:txBody>
+      </p:sp>
+      <p:sp>
+        <p:nvSpPr>
+          <p:cNvPr id="4" name="Marcador de número de diapositiva 3">
+            <a:extLst>
+              <a:ext uri="{FF2B5EF4-FFF2-40B4-BE49-F238E27FC236}">
+                <a16:creationId xmlns:a16="http://schemas.microsoft.com/office/drawing/2014/main" id="{7C785272-8B36-78C1-1936-DD08C0F0D35C}"/>
+              </a:ext>
+            </a:extLst>
+          </p:cNvPr>
+          <p:cNvSpPr>
+            <a:spLocks noGrp="1"/>
+          </p:cNvSpPr>
+          <p:nvPr>
+            <p:ph type="sldNum" sz="quarter" idx="12"/>
+          </p:nvPr>
+        </p:nvSpPr>
+        <p:spPr/>
+        <p:txBody>
+          <a:bodyPr/>
+          <a:lstStyle/>
+          <a:p>
+            <a:fld id="{768BFD4A-17AE-4857-8B7E-5E5A409CCC86}" type="slidenum">
+              <a:rPr lang="es-ES" smtClean="0"/>
+              <a:t>43</a:t>
+            </a:fld>
+            <a:endParaRPr lang="es-ES"/>
+          </a:p>
+        </p:txBody>
+      </p:sp>
+    </p:spTree>
+    <p:extLst>
+      <p:ext uri="{BB962C8B-B14F-4D97-AF65-F5344CB8AC3E}">
+        <p14:creationId xmlns:p14="http://schemas.microsoft.com/office/powerpoint/2010/main" val="1445094952"/>
+      </p:ext>
+    </p:extLst>
+  </p:cSld>
+  <p:clrMapOvr>
+    <a:masterClrMapping/>
+  </p:clrMapOvr>
+</p:sld>
+</file>
+
+<file path=ppt/slides/slide44.xml><?xml version="1.0" encoding="utf-8"?>
+<p:sld xmlns:a="http://schemas.openxmlformats.org/drawingml/2006/main" xmlns:r="http://schemas.openxmlformats.org/officeDocument/2006/relationships" xmlns:p="http://schemas.openxmlformats.org/presentationml/2006/main">
+  <p:cSld>
+    <p:spTree>
+      <p:nvGrpSpPr>
+        <p:cNvPr id="1" name=""/>
+        <p:cNvGrpSpPr/>
+        <p:nvPr/>
+      </p:nvGrpSpPr>
+      <p:grpSpPr>
+        <a:xfrm>
+          <a:off x="0" y="0"/>
+          <a:ext cx="0" cy="0"/>
+          <a:chOff x="0" y="0"/>
+          <a:chExt cx="0" cy="0"/>
+        </a:xfrm>
+      </p:grpSpPr>
+      <p:sp>
+        <p:nvSpPr>
+          <p:cNvPr id="2" name="Título 1">
+            <a:extLst>
+              <a:ext uri="{FF2B5EF4-FFF2-40B4-BE49-F238E27FC236}">
+                <a16:creationId xmlns:a16="http://schemas.microsoft.com/office/drawing/2014/main" id="{0AF1788B-5C79-E93A-CFF1-2028E33D14F2}"/>
+              </a:ext>
+            </a:extLst>
+          </p:cNvPr>
+          <p:cNvSpPr>
+            <a:spLocks noGrp="1"/>
+          </p:cNvSpPr>
+          <p:nvPr>
+            <p:ph type="title"/>
+          </p:nvPr>
+        </p:nvSpPr>
+        <p:spPr/>
+        <p:txBody>
+          <a:bodyPr>
+            <a:normAutofit fontScale="90000"/>
+          </a:bodyPr>
+          <a:lstStyle/>
+          <a:p>
+            <a:br>
+              <a:rPr lang="es-ES" dirty="0"/>
+            </a:br>
+            <a:r>
+              <a:rPr lang="es-ES" dirty="0"/>
+              <a:t>Implementación de acceso en tiempo real a grandes volúmenes de datos </a:t>
+            </a:r>
+            <a:br>
+              <a:rPr lang="es-ES" dirty="0"/>
+            </a:br>
+            <a:endParaRPr lang="es-ES" dirty="0"/>
+          </a:p>
+        </p:txBody>
+      </p:sp>
+      <p:sp>
+        <p:nvSpPr>
+          <p:cNvPr id="3" name="Marcador de contenido 2">
+            <a:extLst>
+              <a:ext uri="{FF2B5EF4-FFF2-40B4-BE49-F238E27FC236}">
+                <a16:creationId xmlns:a16="http://schemas.microsoft.com/office/drawing/2014/main" id="{2D020A8F-0A2D-0870-5DA2-82B7D01EAC67}"/>
+              </a:ext>
+            </a:extLst>
+          </p:cNvPr>
+          <p:cNvSpPr>
+            <a:spLocks noGrp="1"/>
+          </p:cNvSpPr>
+          <p:nvPr>
+            <p:ph idx="1"/>
+          </p:nvPr>
+        </p:nvSpPr>
+        <p:spPr/>
+        <p:txBody>
+          <a:bodyPr/>
+          <a:lstStyle/>
+          <a:p>
+            <a:endParaRPr lang="es-ES"/>
+          </a:p>
+        </p:txBody>
+      </p:sp>
+      <p:sp>
+        <p:nvSpPr>
+          <p:cNvPr id="4" name="Marcador de número de diapositiva 3">
+            <a:extLst>
+              <a:ext uri="{FF2B5EF4-FFF2-40B4-BE49-F238E27FC236}">
+                <a16:creationId xmlns:a16="http://schemas.microsoft.com/office/drawing/2014/main" id="{91067DBD-6930-F91A-B260-0C31A518892C}"/>
+              </a:ext>
+            </a:extLst>
+          </p:cNvPr>
+          <p:cNvSpPr>
+            <a:spLocks noGrp="1"/>
+          </p:cNvSpPr>
+          <p:nvPr>
+            <p:ph type="sldNum" sz="quarter" idx="12"/>
+          </p:nvPr>
+        </p:nvSpPr>
+        <p:spPr/>
+        <p:txBody>
+          <a:bodyPr/>
+          <a:lstStyle/>
+          <a:p>
+            <a:fld id="{768BFD4A-17AE-4857-8B7E-5E5A409CCC86}" type="slidenum">
+              <a:rPr lang="es-ES" smtClean="0"/>
+              <a:t>44</a:t>
+            </a:fld>
+            <a:endParaRPr lang="es-ES"/>
+          </a:p>
+        </p:txBody>
+      </p:sp>
+    </p:spTree>
+    <p:extLst>
+      <p:ext uri="{BB962C8B-B14F-4D97-AF65-F5344CB8AC3E}">
+        <p14:creationId xmlns:p14="http://schemas.microsoft.com/office/powerpoint/2010/main" val="2528525117"/>
       </p:ext>
     </p:extLst>
   </p:cSld>

--- a/doc/4_Gestion_estado_persistencia.pptx
+++ b/doc/4_Gestion_estado_persistencia.pptx
@@ -28,26 +28,26 @@
     <p:sldId id="268" r:id="rId19"/>
     <p:sldId id="287" r:id="rId20"/>
     <p:sldId id="286" r:id="rId21"/>
-    <p:sldId id="281" r:id="rId22"/>
-    <p:sldId id="259" r:id="rId23"/>
-    <p:sldId id="289" r:id="rId24"/>
-    <p:sldId id="261" r:id="rId25"/>
-    <p:sldId id="263" r:id="rId26"/>
-    <p:sldId id="291" r:id="rId27"/>
-    <p:sldId id="292" r:id="rId28"/>
-    <p:sldId id="293" r:id="rId29"/>
-    <p:sldId id="294" r:id="rId30"/>
-    <p:sldId id="295" r:id="rId31"/>
-    <p:sldId id="296" r:id="rId32"/>
-    <p:sldId id="297" r:id="rId33"/>
-    <p:sldId id="298" r:id="rId34"/>
-    <p:sldId id="299" r:id="rId35"/>
-    <p:sldId id="302" r:id="rId36"/>
-    <p:sldId id="300" r:id="rId37"/>
-    <p:sldId id="301" r:id="rId38"/>
-    <p:sldId id="288" r:id="rId39"/>
-    <p:sldId id="269" r:id="rId40"/>
-    <p:sldId id="290" r:id="rId41"/>
+    <p:sldId id="289" r:id="rId22"/>
+    <p:sldId id="261" r:id="rId23"/>
+    <p:sldId id="263" r:id="rId24"/>
+    <p:sldId id="291" r:id="rId25"/>
+    <p:sldId id="292" r:id="rId26"/>
+    <p:sldId id="293" r:id="rId27"/>
+    <p:sldId id="294" r:id="rId28"/>
+    <p:sldId id="295" r:id="rId29"/>
+    <p:sldId id="296" r:id="rId30"/>
+    <p:sldId id="297" r:id="rId31"/>
+    <p:sldId id="298" r:id="rId32"/>
+    <p:sldId id="299" r:id="rId33"/>
+    <p:sldId id="302" r:id="rId34"/>
+    <p:sldId id="300" r:id="rId35"/>
+    <p:sldId id="301" r:id="rId36"/>
+    <p:sldId id="288" r:id="rId37"/>
+    <p:sldId id="269" r:id="rId38"/>
+    <p:sldId id="290" r:id="rId39"/>
+    <p:sldId id="281" r:id="rId40"/>
+    <p:sldId id="259" r:id="rId41"/>
     <p:sldId id="282" r:id="rId42"/>
     <p:sldId id="283" r:id="rId43"/>
     <p:sldId id="284" r:id="rId44"/>
@@ -6784,7 +6784,15 @@
             </a:r>
             <a:r>
               <a:rPr lang="es-ES" dirty="0"/>
-              <a:t> y bases de datos NoSQL como MongoDB. </a:t>
+              <a:t> y bases de datos NoSQL como </a:t>
+            </a:r>
+            <a:r>
+              <a:rPr lang="es-ES" b="1" dirty="0"/>
+              <a:t>MongoDB</a:t>
+            </a:r>
+            <a:r>
+              <a:rPr lang="es-ES" dirty="0"/>
+              <a:t>. </a:t>
             </a:r>
           </a:p>
           <a:p>
@@ -7028,41 +7036,51 @@
       </p:grpSpPr>
       <p:sp>
         <p:nvSpPr>
-          <p:cNvPr id="5" name="Título 4">
-            <a:extLst>
-              <a:ext uri="{FF2B5EF4-FFF2-40B4-BE49-F238E27FC236}">
-                <a16:creationId xmlns:a16="http://schemas.microsoft.com/office/drawing/2014/main" id="{B18E6648-95B8-F084-3CEA-029F64EC2DE5}"/>
-              </a:ext>
-            </a:extLst>
-          </p:cNvPr>
-          <p:cNvSpPr>
-            <a:spLocks noGrp="1"/>
-          </p:cNvSpPr>
-          <p:nvPr>
-            <p:ph type="ctrTitle"/>
-          </p:nvPr>
-        </p:nvSpPr>
-        <p:spPr>
-          <a:xfrm>
-            <a:off x="1524000" y="2235200"/>
-            <a:ext cx="9144000" cy="2387600"/>
-          </a:xfrm>
-        </p:spPr>
-        <p:txBody>
-          <a:bodyPr/>
-          <a:lstStyle/>
-          <a:p>
-            <a:r>
-              <a:rPr lang="es-ES" b="1" dirty="0"/>
-              <a:t>BD NoSQL</a:t>
-            </a:r>
-            <a:br>
-              <a:rPr lang="es-ES" b="1" dirty="0"/>
-            </a:br>
-            <a:r>
-              <a:rPr lang="es-ES" b="1" dirty="0"/>
-              <a:t>MongoDB</a:t>
-            </a:r>
+          <p:cNvPr id="2" name="Título 1">
+            <a:extLst>
+              <a:ext uri="{FF2B5EF4-FFF2-40B4-BE49-F238E27FC236}">
+                <a16:creationId xmlns:a16="http://schemas.microsoft.com/office/drawing/2014/main" id="{035CB3A6-00E6-968A-5C85-AED5554102AF}"/>
+              </a:ext>
+            </a:extLst>
+          </p:cNvPr>
+          <p:cNvSpPr>
+            <a:spLocks noGrp="1"/>
+          </p:cNvSpPr>
+          <p:nvPr>
+            <p:ph type="title"/>
+          </p:nvPr>
+        </p:nvSpPr>
+        <p:spPr/>
+        <p:txBody>
+          <a:bodyPr/>
+          <a:lstStyle/>
+          <a:p>
+            <a:endParaRPr lang="es-ES"/>
+          </a:p>
+        </p:txBody>
+      </p:sp>
+      <p:sp>
+        <p:nvSpPr>
+          <p:cNvPr id="3" name="Marcador de contenido 2">
+            <a:extLst>
+              <a:ext uri="{FF2B5EF4-FFF2-40B4-BE49-F238E27FC236}">
+                <a16:creationId xmlns:a16="http://schemas.microsoft.com/office/drawing/2014/main" id="{D7E8AC37-ED28-FBC9-874F-F96B01D2D78B}"/>
+              </a:ext>
+            </a:extLst>
+          </p:cNvPr>
+          <p:cNvSpPr>
+            <a:spLocks noGrp="1"/>
+          </p:cNvSpPr>
+          <p:nvPr>
+            <p:ph idx="1"/>
+          </p:nvPr>
+        </p:nvSpPr>
+        <p:spPr/>
+        <p:txBody>
+          <a:bodyPr/>
+          <a:lstStyle/>
+          <a:p>
+            <a:endParaRPr lang="es-ES"/>
           </a:p>
         </p:txBody>
       </p:sp>
@@ -7071,7 +7089,7 @@
           <p:cNvPr id="4" name="Marcador de número de diapositiva 3">
             <a:extLst>
               <a:ext uri="{FF2B5EF4-FFF2-40B4-BE49-F238E27FC236}">
-                <a16:creationId xmlns:a16="http://schemas.microsoft.com/office/drawing/2014/main" id="{6E392DDE-7D2D-8321-D831-B6ACC01199AF}"/>
+                <a16:creationId xmlns:a16="http://schemas.microsoft.com/office/drawing/2014/main" id="{5E02B180-D28A-FFC9-F737-E43310F23A2C}"/>
               </a:ext>
             </a:extLst>
           </p:cNvPr>
@@ -7098,7 +7116,7 @@
     </p:spTree>
     <p:extLst>
       <p:ext uri="{BB962C8B-B14F-4D97-AF65-F5344CB8AC3E}">
-        <p14:creationId xmlns:p14="http://schemas.microsoft.com/office/powerpoint/2010/main" val="1844079400"/>
+        <p14:creationId xmlns:p14="http://schemas.microsoft.com/office/powerpoint/2010/main" val="3530689104"/>
       </p:ext>
     </p:extLst>
   </p:cSld>
@@ -7127,51 +7145,75 @@
       </p:grpSpPr>
       <p:sp>
         <p:nvSpPr>
-          <p:cNvPr id="2" name="Título 1">
-            <a:extLst>
-              <a:ext uri="{FF2B5EF4-FFF2-40B4-BE49-F238E27FC236}">
-                <a16:creationId xmlns:a16="http://schemas.microsoft.com/office/drawing/2014/main" id="{55AD6E9E-D2B3-7EA0-CCA5-7DB45FC993D8}"/>
-              </a:ext>
-            </a:extLst>
-          </p:cNvPr>
-          <p:cNvSpPr>
-            <a:spLocks noGrp="1"/>
-          </p:cNvSpPr>
-          <p:nvPr>
-            <p:ph type="title"/>
-          </p:nvPr>
-        </p:nvSpPr>
-        <p:spPr/>
-        <p:txBody>
-          <a:bodyPr/>
-          <a:lstStyle/>
-          <a:p>
-            <a:endParaRPr lang="es-ES"/>
-          </a:p>
-        </p:txBody>
-      </p:sp>
-      <p:sp>
-        <p:nvSpPr>
-          <p:cNvPr id="3" name="Marcador de contenido 2">
-            <a:extLst>
-              <a:ext uri="{FF2B5EF4-FFF2-40B4-BE49-F238E27FC236}">
-                <a16:creationId xmlns:a16="http://schemas.microsoft.com/office/drawing/2014/main" id="{5E48EFA1-0F74-1914-F3EE-BBB48688781D}"/>
-              </a:ext>
-            </a:extLst>
-          </p:cNvPr>
-          <p:cNvSpPr>
-            <a:spLocks noGrp="1"/>
-          </p:cNvSpPr>
-          <p:nvPr>
-            <p:ph idx="1"/>
-          </p:nvPr>
-        </p:nvSpPr>
-        <p:spPr/>
-        <p:txBody>
-          <a:bodyPr/>
-          <a:lstStyle/>
-          <a:p>
-            <a:endParaRPr lang="es-ES"/>
+          <p:cNvPr id="5" name="Título 4">
+            <a:extLst>
+              <a:ext uri="{FF2B5EF4-FFF2-40B4-BE49-F238E27FC236}">
+                <a16:creationId xmlns:a16="http://schemas.microsoft.com/office/drawing/2014/main" id="{A404BEC5-DE6F-CF3C-1699-1F145C405240}"/>
+              </a:ext>
+            </a:extLst>
+          </p:cNvPr>
+          <p:cNvSpPr>
+            <a:spLocks noGrp="1"/>
+          </p:cNvSpPr>
+          <p:nvPr>
+            <p:ph type="ctrTitle"/>
+          </p:nvPr>
+        </p:nvSpPr>
+        <p:spPr/>
+        <p:txBody>
+          <a:bodyPr/>
+          <a:lstStyle/>
+          <a:p>
+            <a:r>
+              <a:rPr lang="es-ES" b="1" dirty="0"/>
+              <a:t>Librerías ORM</a:t>
+            </a:r>
+          </a:p>
+        </p:txBody>
+      </p:sp>
+      <p:sp>
+        <p:nvSpPr>
+          <p:cNvPr id="6" name="Subtítulo 5">
+            <a:extLst>
+              <a:ext uri="{FF2B5EF4-FFF2-40B4-BE49-F238E27FC236}">
+                <a16:creationId xmlns:a16="http://schemas.microsoft.com/office/drawing/2014/main" id="{B963E14F-2C41-74DC-253B-EC7C34ED0EEA}"/>
+              </a:ext>
+            </a:extLst>
+          </p:cNvPr>
+          <p:cNvSpPr>
+            <a:spLocks noGrp="1"/>
+          </p:cNvSpPr>
+          <p:nvPr>
+            <p:ph type="subTitle" idx="1"/>
+          </p:nvPr>
+        </p:nvSpPr>
+        <p:spPr/>
+        <p:txBody>
+          <a:bodyPr/>
+          <a:lstStyle/>
+          <a:p>
+            <a:r>
+              <a:rPr lang="es-ES" dirty="0" err="1"/>
+              <a:t>soci</a:t>
+            </a:r>
+            <a:r>
+              <a:rPr lang="es-ES" dirty="0"/>
+              <a:t> / </a:t>
+            </a:r>
+            <a:r>
+              <a:rPr lang="es-ES" dirty="0" err="1"/>
+              <a:t>libpqxx</a:t>
+            </a:r>
+            <a:endParaRPr lang="es-ES" dirty="0"/>
+          </a:p>
+          <a:p>
+            <a:endParaRPr lang="es-ES" b="1" dirty="0"/>
+          </a:p>
+          <a:p>
+            <a:r>
+              <a:rPr lang="es-ES" b="1" dirty="0"/>
+              <a:t>Proyectos con C++ 17</a:t>
+            </a:r>
           </a:p>
         </p:txBody>
       </p:sp>
@@ -7180,7 +7222,7 @@
           <p:cNvPr id="4" name="Marcador de número de diapositiva 3">
             <a:extLst>
               <a:ext uri="{FF2B5EF4-FFF2-40B4-BE49-F238E27FC236}">
-                <a16:creationId xmlns:a16="http://schemas.microsoft.com/office/drawing/2014/main" id="{6F673F4A-EB42-1EE3-6623-CEC4AD8A122D}"/>
+                <a16:creationId xmlns:a16="http://schemas.microsoft.com/office/drawing/2014/main" id="{F43AA9CF-8E05-5681-1693-72F5F532D498}"/>
               </a:ext>
             </a:extLst>
           </p:cNvPr>
@@ -7207,7 +7249,7 @@
     </p:spTree>
     <p:extLst>
       <p:ext uri="{BB962C8B-B14F-4D97-AF65-F5344CB8AC3E}">
-        <p14:creationId xmlns:p14="http://schemas.microsoft.com/office/powerpoint/2010/main" val="878187405"/>
+        <p14:creationId xmlns:p14="http://schemas.microsoft.com/office/powerpoint/2010/main" val="409650315"/>
       </p:ext>
     </p:extLst>
   </p:cSld>
@@ -7239,7 +7281,7 @@
           <p:cNvPr id="2" name="Título 1">
             <a:extLst>
               <a:ext uri="{FF2B5EF4-FFF2-40B4-BE49-F238E27FC236}">
-                <a16:creationId xmlns:a16="http://schemas.microsoft.com/office/drawing/2014/main" id="{035CB3A6-00E6-968A-5C85-AED5554102AF}"/>
+                <a16:creationId xmlns:a16="http://schemas.microsoft.com/office/drawing/2014/main" id="{487D14C8-1F50-44BD-9693-CB411CC92A5C}"/>
               </a:ext>
             </a:extLst>
           </p:cNvPr>
@@ -7255,7 +7297,10 @@
           <a:bodyPr/>
           <a:lstStyle/>
           <a:p>
-            <a:endParaRPr lang="es-ES"/>
+            <a:r>
+              <a:rPr lang="es-ES" dirty="0"/>
+              <a:t>Instalación</a:t>
+            </a:r>
           </a:p>
         </p:txBody>
       </p:sp>
@@ -7264,7 +7309,7 @@
           <p:cNvPr id="3" name="Marcador de contenido 2">
             <a:extLst>
               <a:ext uri="{FF2B5EF4-FFF2-40B4-BE49-F238E27FC236}">
-                <a16:creationId xmlns:a16="http://schemas.microsoft.com/office/drawing/2014/main" id="{D7E8AC37-ED28-FBC9-874F-F96B01D2D78B}"/>
+                <a16:creationId xmlns:a16="http://schemas.microsoft.com/office/drawing/2014/main" id="{F323F636-E28A-4C95-EF99-52B58968CE9A}"/>
               </a:ext>
             </a:extLst>
           </p:cNvPr>
@@ -7277,10 +7322,241 @@
         </p:nvSpPr>
         <p:spPr/>
         <p:txBody>
-          <a:bodyPr/>
-          <a:lstStyle/>
-          <a:p>
-            <a:endParaRPr lang="es-ES"/>
+          <a:bodyPr>
+            <a:normAutofit fontScale="85000" lnSpcReduction="20000"/>
+          </a:bodyPr>
+          <a:lstStyle/>
+          <a:p>
+            <a:r>
+              <a:rPr lang="es-ES" b="1" dirty="0" err="1"/>
+              <a:t>vcpkg</a:t>
+            </a:r>
+            <a:r>
+              <a:rPr lang="es-ES" b="1" dirty="0"/>
+              <a:t> </a:t>
+            </a:r>
+            <a:r>
+              <a:rPr lang="es-ES" b="1" dirty="0" err="1"/>
+              <a:t>install</a:t>
+            </a:r>
+            <a:r>
+              <a:rPr lang="es-ES" b="1" dirty="0"/>
+              <a:t> </a:t>
+            </a:r>
+            <a:r>
+              <a:rPr lang="es-ES" b="1" dirty="0" err="1"/>
+              <a:t>soci</a:t>
+            </a:r>
+            <a:r>
+              <a:rPr lang="es-ES" b="1" dirty="0"/>
+              <a:t>   </a:t>
+            </a:r>
+            <a:r>
+              <a:rPr lang="es-ES" dirty="0">
+                <a:sym typeface="Wingdings" panose="05000000000000000000" pitchFamily="2" charset="2"/>
+              </a:rPr>
+              <a:t> Con esto no se instala un </a:t>
+            </a:r>
+            <a:r>
+              <a:rPr lang="es-ES" dirty="0" err="1">
+                <a:sym typeface="Wingdings" panose="05000000000000000000" pitchFamily="2" charset="2"/>
+              </a:rPr>
+              <a:t>backend</a:t>
+            </a:r>
+            <a:r>
+              <a:rPr lang="es-ES" dirty="0">
+                <a:sym typeface="Wingdings" panose="05000000000000000000" pitchFamily="2" charset="2"/>
+              </a:rPr>
+              <a:t> de </a:t>
+            </a:r>
+            <a:r>
+              <a:rPr lang="es-ES" dirty="0" err="1">
+                <a:sym typeface="Wingdings" panose="05000000000000000000" pitchFamily="2" charset="2"/>
+              </a:rPr>
+              <a:t>mysql</a:t>
+            </a:r>
+            <a:r>
+              <a:rPr lang="es-ES" dirty="0">
+                <a:sym typeface="Wingdings" panose="05000000000000000000" pitchFamily="2" charset="2"/>
+              </a:rPr>
+              <a:t>, faltaría:</a:t>
+            </a:r>
+          </a:p>
+          <a:p>
+            <a:r>
+              <a:rPr lang="es-ES" b="1" dirty="0" err="1"/>
+              <a:t>vcpkg</a:t>
+            </a:r>
+            <a:r>
+              <a:rPr lang="es-ES" b="1" dirty="0"/>
+              <a:t> </a:t>
+            </a:r>
+            <a:r>
+              <a:rPr lang="es-ES" b="1" dirty="0" err="1"/>
+              <a:t>install</a:t>
+            </a:r>
+            <a:r>
+              <a:rPr lang="es-ES" b="1" dirty="0"/>
+              <a:t> </a:t>
+            </a:r>
+            <a:r>
+              <a:rPr lang="es-ES" b="1" dirty="0" err="1"/>
+              <a:t>soci</a:t>
+            </a:r>
+            <a:r>
+              <a:rPr lang="es-ES" b="1" dirty="0"/>
+              <a:t>[</a:t>
+            </a:r>
+            <a:r>
+              <a:rPr lang="es-ES" b="1" dirty="0" err="1"/>
+              <a:t>core,mysql</a:t>
+            </a:r>
+            <a:r>
+              <a:rPr lang="es-ES" b="1" dirty="0"/>
+              <a:t>]</a:t>
+            </a:r>
+          </a:p>
+          <a:p>
+            <a:endParaRPr lang="es-ES" dirty="0"/>
+          </a:p>
+          <a:p>
+            <a:r>
+              <a:rPr lang="es-ES" b="1" dirty="0" err="1"/>
+              <a:t>vcpkg</a:t>
+            </a:r>
+            <a:r>
+              <a:rPr lang="es-ES" b="1" dirty="0"/>
+              <a:t> </a:t>
+            </a:r>
+            <a:r>
+              <a:rPr lang="es-ES" b="1" dirty="0" err="1"/>
+              <a:t>install</a:t>
+            </a:r>
+            <a:r>
+              <a:rPr lang="es-ES" b="1" dirty="0"/>
+              <a:t> </a:t>
+            </a:r>
+            <a:r>
+              <a:rPr lang="es-ES" b="1" dirty="0" err="1"/>
+              <a:t>libpqxx</a:t>
+            </a:r>
+            <a:endParaRPr lang="es-ES" b="1" dirty="0"/>
+          </a:p>
+          <a:p>
+            <a:endParaRPr lang="es-ES" dirty="0"/>
+          </a:p>
+          <a:p>
+            <a:r>
+              <a:rPr lang="es-ES" dirty="0"/>
+              <a:t>Para integrar en visual </a:t>
+            </a:r>
+            <a:r>
+              <a:rPr lang="es-ES" dirty="0" err="1"/>
+              <a:t>studio</a:t>
+            </a:r>
+            <a:r>
+              <a:rPr lang="es-ES" dirty="0"/>
+              <a:t>:</a:t>
+            </a:r>
+          </a:p>
+          <a:p>
+            <a:pPr lvl="1"/>
+            <a:r>
+              <a:rPr lang="es-ES" b="1" dirty="0" err="1"/>
+              <a:t>vcpkg</a:t>
+            </a:r>
+            <a:r>
+              <a:rPr lang="es-ES" b="1" dirty="0"/>
+              <a:t> </a:t>
+            </a:r>
+            <a:r>
+              <a:rPr lang="es-ES" b="1" dirty="0" err="1"/>
+              <a:t>integrate</a:t>
+            </a:r>
+            <a:r>
+              <a:rPr lang="es-ES" b="1" dirty="0"/>
+              <a:t> </a:t>
+            </a:r>
+            <a:r>
+              <a:rPr lang="es-ES" b="1" dirty="0" err="1"/>
+              <a:t>install</a:t>
+            </a:r>
+            <a:endParaRPr lang="es-ES" b="1" dirty="0"/>
+          </a:p>
+          <a:p>
+            <a:pPr lvl="1"/>
+            <a:endParaRPr lang="es-ES" dirty="0"/>
+          </a:p>
+          <a:p>
+            <a:r>
+              <a:rPr lang="es-ES" b="1" dirty="0" err="1"/>
+              <a:t>soci</a:t>
+            </a:r>
+            <a:r>
+              <a:rPr lang="es-ES" dirty="0"/>
+              <a:t> es un </a:t>
+            </a:r>
+            <a:r>
+              <a:rPr lang="es-ES" b="1" dirty="0"/>
+              <a:t>ORM</a:t>
+            </a:r>
+            <a:r>
+              <a:rPr lang="es-ES" dirty="0"/>
+              <a:t> (</a:t>
+            </a:r>
+            <a:r>
+              <a:rPr lang="es-ES" dirty="0" err="1"/>
+              <a:t>object</a:t>
+            </a:r>
+            <a:r>
+              <a:rPr lang="es-ES" dirty="0"/>
+              <a:t> </a:t>
+            </a:r>
+            <a:r>
+              <a:rPr lang="es-ES" dirty="0" err="1"/>
+              <a:t>relational</a:t>
+            </a:r>
+            <a:r>
+              <a:rPr lang="es-ES" dirty="0"/>
+              <a:t> </a:t>
+            </a:r>
+            <a:r>
+              <a:rPr lang="es-ES" dirty="0" err="1"/>
+              <a:t>mapping</a:t>
+            </a:r>
+            <a:r>
+              <a:rPr lang="es-ES" dirty="0"/>
+              <a:t>). Nos abstrae de utilizar el SQL y podemos trabajar con un modelo orientado a objetos.</a:t>
+            </a:r>
+          </a:p>
+          <a:p>
+            <a:endParaRPr lang="es-ES" dirty="0"/>
+          </a:p>
+          <a:p>
+            <a:r>
+              <a:rPr lang="es-ES" b="1" dirty="0" err="1"/>
+              <a:t>libpqxx</a:t>
+            </a:r>
+            <a:r>
+              <a:rPr lang="es-ES" dirty="0"/>
+              <a:t> es un </a:t>
+            </a:r>
+            <a:r>
+              <a:rPr lang="es-ES" b="1" dirty="0"/>
+              <a:t>cliente</a:t>
+            </a:r>
+            <a:r>
+              <a:rPr lang="es-ES" dirty="0"/>
+              <a:t> puro para </a:t>
+            </a:r>
+            <a:r>
+              <a:rPr lang="es-ES" b="1" dirty="0" err="1"/>
+              <a:t>postgresql</a:t>
+            </a:r>
+            <a:r>
+              <a:rPr lang="es-ES" dirty="0"/>
+              <a:t>, pero no es un ORM.</a:t>
+            </a:r>
           </a:p>
         </p:txBody>
       </p:sp>
@@ -7289,7 +7565,7 @@
           <p:cNvPr id="4" name="Marcador de número de diapositiva 3">
             <a:extLst>
               <a:ext uri="{FF2B5EF4-FFF2-40B4-BE49-F238E27FC236}">
-                <a16:creationId xmlns:a16="http://schemas.microsoft.com/office/drawing/2014/main" id="{5E02B180-D28A-FFC9-F737-E43310F23A2C}"/>
+                <a16:creationId xmlns:a16="http://schemas.microsoft.com/office/drawing/2014/main" id="{209D1638-FD86-948E-4C26-864B0A22DE71}"/>
               </a:ext>
             </a:extLst>
           </p:cNvPr>
@@ -7316,7 +7592,7 @@
     </p:spTree>
     <p:extLst>
       <p:ext uri="{BB962C8B-B14F-4D97-AF65-F5344CB8AC3E}">
-        <p14:creationId xmlns:p14="http://schemas.microsoft.com/office/powerpoint/2010/main" val="3530689104"/>
+        <p14:creationId xmlns:p14="http://schemas.microsoft.com/office/powerpoint/2010/main" val="1975831455"/>
       </p:ext>
     </p:extLst>
   </p:cSld>
@@ -7345,46 +7621,18 @@
       </p:grpSpPr>
       <p:sp>
         <p:nvSpPr>
-          <p:cNvPr id="5" name="Título 4">
-            <a:extLst>
-              <a:ext uri="{FF2B5EF4-FFF2-40B4-BE49-F238E27FC236}">
-                <a16:creationId xmlns:a16="http://schemas.microsoft.com/office/drawing/2014/main" id="{A404BEC5-DE6F-CF3C-1699-1F145C405240}"/>
-              </a:ext>
-            </a:extLst>
-          </p:cNvPr>
-          <p:cNvSpPr>
-            <a:spLocks noGrp="1"/>
-          </p:cNvSpPr>
-          <p:nvPr>
-            <p:ph type="ctrTitle"/>
-          </p:nvPr>
-        </p:nvSpPr>
-        <p:spPr/>
-        <p:txBody>
-          <a:bodyPr/>
-          <a:lstStyle/>
-          <a:p>
-            <a:r>
-              <a:rPr lang="es-ES" b="1" dirty="0"/>
-              <a:t>Librerías ORM</a:t>
-            </a:r>
-          </a:p>
-        </p:txBody>
-      </p:sp>
-      <p:sp>
-        <p:nvSpPr>
-          <p:cNvPr id="6" name="Subtítulo 5">
-            <a:extLst>
-              <a:ext uri="{FF2B5EF4-FFF2-40B4-BE49-F238E27FC236}">
-                <a16:creationId xmlns:a16="http://schemas.microsoft.com/office/drawing/2014/main" id="{B963E14F-2C41-74DC-253B-EC7C34ED0EEA}"/>
-              </a:ext>
-            </a:extLst>
-          </p:cNvPr>
-          <p:cNvSpPr>
-            <a:spLocks noGrp="1"/>
-          </p:cNvSpPr>
-          <p:nvPr>
-            <p:ph type="subTitle" idx="1"/>
+          <p:cNvPr id="2" name="Título 1">
+            <a:extLst>
+              <a:ext uri="{FF2B5EF4-FFF2-40B4-BE49-F238E27FC236}">
+                <a16:creationId xmlns:a16="http://schemas.microsoft.com/office/drawing/2014/main" id="{333CF42C-705E-2FA8-2AE0-43A3CF4B5E4B}"/>
+              </a:ext>
+            </a:extLst>
+          </p:cNvPr>
+          <p:cNvSpPr>
+            <a:spLocks noGrp="1"/>
+          </p:cNvSpPr>
+          <p:nvPr>
+            <p:ph type="title"/>
           </p:nvPr>
         </p:nvSpPr>
         <p:spPr/>
@@ -7396,23 +7644,71 @@
               <a:rPr lang="es-ES" dirty="0" err="1"/>
               <a:t>soci</a:t>
             </a:r>
-            <a:r>
-              <a:rPr lang="es-ES" dirty="0"/>
-              <a:t> / </a:t>
-            </a:r>
-            <a:r>
-              <a:rPr lang="es-ES" dirty="0" err="1"/>
-              <a:t>libpqxx</a:t>
-            </a:r>
             <a:endParaRPr lang="es-ES" dirty="0"/>
           </a:p>
-          <a:p>
-            <a:endParaRPr lang="es-ES" b="1" dirty="0"/>
-          </a:p>
-          <a:p>
-            <a:r>
-              <a:rPr lang="es-ES" b="1" dirty="0"/>
-              <a:t>Proyectos con C++ 17</a:t>
+        </p:txBody>
+      </p:sp>
+      <p:sp>
+        <p:nvSpPr>
+          <p:cNvPr id="3" name="Marcador de contenido 2">
+            <a:extLst>
+              <a:ext uri="{FF2B5EF4-FFF2-40B4-BE49-F238E27FC236}">
+                <a16:creationId xmlns:a16="http://schemas.microsoft.com/office/drawing/2014/main" id="{46D8D569-541B-DF55-E779-A961B6CEB91F}"/>
+              </a:ext>
+            </a:extLst>
+          </p:cNvPr>
+          <p:cNvSpPr>
+            <a:spLocks noGrp="1"/>
+          </p:cNvSpPr>
+          <p:nvPr>
+            <p:ph idx="1"/>
+          </p:nvPr>
+        </p:nvSpPr>
+        <p:spPr/>
+        <p:txBody>
+          <a:bodyPr>
+            <a:normAutofit fontScale="92500" lnSpcReduction="10000"/>
+          </a:bodyPr>
+          <a:lstStyle/>
+          <a:p>
+            <a:r>
+              <a:rPr lang="es-ES" dirty="0"/>
+              <a:t>Es una abstracción de acceso a base de datos que permite escribir código C++ sin preocuparse por el SQL específico del motor.</a:t>
+            </a:r>
+          </a:p>
+          <a:p>
+            <a:endParaRPr lang="es-ES" dirty="0"/>
+          </a:p>
+          <a:p>
+            <a:r>
+              <a:rPr lang="es-ES" dirty="0"/>
+              <a:t>Tiene una sintaxis tipo ORM, aunque no es un ORM completo, no te quita el SQL, pero permite realizar las consultas de una forma mas estructurada.</a:t>
+            </a:r>
+          </a:p>
+          <a:p>
+            <a:endParaRPr lang="es-ES" dirty="0"/>
+          </a:p>
+          <a:p>
+            <a:r>
+              <a:rPr lang="es-ES" dirty="0"/>
+              <a:t>Soporta múltiples </a:t>
+            </a:r>
+            <a:r>
+              <a:rPr lang="es-ES" dirty="0" err="1"/>
+              <a:t>backends</a:t>
+            </a:r>
+            <a:r>
+              <a:rPr lang="es-ES" dirty="0"/>
+              <a:t>: PostgreSQL, MySQL, SQLite, Oracle.</a:t>
+            </a:r>
+          </a:p>
+          <a:p>
+            <a:endParaRPr lang="es-ES" dirty="0"/>
+          </a:p>
+          <a:p>
+            <a:r>
+              <a:rPr lang="es-ES" dirty="0"/>
+              <a:t>Puedes usar macros para generar clases que se mapean a tablas</a:t>
             </a:r>
           </a:p>
         </p:txBody>
@@ -7422,7 +7718,7 @@
           <p:cNvPr id="4" name="Marcador de número de diapositiva 3">
             <a:extLst>
               <a:ext uri="{FF2B5EF4-FFF2-40B4-BE49-F238E27FC236}">
-                <a16:creationId xmlns:a16="http://schemas.microsoft.com/office/drawing/2014/main" id="{F43AA9CF-8E05-5681-1693-72F5F532D498}"/>
+                <a16:creationId xmlns:a16="http://schemas.microsoft.com/office/drawing/2014/main" id="{90F6CF22-5523-7A95-C18D-9A2E00296B5F}"/>
               </a:ext>
             </a:extLst>
           </p:cNvPr>
@@ -7449,7 +7745,7 @@
     </p:spTree>
     <p:extLst>
       <p:ext uri="{BB962C8B-B14F-4D97-AF65-F5344CB8AC3E}">
-        <p14:creationId xmlns:p14="http://schemas.microsoft.com/office/powerpoint/2010/main" val="409650315"/>
+        <p14:creationId xmlns:p14="http://schemas.microsoft.com/office/powerpoint/2010/main" val="4249216608"/>
       </p:ext>
     </p:extLst>
   </p:cSld>
@@ -7481,7 +7777,7 @@
           <p:cNvPr id="2" name="Título 1">
             <a:extLst>
               <a:ext uri="{FF2B5EF4-FFF2-40B4-BE49-F238E27FC236}">
-                <a16:creationId xmlns:a16="http://schemas.microsoft.com/office/drawing/2014/main" id="{487D14C8-1F50-44BD-9693-CB411CC92A5C}"/>
+                <a16:creationId xmlns:a16="http://schemas.microsoft.com/office/drawing/2014/main" id="{E29530BB-B740-3377-912F-A40AADF2DDC0}"/>
               </a:ext>
             </a:extLst>
           </p:cNvPr>
@@ -7498,9 +7794,10 @@
           <a:lstStyle/>
           <a:p>
             <a:r>
-              <a:rPr lang="es-ES" dirty="0"/>
-              <a:t>Instalación</a:t>
-            </a:r>
+              <a:rPr lang="es-ES" dirty="0" err="1"/>
+              <a:t>libmqxx</a:t>
+            </a:r>
+            <a:endParaRPr lang="es-ES" dirty="0"/>
           </a:p>
         </p:txBody>
       </p:sp>
@@ -7509,7 +7806,7 @@
           <p:cNvPr id="3" name="Marcador de contenido 2">
             <a:extLst>
               <a:ext uri="{FF2B5EF4-FFF2-40B4-BE49-F238E27FC236}">
-                <a16:creationId xmlns:a16="http://schemas.microsoft.com/office/drawing/2014/main" id="{F323F636-E28A-4C95-EF99-52B58968CE9A}"/>
+                <a16:creationId xmlns:a16="http://schemas.microsoft.com/office/drawing/2014/main" id="{7C2A9EFF-669C-2506-D366-AB42A65B4E8D}"/>
               </a:ext>
             </a:extLst>
           </p:cNvPr>
@@ -7522,98 +7819,20 @@
         </p:nvSpPr>
         <p:spPr/>
         <p:txBody>
-          <a:bodyPr>
-            <a:normAutofit fontScale="85000" lnSpcReduction="20000"/>
-          </a:bodyPr>
-          <a:lstStyle/>
-          <a:p>
-            <a:r>
-              <a:rPr lang="es-ES" b="1" dirty="0" err="1"/>
-              <a:t>vcpkg</a:t>
-            </a:r>
-            <a:r>
-              <a:rPr lang="es-ES" b="1" dirty="0"/>
-              <a:t> </a:t>
-            </a:r>
-            <a:r>
-              <a:rPr lang="es-ES" b="1" dirty="0" err="1"/>
-              <a:t>install</a:t>
-            </a:r>
-            <a:r>
-              <a:rPr lang="es-ES" b="1" dirty="0"/>
-              <a:t> </a:t>
-            </a:r>
-            <a:r>
-              <a:rPr lang="es-ES" b="1" dirty="0" err="1"/>
-              <a:t>soci</a:t>
-            </a:r>
-            <a:r>
-              <a:rPr lang="es-ES" b="1" dirty="0"/>
-              <a:t>   </a:t>
-            </a:r>
-            <a:r>
-              <a:rPr lang="es-ES" dirty="0">
-                <a:sym typeface="Wingdings" panose="05000000000000000000" pitchFamily="2" charset="2"/>
-              </a:rPr>
-              <a:t> Con esto no se instala un </a:t>
-            </a:r>
-            <a:r>
-              <a:rPr lang="es-ES" dirty="0" err="1">
-                <a:sym typeface="Wingdings" panose="05000000000000000000" pitchFamily="2" charset="2"/>
-              </a:rPr>
-              <a:t>backend</a:t>
-            </a:r>
-            <a:r>
-              <a:rPr lang="es-ES" dirty="0">
-                <a:sym typeface="Wingdings" panose="05000000000000000000" pitchFamily="2" charset="2"/>
-              </a:rPr>
-              <a:t> de </a:t>
-            </a:r>
-            <a:r>
-              <a:rPr lang="es-ES" dirty="0" err="1">
-                <a:sym typeface="Wingdings" panose="05000000000000000000" pitchFamily="2" charset="2"/>
-              </a:rPr>
-              <a:t>mysql</a:t>
-            </a:r>
-            <a:r>
-              <a:rPr lang="es-ES" dirty="0">
-                <a:sym typeface="Wingdings" panose="05000000000000000000" pitchFamily="2" charset="2"/>
-              </a:rPr>
-              <a:t>, faltaría:</a:t>
-            </a:r>
-          </a:p>
-          <a:p>
-            <a:r>
-              <a:rPr lang="es-ES" b="1" dirty="0" err="1"/>
-              <a:t>vcpkg</a:t>
-            </a:r>
-            <a:r>
-              <a:rPr lang="es-ES" b="1" dirty="0"/>
-              <a:t> </a:t>
-            </a:r>
-            <a:r>
-              <a:rPr lang="es-ES" b="1" dirty="0" err="1"/>
-              <a:t>install</a:t>
-            </a:r>
-            <a:r>
-              <a:rPr lang="es-ES" b="1" dirty="0"/>
-              <a:t> </a:t>
-            </a:r>
-            <a:r>
-              <a:rPr lang="es-ES" b="1" dirty="0" err="1"/>
-              <a:t>soci</a:t>
-            </a:r>
-            <a:r>
-              <a:rPr lang="es-ES" b="1" dirty="0"/>
-              <a:t>[</a:t>
-            </a:r>
-            <a:r>
-              <a:rPr lang="es-ES" b="1" dirty="0" err="1"/>
-              <a:t>core,mysql</a:t>
-            </a:r>
-            <a:r>
-              <a:rPr lang="es-ES" b="1" dirty="0"/>
-              <a:t>]</a:t>
+          <a:bodyPr/>
+          <a:lstStyle/>
+          <a:p>
+            <a:r>
+              <a:rPr lang="es-ES" dirty="0"/>
+              <a:t>Es el </a:t>
+            </a:r>
+            <a:r>
+              <a:rPr lang="es-ES" dirty="0" err="1"/>
+              <a:t>wrapper</a:t>
+            </a:r>
+            <a:r>
+              <a:rPr lang="es-ES" dirty="0"/>
+              <a:t> oficial en C++ para PostgreSQL.</a:t>
             </a:r>
           </a:p>
           <a:p>
@@ -7621,26 +7840,9 @@
           </a:p>
           <a:p>
             <a:r>
-              <a:rPr lang="es-ES" b="1" dirty="0" err="1"/>
-              <a:t>vcpkg</a:t>
-            </a:r>
-            <a:r>
-              <a:rPr lang="es-ES" b="1" dirty="0"/>
-              <a:t> </a:t>
-            </a:r>
-            <a:r>
-              <a:rPr lang="es-ES" b="1" dirty="0" err="1"/>
-              <a:t>install</a:t>
-            </a:r>
-            <a:r>
-              <a:rPr lang="es-ES" b="1" dirty="0"/>
-              <a:t> </a:t>
-            </a:r>
-            <a:r>
-              <a:rPr lang="es-ES" b="1" dirty="0" err="1"/>
-              <a:t>libpqxx</a:t>
-            </a:r>
-            <a:endParaRPr lang="es-ES" b="1" dirty="0"/>
+              <a:rPr lang="es-ES" dirty="0"/>
+              <a:t>No es un ORM, sino una interfaz directa al motor PostgreSQL.</a:t>
+            </a:r>
           </a:p>
           <a:p>
             <a:endParaRPr lang="es-ES" dirty="0"/>
@@ -7648,114 +7850,16 @@
           <a:p>
             <a:r>
               <a:rPr lang="es-ES" dirty="0"/>
-              <a:t>Para integrar en visual </a:t>
-            </a:r>
-            <a:r>
-              <a:rPr lang="es-ES" dirty="0" err="1"/>
-              <a:t>studio</a:t>
-            </a:r>
-            <a:r>
-              <a:rPr lang="es-ES" dirty="0"/>
-              <a:t>:</a:t>
-            </a:r>
-          </a:p>
-          <a:p>
-            <a:pPr lvl="1"/>
-            <a:r>
-              <a:rPr lang="es-ES" b="1" dirty="0" err="1"/>
-              <a:t>vcpkg</a:t>
-            </a:r>
-            <a:r>
-              <a:rPr lang="es-ES" b="1" dirty="0"/>
-              <a:t> </a:t>
-            </a:r>
-            <a:r>
-              <a:rPr lang="es-ES" b="1" dirty="0" err="1"/>
-              <a:t>integrate</a:t>
-            </a:r>
-            <a:r>
-              <a:rPr lang="es-ES" b="1" dirty="0"/>
-              <a:t> </a:t>
-            </a:r>
-            <a:r>
-              <a:rPr lang="es-ES" b="1" dirty="0" err="1"/>
-              <a:t>install</a:t>
-            </a:r>
-            <a:endParaRPr lang="es-ES" b="1" dirty="0"/>
-          </a:p>
-          <a:p>
-            <a:pPr lvl="1"/>
+              <a:t>Ofrece acceso a transacciones, consultas, y manejo de resultados con una API moderna en C++.</a:t>
+            </a:r>
+          </a:p>
+          <a:p>
             <a:endParaRPr lang="es-ES" dirty="0"/>
           </a:p>
           <a:p>
             <a:r>
-              <a:rPr lang="es-ES" b="1" dirty="0" err="1"/>
-              <a:t>soci</a:t>
-            </a:r>
-            <a:r>
-              <a:rPr lang="es-ES" dirty="0"/>
-              <a:t> es un </a:t>
-            </a:r>
-            <a:r>
-              <a:rPr lang="es-ES" b="1" dirty="0"/>
-              <a:t>ORM</a:t>
-            </a:r>
-            <a:r>
-              <a:rPr lang="es-ES" dirty="0"/>
-              <a:t> (</a:t>
-            </a:r>
-            <a:r>
-              <a:rPr lang="es-ES" dirty="0" err="1"/>
-              <a:t>object</a:t>
-            </a:r>
-            <a:r>
-              <a:rPr lang="es-ES" dirty="0"/>
-              <a:t> </a:t>
-            </a:r>
-            <a:r>
-              <a:rPr lang="es-ES" dirty="0" err="1"/>
-              <a:t>relational</a:t>
-            </a:r>
-            <a:r>
-              <a:rPr lang="es-ES" dirty="0"/>
-              <a:t> </a:t>
-            </a:r>
-            <a:r>
-              <a:rPr lang="es-ES" dirty="0" err="1"/>
-              <a:t>mapping</a:t>
-            </a:r>
-            <a:r>
-              <a:rPr lang="es-ES" dirty="0"/>
-              <a:t>). Nos abstrae de utilizar el SQL y podemos trabajar con un modelo orientado a objetos.</a:t>
-            </a:r>
-          </a:p>
-          <a:p>
-            <a:endParaRPr lang="es-ES" dirty="0"/>
-          </a:p>
-          <a:p>
-            <a:r>
-              <a:rPr lang="es-ES" b="1" dirty="0" err="1"/>
-              <a:t>libpqxx</a:t>
-            </a:r>
-            <a:r>
-              <a:rPr lang="es-ES" dirty="0"/>
-              <a:t> es un </a:t>
-            </a:r>
-            <a:r>
-              <a:rPr lang="es-ES" b="1" dirty="0"/>
-              <a:t>cliente</a:t>
-            </a:r>
-            <a:r>
-              <a:rPr lang="es-ES" dirty="0"/>
-              <a:t> puro para </a:t>
-            </a:r>
-            <a:r>
-              <a:rPr lang="es-ES" b="1" dirty="0" err="1"/>
-              <a:t>postgresql</a:t>
-            </a:r>
-            <a:r>
-              <a:rPr lang="es-ES" dirty="0"/>
-              <a:t>, pero no es un ORM.</a:t>
+              <a:rPr lang="es-ES" dirty="0"/>
+              <a:t>Ideal si quieres control total sobre el SQL y rendimiento.</a:t>
             </a:r>
           </a:p>
         </p:txBody>
@@ -7765,7 +7869,7 @@
           <p:cNvPr id="4" name="Marcador de número de diapositiva 3">
             <a:extLst>
               <a:ext uri="{FF2B5EF4-FFF2-40B4-BE49-F238E27FC236}">
-                <a16:creationId xmlns:a16="http://schemas.microsoft.com/office/drawing/2014/main" id="{209D1638-FD86-948E-4C26-864B0A22DE71}"/>
+                <a16:creationId xmlns:a16="http://schemas.microsoft.com/office/drawing/2014/main" id="{BA090F34-E141-6675-3F4C-39170F3E3BD6}"/>
               </a:ext>
             </a:extLst>
           </p:cNvPr>
@@ -7792,7 +7896,7 @@
     </p:spTree>
     <p:extLst>
       <p:ext uri="{BB962C8B-B14F-4D97-AF65-F5344CB8AC3E}">
-        <p14:creationId xmlns:p14="http://schemas.microsoft.com/office/powerpoint/2010/main" val="1975831455"/>
+        <p14:creationId xmlns:p14="http://schemas.microsoft.com/office/powerpoint/2010/main" val="3245247156"/>
       </p:ext>
     </p:extLst>
   </p:cSld>
@@ -7824,7 +7928,7 @@
           <p:cNvPr id="2" name="Título 1">
             <a:extLst>
               <a:ext uri="{FF2B5EF4-FFF2-40B4-BE49-F238E27FC236}">
-                <a16:creationId xmlns:a16="http://schemas.microsoft.com/office/drawing/2014/main" id="{333CF42C-705E-2FA8-2AE0-43A3CF4B5E4B}"/>
+                <a16:creationId xmlns:a16="http://schemas.microsoft.com/office/drawing/2014/main" id="{F90C6389-08B9-9576-2ACE-51D9B226896F}"/>
               </a:ext>
             </a:extLst>
           </p:cNvPr>
@@ -7841,84 +7945,31 @@
           <a:lstStyle/>
           <a:p>
             <a:r>
+              <a:rPr lang="es-ES" dirty="0"/>
+              <a:t>Comparativa </a:t>
+            </a:r>
+            <a:r>
               <a:rPr lang="es-ES" dirty="0" err="1"/>
               <a:t>soci</a:t>
             </a:r>
+            <a:r>
+              <a:rPr lang="es-ES" dirty="0"/>
+              <a:t> vs </a:t>
+            </a:r>
+            <a:r>
+              <a:rPr lang="es-ES" dirty="0" err="1"/>
+              <a:t>libpqxx</a:t>
+            </a:r>
             <a:endParaRPr lang="es-ES" dirty="0"/>
           </a:p>
         </p:txBody>
       </p:sp>
       <p:sp>
         <p:nvSpPr>
-          <p:cNvPr id="3" name="Marcador de contenido 2">
-            <a:extLst>
-              <a:ext uri="{FF2B5EF4-FFF2-40B4-BE49-F238E27FC236}">
-                <a16:creationId xmlns:a16="http://schemas.microsoft.com/office/drawing/2014/main" id="{46D8D569-541B-DF55-E779-A961B6CEB91F}"/>
-              </a:ext>
-            </a:extLst>
-          </p:cNvPr>
-          <p:cNvSpPr>
-            <a:spLocks noGrp="1"/>
-          </p:cNvSpPr>
-          <p:nvPr>
-            <p:ph idx="1"/>
-          </p:nvPr>
-        </p:nvSpPr>
-        <p:spPr/>
-        <p:txBody>
-          <a:bodyPr>
-            <a:normAutofit fontScale="92500" lnSpcReduction="10000"/>
-          </a:bodyPr>
-          <a:lstStyle/>
-          <a:p>
-            <a:r>
-              <a:rPr lang="es-ES" dirty="0"/>
-              <a:t>Es una abstracción de acceso a base de datos que permite escribir código C++ sin preocuparse por el SQL específico del motor.</a:t>
-            </a:r>
-          </a:p>
-          <a:p>
-            <a:endParaRPr lang="es-ES" dirty="0"/>
-          </a:p>
-          <a:p>
-            <a:r>
-              <a:rPr lang="es-ES" dirty="0"/>
-              <a:t>Tiene una sintaxis tipo ORM, aunque no es un ORM completo, no te quita el SQL, pero permite realizar las consultas de una forma mas estructurada.</a:t>
-            </a:r>
-          </a:p>
-          <a:p>
-            <a:endParaRPr lang="es-ES" dirty="0"/>
-          </a:p>
-          <a:p>
-            <a:r>
-              <a:rPr lang="es-ES" dirty="0"/>
-              <a:t>Soporta múltiples </a:t>
-            </a:r>
-            <a:r>
-              <a:rPr lang="es-ES" dirty="0" err="1"/>
-              <a:t>backends</a:t>
-            </a:r>
-            <a:r>
-              <a:rPr lang="es-ES" dirty="0"/>
-              <a:t>: PostgreSQL, MySQL, SQLite, Oracle.</a:t>
-            </a:r>
-          </a:p>
-          <a:p>
-            <a:endParaRPr lang="es-ES" dirty="0"/>
-          </a:p>
-          <a:p>
-            <a:r>
-              <a:rPr lang="es-ES" dirty="0"/>
-              <a:t>Puedes usar macros para generar clases que se mapean a tablas</a:t>
-            </a:r>
-          </a:p>
-        </p:txBody>
-      </p:sp>
-      <p:sp>
-        <p:nvSpPr>
           <p:cNvPr id="4" name="Marcador de número de diapositiva 3">
             <a:extLst>
               <a:ext uri="{FF2B5EF4-FFF2-40B4-BE49-F238E27FC236}">
-                <a16:creationId xmlns:a16="http://schemas.microsoft.com/office/drawing/2014/main" id="{90F6CF22-5523-7A95-C18D-9A2E00296B5F}"/>
+                <a16:creationId xmlns:a16="http://schemas.microsoft.com/office/drawing/2014/main" id="{3C28BEE4-3184-5CC6-1751-A48F33BA623E}"/>
               </a:ext>
             </a:extLst>
           </p:cNvPr>
@@ -7937,257 +7988,6 @@
             <a:fld id="{768BFD4A-17AE-4857-8B7E-5E5A409CCC86}" type="slidenum">
               <a:rPr lang="es-ES" smtClean="0"/>
               <a:t>26</a:t>
-            </a:fld>
-            <a:endParaRPr lang="es-ES"/>
-          </a:p>
-        </p:txBody>
-      </p:sp>
-    </p:spTree>
-    <p:extLst>
-      <p:ext uri="{BB962C8B-B14F-4D97-AF65-F5344CB8AC3E}">
-        <p14:creationId xmlns:p14="http://schemas.microsoft.com/office/powerpoint/2010/main" val="4249216608"/>
-      </p:ext>
-    </p:extLst>
-  </p:cSld>
-  <p:clrMapOvr>
-    <a:masterClrMapping/>
-  </p:clrMapOvr>
-</p:sld>
-</file>
-
-<file path=ppt/slides/slide27.xml><?xml version="1.0" encoding="utf-8"?>
-<p:sld xmlns:a="http://schemas.openxmlformats.org/drawingml/2006/main" xmlns:r="http://schemas.openxmlformats.org/officeDocument/2006/relationships" xmlns:p="http://schemas.openxmlformats.org/presentationml/2006/main">
-  <p:cSld>
-    <p:spTree>
-      <p:nvGrpSpPr>
-        <p:cNvPr id="1" name=""/>
-        <p:cNvGrpSpPr/>
-        <p:nvPr/>
-      </p:nvGrpSpPr>
-      <p:grpSpPr>
-        <a:xfrm>
-          <a:off x="0" y="0"/>
-          <a:ext cx="0" cy="0"/>
-          <a:chOff x="0" y="0"/>
-          <a:chExt cx="0" cy="0"/>
-        </a:xfrm>
-      </p:grpSpPr>
-      <p:sp>
-        <p:nvSpPr>
-          <p:cNvPr id="2" name="Título 1">
-            <a:extLst>
-              <a:ext uri="{FF2B5EF4-FFF2-40B4-BE49-F238E27FC236}">
-                <a16:creationId xmlns:a16="http://schemas.microsoft.com/office/drawing/2014/main" id="{E29530BB-B740-3377-912F-A40AADF2DDC0}"/>
-              </a:ext>
-            </a:extLst>
-          </p:cNvPr>
-          <p:cNvSpPr>
-            <a:spLocks noGrp="1"/>
-          </p:cNvSpPr>
-          <p:nvPr>
-            <p:ph type="title"/>
-          </p:nvPr>
-        </p:nvSpPr>
-        <p:spPr/>
-        <p:txBody>
-          <a:bodyPr/>
-          <a:lstStyle/>
-          <a:p>
-            <a:r>
-              <a:rPr lang="es-ES" dirty="0" err="1"/>
-              <a:t>libmqxx</a:t>
-            </a:r>
-            <a:endParaRPr lang="es-ES" dirty="0"/>
-          </a:p>
-        </p:txBody>
-      </p:sp>
-      <p:sp>
-        <p:nvSpPr>
-          <p:cNvPr id="3" name="Marcador de contenido 2">
-            <a:extLst>
-              <a:ext uri="{FF2B5EF4-FFF2-40B4-BE49-F238E27FC236}">
-                <a16:creationId xmlns:a16="http://schemas.microsoft.com/office/drawing/2014/main" id="{7C2A9EFF-669C-2506-D366-AB42A65B4E8D}"/>
-              </a:ext>
-            </a:extLst>
-          </p:cNvPr>
-          <p:cNvSpPr>
-            <a:spLocks noGrp="1"/>
-          </p:cNvSpPr>
-          <p:nvPr>
-            <p:ph idx="1"/>
-          </p:nvPr>
-        </p:nvSpPr>
-        <p:spPr/>
-        <p:txBody>
-          <a:bodyPr/>
-          <a:lstStyle/>
-          <a:p>
-            <a:r>
-              <a:rPr lang="es-ES" dirty="0"/>
-              <a:t>Es el </a:t>
-            </a:r>
-            <a:r>
-              <a:rPr lang="es-ES" dirty="0" err="1"/>
-              <a:t>wrapper</a:t>
-            </a:r>
-            <a:r>
-              <a:rPr lang="es-ES" dirty="0"/>
-              <a:t> oficial en C++ para PostgreSQL.</a:t>
-            </a:r>
-          </a:p>
-          <a:p>
-            <a:endParaRPr lang="es-ES" dirty="0"/>
-          </a:p>
-          <a:p>
-            <a:r>
-              <a:rPr lang="es-ES" dirty="0"/>
-              <a:t>No es un ORM, sino una interfaz directa al motor PostgreSQL.</a:t>
-            </a:r>
-          </a:p>
-          <a:p>
-            <a:endParaRPr lang="es-ES" dirty="0"/>
-          </a:p>
-          <a:p>
-            <a:r>
-              <a:rPr lang="es-ES" dirty="0"/>
-              <a:t>Ofrece acceso a transacciones, consultas, y manejo de resultados con una API moderna en C++.</a:t>
-            </a:r>
-          </a:p>
-          <a:p>
-            <a:endParaRPr lang="es-ES" dirty="0"/>
-          </a:p>
-          <a:p>
-            <a:r>
-              <a:rPr lang="es-ES" dirty="0"/>
-              <a:t>Ideal si quieres control total sobre el SQL y rendimiento.</a:t>
-            </a:r>
-          </a:p>
-        </p:txBody>
-      </p:sp>
-      <p:sp>
-        <p:nvSpPr>
-          <p:cNvPr id="4" name="Marcador de número de diapositiva 3">
-            <a:extLst>
-              <a:ext uri="{FF2B5EF4-FFF2-40B4-BE49-F238E27FC236}">
-                <a16:creationId xmlns:a16="http://schemas.microsoft.com/office/drawing/2014/main" id="{BA090F34-E141-6675-3F4C-39170F3E3BD6}"/>
-              </a:ext>
-            </a:extLst>
-          </p:cNvPr>
-          <p:cNvSpPr>
-            <a:spLocks noGrp="1"/>
-          </p:cNvSpPr>
-          <p:nvPr>
-            <p:ph type="sldNum" sz="quarter" idx="12"/>
-          </p:nvPr>
-        </p:nvSpPr>
-        <p:spPr/>
-        <p:txBody>
-          <a:bodyPr/>
-          <a:lstStyle/>
-          <a:p>
-            <a:fld id="{768BFD4A-17AE-4857-8B7E-5E5A409CCC86}" type="slidenum">
-              <a:rPr lang="es-ES" smtClean="0"/>
-              <a:t>27</a:t>
-            </a:fld>
-            <a:endParaRPr lang="es-ES"/>
-          </a:p>
-        </p:txBody>
-      </p:sp>
-    </p:spTree>
-    <p:extLst>
-      <p:ext uri="{BB962C8B-B14F-4D97-AF65-F5344CB8AC3E}">
-        <p14:creationId xmlns:p14="http://schemas.microsoft.com/office/powerpoint/2010/main" val="3245247156"/>
-      </p:ext>
-    </p:extLst>
-  </p:cSld>
-  <p:clrMapOvr>
-    <a:masterClrMapping/>
-  </p:clrMapOvr>
-</p:sld>
-</file>
-
-<file path=ppt/slides/slide28.xml><?xml version="1.0" encoding="utf-8"?>
-<p:sld xmlns:a="http://schemas.openxmlformats.org/drawingml/2006/main" xmlns:r="http://schemas.openxmlformats.org/officeDocument/2006/relationships" xmlns:p="http://schemas.openxmlformats.org/presentationml/2006/main">
-  <p:cSld>
-    <p:spTree>
-      <p:nvGrpSpPr>
-        <p:cNvPr id="1" name=""/>
-        <p:cNvGrpSpPr/>
-        <p:nvPr/>
-      </p:nvGrpSpPr>
-      <p:grpSpPr>
-        <a:xfrm>
-          <a:off x="0" y="0"/>
-          <a:ext cx="0" cy="0"/>
-          <a:chOff x="0" y="0"/>
-          <a:chExt cx="0" cy="0"/>
-        </a:xfrm>
-      </p:grpSpPr>
-      <p:sp>
-        <p:nvSpPr>
-          <p:cNvPr id="2" name="Título 1">
-            <a:extLst>
-              <a:ext uri="{FF2B5EF4-FFF2-40B4-BE49-F238E27FC236}">
-                <a16:creationId xmlns:a16="http://schemas.microsoft.com/office/drawing/2014/main" id="{F90C6389-08B9-9576-2ACE-51D9B226896F}"/>
-              </a:ext>
-            </a:extLst>
-          </p:cNvPr>
-          <p:cNvSpPr>
-            <a:spLocks noGrp="1"/>
-          </p:cNvSpPr>
-          <p:nvPr>
-            <p:ph type="title"/>
-          </p:nvPr>
-        </p:nvSpPr>
-        <p:spPr/>
-        <p:txBody>
-          <a:bodyPr/>
-          <a:lstStyle/>
-          <a:p>
-            <a:r>
-              <a:rPr lang="es-ES" dirty="0"/>
-              <a:t>Comparativa </a:t>
-            </a:r>
-            <a:r>
-              <a:rPr lang="es-ES" dirty="0" err="1"/>
-              <a:t>soci</a:t>
-            </a:r>
-            <a:r>
-              <a:rPr lang="es-ES" dirty="0"/>
-              <a:t> vs </a:t>
-            </a:r>
-            <a:r>
-              <a:rPr lang="es-ES" dirty="0" err="1"/>
-              <a:t>libpqxx</a:t>
-            </a:r>
-            <a:endParaRPr lang="es-ES" dirty="0"/>
-          </a:p>
-        </p:txBody>
-      </p:sp>
-      <p:sp>
-        <p:nvSpPr>
-          <p:cNvPr id="4" name="Marcador de número de diapositiva 3">
-            <a:extLst>
-              <a:ext uri="{FF2B5EF4-FFF2-40B4-BE49-F238E27FC236}">
-                <a16:creationId xmlns:a16="http://schemas.microsoft.com/office/drawing/2014/main" id="{3C28BEE4-3184-5CC6-1751-A48F33BA623E}"/>
-              </a:ext>
-            </a:extLst>
-          </p:cNvPr>
-          <p:cNvSpPr>
-            <a:spLocks noGrp="1"/>
-          </p:cNvSpPr>
-          <p:nvPr>
-            <p:ph type="sldNum" sz="quarter" idx="12"/>
-          </p:nvPr>
-        </p:nvSpPr>
-        <p:spPr/>
-        <p:txBody>
-          <a:bodyPr/>
-          <a:lstStyle/>
-          <a:p>
-            <a:fld id="{768BFD4A-17AE-4857-8B7E-5E5A409CCC86}" type="slidenum">
-              <a:rPr lang="es-ES" smtClean="0"/>
-              <a:t>28</a:t>
             </a:fld>
             <a:endParaRPr lang="es-ES"/>
           </a:p>
@@ -8236,6 +8036,419 @@
 </p:sld>
 </file>
 
+<file path=ppt/slides/slide27.xml><?xml version="1.0" encoding="utf-8"?>
+<p:sld xmlns:a="http://schemas.openxmlformats.org/drawingml/2006/main" xmlns:r="http://schemas.openxmlformats.org/officeDocument/2006/relationships" xmlns:p="http://schemas.openxmlformats.org/presentationml/2006/main">
+  <p:cSld>
+    <p:spTree>
+      <p:nvGrpSpPr>
+        <p:cNvPr id="1" name=""/>
+        <p:cNvGrpSpPr/>
+        <p:nvPr/>
+      </p:nvGrpSpPr>
+      <p:grpSpPr>
+        <a:xfrm>
+          <a:off x="0" y="0"/>
+          <a:ext cx="0" cy="0"/>
+          <a:chOff x="0" y="0"/>
+          <a:chExt cx="0" cy="0"/>
+        </a:xfrm>
+      </p:grpSpPr>
+      <p:sp>
+        <p:nvSpPr>
+          <p:cNvPr id="2" name="Título 1">
+            <a:extLst>
+              <a:ext uri="{FF2B5EF4-FFF2-40B4-BE49-F238E27FC236}">
+                <a16:creationId xmlns:a16="http://schemas.microsoft.com/office/drawing/2014/main" id="{D3CFEB1F-387F-D05D-1BEC-838D75904295}"/>
+              </a:ext>
+            </a:extLst>
+          </p:cNvPr>
+          <p:cNvSpPr>
+            <a:spLocks noGrp="1"/>
+          </p:cNvSpPr>
+          <p:nvPr>
+            <p:ph type="title"/>
+          </p:nvPr>
+        </p:nvSpPr>
+        <p:spPr>
+          <a:xfrm>
+            <a:off x="838200" y="365126"/>
+            <a:ext cx="10515600" cy="700104"/>
+          </a:xfrm>
+        </p:spPr>
+        <p:txBody>
+          <a:bodyPr/>
+          <a:lstStyle/>
+          <a:p>
+            <a:r>
+              <a:rPr lang="es-ES" dirty="0" err="1"/>
+              <a:t>soci</a:t>
+            </a:r>
+            <a:endParaRPr lang="es-ES" dirty="0"/>
+          </a:p>
+        </p:txBody>
+      </p:sp>
+      <p:sp>
+        <p:nvSpPr>
+          <p:cNvPr id="3" name="Marcador de contenido 2">
+            <a:extLst>
+              <a:ext uri="{FF2B5EF4-FFF2-40B4-BE49-F238E27FC236}">
+                <a16:creationId xmlns:a16="http://schemas.microsoft.com/office/drawing/2014/main" id="{FF4227AA-A00A-A573-4B06-07DB5C778C65}"/>
+              </a:ext>
+            </a:extLst>
+          </p:cNvPr>
+          <p:cNvSpPr>
+            <a:spLocks noGrp="1"/>
+          </p:cNvSpPr>
+          <p:nvPr>
+            <p:ph idx="1"/>
+          </p:nvPr>
+        </p:nvSpPr>
+        <p:spPr>
+          <a:xfrm>
+            <a:off x="593889" y="1291472"/>
+            <a:ext cx="10916239" cy="5201402"/>
+          </a:xfrm>
+        </p:spPr>
+        <p:txBody>
+          <a:bodyPr>
+            <a:normAutofit fontScale="85000" lnSpcReduction="20000"/>
+          </a:bodyPr>
+          <a:lstStyle/>
+          <a:p>
+            <a:r>
+              <a:rPr lang="es-ES" dirty="0"/>
+              <a:t>SOCI se define como una </a:t>
+            </a:r>
+            <a:r>
+              <a:rPr lang="es-ES" b="1" dirty="0"/>
+              <a:t>biblioteca de acceso a bases de datos para C++</a:t>
+            </a:r>
+            <a:r>
+              <a:rPr lang="es-ES" dirty="0"/>
+              <a:t>, que:</a:t>
+            </a:r>
+          </a:p>
+          <a:p>
+            <a:endParaRPr lang="es-ES" dirty="0"/>
+          </a:p>
+          <a:p>
+            <a:r>
+              <a:rPr lang="es-ES" dirty="0"/>
+              <a:t>Usa </a:t>
+            </a:r>
+            <a:r>
+              <a:rPr lang="es-ES" b="1" dirty="0" err="1"/>
+              <a:t>bindings</a:t>
+            </a:r>
+            <a:r>
+              <a:rPr lang="es-ES" b="1" dirty="0"/>
+              <a:t> tipo C++</a:t>
+            </a:r>
+            <a:r>
+              <a:rPr lang="es-ES" dirty="0"/>
+              <a:t> para ejecutar SQL.</a:t>
+            </a:r>
+          </a:p>
+          <a:p>
+            <a:endParaRPr lang="es-ES" dirty="0"/>
+          </a:p>
+          <a:p>
+            <a:r>
+              <a:rPr lang="es-ES" dirty="0"/>
+              <a:t>Permite </a:t>
+            </a:r>
+            <a:r>
+              <a:rPr lang="es-ES" b="1" dirty="0"/>
+              <a:t>mapear resultados a variables C++</a:t>
+            </a:r>
+            <a:r>
+              <a:rPr lang="es-ES" dirty="0"/>
+              <a:t> con </a:t>
+            </a:r>
+            <a:r>
+              <a:rPr lang="es-ES" dirty="0" err="1"/>
+              <a:t>soci</a:t>
+            </a:r>
+            <a:r>
+              <a:rPr lang="es-ES" dirty="0"/>
+              <a:t>::</a:t>
+            </a:r>
+            <a:r>
+              <a:rPr lang="es-ES" dirty="0" err="1"/>
+              <a:t>into</a:t>
+            </a:r>
+            <a:r>
+              <a:rPr lang="es-ES" dirty="0"/>
+              <a:t>() y pasar parámetros con </a:t>
+            </a:r>
+            <a:r>
+              <a:rPr lang="es-ES" dirty="0" err="1"/>
+              <a:t>soci</a:t>
+            </a:r>
+            <a:r>
+              <a:rPr lang="es-ES" dirty="0"/>
+              <a:t>::use().</a:t>
+            </a:r>
+          </a:p>
+          <a:p>
+            <a:endParaRPr lang="es-ES" dirty="0"/>
+          </a:p>
+          <a:p>
+            <a:r>
+              <a:rPr lang="es-ES" dirty="0"/>
+              <a:t>Soporta múltiples </a:t>
+            </a:r>
+            <a:r>
+              <a:rPr lang="es-ES" dirty="0" err="1"/>
+              <a:t>backends</a:t>
+            </a:r>
+            <a:r>
+              <a:rPr lang="es-ES" dirty="0"/>
+              <a:t> (MySQL, PostgreSQL, SQLite…).</a:t>
+            </a:r>
+          </a:p>
+          <a:p>
+            <a:endParaRPr lang="es-ES" dirty="0"/>
+          </a:p>
+          <a:p>
+            <a:r>
+              <a:rPr lang="es-ES" dirty="0"/>
+              <a:t>Pero </a:t>
+            </a:r>
+            <a:r>
+              <a:rPr lang="es-ES" b="1" dirty="0"/>
+              <a:t>no</a:t>
+            </a:r>
+            <a:r>
+              <a:rPr lang="es-ES" dirty="0"/>
+              <a:t>:</a:t>
+            </a:r>
+          </a:p>
+          <a:p>
+            <a:pPr lvl="1"/>
+            <a:r>
+              <a:rPr lang="es-ES" dirty="0"/>
+              <a:t>Genera SQL automáticamente.</a:t>
+            </a:r>
+          </a:p>
+          <a:p>
+            <a:pPr lvl="1"/>
+            <a:r>
+              <a:rPr lang="es-ES" dirty="0"/>
+              <a:t>Mapea clases C++ a tablas de forma automática.</a:t>
+            </a:r>
+          </a:p>
+          <a:p>
+            <a:pPr lvl="1"/>
+            <a:r>
+              <a:rPr lang="es-ES" dirty="0"/>
+              <a:t>Hace migraciones, validaciones o relaciones entre entidades.</a:t>
+            </a:r>
+          </a:p>
+          <a:p>
+            <a:endParaRPr lang="es-ES" dirty="0"/>
+          </a:p>
+        </p:txBody>
+      </p:sp>
+      <p:sp>
+        <p:nvSpPr>
+          <p:cNvPr id="4" name="Marcador de número de diapositiva 3">
+            <a:extLst>
+              <a:ext uri="{FF2B5EF4-FFF2-40B4-BE49-F238E27FC236}">
+                <a16:creationId xmlns:a16="http://schemas.microsoft.com/office/drawing/2014/main" id="{1BC9E422-0143-4B58-B23D-A4784B40DE5C}"/>
+              </a:ext>
+            </a:extLst>
+          </p:cNvPr>
+          <p:cNvSpPr>
+            <a:spLocks noGrp="1"/>
+          </p:cNvSpPr>
+          <p:nvPr>
+            <p:ph type="sldNum" sz="quarter" idx="12"/>
+          </p:nvPr>
+        </p:nvSpPr>
+        <p:spPr/>
+        <p:txBody>
+          <a:bodyPr/>
+          <a:lstStyle/>
+          <a:p>
+            <a:fld id="{768BFD4A-17AE-4857-8B7E-5E5A409CCC86}" type="slidenum">
+              <a:rPr lang="es-ES" smtClean="0"/>
+              <a:t>27</a:t>
+            </a:fld>
+            <a:endParaRPr lang="es-ES"/>
+          </a:p>
+        </p:txBody>
+      </p:sp>
+    </p:spTree>
+    <p:extLst>
+      <p:ext uri="{BB962C8B-B14F-4D97-AF65-F5344CB8AC3E}">
+        <p14:creationId xmlns:p14="http://schemas.microsoft.com/office/powerpoint/2010/main" val="3669249973"/>
+      </p:ext>
+    </p:extLst>
+  </p:cSld>
+  <p:clrMapOvr>
+    <a:masterClrMapping/>
+  </p:clrMapOvr>
+</p:sld>
+</file>
+
+<file path=ppt/slides/slide28.xml><?xml version="1.0" encoding="utf-8"?>
+<p:sld xmlns:a="http://schemas.openxmlformats.org/drawingml/2006/main" xmlns:r="http://schemas.openxmlformats.org/officeDocument/2006/relationships" xmlns:p="http://schemas.openxmlformats.org/presentationml/2006/main">
+  <p:cSld>
+    <p:spTree>
+      <p:nvGrpSpPr>
+        <p:cNvPr id="1" name=""/>
+        <p:cNvGrpSpPr/>
+        <p:nvPr/>
+      </p:nvGrpSpPr>
+      <p:grpSpPr>
+        <a:xfrm>
+          <a:off x="0" y="0"/>
+          <a:ext cx="0" cy="0"/>
+          <a:chOff x="0" y="0"/>
+          <a:chExt cx="0" cy="0"/>
+        </a:xfrm>
+      </p:grpSpPr>
+      <p:sp>
+        <p:nvSpPr>
+          <p:cNvPr id="2" name="Título 1">
+            <a:extLst>
+              <a:ext uri="{FF2B5EF4-FFF2-40B4-BE49-F238E27FC236}">
+                <a16:creationId xmlns:a16="http://schemas.microsoft.com/office/drawing/2014/main" id="{0E9F85E8-1A5C-69A5-DD6E-43F16DB91512}"/>
+              </a:ext>
+            </a:extLst>
+          </p:cNvPr>
+          <p:cNvSpPr>
+            <a:spLocks noGrp="1"/>
+          </p:cNvSpPr>
+          <p:nvPr>
+            <p:ph type="title"/>
+          </p:nvPr>
+        </p:nvSpPr>
+        <p:spPr/>
+        <p:txBody>
+          <a:bodyPr/>
+          <a:lstStyle/>
+          <a:p>
+            <a:r>
+              <a:rPr lang="es-ES" dirty="0"/>
+              <a:t>Objetos principales de SOCI</a:t>
+            </a:r>
+          </a:p>
+        </p:txBody>
+      </p:sp>
+      <p:sp>
+        <p:nvSpPr>
+          <p:cNvPr id="3" name="Marcador de contenido 2">
+            <a:extLst>
+              <a:ext uri="{FF2B5EF4-FFF2-40B4-BE49-F238E27FC236}">
+                <a16:creationId xmlns:a16="http://schemas.microsoft.com/office/drawing/2014/main" id="{DD1AC559-3C76-811A-D651-B4EF563BC509}"/>
+              </a:ext>
+            </a:extLst>
+          </p:cNvPr>
+          <p:cNvSpPr>
+            <a:spLocks noGrp="1"/>
+          </p:cNvSpPr>
+          <p:nvPr>
+            <p:ph idx="1"/>
+          </p:nvPr>
+        </p:nvSpPr>
+        <p:spPr/>
+        <p:txBody>
+          <a:bodyPr/>
+          <a:lstStyle/>
+          <a:p>
+            <a:r>
+              <a:rPr lang="es-ES" b="1" dirty="0" err="1"/>
+              <a:t>soci</a:t>
+            </a:r>
+            <a:r>
+              <a:rPr lang="es-ES" b="1" dirty="0"/>
+              <a:t>::</a:t>
+            </a:r>
+            <a:r>
+              <a:rPr lang="es-ES" b="1" dirty="0" err="1"/>
+              <a:t>session</a:t>
+            </a:r>
+            <a:endParaRPr lang="es-ES" b="1" dirty="0"/>
+          </a:p>
+          <a:p>
+            <a:pPr lvl="1"/>
+            <a:r>
+              <a:rPr lang="es-ES" dirty="0"/>
+              <a:t>El objeto principal que representa una conexión activa con la base de datos.</a:t>
+            </a:r>
+          </a:p>
+          <a:p>
+            <a:pPr lvl="2"/>
+            <a:r>
+              <a:rPr lang="it-IT" dirty="0"/>
+              <a:t>soci::session sql(soci::mysql, "db=empresa3 user=antonio password=antonio host=127.0.0.1 port=3307");</a:t>
+            </a:r>
+          </a:p>
+          <a:p>
+            <a:pPr lvl="1"/>
+            <a:endParaRPr lang="es-ES" dirty="0"/>
+          </a:p>
+          <a:p>
+            <a:pPr lvl="1"/>
+            <a:r>
+              <a:rPr lang="es-ES" dirty="0"/>
+              <a:t>Se pasa por referencia a las clases DAO (como </a:t>
+            </a:r>
+            <a:r>
+              <a:rPr lang="es-ES" dirty="0" err="1"/>
+              <a:t>EmpleadoRepository</a:t>
+            </a:r>
+            <a:r>
+              <a:rPr lang="es-ES" dirty="0"/>
+              <a:t>) para ejecutar consultas.</a:t>
+            </a:r>
+          </a:p>
+        </p:txBody>
+      </p:sp>
+      <p:sp>
+        <p:nvSpPr>
+          <p:cNvPr id="4" name="Marcador de número de diapositiva 3">
+            <a:extLst>
+              <a:ext uri="{FF2B5EF4-FFF2-40B4-BE49-F238E27FC236}">
+                <a16:creationId xmlns:a16="http://schemas.microsoft.com/office/drawing/2014/main" id="{79364409-5D1A-6A85-C6AD-1A8B314E1D2B}"/>
+              </a:ext>
+            </a:extLst>
+          </p:cNvPr>
+          <p:cNvSpPr>
+            <a:spLocks noGrp="1"/>
+          </p:cNvSpPr>
+          <p:nvPr>
+            <p:ph type="sldNum" sz="quarter" idx="12"/>
+          </p:nvPr>
+        </p:nvSpPr>
+        <p:spPr/>
+        <p:txBody>
+          <a:bodyPr/>
+          <a:lstStyle/>
+          <a:p>
+            <a:fld id="{768BFD4A-17AE-4857-8B7E-5E5A409CCC86}" type="slidenum">
+              <a:rPr lang="es-ES" smtClean="0"/>
+              <a:t>28</a:t>
+            </a:fld>
+            <a:endParaRPr lang="es-ES"/>
+          </a:p>
+        </p:txBody>
+      </p:sp>
+    </p:spTree>
+    <p:extLst>
+      <p:ext uri="{BB962C8B-B14F-4D97-AF65-F5344CB8AC3E}">
+        <p14:creationId xmlns:p14="http://schemas.microsoft.com/office/powerpoint/2010/main" val="55504434"/>
+      </p:ext>
+    </p:extLst>
+  </p:cSld>
+  <p:clrMapOvr>
+    <a:masterClrMapping/>
+  </p:clrMapOvr>
+</p:sld>
+</file>
+
 <file path=ppt/slides/slide29.xml><?xml version="1.0" encoding="utf-8"?>
 <p:sld xmlns:a="http://schemas.openxmlformats.org/drawingml/2006/main" xmlns:r="http://schemas.openxmlformats.org/officeDocument/2006/relationships" xmlns:p="http://schemas.openxmlformats.org/presentationml/2006/main">
   <p:cSld>
@@ -8258,7 +8471,7 @@
           <p:cNvPr id="2" name="Título 1">
             <a:extLst>
               <a:ext uri="{FF2B5EF4-FFF2-40B4-BE49-F238E27FC236}">
-                <a16:creationId xmlns:a16="http://schemas.microsoft.com/office/drawing/2014/main" id="{D3CFEB1F-387F-D05D-1BEC-838D75904295}"/>
+                <a16:creationId xmlns:a16="http://schemas.microsoft.com/office/drawing/2014/main" id="{480BD974-582C-3D59-A0B8-B09B9F5718D1}"/>
               </a:ext>
             </a:extLst>
           </p:cNvPr>
@@ -8269,102 +8482,154 @@
             <p:ph type="title"/>
           </p:nvPr>
         </p:nvSpPr>
-        <p:spPr>
-          <a:xfrm>
-            <a:off x="838200" y="365126"/>
-            <a:ext cx="10515600" cy="700104"/>
-          </a:xfrm>
-        </p:spPr>
-        <p:txBody>
-          <a:bodyPr/>
-          <a:lstStyle/>
-          <a:p>
-            <a:r>
-              <a:rPr lang="es-ES" dirty="0" err="1"/>
+        <p:spPr/>
+        <p:txBody>
+          <a:bodyPr/>
+          <a:lstStyle/>
+          <a:p>
+            <a:r>
+              <a:rPr lang="es-ES" dirty="0"/>
+              <a:t>Objetos principales de SOCI</a:t>
+            </a:r>
+          </a:p>
+        </p:txBody>
+      </p:sp>
+      <p:sp>
+        <p:nvSpPr>
+          <p:cNvPr id="3" name="Marcador de contenido 2">
+            <a:extLst>
+              <a:ext uri="{FF2B5EF4-FFF2-40B4-BE49-F238E27FC236}">
+                <a16:creationId xmlns:a16="http://schemas.microsoft.com/office/drawing/2014/main" id="{62330173-49BF-4D9F-5BC3-B19FA7A3524C}"/>
+              </a:ext>
+            </a:extLst>
+          </p:cNvPr>
+          <p:cNvSpPr>
+            <a:spLocks noGrp="1"/>
+          </p:cNvSpPr>
+          <p:nvPr>
+            <p:ph idx="1"/>
+          </p:nvPr>
+        </p:nvSpPr>
+        <p:spPr/>
+        <p:txBody>
+          <a:bodyPr>
+            <a:normAutofit fontScale="85000" lnSpcReduction="10000"/>
+          </a:bodyPr>
+          <a:lstStyle/>
+          <a:p>
+            <a:r>
+              <a:rPr lang="es-ES" b="1" dirty="0" err="1"/>
               <a:t>soci</a:t>
             </a:r>
+            <a:r>
+              <a:rPr lang="es-ES" b="1" dirty="0"/>
+              <a:t>::</a:t>
+            </a:r>
+            <a:r>
+              <a:rPr lang="es-ES" b="1" dirty="0" err="1"/>
+              <a:t>into</a:t>
+            </a:r>
+            <a:endParaRPr lang="es-ES" b="1" dirty="0"/>
+          </a:p>
+          <a:p>
+            <a:pPr lvl="1"/>
+            <a:r>
+              <a:rPr lang="es-ES" dirty="0"/>
+              <a:t>Se usa para recibir resultados de una consulta SQL en variables C++.</a:t>
+            </a:r>
+          </a:p>
+          <a:p>
+            <a:pPr lvl="2"/>
+            <a:r>
+              <a:rPr lang="es-ES" dirty="0" err="1"/>
+              <a:t>sql</a:t>
+            </a:r>
+            <a:r>
+              <a:rPr lang="es-ES" dirty="0"/>
+              <a:t> &lt;&lt; "SELECT nombre FROM empleados WHERE id = :id", </a:t>
+            </a:r>
+            <a:r>
+              <a:rPr lang="es-ES" b="1" dirty="0" err="1"/>
+              <a:t>soci</a:t>
+            </a:r>
+            <a:r>
+              <a:rPr lang="es-ES" b="1" dirty="0"/>
+              <a:t>::use</a:t>
+            </a:r>
+            <a:r>
+              <a:rPr lang="es-ES" dirty="0"/>
+              <a:t>(id), </a:t>
+            </a:r>
+            <a:r>
+              <a:rPr lang="es-ES" b="1" dirty="0" err="1"/>
+              <a:t>soci</a:t>
+            </a:r>
+            <a:r>
+              <a:rPr lang="es-ES" b="1" dirty="0"/>
+              <a:t>::</a:t>
+            </a:r>
+            <a:r>
+              <a:rPr lang="es-ES" b="1" dirty="0" err="1"/>
+              <a:t>into</a:t>
+            </a:r>
+            <a:r>
+              <a:rPr lang="es-ES" dirty="0"/>
+              <a:t>(nombre);</a:t>
+            </a:r>
+          </a:p>
+          <a:p>
+            <a:pPr lvl="2"/>
             <a:endParaRPr lang="es-ES" dirty="0"/>
           </a:p>
-        </p:txBody>
-      </p:sp>
-      <p:sp>
-        <p:nvSpPr>
-          <p:cNvPr id="3" name="Marcador de contenido 2">
-            <a:extLst>
-              <a:ext uri="{FF2B5EF4-FFF2-40B4-BE49-F238E27FC236}">
-                <a16:creationId xmlns:a16="http://schemas.microsoft.com/office/drawing/2014/main" id="{FF4227AA-A00A-A573-4B06-07DB5C778C65}"/>
-              </a:ext>
-            </a:extLst>
-          </p:cNvPr>
-          <p:cNvSpPr>
-            <a:spLocks noGrp="1"/>
-          </p:cNvSpPr>
-          <p:nvPr>
-            <p:ph idx="1"/>
-          </p:nvPr>
-        </p:nvSpPr>
-        <p:spPr>
-          <a:xfrm>
-            <a:off x="593889" y="1291472"/>
-            <a:ext cx="10916239" cy="5201402"/>
-          </a:xfrm>
-        </p:spPr>
-        <p:txBody>
-          <a:bodyPr>
-            <a:normAutofit fontScale="85000" lnSpcReduction="20000"/>
-          </a:bodyPr>
-          <a:lstStyle/>
-          <a:p>
-            <a:r>
-              <a:rPr lang="es-ES" dirty="0"/>
-              <a:t>SOCI se define como una </a:t>
+          <a:p>
+            <a:r>
+              <a:rPr lang="es-ES" b="1" dirty="0" err="1"/>
+              <a:t>soci</a:t>
             </a:r>
             <a:r>
               <a:rPr lang="es-ES" b="1" dirty="0"/>
-              <a:t>biblioteca de acceso a bases de datos para C++</a:t>
-            </a:r>
-            <a:r>
-              <a:rPr lang="es-ES" dirty="0"/>
-              <a:t>, que:</a:t>
-            </a:r>
-          </a:p>
-          <a:p>
+              <a:t>::use</a:t>
+            </a:r>
+          </a:p>
+          <a:p>
+            <a:pPr lvl="1"/>
+            <a:r>
+              <a:rPr lang="es-ES" dirty="0"/>
+              <a:t>Para inyectar un parámetro en una consulta parametrizada.</a:t>
+            </a:r>
+          </a:p>
+          <a:p>
+            <a:pPr lvl="1"/>
             <a:endParaRPr lang="es-ES" dirty="0"/>
           </a:p>
           <a:p>
             <a:r>
-              <a:rPr lang="es-ES" dirty="0"/>
-              <a:t>Usa </a:t>
-            </a:r>
-            <a:r>
               <a:rPr lang="es-ES" b="1" dirty="0" err="1"/>
-              <a:t>bindings</a:t>
+              <a:t>soci</a:t>
             </a:r>
             <a:r>
               <a:rPr lang="es-ES" b="1" dirty="0"/>
-              <a:t> tipo C++</a:t>
-            </a:r>
-            <a:r>
-              <a:rPr lang="es-ES" dirty="0"/>
-              <a:t> para ejecutar SQL.</a:t>
-            </a:r>
-          </a:p>
-          <a:p>
+              <a:t>::</a:t>
+            </a:r>
+            <a:r>
+              <a:rPr lang="es-ES" b="1" dirty="0" err="1"/>
+              <a:t>indicator</a:t>
+            </a:r>
+            <a:endParaRPr lang="es-ES" b="1" dirty="0"/>
+          </a:p>
+          <a:p>
+            <a:pPr lvl="1"/>
+            <a:r>
+              <a:rPr lang="es-ES" dirty="0"/>
+              <a:t>Permite detectar si un valor devuelto por la base de datos es NULL.</a:t>
+            </a:r>
+          </a:p>
+          <a:p>
+            <a:pPr lvl="1"/>
             <a:endParaRPr lang="es-ES" dirty="0"/>
           </a:p>
           <a:p>
-            <a:r>
-              <a:rPr lang="es-ES" dirty="0"/>
-              <a:t>Permite </a:t>
-            </a:r>
-            <a:r>
-              <a:rPr lang="es-ES" b="1" dirty="0"/>
-              <a:t>mapear resultados a variables C++</a:t>
-            </a:r>
-            <a:r>
-              <a:rPr lang="es-ES" dirty="0"/>
-              <a:t> con </a:t>
-            </a:r>
+            <a:pPr lvl="2"/>
             <a:r>
               <a:rPr lang="es-ES" dirty="0" err="1"/>
               <a:t>soci</a:t>
@@ -8375,11 +8640,89 @@
             </a:r>
             <a:r>
               <a:rPr lang="es-ES" dirty="0" err="1"/>
+              <a:t>indicator</a:t>
+            </a:r>
+            <a:r>
+              <a:rPr lang="es-ES" dirty="0"/>
+              <a:t> </a:t>
+            </a:r>
+            <a:r>
+              <a:rPr lang="es-ES" dirty="0" err="1"/>
+              <a:t>ind</a:t>
+            </a:r>
+            <a:r>
+              <a:rPr lang="es-ES" dirty="0"/>
+              <a:t>;</a:t>
+            </a:r>
+          </a:p>
+          <a:p>
+            <a:pPr lvl="2"/>
+            <a:r>
+              <a:rPr lang="es-ES" dirty="0" err="1"/>
+              <a:t>sql</a:t>
+            </a:r>
+            <a:r>
+              <a:rPr lang="es-ES" dirty="0"/>
+              <a:t> &lt;&lt; "SELECT id FROM empleados WHERE id = :id", </a:t>
+            </a:r>
+            <a:r>
+              <a:rPr lang="es-ES" dirty="0" err="1"/>
+              <a:t>soci</a:t>
+            </a:r>
+            <a:r>
+              <a:rPr lang="es-ES" dirty="0"/>
+              <a:t>::use(id), </a:t>
+            </a:r>
+            <a:r>
+              <a:rPr lang="es-ES" dirty="0" err="1"/>
+              <a:t>soci</a:t>
+            </a:r>
+            <a:r>
+              <a:rPr lang="es-ES" dirty="0"/>
+              <a:t>::</a:t>
+            </a:r>
+            <a:r>
+              <a:rPr lang="es-ES" dirty="0" err="1"/>
               <a:t>into</a:t>
             </a:r>
             <a:r>
               <a:rPr lang="es-ES" dirty="0"/>
-              <a:t>() y pasar parámetros con </a:t>
+              <a:t>(</a:t>
+            </a:r>
+            <a:r>
+              <a:rPr lang="es-ES" dirty="0" err="1"/>
+              <a:t>emp.id</a:t>
+            </a:r>
+            <a:r>
+              <a:rPr lang="es-ES" dirty="0"/>
+              <a:t>, </a:t>
+            </a:r>
+            <a:r>
+              <a:rPr lang="es-ES" dirty="0" err="1"/>
+              <a:t>ind</a:t>
+            </a:r>
+            <a:r>
+              <a:rPr lang="es-ES" dirty="0"/>
+              <a:t>);</a:t>
+            </a:r>
+          </a:p>
+          <a:p>
+            <a:pPr lvl="2"/>
+            <a:r>
+              <a:rPr lang="es-ES" dirty="0" err="1"/>
+              <a:t>if</a:t>
+            </a:r>
+            <a:r>
+              <a:rPr lang="es-ES" dirty="0"/>
+              <a:t> (</a:t>
+            </a:r>
+            <a:r>
+              <a:rPr lang="es-ES" dirty="0" err="1"/>
+              <a:t>ind</a:t>
+            </a:r>
+            <a:r>
+              <a:rPr lang="es-ES" dirty="0"/>
+              <a:t> == </a:t>
             </a:r>
             <a:r>
               <a:rPr lang="es-ES" dirty="0" err="1"/>
@@ -8387,67 +8730,25 @@
             </a:r>
             <a:r>
               <a:rPr lang="es-ES" dirty="0"/>
-              <a:t>::use().</a:t>
-            </a:r>
-          </a:p>
-          <a:p>
+              <a:t>::</a:t>
+            </a:r>
+            <a:r>
+              <a:rPr lang="es-ES" dirty="0" err="1"/>
+              <a:t>i_null</a:t>
+            </a:r>
+            <a:r>
+              <a:rPr lang="es-ES" dirty="0"/>
+              <a:t>) { /* manejar ausencia de datos */ }</a:t>
+            </a:r>
+          </a:p>
+          <a:p>
+            <a:pPr lvl="1"/>
             <a:endParaRPr lang="es-ES" dirty="0"/>
           </a:p>
           <a:p>
-            <a:r>
-              <a:rPr lang="es-ES" dirty="0"/>
-              <a:t>Soporta múltiples </a:t>
-            </a:r>
-            <a:r>
-              <a:rPr lang="es-ES" dirty="0" err="1"/>
-              <a:t>backends</a:t>
-            </a:r>
-            <a:r>
-              <a:rPr lang="es-ES" dirty="0"/>
-              <a:t> (MySQL, PostgreSQL, SQLite…).</a:t>
-            </a:r>
-          </a:p>
-          <a:p>
+            <a:pPr lvl="1"/>
             <a:endParaRPr lang="es-ES" dirty="0"/>
           </a:p>
-          <a:p>
-            <a:r>
-              <a:rPr lang="es-ES" dirty="0"/>
-              <a:t>Pero </a:t>
-            </a:r>
-            <a:r>
-              <a:rPr lang="es-ES" b="1" dirty="0"/>
-              <a:t>no</a:t>
-            </a:r>
-            <a:r>
-              <a:rPr lang="es-ES" dirty="0"/>
-              <a:t>:</a:t>
-            </a:r>
-          </a:p>
-          <a:p>
-            <a:pPr lvl="1"/>
-            <a:r>
-              <a:rPr lang="es-ES" dirty="0"/>
-              <a:t>Genera SQL automáticamente.</a:t>
-            </a:r>
-          </a:p>
-          <a:p>
-            <a:pPr lvl="1"/>
-            <a:r>
-              <a:rPr lang="es-ES" dirty="0"/>
-              <a:t>Mapea clases C++ a tablas de forma automática.</a:t>
-            </a:r>
-          </a:p>
-          <a:p>
-            <a:pPr lvl="1"/>
-            <a:r>
-              <a:rPr lang="es-ES" dirty="0"/>
-              <a:t>Hace migraciones, validaciones o relaciones entre entidades.</a:t>
-            </a:r>
-          </a:p>
-          <a:p>
-            <a:endParaRPr lang="es-ES" dirty="0"/>
-          </a:p>
         </p:txBody>
       </p:sp>
       <p:sp>
@@ -8455,7 +8756,7 @@
           <p:cNvPr id="4" name="Marcador de número de diapositiva 3">
             <a:extLst>
               <a:ext uri="{FF2B5EF4-FFF2-40B4-BE49-F238E27FC236}">
-                <a16:creationId xmlns:a16="http://schemas.microsoft.com/office/drawing/2014/main" id="{1BC9E422-0143-4B58-B23D-A4784B40DE5C}"/>
+                <a16:creationId xmlns:a16="http://schemas.microsoft.com/office/drawing/2014/main" id="{930F1451-C2F0-243D-B5D9-9FBB796F4B65}"/>
               </a:ext>
             </a:extLst>
           </p:cNvPr>
@@ -8482,7 +8783,7 @@
     </p:spTree>
     <p:extLst>
       <p:ext uri="{BB962C8B-B14F-4D97-AF65-F5344CB8AC3E}">
-        <p14:creationId xmlns:p14="http://schemas.microsoft.com/office/powerpoint/2010/main" val="3669249973"/>
+        <p14:creationId xmlns:p14="http://schemas.microsoft.com/office/powerpoint/2010/main" val="3262438600"/>
       </p:ext>
     </p:extLst>
   </p:cSld>
@@ -8584,7 +8885,7 @@
           <p:cNvPr id="2" name="Título 1">
             <a:extLst>
               <a:ext uri="{FF2B5EF4-FFF2-40B4-BE49-F238E27FC236}">
-                <a16:creationId xmlns:a16="http://schemas.microsoft.com/office/drawing/2014/main" id="{0E9F85E8-1A5C-69A5-DD6E-43F16DB91512}"/>
+                <a16:creationId xmlns:a16="http://schemas.microsoft.com/office/drawing/2014/main" id="{9B06251E-BF8C-9377-97F2-9A79E4C4B155}"/>
               </a:ext>
             </a:extLst>
           </p:cNvPr>
@@ -8612,7 +8913,7 @@
           <p:cNvPr id="3" name="Marcador de contenido 2">
             <a:extLst>
               <a:ext uri="{FF2B5EF4-FFF2-40B4-BE49-F238E27FC236}">
-                <a16:creationId xmlns:a16="http://schemas.microsoft.com/office/drawing/2014/main" id="{DD1AC559-3C76-811A-D651-B4EF563BC509}"/>
+                <a16:creationId xmlns:a16="http://schemas.microsoft.com/office/drawing/2014/main" id="{EB28DAAB-4C7F-2C8F-93F2-997A5507AC80}"/>
               </a:ext>
             </a:extLst>
           </p:cNvPr>
@@ -8638,43 +8939,129 @@
             </a:r>
             <a:r>
               <a:rPr lang="es-ES" b="1" dirty="0" err="1"/>
-              <a:t>session</a:t>
-            </a:r>
-            <a:endParaRPr lang="es-ES" b="1" dirty="0"/>
+              <a:t>rowset</a:t>
+            </a:r>
+            <a:r>
+              <a:rPr lang="es-ES" b="1" dirty="0"/>
+              <a:t>&lt;</a:t>
+            </a:r>
+            <a:r>
+              <a:rPr lang="es-ES" b="1" dirty="0" err="1"/>
+              <a:t>soci</a:t>
+            </a:r>
+            <a:r>
+              <a:rPr lang="es-ES" b="1" dirty="0"/>
+              <a:t>::</a:t>
+            </a:r>
+            <a:r>
+              <a:rPr lang="es-ES" b="1" dirty="0" err="1"/>
+              <a:t>row</a:t>
+            </a:r>
+            <a:r>
+              <a:rPr lang="es-ES" b="1" dirty="0"/>
+              <a:t>&gt;</a:t>
+            </a:r>
           </a:p>
           <a:p>
             <a:pPr lvl="1"/>
             <a:r>
               <a:rPr lang="es-ES" dirty="0"/>
-              <a:t>El objeto principal que representa una conexión activa con la base de datos.</a:t>
+              <a:t>Permite recorrer múltiples resultados de una consulta SELECT.</a:t>
             </a:r>
           </a:p>
           <a:p>
             <a:pPr lvl="2"/>
             <a:r>
-              <a:rPr lang="it-IT" dirty="0"/>
-              <a:t>soci::session sql(soci::mysql, "db=empresa3 user=antonio password=antonio host=127.0.0.1 port=3307");</a:t>
+              <a:rPr lang="es-ES" dirty="0" err="1"/>
+              <a:t>soci</a:t>
+            </a:r>
+            <a:r>
+              <a:rPr lang="es-ES" dirty="0"/>
+              <a:t>::</a:t>
+            </a:r>
+            <a:r>
+              <a:rPr lang="es-ES" dirty="0" err="1"/>
+              <a:t>rowset</a:t>
+            </a:r>
+            <a:r>
+              <a:rPr lang="es-ES" dirty="0"/>
+              <a:t>&lt;</a:t>
+            </a:r>
+            <a:r>
+              <a:rPr lang="es-ES" dirty="0" err="1"/>
+              <a:t>soci</a:t>
+            </a:r>
+            <a:r>
+              <a:rPr lang="es-ES" dirty="0"/>
+              <a:t>::</a:t>
+            </a:r>
+            <a:r>
+              <a:rPr lang="es-ES" dirty="0" err="1"/>
+              <a:t>row</a:t>
+            </a:r>
+            <a:r>
+              <a:rPr lang="es-ES" dirty="0"/>
+              <a:t>&gt; </a:t>
+            </a:r>
+            <a:r>
+              <a:rPr lang="es-ES" dirty="0" err="1"/>
+              <a:t>rs</a:t>
+            </a:r>
+            <a:r>
+              <a:rPr lang="es-ES" dirty="0"/>
+              <a:t> = </a:t>
+            </a:r>
+            <a:r>
+              <a:rPr lang="es-ES" dirty="0" err="1"/>
+              <a:t>sql.prepare</a:t>
+            </a:r>
+            <a:r>
+              <a:rPr lang="es-ES" dirty="0"/>
+              <a:t> &lt;&lt; "SELECT id, nombre, cargo FROM empleados";</a:t>
+            </a:r>
+          </a:p>
+          <a:p>
+            <a:pPr lvl="2"/>
+            <a:r>
+              <a:rPr lang="es-ES" dirty="0" err="1"/>
+              <a:t>for</a:t>
+            </a:r>
+            <a:r>
+              <a:rPr lang="es-ES" dirty="0"/>
+              <a:t> (</a:t>
+            </a:r>
+            <a:r>
+              <a:rPr lang="es-ES" dirty="0" err="1"/>
+              <a:t>const</a:t>
+            </a:r>
+            <a:r>
+              <a:rPr lang="es-ES" dirty="0"/>
+              <a:t> auto&amp; r : </a:t>
+            </a:r>
+            <a:r>
+              <a:rPr lang="es-ES" dirty="0" err="1"/>
+              <a:t>rs</a:t>
+            </a:r>
+            <a:r>
+              <a:rPr lang="es-ES" dirty="0"/>
+              <a:t>) { /* recorrer resultados */ }</a:t>
+            </a:r>
+          </a:p>
+          <a:p>
+            <a:pPr lvl="2"/>
+            <a:endParaRPr lang="es-ES" dirty="0"/>
+          </a:p>
+          <a:p>
+            <a:pPr lvl="1"/>
+            <a:r>
+              <a:rPr lang="es-ES" dirty="0"/>
+              <a:t>Listados y consultas que devuelven varias filas.</a:t>
             </a:r>
           </a:p>
           <a:p>
             <a:pPr lvl="1"/>
             <a:endParaRPr lang="es-ES" dirty="0"/>
           </a:p>
-          <a:p>
-            <a:pPr lvl="1"/>
-            <a:r>
-              <a:rPr lang="es-ES" dirty="0"/>
-              <a:t>Se pasa por referencia a las clases DAO (como </a:t>
-            </a:r>
-            <a:r>
-              <a:rPr lang="es-ES" dirty="0" err="1"/>
-              <a:t>EmpleadoRepository</a:t>
-            </a:r>
-            <a:r>
-              <a:rPr lang="es-ES" dirty="0"/>
-              <a:t>) para ejecutar consultas.</a:t>
-            </a:r>
-          </a:p>
         </p:txBody>
       </p:sp>
       <p:sp>
@@ -8682,7 +9069,7 @@
           <p:cNvPr id="4" name="Marcador de número de diapositiva 3">
             <a:extLst>
               <a:ext uri="{FF2B5EF4-FFF2-40B4-BE49-F238E27FC236}">
-                <a16:creationId xmlns:a16="http://schemas.microsoft.com/office/drawing/2014/main" id="{79364409-5D1A-6A85-C6AD-1A8B314E1D2B}"/>
+                <a16:creationId xmlns:a16="http://schemas.microsoft.com/office/drawing/2014/main" id="{3EE97A1E-56E1-0C18-7B64-C0314060717D}"/>
               </a:ext>
             </a:extLst>
           </p:cNvPr>
@@ -8709,7 +9096,7 @@
     </p:spTree>
     <p:extLst>
       <p:ext uri="{BB962C8B-B14F-4D97-AF65-F5344CB8AC3E}">
-        <p14:creationId xmlns:p14="http://schemas.microsoft.com/office/powerpoint/2010/main" val="55504434"/>
+        <p14:creationId xmlns:p14="http://schemas.microsoft.com/office/powerpoint/2010/main" val="3271043193"/>
       </p:ext>
     </p:extLst>
   </p:cSld>
@@ -8741,7 +9128,7 @@
           <p:cNvPr id="2" name="Título 1">
             <a:extLst>
               <a:ext uri="{FF2B5EF4-FFF2-40B4-BE49-F238E27FC236}">
-                <a16:creationId xmlns:a16="http://schemas.microsoft.com/office/drawing/2014/main" id="{480BD974-582C-3D59-A0B8-B09B9F5718D1}"/>
+                <a16:creationId xmlns:a16="http://schemas.microsoft.com/office/drawing/2014/main" id="{461D34BD-5FA6-92C0-BEE3-E956B6F3B4B7}"/>
               </a:ext>
             </a:extLst>
           </p:cNvPr>
@@ -8769,7 +9156,7 @@
           <p:cNvPr id="3" name="Marcador de contenido 2">
             <a:extLst>
               <a:ext uri="{FF2B5EF4-FFF2-40B4-BE49-F238E27FC236}">
-                <a16:creationId xmlns:a16="http://schemas.microsoft.com/office/drawing/2014/main" id="{62330173-49BF-4D9F-5BC3-B19FA7A3524C}"/>
+                <a16:creationId xmlns:a16="http://schemas.microsoft.com/office/drawing/2014/main" id="{DE5B42B5-DBBB-5D26-7382-135A5336FA6F}"/>
               </a:ext>
             </a:extLst>
           </p:cNvPr>
@@ -8782,14 +9169,26 @@
         </p:nvSpPr>
         <p:spPr/>
         <p:txBody>
-          <a:bodyPr>
-            <a:normAutofit fontScale="85000" lnSpcReduction="10000"/>
-          </a:bodyPr>
-          <a:lstStyle/>
-          <a:p>
+          <a:bodyPr/>
+          <a:lstStyle/>
+          <a:p>
+            <a:r>
+              <a:rPr lang="es-ES" b="1" dirty="0"/>
+              <a:t>#include &lt;</a:t>
+            </a:r>
             <a:r>
               <a:rPr lang="es-ES" b="1" dirty="0" err="1"/>
-              <a:t>soci</a:t>
+              <a:t>optional</a:t>
+            </a:r>
+            <a:r>
+              <a:rPr lang="es-ES" b="1" dirty="0"/>
+              <a:t>&gt;</a:t>
+            </a:r>
+          </a:p>
+          <a:p>
+            <a:r>
+              <a:rPr lang="es-ES" b="1" dirty="0" err="1"/>
+              <a:t>std</a:t>
             </a:r>
             <a:r>
               <a:rPr lang="es-ES" b="1" dirty="0"/>
@@ -8797,42 +9196,93 @@
             </a:r>
             <a:r>
               <a:rPr lang="es-ES" b="1" dirty="0" err="1"/>
-              <a:t>into</a:t>
-            </a:r>
-            <a:endParaRPr lang="es-ES" b="1" dirty="0"/>
+              <a:t>optional</a:t>
+            </a:r>
+            <a:r>
+              <a:rPr lang="es-ES" b="1" dirty="0"/>
+              <a:t>&lt;T&gt;</a:t>
+            </a:r>
+          </a:p>
+          <a:p>
+            <a:endParaRPr lang="es-ES" dirty="0"/>
+          </a:p>
+          <a:p>
+            <a:r>
+              <a:rPr lang="es-ES" dirty="0"/>
+              <a:t>Parte de </a:t>
+            </a:r>
+            <a:r>
+              <a:rPr lang="es-ES" b="1" dirty="0"/>
+              <a:t>C++17</a:t>
+            </a:r>
+            <a:r>
+              <a:rPr lang="es-ES" dirty="0"/>
+              <a:t>, representa un valor que puede existir o no.</a:t>
+            </a:r>
           </a:p>
           <a:p>
             <a:pPr lvl="1"/>
             <a:r>
-              <a:rPr lang="es-ES" dirty="0"/>
-              <a:t>Se usa para recibir resultados de una consulta SQL en variables C++.</a:t>
-            </a:r>
-          </a:p>
-          <a:p>
-            <a:pPr lvl="2"/>
-            <a:r>
-              <a:rPr lang="es-ES" dirty="0" err="1"/>
-              <a:t>sql</a:t>
-            </a:r>
-            <a:r>
-              <a:rPr lang="es-ES" dirty="0"/>
-              <a:t> &lt;&lt; "SELECT nombre FROM empleados WHERE id = :id", </a:t>
-            </a:r>
+              <a:rPr lang="es-ES" dirty="0" err="1"/>
+              <a:t>std</a:t>
+            </a:r>
+            <a:r>
+              <a:rPr lang="es-ES" dirty="0"/>
+              <a:t>::</a:t>
+            </a:r>
+            <a:r>
+              <a:rPr lang="es-ES" dirty="0" err="1"/>
+              <a:t>optional</a:t>
+            </a:r>
+            <a:r>
+              <a:rPr lang="es-ES" dirty="0"/>
+              <a:t>&lt;Empleado&gt; resultado = </a:t>
+            </a:r>
+            <a:r>
+              <a:rPr lang="es-ES" dirty="0" err="1"/>
+              <a:t>repo.recuperarEmpleado</a:t>
+            </a:r>
+            <a:r>
+              <a:rPr lang="es-ES" dirty="0"/>
+              <a:t>(5);</a:t>
+            </a:r>
+          </a:p>
+          <a:p>
+            <a:pPr lvl="1"/>
+            <a:r>
+              <a:rPr lang="es-ES" dirty="0" err="1"/>
+              <a:t>if</a:t>
+            </a:r>
+            <a:r>
+              <a:rPr lang="es-ES" dirty="0"/>
+              <a:t> (resultado) { </a:t>
+            </a:r>
+            <a:r>
+              <a:rPr lang="es-ES" dirty="0" err="1"/>
+              <a:t>std</a:t>
+            </a:r>
+            <a:r>
+              <a:rPr lang="es-ES" dirty="0"/>
+              <a:t>::</a:t>
+            </a:r>
+            <a:r>
+              <a:rPr lang="es-ES" dirty="0" err="1"/>
+              <a:t>cout</a:t>
+            </a:r>
+            <a:r>
+              <a:rPr lang="es-ES" dirty="0"/>
+              <a:t> &lt;&lt; resultado-&gt;nombre; }</a:t>
+            </a:r>
+          </a:p>
+          <a:p>
+            <a:pPr lvl="1"/>
+            <a:endParaRPr lang="es-ES" dirty="0"/>
+          </a:p>
+          <a:p>
+            <a:pPr lvl="1"/>
             <a:r>
               <a:rPr lang="es-ES" b="1" dirty="0" err="1"/>
-              <a:t>soci</a:t>
-            </a:r>
-            <a:r>
-              <a:rPr lang="es-ES" b="1" dirty="0"/>
-              <a:t>::use</a:t>
-            </a:r>
-            <a:r>
-              <a:rPr lang="es-ES" dirty="0"/>
-              <a:t>(id), </a:t>
-            </a:r>
-            <a:r>
-              <a:rPr lang="es-ES" b="1" dirty="0" err="1"/>
-              <a:t>soci</a:t>
+              <a:t>std</a:t>
             </a:r>
             <a:r>
               <a:rPr lang="es-ES" b="1" dirty="0"/>
@@ -8840,11 +9290,58 @@
             </a:r>
             <a:r>
               <a:rPr lang="es-ES" b="1" dirty="0" err="1"/>
-              <a:t>into</a:t>
-            </a:r>
-            <a:r>
-              <a:rPr lang="es-ES" dirty="0"/>
-              <a:t>(nombre);</a:t>
+              <a:t>nullopt</a:t>
+            </a:r>
+            <a:endParaRPr lang="es-ES" b="1" dirty="0"/>
+          </a:p>
+          <a:p>
+            <a:pPr lvl="2"/>
+            <a:r>
+              <a:rPr lang="es-ES" dirty="0"/>
+              <a:t>Constante que representa un </a:t>
+            </a:r>
+            <a:r>
+              <a:rPr lang="es-ES" dirty="0" err="1"/>
+              <a:t>std</a:t>
+            </a:r>
+            <a:r>
+              <a:rPr lang="es-ES" dirty="0"/>
+              <a:t>::</a:t>
+            </a:r>
+            <a:r>
+              <a:rPr lang="es-ES" dirty="0" err="1"/>
+              <a:t>optional</a:t>
+            </a:r>
+            <a:r>
+              <a:rPr lang="es-ES" dirty="0"/>
+              <a:t> vacío.</a:t>
+            </a:r>
+          </a:p>
+          <a:p>
+            <a:pPr lvl="2"/>
+            <a:r>
+              <a:rPr lang="es-ES" dirty="0" err="1"/>
+              <a:t>return</a:t>
+            </a:r>
+            <a:r>
+              <a:rPr lang="es-ES" dirty="0"/>
+              <a:t> </a:t>
+            </a:r>
+            <a:r>
+              <a:rPr lang="es-ES" dirty="0" err="1"/>
+              <a:t>std</a:t>
+            </a:r>
+            <a:r>
+              <a:rPr lang="es-ES" dirty="0"/>
+              <a:t>::</a:t>
+            </a:r>
+            <a:r>
+              <a:rPr lang="es-ES" dirty="0" err="1"/>
+              <a:t>nullopt</a:t>
+            </a:r>
+            <a:r>
+              <a:rPr lang="es-ES" dirty="0"/>
+              <a:t>;</a:t>
             </a:r>
           </a:p>
           <a:p>
@@ -8852,173 +9349,8 @@
             <a:endParaRPr lang="es-ES" dirty="0"/>
           </a:p>
           <a:p>
-            <a:r>
-              <a:rPr lang="es-ES" b="1" dirty="0" err="1"/>
-              <a:t>soci</a:t>
-            </a:r>
-            <a:r>
-              <a:rPr lang="es-ES" b="1" dirty="0"/>
-              <a:t>::use</a:t>
-            </a:r>
-          </a:p>
-          <a:p>
-            <a:pPr lvl="1"/>
-            <a:r>
-              <a:rPr lang="es-ES" dirty="0"/>
-              <a:t>Para inyectar un parámetro en una consulta parametrizada.</a:t>
-            </a:r>
-          </a:p>
-          <a:p>
-            <a:pPr lvl="1"/>
             <a:endParaRPr lang="es-ES" dirty="0"/>
           </a:p>
-          <a:p>
-            <a:r>
-              <a:rPr lang="es-ES" b="1" dirty="0" err="1"/>
-              <a:t>soci</a:t>
-            </a:r>
-            <a:r>
-              <a:rPr lang="es-ES" b="1" dirty="0"/>
-              <a:t>::</a:t>
-            </a:r>
-            <a:r>
-              <a:rPr lang="es-ES" b="1" dirty="0" err="1"/>
-              <a:t>indicator</a:t>
-            </a:r>
-            <a:endParaRPr lang="es-ES" b="1" dirty="0"/>
-          </a:p>
-          <a:p>
-            <a:pPr lvl="1"/>
-            <a:r>
-              <a:rPr lang="es-ES" dirty="0"/>
-              <a:t>Permite detectar si un valor devuelto por la base de datos es NULL.</a:t>
-            </a:r>
-          </a:p>
-          <a:p>
-            <a:pPr lvl="1"/>
-            <a:endParaRPr lang="es-ES" dirty="0"/>
-          </a:p>
-          <a:p>
-            <a:pPr lvl="2"/>
-            <a:r>
-              <a:rPr lang="es-ES" dirty="0" err="1"/>
-              <a:t>soci</a:t>
-            </a:r>
-            <a:r>
-              <a:rPr lang="es-ES" dirty="0"/>
-              <a:t>::</a:t>
-            </a:r>
-            <a:r>
-              <a:rPr lang="es-ES" dirty="0" err="1"/>
-              <a:t>indicator</a:t>
-            </a:r>
-            <a:r>
-              <a:rPr lang="es-ES" dirty="0"/>
-              <a:t> </a:t>
-            </a:r>
-            <a:r>
-              <a:rPr lang="es-ES" dirty="0" err="1"/>
-              <a:t>ind</a:t>
-            </a:r>
-            <a:r>
-              <a:rPr lang="es-ES" dirty="0"/>
-              <a:t>;</a:t>
-            </a:r>
-          </a:p>
-          <a:p>
-            <a:pPr lvl="2"/>
-            <a:r>
-              <a:rPr lang="es-ES" dirty="0" err="1"/>
-              <a:t>sql</a:t>
-            </a:r>
-            <a:r>
-              <a:rPr lang="es-ES" dirty="0"/>
-              <a:t> &lt;&lt; "SELECT id FROM empleados WHERE id = :id", </a:t>
-            </a:r>
-            <a:r>
-              <a:rPr lang="es-ES" dirty="0" err="1"/>
-              <a:t>soci</a:t>
-            </a:r>
-            <a:r>
-              <a:rPr lang="es-ES" dirty="0"/>
-              <a:t>::use(id), </a:t>
-            </a:r>
-            <a:r>
-              <a:rPr lang="es-ES" dirty="0" err="1"/>
-              <a:t>soci</a:t>
-            </a:r>
-            <a:r>
-              <a:rPr lang="es-ES" dirty="0"/>
-              <a:t>::</a:t>
-            </a:r>
-            <a:r>
-              <a:rPr lang="es-ES" dirty="0" err="1"/>
-              <a:t>into</a:t>
-            </a:r>
-            <a:r>
-              <a:rPr lang="es-ES" dirty="0"/>
-              <a:t>(</a:t>
-            </a:r>
-            <a:r>
-              <a:rPr lang="es-ES" dirty="0" err="1"/>
-              <a:t>emp.id</a:t>
-            </a:r>
-            <a:r>
-              <a:rPr lang="es-ES" dirty="0"/>
-              <a:t>, </a:t>
-            </a:r>
-            <a:r>
-              <a:rPr lang="es-ES" dirty="0" err="1"/>
-              <a:t>ind</a:t>
-            </a:r>
-            <a:r>
-              <a:rPr lang="es-ES" dirty="0"/>
-              <a:t>);</a:t>
-            </a:r>
-          </a:p>
-          <a:p>
-            <a:pPr lvl="2"/>
-            <a:r>
-              <a:rPr lang="es-ES" dirty="0" err="1"/>
-              <a:t>if</a:t>
-            </a:r>
-            <a:r>
-              <a:rPr lang="es-ES" dirty="0"/>
-              <a:t> (</a:t>
-            </a:r>
-            <a:r>
-              <a:rPr lang="es-ES" dirty="0" err="1"/>
-              <a:t>ind</a:t>
-            </a:r>
-            <a:r>
-              <a:rPr lang="es-ES" dirty="0"/>
-              <a:t> == </a:t>
-            </a:r>
-            <a:r>
-              <a:rPr lang="es-ES" dirty="0" err="1"/>
-              <a:t>soci</a:t>
-            </a:r>
-            <a:r>
-              <a:rPr lang="es-ES" dirty="0"/>
-              <a:t>::</a:t>
-            </a:r>
-            <a:r>
-              <a:rPr lang="es-ES" dirty="0" err="1"/>
-              <a:t>i_null</a:t>
-            </a:r>
-            <a:r>
-              <a:rPr lang="es-ES" dirty="0"/>
-              <a:t>) { /* manejar ausencia de datos */ }</a:t>
-            </a:r>
-          </a:p>
-          <a:p>
-            <a:pPr lvl="1"/>
-            <a:endParaRPr lang="es-ES" dirty="0"/>
-          </a:p>
-          <a:p>
-            <a:pPr lvl="1"/>
-            <a:endParaRPr lang="es-ES" dirty="0"/>
-          </a:p>
         </p:txBody>
       </p:sp>
       <p:sp>
@@ -9026,7 +9358,7 @@
           <p:cNvPr id="4" name="Marcador de número de diapositiva 3">
             <a:extLst>
               <a:ext uri="{FF2B5EF4-FFF2-40B4-BE49-F238E27FC236}">
-                <a16:creationId xmlns:a16="http://schemas.microsoft.com/office/drawing/2014/main" id="{930F1451-C2F0-243D-B5D9-9FBB796F4B65}"/>
+                <a16:creationId xmlns:a16="http://schemas.microsoft.com/office/drawing/2014/main" id="{2639F735-E5C0-D8E4-0254-002F1CF0DE68}"/>
               </a:ext>
             </a:extLst>
           </p:cNvPr>
@@ -9053,7 +9385,7 @@
     </p:spTree>
     <p:extLst>
       <p:ext uri="{BB962C8B-B14F-4D97-AF65-F5344CB8AC3E}">
-        <p14:creationId xmlns:p14="http://schemas.microsoft.com/office/powerpoint/2010/main" val="3262438600"/>
+        <p14:creationId xmlns:p14="http://schemas.microsoft.com/office/powerpoint/2010/main" val="1785666173"/>
       </p:ext>
     </p:extLst>
   </p:cSld>
@@ -9085,7 +9417,7 @@
           <p:cNvPr id="2" name="Título 1">
             <a:extLst>
               <a:ext uri="{FF2B5EF4-FFF2-40B4-BE49-F238E27FC236}">
-                <a16:creationId xmlns:a16="http://schemas.microsoft.com/office/drawing/2014/main" id="{9B06251E-BF8C-9377-97F2-9A79E4C4B155}"/>
+                <a16:creationId xmlns:a16="http://schemas.microsoft.com/office/drawing/2014/main" id="{63902AC2-F984-1883-11EA-601B7F9BBE15}"/>
               </a:ext>
             </a:extLst>
           </p:cNvPr>
@@ -9096,14 +9428,19 @@
             <p:ph type="title"/>
           </p:nvPr>
         </p:nvSpPr>
-        <p:spPr/>
-        <p:txBody>
-          <a:bodyPr/>
-          <a:lstStyle/>
-          <a:p>
-            <a:r>
-              <a:rPr lang="es-ES" dirty="0"/>
-              <a:t>Objetos principales de SOCI</a:t>
+        <p:spPr>
+          <a:xfrm>
+            <a:off x="838200" y="365126"/>
+            <a:ext cx="10515600" cy="822652"/>
+          </a:xfrm>
+        </p:spPr>
+        <p:txBody>
+          <a:bodyPr/>
+          <a:lstStyle/>
+          <a:p>
+            <a:r>
+              <a:rPr lang="es-ES" dirty="0"/>
+              <a:t>Transacciones</a:t>
             </a:r>
           </a:p>
         </p:txBody>
@@ -9113,7 +9450,7 @@
           <p:cNvPr id="3" name="Marcador de contenido 2">
             <a:extLst>
               <a:ext uri="{FF2B5EF4-FFF2-40B4-BE49-F238E27FC236}">
-                <a16:creationId xmlns:a16="http://schemas.microsoft.com/office/drawing/2014/main" id="{EB28DAAB-4C7F-2C8F-93F2-997A5507AC80}"/>
+                <a16:creationId xmlns:a16="http://schemas.microsoft.com/office/drawing/2014/main" id="{AD940DFB-6257-D227-D3C0-823D5E43B4FB}"/>
               </a:ext>
             </a:extLst>
           </p:cNvPr>
@@ -9124,144 +9461,188 @@
             <p:ph idx="1"/>
           </p:nvPr>
         </p:nvSpPr>
-        <p:spPr/>
-        <p:txBody>
-          <a:bodyPr/>
-          <a:lstStyle/>
-          <a:p>
-            <a:r>
-              <a:rPr lang="es-ES" b="1" dirty="0" err="1"/>
+        <p:spPr>
+          <a:xfrm>
+            <a:off x="565607" y="1395166"/>
+            <a:ext cx="11010507" cy="5097707"/>
+          </a:xfrm>
+        </p:spPr>
+        <p:txBody>
+          <a:bodyPr>
+            <a:normAutofit fontScale="85000" lnSpcReduction="20000"/>
+          </a:bodyPr>
+          <a:lstStyle/>
+          <a:p>
+            <a:pPr marL="0" indent="0">
+              <a:buNone/>
+            </a:pPr>
+            <a:r>
+              <a:rPr lang="es-ES" dirty="0" err="1"/>
+              <a:t>sql.begin</a:t>
+            </a:r>
+            <a:r>
+              <a:rPr lang="es-ES" dirty="0"/>
+              <a:t>(); // Inicia la transacción</a:t>
+            </a:r>
+          </a:p>
+          <a:p>
+            <a:pPr marL="0" indent="0">
+              <a:buNone/>
+            </a:pPr>
+            <a:endParaRPr lang="es-ES" dirty="0"/>
+          </a:p>
+          <a:p>
+            <a:pPr marL="0" indent="0">
+              <a:buNone/>
+            </a:pPr>
+            <a:r>
+              <a:rPr lang="es-ES" dirty="0"/>
+              <a:t>try {</a:t>
+            </a:r>
+          </a:p>
+          <a:p>
+            <a:pPr marL="0" indent="0">
+              <a:buNone/>
+            </a:pPr>
+            <a:r>
+              <a:rPr lang="es-ES" dirty="0"/>
+              <a:t>    </a:t>
+            </a:r>
+            <a:r>
+              <a:rPr lang="es-ES" dirty="0" err="1"/>
+              <a:t>sql</a:t>
+            </a:r>
+            <a:r>
+              <a:rPr lang="es-ES" dirty="0"/>
+              <a:t> &lt;&lt; "INSERT INTO empleados(nombre, cargo) VALUES(:nombre, :cargo)",</a:t>
+            </a:r>
+          </a:p>
+          <a:p>
+            <a:pPr marL="0" indent="0">
+              <a:buNone/>
+            </a:pPr>
+            <a:r>
+              <a:rPr lang="es-ES" dirty="0"/>
+              <a:t>        </a:t>
+            </a:r>
+            <a:r>
+              <a:rPr lang="es-ES" dirty="0" err="1"/>
               <a:t>soci</a:t>
             </a:r>
             <a:r>
-              <a:rPr lang="es-ES" b="1" dirty="0"/>
-              <a:t>::</a:t>
-            </a:r>
-            <a:r>
-              <a:rPr lang="es-ES" b="1" dirty="0" err="1"/>
-              <a:t>rowset</a:t>
-            </a:r>
-            <a:r>
-              <a:rPr lang="es-ES" b="1" dirty="0"/>
-              <a:t>&lt;</a:t>
-            </a:r>
-            <a:r>
-              <a:rPr lang="es-ES" b="1" dirty="0" err="1"/>
+              <a:rPr lang="es-ES" dirty="0"/>
+              <a:t>::use("Luis"), </a:t>
+            </a:r>
+            <a:r>
+              <a:rPr lang="es-ES" dirty="0" err="1"/>
               <a:t>soci</a:t>
             </a:r>
             <a:r>
-              <a:rPr lang="es-ES" b="1" dirty="0"/>
-              <a:t>::</a:t>
-            </a:r>
-            <a:r>
-              <a:rPr lang="es-ES" b="1" dirty="0" err="1"/>
-              <a:t>row</a:t>
-            </a:r>
-            <a:r>
-              <a:rPr lang="es-ES" b="1" dirty="0"/>
-              <a:t>&gt;</a:t>
-            </a:r>
-          </a:p>
-          <a:p>
-            <a:pPr lvl="1"/>
-            <a:r>
-              <a:rPr lang="es-ES" dirty="0"/>
-              <a:t>Permite recorrer múltiples resultados de una consulta SELECT.</a:t>
-            </a:r>
-          </a:p>
-          <a:p>
-            <a:pPr lvl="2"/>
-            <a:r>
-              <a:rPr lang="es-ES" dirty="0" err="1"/>
-              <a:t>soci</a:t>
-            </a:r>
-            <a:r>
-              <a:rPr lang="es-ES" dirty="0"/>
-              <a:t>::</a:t>
-            </a:r>
-            <a:r>
-              <a:rPr lang="es-ES" dirty="0" err="1"/>
-              <a:t>rowset</a:t>
-            </a:r>
-            <a:r>
-              <a:rPr lang="es-ES" dirty="0"/>
-              <a:t>&lt;</a:t>
-            </a:r>
-            <a:r>
-              <a:rPr lang="es-ES" dirty="0" err="1"/>
-              <a:t>soci</a:t>
-            </a:r>
-            <a:r>
-              <a:rPr lang="es-ES" dirty="0"/>
-              <a:t>::</a:t>
-            </a:r>
-            <a:r>
-              <a:rPr lang="es-ES" dirty="0" err="1"/>
-              <a:t>row</a:t>
-            </a:r>
-            <a:r>
-              <a:rPr lang="es-ES" dirty="0"/>
-              <a:t>&gt; </a:t>
-            </a:r>
-            <a:r>
-              <a:rPr lang="es-ES" dirty="0" err="1"/>
-              <a:t>rs</a:t>
-            </a:r>
-            <a:r>
-              <a:rPr lang="es-ES" dirty="0"/>
-              <a:t> = </a:t>
-            </a:r>
-            <a:r>
-              <a:rPr lang="es-ES" dirty="0" err="1"/>
-              <a:t>sql.prepare</a:t>
-            </a:r>
-            <a:r>
-              <a:rPr lang="es-ES" dirty="0"/>
-              <a:t> &lt;&lt; "SELECT id, nombre, cargo FROM empleados";</a:t>
-            </a:r>
-          </a:p>
-          <a:p>
-            <a:pPr lvl="2"/>
-            <a:r>
-              <a:rPr lang="es-ES" dirty="0" err="1"/>
-              <a:t>for</a:t>
-            </a:r>
-            <a:r>
-              <a:rPr lang="es-ES" dirty="0"/>
-              <a:t> (</a:t>
-            </a:r>
-            <a:r>
-              <a:rPr lang="es-ES" dirty="0" err="1"/>
-              <a:t>const</a:t>
-            </a:r>
-            <a:r>
-              <a:rPr lang="es-ES" dirty="0"/>
-              <a:t> auto&amp; r : </a:t>
-            </a:r>
-            <a:r>
-              <a:rPr lang="es-ES" dirty="0" err="1"/>
-              <a:t>rs</a:t>
-            </a:r>
-            <a:r>
-              <a:rPr lang="es-ES" dirty="0"/>
-              <a:t>) { /* recorrer resultados */ }</a:t>
-            </a:r>
-          </a:p>
-          <a:p>
-            <a:pPr lvl="2"/>
+              <a:rPr lang="es-ES" dirty="0"/>
+              <a:t>::use("Contable");</a:t>
+            </a:r>
+          </a:p>
+          <a:p>
+            <a:pPr marL="0" indent="0">
+              <a:buNone/>
+            </a:pPr>
             <a:endParaRPr lang="es-ES" dirty="0"/>
           </a:p>
           <a:p>
-            <a:pPr lvl="1"/>
-            <a:r>
-              <a:rPr lang="es-ES" dirty="0"/>
-              <a:t>Listados y consultas que devuelven varias filas.</a:t>
-            </a:r>
-          </a:p>
-          <a:p>
-            <a:pPr lvl="1"/>
+            <a:pPr marL="0" indent="0">
+              <a:buNone/>
+            </a:pPr>
+            <a:r>
+              <a:rPr lang="es-ES" dirty="0"/>
+              <a:t>    </a:t>
+            </a:r>
+            <a:r>
+              <a:rPr lang="es-ES" dirty="0" err="1"/>
+              <a:t>sql</a:t>
+            </a:r>
+            <a:r>
+              <a:rPr lang="es-ES" dirty="0"/>
+              <a:t> &lt;&lt; "UPDATE empleados SET cargo = 'Gerente' WHERE id = 5";</a:t>
+            </a:r>
+          </a:p>
+          <a:p>
+            <a:pPr marL="0" indent="0">
+              <a:buNone/>
+            </a:pPr>
             <a:endParaRPr lang="es-ES" dirty="0"/>
           </a:p>
+          <a:p>
+            <a:pPr marL="0" indent="0">
+              <a:buNone/>
+            </a:pPr>
+            <a:r>
+              <a:rPr lang="es-ES" dirty="0"/>
+              <a:t>    </a:t>
+            </a:r>
+            <a:r>
+              <a:rPr lang="es-ES" dirty="0" err="1"/>
+              <a:t>sql.commit</a:t>
+            </a:r>
+            <a:r>
+              <a:rPr lang="es-ES" dirty="0"/>
+              <a:t>(); // Confirma los cambios</a:t>
+            </a:r>
+          </a:p>
+          <a:p>
+            <a:pPr marL="0" indent="0">
+              <a:buNone/>
+            </a:pPr>
+            <a:r>
+              <a:rPr lang="es-ES" dirty="0"/>
+              <a:t>} catch (...) {</a:t>
+            </a:r>
+          </a:p>
+          <a:p>
+            <a:pPr marL="0" indent="0">
+              <a:buNone/>
+            </a:pPr>
+            <a:r>
+              <a:rPr lang="es-ES" dirty="0"/>
+              <a:t>    </a:t>
+            </a:r>
+            <a:r>
+              <a:rPr lang="es-ES" dirty="0" err="1"/>
+              <a:t>sql.rollback</a:t>
+            </a:r>
+            <a:r>
+              <a:rPr lang="es-ES" dirty="0"/>
+              <a:t>(); // Revierte todo si hay error</a:t>
+            </a:r>
+          </a:p>
+          <a:p>
+            <a:pPr marL="0" indent="0">
+              <a:buNone/>
+            </a:pPr>
+            <a:r>
+              <a:rPr lang="es-ES" dirty="0"/>
+              <a:t>    </a:t>
+            </a:r>
+            <a:r>
+              <a:rPr lang="es-ES" dirty="0" err="1"/>
+              <a:t>throw</a:t>
+            </a:r>
+            <a:r>
+              <a:rPr lang="es-ES" dirty="0"/>
+              <a:t>;</a:t>
+            </a:r>
+          </a:p>
+          <a:p>
+            <a:pPr marL="0" indent="0">
+              <a:buNone/>
+            </a:pPr>
+            <a:r>
+              <a:rPr lang="es-ES" dirty="0"/>
+              <a:t>}</a:t>
+            </a:r>
+          </a:p>
+          <a:p>
+            <a:endParaRPr lang="es-ES" dirty="0"/>
+          </a:p>
         </p:txBody>
       </p:sp>
       <p:sp>
@@ -9269,7 +9650,7 @@
           <p:cNvPr id="4" name="Marcador de número de diapositiva 3">
             <a:extLst>
               <a:ext uri="{FF2B5EF4-FFF2-40B4-BE49-F238E27FC236}">
-                <a16:creationId xmlns:a16="http://schemas.microsoft.com/office/drawing/2014/main" id="{3EE97A1E-56E1-0C18-7B64-C0314060717D}"/>
+                <a16:creationId xmlns:a16="http://schemas.microsoft.com/office/drawing/2014/main" id="{35DECA4A-EDB8-8C9D-B73C-F5B1D572CA53}"/>
               </a:ext>
             </a:extLst>
           </p:cNvPr>
@@ -9296,7 +9677,7 @@
     </p:spTree>
     <p:extLst>
       <p:ext uri="{BB962C8B-B14F-4D97-AF65-F5344CB8AC3E}">
-        <p14:creationId xmlns:p14="http://schemas.microsoft.com/office/powerpoint/2010/main" val="3271043193"/>
+        <p14:creationId xmlns:p14="http://schemas.microsoft.com/office/powerpoint/2010/main" val="3440067851"/>
       </p:ext>
     </p:extLst>
   </p:cSld>
@@ -9328,587 +9709,6 @@
           <p:cNvPr id="2" name="Título 1">
             <a:extLst>
               <a:ext uri="{FF2B5EF4-FFF2-40B4-BE49-F238E27FC236}">
-                <a16:creationId xmlns:a16="http://schemas.microsoft.com/office/drawing/2014/main" id="{461D34BD-5FA6-92C0-BEE3-E956B6F3B4B7}"/>
-              </a:ext>
-            </a:extLst>
-          </p:cNvPr>
-          <p:cNvSpPr>
-            <a:spLocks noGrp="1"/>
-          </p:cNvSpPr>
-          <p:nvPr>
-            <p:ph type="title"/>
-          </p:nvPr>
-        </p:nvSpPr>
-        <p:spPr/>
-        <p:txBody>
-          <a:bodyPr/>
-          <a:lstStyle/>
-          <a:p>
-            <a:r>
-              <a:rPr lang="es-ES" dirty="0"/>
-              <a:t>Objetos principales de SOCI</a:t>
-            </a:r>
-          </a:p>
-        </p:txBody>
-      </p:sp>
-      <p:sp>
-        <p:nvSpPr>
-          <p:cNvPr id="3" name="Marcador de contenido 2">
-            <a:extLst>
-              <a:ext uri="{FF2B5EF4-FFF2-40B4-BE49-F238E27FC236}">
-                <a16:creationId xmlns:a16="http://schemas.microsoft.com/office/drawing/2014/main" id="{DE5B42B5-DBBB-5D26-7382-135A5336FA6F}"/>
-              </a:ext>
-            </a:extLst>
-          </p:cNvPr>
-          <p:cNvSpPr>
-            <a:spLocks noGrp="1"/>
-          </p:cNvSpPr>
-          <p:nvPr>
-            <p:ph idx="1"/>
-          </p:nvPr>
-        </p:nvSpPr>
-        <p:spPr/>
-        <p:txBody>
-          <a:bodyPr/>
-          <a:lstStyle/>
-          <a:p>
-            <a:r>
-              <a:rPr lang="es-ES" b="1" dirty="0"/>
-              <a:t>#include &lt;</a:t>
-            </a:r>
-            <a:r>
-              <a:rPr lang="es-ES" b="1" dirty="0" err="1"/>
-              <a:t>optional</a:t>
-            </a:r>
-            <a:r>
-              <a:rPr lang="es-ES" b="1" dirty="0"/>
-              <a:t>&gt;</a:t>
-            </a:r>
-          </a:p>
-          <a:p>
-            <a:r>
-              <a:rPr lang="es-ES" b="1" dirty="0" err="1"/>
-              <a:t>std</a:t>
-            </a:r>
-            <a:r>
-              <a:rPr lang="es-ES" b="1" dirty="0"/>
-              <a:t>::</a:t>
-            </a:r>
-            <a:r>
-              <a:rPr lang="es-ES" b="1" dirty="0" err="1"/>
-              <a:t>optional</a:t>
-            </a:r>
-            <a:r>
-              <a:rPr lang="es-ES" b="1" dirty="0"/>
-              <a:t>&lt;T&gt;</a:t>
-            </a:r>
-          </a:p>
-          <a:p>
-            <a:endParaRPr lang="es-ES" dirty="0"/>
-          </a:p>
-          <a:p>
-            <a:r>
-              <a:rPr lang="es-ES" dirty="0"/>
-              <a:t>Parte de </a:t>
-            </a:r>
-            <a:r>
-              <a:rPr lang="es-ES" b="1" dirty="0"/>
-              <a:t>C++17</a:t>
-            </a:r>
-            <a:r>
-              <a:rPr lang="es-ES" dirty="0"/>
-              <a:t>, representa un valor que puede existir o no.</a:t>
-            </a:r>
-          </a:p>
-          <a:p>
-            <a:pPr lvl="1"/>
-            <a:r>
-              <a:rPr lang="es-ES" dirty="0" err="1"/>
-              <a:t>std</a:t>
-            </a:r>
-            <a:r>
-              <a:rPr lang="es-ES" dirty="0"/>
-              <a:t>::</a:t>
-            </a:r>
-            <a:r>
-              <a:rPr lang="es-ES" dirty="0" err="1"/>
-              <a:t>optional</a:t>
-            </a:r>
-            <a:r>
-              <a:rPr lang="es-ES" dirty="0"/>
-              <a:t>&lt;Empleado&gt; resultado = </a:t>
-            </a:r>
-            <a:r>
-              <a:rPr lang="es-ES" dirty="0" err="1"/>
-              <a:t>repo.recuperarEmpleado</a:t>
-            </a:r>
-            <a:r>
-              <a:rPr lang="es-ES" dirty="0"/>
-              <a:t>(5);</a:t>
-            </a:r>
-          </a:p>
-          <a:p>
-            <a:pPr lvl="1"/>
-            <a:r>
-              <a:rPr lang="es-ES" dirty="0" err="1"/>
-              <a:t>if</a:t>
-            </a:r>
-            <a:r>
-              <a:rPr lang="es-ES" dirty="0"/>
-              <a:t> (resultado) { </a:t>
-            </a:r>
-            <a:r>
-              <a:rPr lang="es-ES" dirty="0" err="1"/>
-              <a:t>std</a:t>
-            </a:r>
-            <a:r>
-              <a:rPr lang="es-ES" dirty="0"/>
-              <a:t>::</a:t>
-            </a:r>
-            <a:r>
-              <a:rPr lang="es-ES" dirty="0" err="1"/>
-              <a:t>cout</a:t>
-            </a:r>
-            <a:r>
-              <a:rPr lang="es-ES" dirty="0"/>
-              <a:t> &lt;&lt; resultado-&gt;nombre; }</a:t>
-            </a:r>
-          </a:p>
-          <a:p>
-            <a:pPr lvl="1"/>
-            <a:endParaRPr lang="es-ES" dirty="0"/>
-          </a:p>
-          <a:p>
-            <a:pPr lvl="1"/>
-            <a:r>
-              <a:rPr lang="es-ES" b="1" dirty="0" err="1"/>
-              <a:t>std</a:t>
-            </a:r>
-            <a:r>
-              <a:rPr lang="es-ES" b="1" dirty="0"/>
-              <a:t>::</a:t>
-            </a:r>
-            <a:r>
-              <a:rPr lang="es-ES" b="1" dirty="0" err="1"/>
-              <a:t>nullopt</a:t>
-            </a:r>
-            <a:endParaRPr lang="es-ES" b="1" dirty="0"/>
-          </a:p>
-          <a:p>
-            <a:pPr lvl="2"/>
-            <a:r>
-              <a:rPr lang="es-ES" dirty="0"/>
-              <a:t>Constante que representa un </a:t>
-            </a:r>
-            <a:r>
-              <a:rPr lang="es-ES" dirty="0" err="1"/>
-              <a:t>std</a:t>
-            </a:r>
-            <a:r>
-              <a:rPr lang="es-ES" dirty="0"/>
-              <a:t>::</a:t>
-            </a:r>
-            <a:r>
-              <a:rPr lang="es-ES" dirty="0" err="1"/>
-              <a:t>optional</a:t>
-            </a:r>
-            <a:r>
-              <a:rPr lang="es-ES" dirty="0"/>
-              <a:t> vacío.</a:t>
-            </a:r>
-          </a:p>
-          <a:p>
-            <a:pPr lvl="2"/>
-            <a:r>
-              <a:rPr lang="es-ES" dirty="0" err="1"/>
-              <a:t>return</a:t>
-            </a:r>
-            <a:r>
-              <a:rPr lang="es-ES" dirty="0"/>
-              <a:t> </a:t>
-            </a:r>
-            <a:r>
-              <a:rPr lang="es-ES" dirty="0" err="1"/>
-              <a:t>std</a:t>
-            </a:r>
-            <a:r>
-              <a:rPr lang="es-ES" dirty="0"/>
-              <a:t>::</a:t>
-            </a:r>
-            <a:r>
-              <a:rPr lang="es-ES" dirty="0" err="1"/>
-              <a:t>nullopt</a:t>
-            </a:r>
-            <a:r>
-              <a:rPr lang="es-ES" dirty="0"/>
-              <a:t>;</a:t>
-            </a:r>
-          </a:p>
-          <a:p>
-            <a:pPr lvl="2"/>
-            <a:endParaRPr lang="es-ES" dirty="0"/>
-          </a:p>
-          <a:p>
-            <a:endParaRPr lang="es-ES" dirty="0"/>
-          </a:p>
-        </p:txBody>
-      </p:sp>
-      <p:sp>
-        <p:nvSpPr>
-          <p:cNvPr id="4" name="Marcador de número de diapositiva 3">
-            <a:extLst>
-              <a:ext uri="{FF2B5EF4-FFF2-40B4-BE49-F238E27FC236}">
-                <a16:creationId xmlns:a16="http://schemas.microsoft.com/office/drawing/2014/main" id="{2639F735-E5C0-D8E4-0254-002F1CF0DE68}"/>
-              </a:ext>
-            </a:extLst>
-          </p:cNvPr>
-          <p:cNvSpPr>
-            <a:spLocks noGrp="1"/>
-          </p:cNvSpPr>
-          <p:nvPr>
-            <p:ph type="sldNum" sz="quarter" idx="12"/>
-          </p:nvPr>
-        </p:nvSpPr>
-        <p:spPr/>
-        <p:txBody>
-          <a:bodyPr/>
-          <a:lstStyle/>
-          <a:p>
-            <a:fld id="{768BFD4A-17AE-4857-8B7E-5E5A409CCC86}" type="slidenum">
-              <a:rPr lang="es-ES" smtClean="0"/>
-              <a:t>33</a:t>
-            </a:fld>
-            <a:endParaRPr lang="es-ES"/>
-          </a:p>
-        </p:txBody>
-      </p:sp>
-    </p:spTree>
-    <p:extLst>
-      <p:ext uri="{BB962C8B-B14F-4D97-AF65-F5344CB8AC3E}">
-        <p14:creationId xmlns:p14="http://schemas.microsoft.com/office/powerpoint/2010/main" val="1785666173"/>
-      </p:ext>
-    </p:extLst>
-  </p:cSld>
-  <p:clrMapOvr>
-    <a:masterClrMapping/>
-  </p:clrMapOvr>
-</p:sld>
-</file>
-
-<file path=ppt/slides/slide34.xml><?xml version="1.0" encoding="utf-8"?>
-<p:sld xmlns:a="http://schemas.openxmlformats.org/drawingml/2006/main" xmlns:r="http://schemas.openxmlformats.org/officeDocument/2006/relationships" xmlns:p="http://schemas.openxmlformats.org/presentationml/2006/main">
-  <p:cSld>
-    <p:spTree>
-      <p:nvGrpSpPr>
-        <p:cNvPr id="1" name=""/>
-        <p:cNvGrpSpPr/>
-        <p:nvPr/>
-      </p:nvGrpSpPr>
-      <p:grpSpPr>
-        <a:xfrm>
-          <a:off x="0" y="0"/>
-          <a:ext cx="0" cy="0"/>
-          <a:chOff x="0" y="0"/>
-          <a:chExt cx="0" cy="0"/>
-        </a:xfrm>
-      </p:grpSpPr>
-      <p:sp>
-        <p:nvSpPr>
-          <p:cNvPr id="2" name="Título 1">
-            <a:extLst>
-              <a:ext uri="{FF2B5EF4-FFF2-40B4-BE49-F238E27FC236}">
-                <a16:creationId xmlns:a16="http://schemas.microsoft.com/office/drawing/2014/main" id="{63902AC2-F984-1883-11EA-601B7F9BBE15}"/>
-              </a:ext>
-            </a:extLst>
-          </p:cNvPr>
-          <p:cNvSpPr>
-            <a:spLocks noGrp="1"/>
-          </p:cNvSpPr>
-          <p:nvPr>
-            <p:ph type="title"/>
-          </p:nvPr>
-        </p:nvSpPr>
-        <p:spPr>
-          <a:xfrm>
-            <a:off x="838200" y="365126"/>
-            <a:ext cx="10515600" cy="822652"/>
-          </a:xfrm>
-        </p:spPr>
-        <p:txBody>
-          <a:bodyPr/>
-          <a:lstStyle/>
-          <a:p>
-            <a:r>
-              <a:rPr lang="es-ES" dirty="0"/>
-              <a:t>Transacciones</a:t>
-            </a:r>
-          </a:p>
-        </p:txBody>
-      </p:sp>
-      <p:sp>
-        <p:nvSpPr>
-          <p:cNvPr id="3" name="Marcador de contenido 2">
-            <a:extLst>
-              <a:ext uri="{FF2B5EF4-FFF2-40B4-BE49-F238E27FC236}">
-                <a16:creationId xmlns:a16="http://schemas.microsoft.com/office/drawing/2014/main" id="{AD940DFB-6257-D227-D3C0-823D5E43B4FB}"/>
-              </a:ext>
-            </a:extLst>
-          </p:cNvPr>
-          <p:cNvSpPr>
-            <a:spLocks noGrp="1"/>
-          </p:cNvSpPr>
-          <p:nvPr>
-            <p:ph idx="1"/>
-          </p:nvPr>
-        </p:nvSpPr>
-        <p:spPr>
-          <a:xfrm>
-            <a:off x="565607" y="1395166"/>
-            <a:ext cx="11010507" cy="5097707"/>
-          </a:xfrm>
-        </p:spPr>
-        <p:txBody>
-          <a:bodyPr>
-            <a:normAutofit fontScale="85000" lnSpcReduction="20000"/>
-          </a:bodyPr>
-          <a:lstStyle/>
-          <a:p>
-            <a:pPr marL="0" indent="0">
-              <a:buNone/>
-            </a:pPr>
-            <a:r>
-              <a:rPr lang="es-ES" dirty="0" err="1"/>
-              <a:t>sql.begin</a:t>
-            </a:r>
-            <a:r>
-              <a:rPr lang="es-ES" dirty="0"/>
-              <a:t>(); // Inicia la transacción</a:t>
-            </a:r>
-          </a:p>
-          <a:p>
-            <a:pPr marL="0" indent="0">
-              <a:buNone/>
-            </a:pPr>
-            <a:endParaRPr lang="es-ES" dirty="0"/>
-          </a:p>
-          <a:p>
-            <a:pPr marL="0" indent="0">
-              <a:buNone/>
-            </a:pPr>
-            <a:r>
-              <a:rPr lang="es-ES" dirty="0"/>
-              <a:t>try {</a:t>
-            </a:r>
-          </a:p>
-          <a:p>
-            <a:pPr marL="0" indent="0">
-              <a:buNone/>
-            </a:pPr>
-            <a:r>
-              <a:rPr lang="es-ES" dirty="0"/>
-              <a:t>    </a:t>
-            </a:r>
-            <a:r>
-              <a:rPr lang="es-ES" dirty="0" err="1"/>
-              <a:t>sql</a:t>
-            </a:r>
-            <a:r>
-              <a:rPr lang="es-ES" dirty="0"/>
-              <a:t> &lt;&lt; "INSERT INTO empleados(nombre, cargo) VALUES(:nombre, :cargo)",</a:t>
-            </a:r>
-          </a:p>
-          <a:p>
-            <a:pPr marL="0" indent="0">
-              <a:buNone/>
-            </a:pPr>
-            <a:r>
-              <a:rPr lang="es-ES" dirty="0"/>
-              <a:t>        </a:t>
-            </a:r>
-            <a:r>
-              <a:rPr lang="es-ES" dirty="0" err="1"/>
-              <a:t>soci</a:t>
-            </a:r>
-            <a:r>
-              <a:rPr lang="es-ES" dirty="0"/>
-              <a:t>::use("Luis"), </a:t>
-            </a:r>
-            <a:r>
-              <a:rPr lang="es-ES" dirty="0" err="1"/>
-              <a:t>soci</a:t>
-            </a:r>
-            <a:r>
-              <a:rPr lang="es-ES" dirty="0"/>
-              <a:t>::use("Contable");</a:t>
-            </a:r>
-          </a:p>
-          <a:p>
-            <a:pPr marL="0" indent="0">
-              <a:buNone/>
-            </a:pPr>
-            <a:endParaRPr lang="es-ES" dirty="0"/>
-          </a:p>
-          <a:p>
-            <a:pPr marL="0" indent="0">
-              <a:buNone/>
-            </a:pPr>
-            <a:r>
-              <a:rPr lang="es-ES" dirty="0"/>
-              <a:t>    </a:t>
-            </a:r>
-            <a:r>
-              <a:rPr lang="es-ES" dirty="0" err="1"/>
-              <a:t>sql</a:t>
-            </a:r>
-            <a:r>
-              <a:rPr lang="es-ES" dirty="0"/>
-              <a:t> &lt;&lt; "UPDATE empleados SET cargo = 'Gerente' WHERE id = 5";</a:t>
-            </a:r>
-          </a:p>
-          <a:p>
-            <a:pPr marL="0" indent="0">
-              <a:buNone/>
-            </a:pPr>
-            <a:endParaRPr lang="es-ES" dirty="0"/>
-          </a:p>
-          <a:p>
-            <a:pPr marL="0" indent="0">
-              <a:buNone/>
-            </a:pPr>
-            <a:r>
-              <a:rPr lang="es-ES" dirty="0"/>
-              <a:t>    </a:t>
-            </a:r>
-            <a:r>
-              <a:rPr lang="es-ES" dirty="0" err="1"/>
-              <a:t>sql.commit</a:t>
-            </a:r>
-            <a:r>
-              <a:rPr lang="es-ES" dirty="0"/>
-              <a:t>(); // Confirma los cambios</a:t>
-            </a:r>
-          </a:p>
-          <a:p>
-            <a:pPr marL="0" indent="0">
-              <a:buNone/>
-            </a:pPr>
-            <a:r>
-              <a:rPr lang="es-ES" dirty="0"/>
-              <a:t>} catch (...) {</a:t>
-            </a:r>
-          </a:p>
-          <a:p>
-            <a:pPr marL="0" indent="0">
-              <a:buNone/>
-            </a:pPr>
-            <a:r>
-              <a:rPr lang="es-ES" dirty="0"/>
-              <a:t>    </a:t>
-            </a:r>
-            <a:r>
-              <a:rPr lang="es-ES" dirty="0" err="1"/>
-              <a:t>sql.rollback</a:t>
-            </a:r>
-            <a:r>
-              <a:rPr lang="es-ES" dirty="0"/>
-              <a:t>(); // Revierte todo si hay error</a:t>
-            </a:r>
-          </a:p>
-          <a:p>
-            <a:pPr marL="0" indent="0">
-              <a:buNone/>
-            </a:pPr>
-            <a:r>
-              <a:rPr lang="es-ES" dirty="0"/>
-              <a:t>    </a:t>
-            </a:r>
-            <a:r>
-              <a:rPr lang="es-ES" dirty="0" err="1"/>
-              <a:t>throw</a:t>
-            </a:r>
-            <a:r>
-              <a:rPr lang="es-ES" dirty="0"/>
-              <a:t>;</a:t>
-            </a:r>
-          </a:p>
-          <a:p>
-            <a:pPr marL="0" indent="0">
-              <a:buNone/>
-            </a:pPr>
-            <a:r>
-              <a:rPr lang="es-ES" dirty="0"/>
-              <a:t>}</a:t>
-            </a:r>
-          </a:p>
-          <a:p>
-            <a:endParaRPr lang="es-ES" dirty="0"/>
-          </a:p>
-        </p:txBody>
-      </p:sp>
-      <p:sp>
-        <p:nvSpPr>
-          <p:cNvPr id="4" name="Marcador de número de diapositiva 3">
-            <a:extLst>
-              <a:ext uri="{FF2B5EF4-FFF2-40B4-BE49-F238E27FC236}">
-                <a16:creationId xmlns:a16="http://schemas.microsoft.com/office/drawing/2014/main" id="{35DECA4A-EDB8-8C9D-B73C-F5B1D572CA53}"/>
-              </a:ext>
-            </a:extLst>
-          </p:cNvPr>
-          <p:cNvSpPr>
-            <a:spLocks noGrp="1"/>
-          </p:cNvSpPr>
-          <p:nvPr>
-            <p:ph type="sldNum" sz="quarter" idx="12"/>
-          </p:nvPr>
-        </p:nvSpPr>
-        <p:spPr/>
-        <p:txBody>
-          <a:bodyPr/>
-          <a:lstStyle/>
-          <a:p>
-            <a:fld id="{768BFD4A-17AE-4857-8B7E-5E5A409CCC86}" type="slidenum">
-              <a:rPr lang="es-ES" smtClean="0"/>
-              <a:t>34</a:t>
-            </a:fld>
-            <a:endParaRPr lang="es-ES"/>
-          </a:p>
-        </p:txBody>
-      </p:sp>
-    </p:spTree>
-    <p:extLst>
-      <p:ext uri="{BB962C8B-B14F-4D97-AF65-F5344CB8AC3E}">
-        <p14:creationId xmlns:p14="http://schemas.microsoft.com/office/powerpoint/2010/main" val="3440067851"/>
-      </p:ext>
-    </p:extLst>
-  </p:cSld>
-  <p:clrMapOvr>
-    <a:masterClrMapping/>
-  </p:clrMapOvr>
-</p:sld>
-</file>
-
-<file path=ppt/slides/slide35.xml><?xml version="1.0" encoding="utf-8"?>
-<p:sld xmlns:a="http://schemas.openxmlformats.org/drawingml/2006/main" xmlns:r="http://schemas.openxmlformats.org/officeDocument/2006/relationships" xmlns:p="http://schemas.openxmlformats.org/presentationml/2006/main">
-  <p:cSld>
-    <p:spTree>
-      <p:nvGrpSpPr>
-        <p:cNvPr id="1" name=""/>
-        <p:cNvGrpSpPr/>
-        <p:nvPr/>
-      </p:nvGrpSpPr>
-      <p:grpSpPr>
-        <a:xfrm>
-          <a:off x="0" y="0"/>
-          <a:ext cx="0" cy="0"/>
-          <a:chOff x="0" y="0"/>
-          <a:chExt cx="0" cy="0"/>
-        </a:xfrm>
-      </p:grpSpPr>
-      <p:sp>
-        <p:nvSpPr>
-          <p:cNvPr id="2" name="Título 1">
-            <a:extLst>
-              <a:ext uri="{FF2B5EF4-FFF2-40B4-BE49-F238E27FC236}">
                 <a16:creationId xmlns:a16="http://schemas.microsoft.com/office/drawing/2014/main" id="{E008E65A-B79C-05BE-AE9D-34A411163EBF}"/>
               </a:ext>
             </a:extLst>
@@ -9997,7 +9797,7 @@
           <a:p>
             <a:fld id="{768BFD4A-17AE-4857-8B7E-5E5A409CCC86}" type="slidenum">
               <a:rPr lang="es-ES" smtClean="0"/>
-              <a:t>35</a:t>
+              <a:t>33</a:t>
             </a:fld>
             <a:endParaRPr lang="es-ES"/>
           </a:p>
@@ -10046,6 +9846,456 @@
 </p:sld>
 </file>
 
+<file path=ppt/slides/slide34.xml><?xml version="1.0" encoding="utf-8"?>
+<p:sld xmlns:a="http://schemas.openxmlformats.org/drawingml/2006/main" xmlns:r="http://schemas.openxmlformats.org/officeDocument/2006/relationships" xmlns:p="http://schemas.openxmlformats.org/presentationml/2006/main">
+  <p:cSld>
+    <p:spTree>
+      <p:nvGrpSpPr>
+        <p:cNvPr id="1" name=""/>
+        <p:cNvGrpSpPr/>
+        <p:nvPr/>
+      </p:nvGrpSpPr>
+      <p:grpSpPr>
+        <a:xfrm>
+          <a:off x="0" y="0"/>
+          <a:ext cx="0" cy="0"/>
+          <a:chOff x="0" y="0"/>
+          <a:chExt cx="0" cy="0"/>
+        </a:xfrm>
+      </p:grpSpPr>
+      <p:sp>
+        <p:nvSpPr>
+          <p:cNvPr id="2" name="Título 1">
+            <a:extLst>
+              <a:ext uri="{FF2B5EF4-FFF2-40B4-BE49-F238E27FC236}">
+                <a16:creationId xmlns:a16="http://schemas.microsoft.com/office/drawing/2014/main" id="{99FB31B7-2FE7-EBD6-E14A-E7CF64D6D3D8}"/>
+              </a:ext>
+            </a:extLst>
+          </p:cNvPr>
+          <p:cNvSpPr>
+            <a:spLocks noGrp="1"/>
+          </p:cNvSpPr>
+          <p:nvPr>
+            <p:ph type="title"/>
+          </p:nvPr>
+        </p:nvSpPr>
+        <p:spPr/>
+        <p:txBody>
+          <a:bodyPr/>
+          <a:lstStyle/>
+          <a:p>
+            <a:r>
+              <a:rPr lang="es-ES" dirty="0"/>
+              <a:t>Recuperar el id autogenerado</a:t>
+            </a:r>
+          </a:p>
+        </p:txBody>
+      </p:sp>
+      <p:sp>
+        <p:nvSpPr>
+          <p:cNvPr id="3" name="Marcador de contenido 2">
+            <a:extLst>
+              <a:ext uri="{FF2B5EF4-FFF2-40B4-BE49-F238E27FC236}">
+                <a16:creationId xmlns:a16="http://schemas.microsoft.com/office/drawing/2014/main" id="{20640F77-7883-03DF-6987-9CBA317FBBC1}"/>
+              </a:ext>
+            </a:extLst>
+          </p:cNvPr>
+          <p:cNvSpPr>
+            <a:spLocks noGrp="1"/>
+          </p:cNvSpPr>
+          <p:nvPr>
+            <p:ph idx="1"/>
+          </p:nvPr>
+        </p:nvSpPr>
+        <p:spPr>
+          <a:xfrm>
+            <a:off x="131975" y="1825625"/>
+            <a:ext cx="11906054" cy="4351338"/>
+          </a:xfrm>
+        </p:spPr>
+        <p:txBody>
+          <a:bodyPr/>
+          <a:lstStyle/>
+          <a:p>
+            <a:r>
+              <a:rPr lang="es-ES" dirty="0"/>
+              <a:t>Después de un </a:t>
+            </a:r>
+            <a:r>
+              <a:rPr lang="es-ES" dirty="0" err="1"/>
+              <a:t>insert</a:t>
+            </a:r>
+            <a:r>
+              <a:rPr lang="es-ES" dirty="0"/>
+              <a:t>:</a:t>
+            </a:r>
+          </a:p>
+          <a:p>
+            <a:pPr lvl="1"/>
+            <a:r>
+              <a:rPr lang="es-ES" dirty="0" err="1"/>
+              <a:t>int</a:t>
+            </a:r>
+            <a:r>
+              <a:rPr lang="es-ES" dirty="0"/>
+              <a:t> </a:t>
+            </a:r>
+            <a:r>
+              <a:rPr lang="es-ES" dirty="0" err="1"/>
+              <a:t>nuevoId</a:t>
+            </a:r>
+            <a:r>
+              <a:rPr lang="es-ES" dirty="0"/>
+              <a:t>;</a:t>
+            </a:r>
+          </a:p>
+          <a:p>
+            <a:pPr lvl="1"/>
+            <a:r>
+              <a:rPr lang="es-ES" dirty="0" err="1"/>
+              <a:t>sql</a:t>
+            </a:r>
+            <a:r>
+              <a:rPr lang="es-ES" dirty="0"/>
+              <a:t> &lt;&lt; "INSERT INTO empleados(nombre, cargo) VALUES(:nombre, :cargo)",</a:t>
+            </a:r>
+          </a:p>
+          <a:p>
+            <a:pPr lvl="1"/>
+            <a:r>
+              <a:rPr lang="es-ES" dirty="0"/>
+              <a:t>    </a:t>
+            </a:r>
+            <a:r>
+              <a:rPr lang="es-ES" dirty="0" err="1"/>
+              <a:t>soci</a:t>
+            </a:r>
+            <a:r>
+              <a:rPr lang="es-ES" dirty="0"/>
+              <a:t>::use("Marta"), </a:t>
+            </a:r>
+            <a:r>
+              <a:rPr lang="es-ES" dirty="0" err="1"/>
+              <a:t>soci</a:t>
+            </a:r>
+            <a:r>
+              <a:rPr lang="es-ES" dirty="0"/>
+              <a:t>::use("Diseñadora");</a:t>
+            </a:r>
+          </a:p>
+          <a:p>
+            <a:pPr lvl="1"/>
+            <a:endParaRPr lang="es-ES" dirty="0"/>
+          </a:p>
+          <a:p>
+            <a:pPr lvl="1"/>
+            <a:r>
+              <a:rPr lang="es-ES" dirty="0"/>
+              <a:t>Para </a:t>
+            </a:r>
+            <a:r>
+              <a:rPr lang="es-ES" dirty="0" err="1"/>
+              <a:t>mysql</a:t>
+            </a:r>
+            <a:r>
+              <a:rPr lang="es-ES" dirty="0"/>
+              <a:t>:</a:t>
+            </a:r>
+          </a:p>
+          <a:p>
+            <a:pPr lvl="2"/>
+            <a:r>
+              <a:rPr lang="es-ES" dirty="0" err="1"/>
+              <a:t>sql</a:t>
+            </a:r>
+            <a:r>
+              <a:rPr lang="es-ES" dirty="0"/>
+              <a:t> &lt;&lt; "SELECT </a:t>
+            </a:r>
+            <a:r>
+              <a:rPr lang="es-ES" b="1" dirty="0"/>
+              <a:t>LAST_INSERT_ID</a:t>
+            </a:r>
+            <a:r>
+              <a:rPr lang="es-ES" dirty="0"/>
+              <a:t>()", </a:t>
+            </a:r>
+            <a:r>
+              <a:rPr lang="es-ES" dirty="0" err="1"/>
+              <a:t>soci</a:t>
+            </a:r>
+            <a:r>
+              <a:rPr lang="es-ES" dirty="0"/>
+              <a:t>::</a:t>
+            </a:r>
+            <a:r>
+              <a:rPr lang="es-ES" dirty="0" err="1"/>
+              <a:t>into</a:t>
+            </a:r>
+            <a:r>
+              <a:rPr lang="es-ES" dirty="0"/>
+              <a:t>(</a:t>
+            </a:r>
+            <a:r>
+              <a:rPr lang="es-ES" dirty="0" err="1"/>
+              <a:t>nuevoId</a:t>
+            </a:r>
+            <a:r>
+              <a:rPr lang="es-ES" dirty="0"/>
+              <a:t>);</a:t>
+            </a:r>
+          </a:p>
+          <a:p>
+            <a:endParaRPr lang="es-ES" dirty="0"/>
+          </a:p>
+        </p:txBody>
+      </p:sp>
+      <p:sp>
+        <p:nvSpPr>
+          <p:cNvPr id="4" name="Marcador de número de diapositiva 3">
+            <a:extLst>
+              <a:ext uri="{FF2B5EF4-FFF2-40B4-BE49-F238E27FC236}">
+                <a16:creationId xmlns:a16="http://schemas.microsoft.com/office/drawing/2014/main" id="{7D7024B8-0750-E3D8-9A4A-FCC8E75AA8B3}"/>
+              </a:ext>
+            </a:extLst>
+          </p:cNvPr>
+          <p:cNvSpPr>
+            <a:spLocks noGrp="1"/>
+          </p:cNvSpPr>
+          <p:nvPr>
+            <p:ph type="sldNum" sz="quarter" idx="12"/>
+          </p:nvPr>
+        </p:nvSpPr>
+        <p:spPr/>
+        <p:txBody>
+          <a:bodyPr/>
+          <a:lstStyle/>
+          <a:p>
+            <a:fld id="{768BFD4A-17AE-4857-8B7E-5E5A409CCC86}" type="slidenum">
+              <a:rPr lang="es-ES" smtClean="0"/>
+              <a:t>34</a:t>
+            </a:fld>
+            <a:endParaRPr lang="es-ES"/>
+          </a:p>
+        </p:txBody>
+      </p:sp>
+    </p:spTree>
+    <p:extLst>
+      <p:ext uri="{BB962C8B-B14F-4D97-AF65-F5344CB8AC3E}">
+        <p14:creationId xmlns:p14="http://schemas.microsoft.com/office/powerpoint/2010/main" val="359230601"/>
+      </p:ext>
+    </p:extLst>
+  </p:cSld>
+  <p:clrMapOvr>
+    <a:masterClrMapping/>
+  </p:clrMapOvr>
+</p:sld>
+</file>
+
+<file path=ppt/slides/slide35.xml><?xml version="1.0" encoding="utf-8"?>
+<p:sld xmlns:a="http://schemas.openxmlformats.org/drawingml/2006/main" xmlns:r="http://schemas.openxmlformats.org/officeDocument/2006/relationships" xmlns:p="http://schemas.openxmlformats.org/presentationml/2006/main">
+  <p:cSld>
+    <p:spTree>
+      <p:nvGrpSpPr>
+        <p:cNvPr id="1" name=""/>
+        <p:cNvGrpSpPr/>
+        <p:nvPr/>
+      </p:nvGrpSpPr>
+      <p:grpSpPr>
+        <a:xfrm>
+          <a:off x="0" y="0"/>
+          <a:ext cx="0" cy="0"/>
+          <a:chOff x="0" y="0"/>
+          <a:chExt cx="0" cy="0"/>
+        </a:xfrm>
+      </p:grpSpPr>
+      <p:sp>
+        <p:nvSpPr>
+          <p:cNvPr id="2" name="Título 1">
+            <a:extLst>
+              <a:ext uri="{FF2B5EF4-FFF2-40B4-BE49-F238E27FC236}">
+                <a16:creationId xmlns:a16="http://schemas.microsoft.com/office/drawing/2014/main" id="{0B18BA58-4F1B-DBE2-0338-3C4A38402C47}"/>
+              </a:ext>
+            </a:extLst>
+          </p:cNvPr>
+          <p:cNvSpPr>
+            <a:spLocks noGrp="1"/>
+          </p:cNvSpPr>
+          <p:nvPr>
+            <p:ph type="title"/>
+          </p:nvPr>
+        </p:nvSpPr>
+        <p:spPr/>
+        <p:txBody>
+          <a:bodyPr/>
+          <a:lstStyle/>
+          <a:p>
+            <a:r>
+              <a:rPr lang="es-ES" dirty="0"/>
+              <a:t>Número de registros afectados</a:t>
+            </a:r>
+          </a:p>
+        </p:txBody>
+      </p:sp>
+      <p:sp>
+        <p:nvSpPr>
+          <p:cNvPr id="3" name="Marcador de contenido 2">
+            <a:extLst>
+              <a:ext uri="{FF2B5EF4-FFF2-40B4-BE49-F238E27FC236}">
+                <a16:creationId xmlns:a16="http://schemas.microsoft.com/office/drawing/2014/main" id="{00373C51-989C-8567-E120-1CF419091791}"/>
+              </a:ext>
+            </a:extLst>
+          </p:cNvPr>
+          <p:cNvSpPr>
+            <a:spLocks noGrp="1"/>
+          </p:cNvSpPr>
+          <p:nvPr>
+            <p:ph idx="1"/>
+          </p:nvPr>
+        </p:nvSpPr>
+        <p:spPr>
+          <a:xfrm>
+            <a:off x="254524" y="1825625"/>
+            <a:ext cx="11679810" cy="4351338"/>
+          </a:xfrm>
+        </p:spPr>
+        <p:txBody>
+          <a:bodyPr/>
+          <a:lstStyle/>
+          <a:p>
+            <a:r>
+              <a:rPr lang="es-ES" dirty="0"/>
+              <a:t>SOCI permite obtener el número de filas modificadas por una consulta de acción (UPDATE, DELETE, etc.) usando </a:t>
+            </a:r>
+            <a:r>
+              <a:rPr lang="es-ES" b="1" dirty="0" err="1"/>
+              <a:t>get_affected_rows</a:t>
+            </a:r>
+            <a:r>
+              <a:rPr lang="es-ES" dirty="0"/>
+              <a:t>()</a:t>
+            </a:r>
+          </a:p>
+          <a:p>
+            <a:endParaRPr lang="es-ES" dirty="0"/>
+          </a:p>
+          <a:p>
+            <a:r>
+              <a:rPr lang="es-ES" dirty="0" err="1"/>
+              <a:t>sql</a:t>
+            </a:r>
+            <a:r>
+              <a:rPr lang="es-ES" dirty="0"/>
+              <a:t> &lt;&lt; "UPDATE empleados SET cargo = 'Analista' WHERE cargo = 'Junior'";</a:t>
+            </a:r>
+          </a:p>
+          <a:p>
+            <a:r>
+              <a:rPr lang="es-ES" dirty="0" err="1"/>
+              <a:t>std</a:t>
+            </a:r>
+            <a:r>
+              <a:rPr lang="es-ES" dirty="0"/>
+              <a:t>::</a:t>
+            </a:r>
+            <a:r>
+              <a:rPr lang="es-ES" dirty="0" err="1"/>
+              <a:t>size_t</a:t>
+            </a:r>
+            <a:r>
+              <a:rPr lang="es-ES" dirty="0"/>
+              <a:t> filas = </a:t>
+            </a:r>
+            <a:r>
+              <a:rPr lang="es-ES" b="1" dirty="0" err="1"/>
+              <a:t>sql.get_affected_rows</a:t>
+            </a:r>
+            <a:r>
+              <a:rPr lang="es-ES" dirty="0"/>
+              <a:t>();</a:t>
+            </a:r>
+          </a:p>
+          <a:p>
+            <a:r>
+              <a:rPr lang="es-ES" dirty="0" err="1"/>
+              <a:t>std</a:t>
+            </a:r>
+            <a:r>
+              <a:rPr lang="es-ES" dirty="0"/>
+              <a:t>::</a:t>
+            </a:r>
+            <a:r>
+              <a:rPr lang="es-ES" dirty="0" err="1"/>
+              <a:t>cout</a:t>
+            </a:r>
+            <a:r>
+              <a:rPr lang="es-ES" dirty="0"/>
+              <a:t> &lt;&lt; "Filas actualizadas: " &lt;&lt; filas &lt;&lt; </a:t>
+            </a:r>
+            <a:r>
+              <a:rPr lang="es-ES" dirty="0" err="1"/>
+              <a:t>std</a:t>
+            </a:r>
+            <a:r>
+              <a:rPr lang="es-ES" dirty="0"/>
+              <a:t>::</a:t>
+            </a:r>
+            <a:r>
+              <a:rPr lang="es-ES" dirty="0" err="1"/>
+              <a:t>endl</a:t>
+            </a:r>
+            <a:r>
+              <a:rPr lang="es-ES" dirty="0"/>
+              <a:t>;</a:t>
+            </a:r>
+          </a:p>
+          <a:p>
+            <a:endParaRPr lang="es-ES" dirty="0"/>
+          </a:p>
+        </p:txBody>
+      </p:sp>
+      <p:sp>
+        <p:nvSpPr>
+          <p:cNvPr id="4" name="Marcador de número de diapositiva 3">
+            <a:extLst>
+              <a:ext uri="{FF2B5EF4-FFF2-40B4-BE49-F238E27FC236}">
+                <a16:creationId xmlns:a16="http://schemas.microsoft.com/office/drawing/2014/main" id="{5AD7B0F1-02B2-93E8-7656-440D1DBF34CD}"/>
+              </a:ext>
+            </a:extLst>
+          </p:cNvPr>
+          <p:cNvSpPr>
+            <a:spLocks noGrp="1"/>
+          </p:cNvSpPr>
+          <p:nvPr>
+            <p:ph type="sldNum" sz="quarter" idx="12"/>
+          </p:nvPr>
+        </p:nvSpPr>
+        <p:spPr/>
+        <p:txBody>
+          <a:bodyPr/>
+          <a:lstStyle/>
+          <a:p>
+            <a:fld id="{768BFD4A-17AE-4857-8B7E-5E5A409CCC86}" type="slidenum">
+              <a:rPr lang="es-ES" smtClean="0"/>
+              <a:t>35</a:t>
+            </a:fld>
+            <a:endParaRPr lang="es-ES"/>
+          </a:p>
+        </p:txBody>
+      </p:sp>
+    </p:spTree>
+    <p:extLst>
+      <p:ext uri="{BB962C8B-B14F-4D97-AF65-F5344CB8AC3E}">
+        <p14:creationId xmlns:p14="http://schemas.microsoft.com/office/powerpoint/2010/main" val="2926640137"/>
+      </p:ext>
+    </p:extLst>
+  </p:cSld>
+  <p:clrMapOvr>
+    <a:masterClrMapping/>
+  </p:clrMapOvr>
+</p:sld>
+</file>
+
 <file path=ppt/slides/slide36.xml><?xml version="1.0" encoding="utf-8"?>
 <p:sld xmlns:a="http://schemas.openxmlformats.org/drawingml/2006/main" xmlns:r="http://schemas.openxmlformats.org/officeDocument/2006/relationships" xmlns:p="http://schemas.openxmlformats.org/presentationml/2006/main">
   <p:cSld>
@@ -10065,188 +10315,59 @@
       </p:grpSpPr>
       <p:sp>
         <p:nvSpPr>
-          <p:cNvPr id="2" name="Título 1">
-            <a:extLst>
-              <a:ext uri="{FF2B5EF4-FFF2-40B4-BE49-F238E27FC236}">
-                <a16:creationId xmlns:a16="http://schemas.microsoft.com/office/drawing/2014/main" id="{99FB31B7-2FE7-EBD6-E14A-E7CF64D6D3D8}"/>
-              </a:ext>
-            </a:extLst>
-          </p:cNvPr>
-          <p:cNvSpPr>
-            <a:spLocks noGrp="1"/>
-          </p:cNvSpPr>
-          <p:nvPr>
-            <p:ph type="title"/>
-          </p:nvPr>
-        </p:nvSpPr>
-        <p:spPr/>
-        <p:txBody>
-          <a:bodyPr/>
-          <a:lstStyle/>
-          <a:p>
-            <a:r>
-              <a:rPr lang="es-ES" dirty="0"/>
-              <a:t>Recuperar el id autogenerado</a:t>
-            </a:r>
-          </a:p>
-        </p:txBody>
-      </p:sp>
-      <p:sp>
-        <p:nvSpPr>
-          <p:cNvPr id="3" name="Marcador de contenido 2">
-            <a:extLst>
-              <a:ext uri="{FF2B5EF4-FFF2-40B4-BE49-F238E27FC236}">
-                <a16:creationId xmlns:a16="http://schemas.microsoft.com/office/drawing/2014/main" id="{20640F77-7883-03DF-6987-9CBA317FBBC1}"/>
-              </a:ext>
-            </a:extLst>
-          </p:cNvPr>
-          <p:cNvSpPr>
-            <a:spLocks noGrp="1"/>
-          </p:cNvSpPr>
-          <p:nvPr>
-            <p:ph idx="1"/>
-          </p:nvPr>
-        </p:nvSpPr>
-        <p:spPr>
-          <a:xfrm>
-            <a:off x="131975" y="1825625"/>
-            <a:ext cx="11906054" cy="4351338"/>
-          </a:xfrm>
-        </p:spPr>
-        <p:txBody>
-          <a:bodyPr/>
-          <a:lstStyle/>
-          <a:p>
-            <a:r>
-              <a:rPr lang="es-ES" dirty="0"/>
-              <a:t>Después de un </a:t>
-            </a:r>
-            <a:r>
-              <a:rPr lang="es-ES" dirty="0" err="1"/>
-              <a:t>insert</a:t>
-            </a:r>
-            <a:r>
-              <a:rPr lang="es-ES" dirty="0"/>
-              <a:t>:</a:t>
-            </a:r>
-          </a:p>
-          <a:p>
-            <a:pPr lvl="1"/>
-            <a:r>
-              <a:rPr lang="es-ES" dirty="0" err="1"/>
-              <a:t>int</a:t>
-            </a:r>
-            <a:r>
-              <a:rPr lang="es-ES" dirty="0"/>
-              <a:t> </a:t>
-            </a:r>
-            <a:r>
-              <a:rPr lang="es-ES" dirty="0" err="1"/>
-              <a:t>nuevoId</a:t>
-            </a:r>
-            <a:r>
-              <a:rPr lang="es-ES" dirty="0"/>
-              <a:t>;</a:t>
-            </a:r>
-          </a:p>
-          <a:p>
-            <a:pPr lvl="1"/>
-            <a:r>
-              <a:rPr lang="es-ES" dirty="0" err="1"/>
-              <a:t>sql</a:t>
-            </a:r>
-            <a:r>
-              <a:rPr lang="es-ES" dirty="0"/>
-              <a:t> &lt;&lt; "INSERT INTO empleados(nombre, cargo) VALUES(:nombre, :cargo)",</a:t>
-            </a:r>
-          </a:p>
-          <a:p>
-            <a:pPr lvl="1"/>
-            <a:r>
-              <a:rPr lang="es-ES" dirty="0"/>
-              <a:t>    </a:t>
-            </a:r>
-            <a:r>
-              <a:rPr lang="es-ES" dirty="0" err="1"/>
-              <a:t>soci</a:t>
-            </a:r>
-            <a:r>
-              <a:rPr lang="es-ES" dirty="0"/>
-              <a:t>::use("Marta"), </a:t>
-            </a:r>
-            <a:r>
-              <a:rPr lang="es-ES" dirty="0" err="1"/>
-              <a:t>soci</a:t>
-            </a:r>
-            <a:r>
-              <a:rPr lang="es-ES" dirty="0"/>
-              <a:t>::use("Diseñadora");</a:t>
-            </a:r>
-          </a:p>
-          <a:p>
-            <a:pPr lvl="1"/>
-            <a:endParaRPr lang="es-ES" dirty="0"/>
-          </a:p>
-          <a:p>
-            <a:pPr lvl="1"/>
-            <a:r>
-              <a:rPr lang="es-ES" dirty="0"/>
-              <a:t>Para </a:t>
-            </a:r>
-            <a:r>
-              <a:rPr lang="es-ES" dirty="0" err="1"/>
-              <a:t>mysql</a:t>
-            </a:r>
-            <a:r>
-              <a:rPr lang="es-ES" dirty="0"/>
-              <a:t>:</a:t>
-            </a:r>
-          </a:p>
-          <a:p>
-            <a:pPr lvl="2"/>
-            <a:r>
-              <a:rPr lang="es-ES" dirty="0" err="1"/>
-              <a:t>sql</a:t>
-            </a:r>
-            <a:r>
-              <a:rPr lang="es-ES" dirty="0"/>
-              <a:t> &lt;&lt; "SELECT </a:t>
-            </a:r>
-            <a:r>
-              <a:rPr lang="es-ES" b="1" dirty="0"/>
-              <a:t>LAST_INSERT_ID</a:t>
-            </a:r>
-            <a:r>
-              <a:rPr lang="es-ES" dirty="0"/>
-              <a:t>()", </a:t>
-            </a:r>
-            <a:r>
-              <a:rPr lang="es-ES" dirty="0" err="1"/>
-              <a:t>soci</a:t>
-            </a:r>
-            <a:r>
-              <a:rPr lang="es-ES" dirty="0"/>
-              <a:t>::</a:t>
-            </a:r>
-            <a:r>
-              <a:rPr lang="es-ES" dirty="0" err="1"/>
-              <a:t>into</a:t>
-            </a:r>
-            <a:r>
-              <a:rPr lang="es-ES" dirty="0"/>
-              <a:t>(</a:t>
-            </a:r>
-            <a:r>
-              <a:rPr lang="es-ES" dirty="0" err="1"/>
-              <a:t>nuevoId</a:t>
-            </a:r>
-            <a:r>
-              <a:rPr lang="es-ES" dirty="0"/>
-              <a:t>);</a:t>
-            </a:r>
-          </a:p>
-          <a:p>
-            <a:endParaRPr lang="es-ES" dirty="0"/>
+          <p:cNvPr id="5" name="Título 4">
+            <a:extLst>
+              <a:ext uri="{FF2B5EF4-FFF2-40B4-BE49-F238E27FC236}">
+                <a16:creationId xmlns:a16="http://schemas.microsoft.com/office/drawing/2014/main" id="{3CBC71DF-E9A0-E7AC-9262-923C65314C00}"/>
+              </a:ext>
+            </a:extLst>
+          </p:cNvPr>
+          <p:cNvSpPr>
+            <a:spLocks noGrp="1"/>
+          </p:cNvSpPr>
+          <p:nvPr>
+            <p:ph type="ctrTitle"/>
+          </p:nvPr>
+        </p:nvSpPr>
+        <p:spPr/>
+        <p:txBody>
+          <a:bodyPr/>
+          <a:lstStyle/>
+          <a:p>
+            <a:r>
+              <a:rPr lang="es-ES" b="1" dirty="0" err="1"/>
+              <a:t>PostGreSQL</a:t>
+            </a:r>
+            <a:endParaRPr lang="es-ES" b="1" dirty="0"/>
+          </a:p>
+        </p:txBody>
+      </p:sp>
+      <p:sp>
+        <p:nvSpPr>
+          <p:cNvPr id="6" name="Subtítulo 5">
+            <a:extLst>
+              <a:ext uri="{FF2B5EF4-FFF2-40B4-BE49-F238E27FC236}">
+                <a16:creationId xmlns:a16="http://schemas.microsoft.com/office/drawing/2014/main" id="{B40A83A0-C658-B075-6760-5FAA27DC7ECD}"/>
+              </a:ext>
+            </a:extLst>
+          </p:cNvPr>
+          <p:cNvSpPr>
+            <a:spLocks noGrp="1"/>
+          </p:cNvSpPr>
+          <p:nvPr>
+            <p:ph type="subTitle" idx="1"/>
+          </p:nvPr>
+        </p:nvSpPr>
+        <p:spPr/>
+        <p:txBody>
+          <a:bodyPr/>
+          <a:lstStyle/>
+          <a:p>
+            <a:r>
+              <a:rPr lang="es-ES" b="1" dirty="0" err="1"/>
+              <a:t>libpq</a:t>
+            </a:r>
+            <a:endParaRPr lang="es-ES" b="1" dirty="0"/>
           </a:p>
         </p:txBody>
       </p:sp>
@@ -10255,7 +10376,7 @@
           <p:cNvPr id="4" name="Marcador de número de diapositiva 3">
             <a:extLst>
               <a:ext uri="{FF2B5EF4-FFF2-40B4-BE49-F238E27FC236}">
-                <a16:creationId xmlns:a16="http://schemas.microsoft.com/office/drawing/2014/main" id="{7D7024B8-0750-E3D8-9A4A-FCC8E75AA8B3}"/>
+                <a16:creationId xmlns:a16="http://schemas.microsoft.com/office/drawing/2014/main" id="{A21E00CF-60DA-6313-B007-A7888B182274}"/>
               </a:ext>
             </a:extLst>
           </p:cNvPr>
@@ -10282,7 +10403,7 @@
     </p:spTree>
     <p:extLst>
       <p:ext uri="{BB962C8B-B14F-4D97-AF65-F5344CB8AC3E}">
-        <p14:creationId xmlns:p14="http://schemas.microsoft.com/office/powerpoint/2010/main" val="359230601"/>
+        <p14:creationId xmlns:p14="http://schemas.microsoft.com/office/powerpoint/2010/main" val="2950113179"/>
       </p:ext>
     </p:extLst>
   </p:cSld>
@@ -10314,7 +10435,7 @@
           <p:cNvPr id="2" name="Título 1">
             <a:extLst>
               <a:ext uri="{FF2B5EF4-FFF2-40B4-BE49-F238E27FC236}">
-                <a16:creationId xmlns:a16="http://schemas.microsoft.com/office/drawing/2014/main" id="{0B18BA58-4F1B-DBE2-0338-3C4A38402C47}"/>
+                <a16:creationId xmlns:a16="http://schemas.microsoft.com/office/drawing/2014/main" id="{BBA0DD6A-B826-1778-EE8A-9933BD58EDD8}"/>
               </a:ext>
             </a:extLst>
           </p:cNvPr>
@@ -10332,8 +10453,13 @@
           <a:p>
             <a:r>
               <a:rPr lang="es-ES" dirty="0"/>
-              <a:t>Número de registros afectados</a:t>
-            </a:r>
+              <a:t>Librería </a:t>
+            </a:r>
+            <a:r>
+              <a:rPr lang="es-ES" dirty="0" err="1"/>
+              <a:t>libpq</a:t>
+            </a:r>
+            <a:endParaRPr lang="es-ES" dirty="0"/>
           </a:p>
         </p:txBody>
       </p:sp>
@@ -10342,7 +10468,7 @@
           <p:cNvPr id="3" name="Marcador de contenido 2">
             <a:extLst>
               <a:ext uri="{FF2B5EF4-FFF2-40B4-BE49-F238E27FC236}">
-                <a16:creationId xmlns:a16="http://schemas.microsoft.com/office/drawing/2014/main" id="{00373C51-989C-8567-E120-1CF419091791}"/>
+                <a16:creationId xmlns:a16="http://schemas.microsoft.com/office/drawing/2014/main" id="{4B987BDD-3F1A-3808-CA10-98DFB2A29874}"/>
               </a:ext>
             </a:extLst>
           </p:cNvPr>
@@ -10353,104 +10479,12 @@
             <p:ph idx="1"/>
           </p:nvPr>
         </p:nvSpPr>
-        <p:spPr>
-          <a:xfrm>
-            <a:off x="254524" y="1825625"/>
-            <a:ext cx="11679810" cy="4351338"/>
-          </a:xfrm>
-        </p:spPr>
-        <p:txBody>
-          <a:bodyPr/>
-          <a:lstStyle/>
-          <a:p>
-            <a:r>
-              <a:rPr lang="es-ES" dirty="0"/>
-              <a:t>SOCI permite obtener el número de filas modificadas por una consulta de acción (UPDATE, DELETE, etc.) usando </a:t>
-            </a:r>
-            <a:r>
-              <a:rPr lang="es-ES" b="1" dirty="0" err="1"/>
-              <a:t>get_affected_rows</a:t>
-            </a:r>
-            <a:r>
-              <a:rPr lang="es-ES" dirty="0"/>
-              <a:t>()</a:t>
-            </a:r>
-          </a:p>
-          <a:p>
-            <a:endParaRPr lang="es-ES" dirty="0"/>
-          </a:p>
-          <a:p>
-            <a:r>
-              <a:rPr lang="es-ES" dirty="0" err="1"/>
-              <a:t>sql</a:t>
-            </a:r>
-            <a:r>
-              <a:rPr lang="es-ES" dirty="0"/>
-              <a:t> &lt;&lt; "UPDATE empleados SET cargo = 'Analista' WHERE cargo = 'Junior'";</a:t>
-            </a:r>
-          </a:p>
-          <a:p>
-            <a:r>
-              <a:rPr lang="es-ES" dirty="0" err="1"/>
-              <a:t>std</a:t>
-            </a:r>
-            <a:r>
-              <a:rPr lang="es-ES" dirty="0"/>
-              <a:t>::</a:t>
-            </a:r>
-            <a:r>
-              <a:rPr lang="es-ES" dirty="0" err="1"/>
-              <a:t>size_t</a:t>
-            </a:r>
-            <a:r>
-              <a:rPr lang="es-ES" dirty="0"/>
-              <a:t> filas = </a:t>
-            </a:r>
-            <a:r>
-              <a:rPr lang="es-ES" b="1" dirty="0" err="1"/>
-              <a:t>sql.get_affected_rows</a:t>
-            </a:r>
-            <a:r>
-              <a:rPr lang="es-ES" dirty="0"/>
-              <a:t>();</a:t>
-            </a:r>
-          </a:p>
-          <a:p>
-            <a:r>
-              <a:rPr lang="es-ES" dirty="0" err="1"/>
-              <a:t>std</a:t>
-            </a:r>
-            <a:r>
-              <a:rPr lang="es-ES" dirty="0"/>
-              <a:t>::</a:t>
-            </a:r>
-            <a:r>
-              <a:rPr lang="es-ES" dirty="0" err="1"/>
-              <a:t>cout</a:t>
-            </a:r>
-            <a:r>
-              <a:rPr lang="es-ES" dirty="0"/>
-              <a:t> &lt;&lt; "Filas actualizadas: " &lt;&lt; filas &lt;&lt; </a:t>
-            </a:r>
-            <a:r>
-              <a:rPr lang="es-ES" dirty="0" err="1"/>
-              <a:t>std</a:t>
-            </a:r>
-            <a:r>
-              <a:rPr lang="es-ES" dirty="0"/>
-              <a:t>::</a:t>
-            </a:r>
-            <a:r>
-              <a:rPr lang="es-ES" dirty="0" err="1"/>
-              <a:t>endl</a:t>
-            </a:r>
-            <a:r>
-              <a:rPr lang="es-ES" dirty="0"/>
-              <a:t>;</a:t>
-            </a:r>
-          </a:p>
-          <a:p>
-            <a:endParaRPr lang="es-ES" dirty="0"/>
+        <p:spPr/>
+        <p:txBody>
+          <a:bodyPr/>
+          <a:lstStyle/>
+          <a:p>
+            <a:endParaRPr lang="es-ES"/>
           </a:p>
         </p:txBody>
       </p:sp>
@@ -10459,7 +10493,7 @@
           <p:cNvPr id="4" name="Marcador de número de diapositiva 3">
             <a:extLst>
               <a:ext uri="{FF2B5EF4-FFF2-40B4-BE49-F238E27FC236}">
-                <a16:creationId xmlns:a16="http://schemas.microsoft.com/office/drawing/2014/main" id="{5AD7B0F1-02B2-93E8-7656-440D1DBF34CD}"/>
+                <a16:creationId xmlns:a16="http://schemas.microsoft.com/office/drawing/2014/main" id="{0A7F6A1E-78C3-1F32-689E-71AE0ED5F694}"/>
               </a:ext>
             </a:extLst>
           </p:cNvPr>
@@ -10486,7 +10520,7 @@
     </p:spTree>
     <p:extLst>
       <p:ext uri="{BB962C8B-B14F-4D97-AF65-F5344CB8AC3E}">
-        <p14:creationId xmlns:p14="http://schemas.microsoft.com/office/powerpoint/2010/main" val="2926640137"/>
+        <p14:creationId xmlns:p14="http://schemas.microsoft.com/office/powerpoint/2010/main" val="3028369718"/>
       </p:ext>
     </p:extLst>
   </p:cSld>
@@ -10515,59 +10549,51 @@
       </p:grpSpPr>
       <p:sp>
         <p:nvSpPr>
-          <p:cNvPr id="5" name="Título 4">
-            <a:extLst>
-              <a:ext uri="{FF2B5EF4-FFF2-40B4-BE49-F238E27FC236}">
-                <a16:creationId xmlns:a16="http://schemas.microsoft.com/office/drawing/2014/main" id="{3CBC71DF-E9A0-E7AC-9262-923C65314C00}"/>
-              </a:ext>
-            </a:extLst>
-          </p:cNvPr>
-          <p:cNvSpPr>
-            <a:spLocks noGrp="1"/>
-          </p:cNvSpPr>
-          <p:nvPr>
-            <p:ph type="ctrTitle"/>
-          </p:nvPr>
-        </p:nvSpPr>
-        <p:spPr/>
-        <p:txBody>
-          <a:bodyPr/>
-          <a:lstStyle/>
-          <a:p>
-            <a:r>
-              <a:rPr lang="es-ES" b="1" dirty="0" err="1"/>
-              <a:t>PostGreSQL</a:t>
-            </a:r>
-            <a:endParaRPr lang="es-ES" b="1" dirty="0"/>
-          </a:p>
-        </p:txBody>
-      </p:sp>
-      <p:sp>
-        <p:nvSpPr>
-          <p:cNvPr id="6" name="Subtítulo 5">
-            <a:extLst>
-              <a:ext uri="{FF2B5EF4-FFF2-40B4-BE49-F238E27FC236}">
-                <a16:creationId xmlns:a16="http://schemas.microsoft.com/office/drawing/2014/main" id="{B40A83A0-C658-B075-6760-5FAA27DC7ECD}"/>
-              </a:ext>
-            </a:extLst>
-          </p:cNvPr>
-          <p:cNvSpPr>
-            <a:spLocks noGrp="1"/>
-          </p:cNvSpPr>
-          <p:nvPr>
-            <p:ph type="subTitle" idx="1"/>
-          </p:nvPr>
-        </p:nvSpPr>
-        <p:spPr/>
-        <p:txBody>
-          <a:bodyPr/>
-          <a:lstStyle/>
-          <a:p>
-            <a:r>
-              <a:rPr lang="es-ES" b="1" dirty="0" err="1"/>
-              <a:t>libpq</a:t>
-            </a:r>
-            <a:endParaRPr lang="es-ES" b="1" dirty="0"/>
+          <p:cNvPr id="2" name="Título 1">
+            <a:extLst>
+              <a:ext uri="{FF2B5EF4-FFF2-40B4-BE49-F238E27FC236}">
+                <a16:creationId xmlns:a16="http://schemas.microsoft.com/office/drawing/2014/main" id="{579ECEA9-3045-A5C4-03D4-848D328F22CE}"/>
+              </a:ext>
+            </a:extLst>
+          </p:cNvPr>
+          <p:cNvSpPr>
+            <a:spLocks noGrp="1"/>
+          </p:cNvSpPr>
+          <p:nvPr>
+            <p:ph type="title"/>
+          </p:nvPr>
+        </p:nvSpPr>
+        <p:spPr/>
+        <p:txBody>
+          <a:bodyPr/>
+          <a:lstStyle/>
+          <a:p>
+            <a:endParaRPr lang="es-ES"/>
+          </a:p>
+        </p:txBody>
+      </p:sp>
+      <p:sp>
+        <p:nvSpPr>
+          <p:cNvPr id="3" name="Marcador de contenido 2">
+            <a:extLst>
+              <a:ext uri="{FF2B5EF4-FFF2-40B4-BE49-F238E27FC236}">
+                <a16:creationId xmlns:a16="http://schemas.microsoft.com/office/drawing/2014/main" id="{A484EE05-89D7-6AA8-11A0-E3739725FE76}"/>
+              </a:ext>
+            </a:extLst>
+          </p:cNvPr>
+          <p:cNvSpPr>
+            <a:spLocks noGrp="1"/>
+          </p:cNvSpPr>
+          <p:nvPr>
+            <p:ph idx="1"/>
+          </p:nvPr>
+        </p:nvSpPr>
+        <p:spPr/>
+        <p:txBody>
+          <a:bodyPr/>
+          <a:lstStyle/>
+          <a:p>
+            <a:endParaRPr lang="es-ES"/>
           </a:p>
         </p:txBody>
       </p:sp>
@@ -10576,7 +10602,7 @@
           <p:cNvPr id="4" name="Marcador de número de diapositiva 3">
             <a:extLst>
               <a:ext uri="{FF2B5EF4-FFF2-40B4-BE49-F238E27FC236}">
-                <a16:creationId xmlns:a16="http://schemas.microsoft.com/office/drawing/2014/main" id="{A21E00CF-60DA-6313-B007-A7888B182274}"/>
+                <a16:creationId xmlns:a16="http://schemas.microsoft.com/office/drawing/2014/main" id="{9F6D5783-F9DD-A59A-BCEC-CA2FA10AE038}"/>
               </a:ext>
             </a:extLst>
           </p:cNvPr>
@@ -10603,7 +10629,7 @@
     </p:spTree>
     <p:extLst>
       <p:ext uri="{BB962C8B-B14F-4D97-AF65-F5344CB8AC3E}">
-        <p14:creationId xmlns:p14="http://schemas.microsoft.com/office/powerpoint/2010/main" val="2950113179"/>
+        <p14:creationId xmlns:p14="http://schemas.microsoft.com/office/powerpoint/2010/main" val="3524649023"/>
       </p:ext>
     </p:extLst>
   </p:cSld>
@@ -10632,59 +10658,41 @@
       </p:grpSpPr>
       <p:sp>
         <p:nvSpPr>
-          <p:cNvPr id="2" name="Título 1">
-            <a:extLst>
-              <a:ext uri="{FF2B5EF4-FFF2-40B4-BE49-F238E27FC236}">
-                <a16:creationId xmlns:a16="http://schemas.microsoft.com/office/drawing/2014/main" id="{BBA0DD6A-B826-1778-EE8A-9933BD58EDD8}"/>
-              </a:ext>
-            </a:extLst>
-          </p:cNvPr>
-          <p:cNvSpPr>
-            <a:spLocks noGrp="1"/>
-          </p:cNvSpPr>
-          <p:nvPr>
-            <p:ph type="title"/>
-          </p:nvPr>
-        </p:nvSpPr>
-        <p:spPr/>
-        <p:txBody>
-          <a:bodyPr/>
-          <a:lstStyle/>
-          <a:p>
-            <a:r>
-              <a:rPr lang="es-ES" dirty="0"/>
-              <a:t>Librería </a:t>
-            </a:r>
-            <a:r>
-              <a:rPr lang="es-ES" dirty="0" err="1"/>
-              <a:t>libpq</a:t>
-            </a:r>
-            <a:endParaRPr lang="es-ES" dirty="0"/>
-          </a:p>
-        </p:txBody>
-      </p:sp>
-      <p:sp>
-        <p:nvSpPr>
-          <p:cNvPr id="3" name="Marcador de contenido 2">
-            <a:extLst>
-              <a:ext uri="{FF2B5EF4-FFF2-40B4-BE49-F238E27FC236}">
-                <a16:creationId xmlns:a16="http://schemas.microsoft.com/office/drawing/2014/main" id="{4B987BDD-3F1A-3808-CA10-98DFB2A29874}"/>
-              </a:ext>
-            </a:extLst>
-          </p:cNvPr>
-          <p:cNvSpPr>
-            <a:spLocks noGrp="1"/>
-          </p:cNvSpPr>
-          <p:nvPr>
-            <p:ph idx="1"/>
-          </p:nvPr>
-        </p:nvSpPr>
-        <p:spPr/>
-        <p:txBody>
-          <a:bodyPr/>
-          <a:lstStyle/>
-          <a:p>
-            <a:endParaRPr lang="es-ES"/>
+          <p:cNvPr id="5" name="Título 4">
+            <a:extLst>
+              <a:ext uri="{FF2B5EF4-FFF2-40B4-BE49-F238E27FC236}">
+                <a16:creationId xmlns:a16="http://schemas.microsoft.com/office/drawing/2014/main" id="{B18E6648-95B8-F084-3CEA-029F64EC2DE5}"/>
+              </a:ext>
+            </a:extLst>
+          </p:cNvPr>
+          <p:cNvSpPr>
+            <a:spLocks noGrp="1"/>
+          </p:cNvSpPr>
+          <p:nvPr>
+            <p:ph type="ctrTitle"/>
+          </p:nvPr>
+        </p:nvSpPr>
+        <p:spPr>
+          <a:xfrm>
+            <a:off x="1524000" y="2235200"/>
+            <a:ext cx="9144000" cy="2387600"/>
+          </a:xfrm>
+        </p:spPr>
+        <p:txBody>
+          <a:bodyPr/>
+          <a:lstStyle/>
+          <a:p>
+            <a:r>
+              <a:rPr lang="es-ES" b="1" dirty="0"/>
+              <a:t>BD NoSQL</a:t>
+            </a:r>
+            <a:br>
+              <a:rPr lang="es-ES" b="1" dirty="0"/>
+            </a:br>
+            <a:r>
+              <a:rPr lang="es-ES" b="1" dirty="0"/>
+              <a:t>MongoDB</a:t>
+            </a:r>
           </a:p>
         </p:txBody>
       </p:sp>
@@ -10693,7 +10701,7 @@
           <p:cNvPr id="4" name="Marcador de número de diapositiva 3">
             <a:extLst>
               <a:ext uri="{FF2B5EF4-FFF2-40B4-BE49-F238E27FC236}">
-                <a16:creationId xmlns:a16="http://schemas.microsoft.com/office/drawing/2014/main" id="{0A7F6A1E-78C3-1F32-689E-71AE0ED5F694}"/>
+                <a16:creationId xmlns:a16="http://schemas.microsoft.com/office/drawing/2014/main" id="{6E392DDE-7D2D-8321-D831-B6ACC01199AF}"/>
               </a:ext>
             </a:extLst>
           </p:cNvPr>
@@ -10720,7 +10728,7 @@
     </p:spTree>
     <p:extLst>
       <p:ext uri="{BB962C8B-B14F-4D97-AF65-F5344CB8AC3E}">
-        <p14:creationId xmlns:p14="http://schemas.microsoft.com/office/powerpoint/2010/main" val="3028369718"/>
+        <p14:creationId xmlns:p14="http://schemas.microsoft.com/office/powerpoint/2010/main" val="1844079400"/>
       </p:ext>
     </p:extLst>
   </p:cSld>
@@ -11059,7 +11067,7 @@
           <p:cNvPr id="2" name="Título 1">
             <a:extLst>
               <a:ext uri="{FF2B5EF4-FFF2-40B4-BE49-F238E27FC236}">
-                <a16:creationId xmlns:a16="http://schemas.microsoft.com/office/drawing/2014/main" id="{579ECEA9-3045-A5C4-03D4-848D328F22CE}"/>
+                <a16:creationId xmlns:a16="http://schemas.microsoft.com/office/drawing/2014/main" id="{55AD6E9E-D2B3-7EA0-CCA5-7DB45FC993D8}"/>
               </a:ext>
             </a:extLst>
           </p:cNvPr>
@@ -11084,7 +11092,7 @@
           <p:cNvPr id="3" name="Marcador de contenido 2">
             <a:extLst>
               <a:ext uri="{FF2B5EF4-FFF2-40B4-BE49-F238E27FC236}">
-                <a16:creationId xmlns:a16="http://schemas.microsoft.com/office/drawing/2014/main" id="{A484EE05-89D7-6AA8-11A0-E3739725FE76}"/>
+                <a16:creationId xmlns:a16="http://schemas.microsoft.com/office/drawing/2014/main" id="{5E48EFA1-0F74-1914-F3EE-BBB48688781D}"/>
               </a:ext>
             </a:extLst>
           </p:cNvPr>
@@ -11109,7 +11117,7 @@
           <p:cNvPr id="4" name="Marcador de número de diapositiva 3">
             <a:extLst>
               <a:ext uri="{FF2B5EF4-FFF2-40B4-BE49-F238E27FC236}">
-                <a16:creationId xmlns:a16="http://schemas.microsoft.com/office/drawing/2014/main" id="{9F6D5783-F9DD-A59A-BCEC-CA2FA10AE038}"/>
+                <a16:creationId xmlns:a16="http://schemas.microsoft.com/office/drawing/2014/main" id="{6F673F4A-EB42-1EE3-6623-CEC4AD8A122D}"/>
               </a:ext>
             </a:extLst>
           </p:cNvPr>
@@ -11136,7 +11144,7 @@
     </p:spTree>
     <p:extLst>
       <p:ext uri="{BB962C8B-B14F-4D97-AF65-F5344CB8AC3E}">
-        <p14:creationId xmlns:p14="http://schemas.microsoft.com/office/powerpoint/2010/main" val="3524649023"/>
+        <p14:creationId xmlns:p14="http://schemas.microsoft.com/office/powerpoint/2010/main" val="878187405"/>
       </p:ext>
     </p:extLst>
   </p:cSld>

--- a/doc/4_Gestion_estado_persistencia.pptx
+++ b/doc/4_Gestion_estado_persistencia.pptx
@@ -5,7 +5,7 @@
     <p:sldMasterId id="2147483648" r:id="rId1"/>
   </p:sldMasterIdLst>
   <p:notesMasterIdLst>
-    <p:notesMasterId r:id="rId46"/>
+    <p:notesMasterId r:id="rId51"/>
   </p:notesMasterIdLst>
   <p:sldIdLst>
     <p:sldId id="256" r:id="rId2"/>
@@ -46,12 +46,17 @@
     <p:sldId id="288" r:id="rId37"/>
     <p:sldId id="269" r:id="rId38"/>
     <p:sldId id="290" r:id="rId39"/>
-    <p:sldId id="281" r:id="rId40"/>
-    <p:sldId id="259" r:id="rId41"/>
-    <p:sldId id="282" r:id="rId42"/>
-    <p:sldId id="283" r:id="rId43"/>
-    <p:sldId id="284" r:id="rId44"/>
-    <p:sldId id="285" r:id="rId45"/>
+    <p:sldId id="303" r:id="rId40"/>
+    <p:sldId id="304" r:id="rId41"/>
+    <p:sldId id="305" r:id="rId42"/>
+    <p:sldId id="306" r:id="rId43"/>
+    <p:sldId id="307" r:id="rId44"/>
+    <p:sldId id="281" r:id="rId45"/>
+    <p:sldId id="259" r:id="rId46"/>
+    <p:sldId id="282" r:id="rId47"/>
+    <p:sldId id="283" r:id="rId48"/>
+    <p:sldId id="284" r:id="rId49"/>
+    <p:sldId id="285" r:id="rId50"/>
   </p:sldIdLst>
   <p:sldSz cx="12192000" cy="6858000"/>
   <p:notesSz cx="6858000" cy="9144000"/>
@@ -10484,7 +10489,169 @@
           <a:bodyPr/>
           <a:lstStyle/>
           <a:p>
-            <a:endParaRPr lang="es-ES"/>
+            <a:r>
+              <a:rPr lang="es-ES" b="1" dirty="0" err="1"/>
+              <a:t>PGconn</a:t>
+            </a:r>
+            <a:r>
+              <a:rPr lang="es-ES" b="1" dirty="0"/>
+              <a:t>*</a:t>
+            </a:r>
+          </a:p>
+          <a:p>
+            <a:r>
+              <a:rPr lang="es-ES" dirty="0"/>
+              <a:t>Objeto principal de conexión a PostgreSQL.</a:t>
+            </a:r>
+          </a:p>
+          <a:p>
+            <a:pPr lvl="1"/>
+            <a:r>
+              <a:rPr lang="es-ES" dirty="0"/>
+              <a:t>Se obtiene con </a:t>
+            </a:r>
+            <a:r>
+              <a:rPr lang="es-ES" dirty="0" err="1"/>
+              <a:t>PQconnectdb</a:t>
+            </a:r>
+            <a:r>
+              <a:rPr lang="es-ES" dirty="0"/>
+              <a:t>(</a:t>
+            </a:r>
+            <a:r>
+              <a:rPr lang="es-ES" dirty="0" err="1"/>
+              <a:t>conninfo</a:t>
+            </a:r>
+            <a:r>
+              <a:rPr lang="es-ES" dirty="0"/>
+              <a:t>) y se libera con </a:t>
+            </a:r>
+            <a:r>
+              <a:rPr lang="es-ES" dirty="0" err="1"/>
+              <a:t>PQfinish</a:t>
+            </a:r>
+            <a:r>
+              <a:rPr lang="es-ES" dirty="0"/>
+              <a:t>(</a:t>
+            </a:r>
+            <a:r>
+              <a:rPr lang="es-ES" dirty="0" err="1"/>
+              <a:t>conn</a:t>
+            </a:r>
+            <a:r>
+              <a:rPr lang="es-ES" dirty="0"/>
+              <a:t>).</a:t>
+            </a:r>
+          </a:p>
+          <a:p>
+            <a:pPr lvl="1"/>
+            <a:r>
+              <a:rPr lang="es-ES" dirty="0" err="1"/>
+              <a:t>const</a:t>
+            </a:r>
+            <a:r>
+              <a:rPr lang="es-ES" dirty="0"/>
+              <a:t> </a:t>
+            </a:r>
+            <a:r>
+              <a:rPr lang="es-ES" dirty="0" err="1"/>
+              <a:t>char</a:t>
+            </a:r>
+            <a:r>
+              <a:rPr lang="es-ES" dirty="0"/>
+              <a:t>* </a:t>
+            </a:r>
+            <a:r>
+              <a:rPr lang="es-ES" dirty="0" err="1"/>
+              <a:t>conninfo</a:t>
+            </a:r>
+            <a:r>
+              <a:rPr lang="es-ES" dirty="0"/>
+              <a:t> = "host=127.0.0.1 </a:t>
+            </a:r>
+            <a:r>
+              <a:rPr lang="es-ES" dirty="0" err="1"/>
+              <a:t>port</a:t>
+            </a:r>
+            <a:r>
+              <a:rPr lang="es-ES" dirty="0"/>
+              <a:t>=5433 </a:t>
+            </a:r>
+            <a:r>
+              <a:rPr lang="es-ES" dirty="0" err="1"/>
+              <a:t>dbname</a:t>
+            </a:r>
+            <a:r>
+              <a:rPr lang="es-ES" dirty="0"/>
+              <a:t>=empresa3 </a:t>
+            </a:r>
+            <a:r>
+              <a:rPr lang="es-ES" dirty="0" err="1"/>
+              <a:t>user</a:t>
+            </a:r>
+            <a:r>
+              <a:rPr lang="es-ES" dirty="0"/>
+              <a:t>=</a:t>
+            </a:r>
+            <a:r>
+              <a:rPr lang="es-ES" dirty="0" err="1"/>
+              <a:t>antonio</a:t>
+            </a:r>
+            <a:r>
+              <a:rPr lang="es-ES" dirty="0"/>
+              <a:t> </a:t>
+            </a:r>
+            <a:r>
+              <a:rPr lang="es-ES" dirty="0" err="1"/>
+              <a:t>password</a:t>
+            </a:r>
+            <a:r>
+              <a:rPr lang="es-ES" dirty="0"/>
+              <a:t>=</a:t>
+            </a:r>
+            <a:r>
+              <a:rPr lang="es-ES" dirty="0" err="1"/>
+              <a:t>antonio</a:t>
+            </a:r>
+            <a:r>
+              <a:rPr lang="es-ES" dirty="0"/>
+              <a:t>";</a:t>
+            </a:r>
+          </a:p>
+          <a:p>
+            <a:pPr lvl="1"/>
+            <a:r>
+              <a:rPr lang="es-ES" dirty="0" err="1"/>
+              <a:t>PGconn</a:t>
+            </a:r>
+            <a:r>
+              <a:rPr lang="es-ES" dirty="0"/>
+              <a:t>* </a:t>
+            </a:r>
+            <a:r>
+              <a:rPr lang="es-ES" dirty="0" err="1"/>
+              <a:t>conn</a:t>
+            </a:r>
+            <a:r>
+              <a:rPr lang="es-ES" dirty="0"/>
+              <a:t> = </a:t>
+            </a:r>
+            <a:r>
+              <a:rPr lang="es-ES" dirty="0" err="1"/>
+              <a:t>PQconnectdb</a:t>
+            </a:r>
+            <a:r>
+              <a:rPr lang="es-ES" dirty="0"/>
+              <a:t>(</a:t>
+            </a:r>
+            <a:r>
+              <a:rPr lang="es-ES" dirty="0" err="1"/>
+              <a:t>conninfo</a:t>
+            </a:r>
+            <a:r>
+              <a:rPr lang="es-ES" dirty="0"/>
+              <a:t>);</a:t>
+            </a:r>
           </a:p>
         </p:txBody>
       </p:sp>
@@ -10568,7 +10735,10 @@
           <a:bodyPr/>
           <a:lstStyle/>
           <a:p>
-            <a:endParaRPr lang="es-ES"/>
+            <a:r>
+              <a:rPr lang="es-ES" dirty="0"/>
+              <a:t>Consultas</a:t>
+            </a:r>
           </a:p>
         </p:txBody>
       </p:sp>
@@ -10588,12 +10758,310 @@
             <p:ph idx="1"/>
           </p:nvPr>
         </p:nvSpPr>
-        <p:spPr/>
-        <p:txBody>
-          <a:bodyPr/>
-          <a:lstStyle/>
-          <a:p>
-            <a:endParaRPr lang="es-ES"/>
+        <p:spPr>
+          <a:xfrm>
+            <a:off x="282804" y="1825625"/>
+            <a:ext cx="11651530" cy="4351338"/>
+          </a:xfrm>
+        </p:spPr>
+        <p:txBody>
+          <a:bodyPr>
+            <a:normAutofit/>
+          </a:bodyPr>
+          <a:lstStyle/>
+          <a:p>
+            <a:r>
+              <a:rPr lang="es-ES" dirty="0"/>
+              <a:t>Mejor parametrizadas:</a:t>
+            </a:r>
+          </a:p>
+          <a:p>
+            <a:pPr lvl="1"/>
+            <a:r>
+              <a:rPr lang="es-ES" dirty="0"/>
+              <a:t>Sin parametrizar, concatenando parámetros:</a:t>
+            </a:r>
+          </a:p>
+          <a:p>
+            <a:pPr lvl="2"/>
+            <a:r>
+              <a:rPr lang="es-ES" dirty="0" err="1"/>
+              <a:t>std</a:t>
+            </a:r>
+            <a:r>
+              <a:rPr lang="es-ES" dirty="0"/>
+              <a:t>::</a:t>
+            </a:r>
+            <a:r>
+              <a:rPr lang="es-ES" dirty="0" err="1"/>
+              <a:t>string</a:t>
+            </a:r>
+            <a:r>
+              <a:rPr lang="es-ES" dirty="0"/>
+              <a:t> </a:t>
+            </a:r>
+            <a:r>
+              <a:rPr lang="es-ES" dirty="0" err="1"/>
+              <a:t>query</a:t>
+            </a:r>
+            <a:r>
+              <a:rPr lang="es-ES" dirty="0"/>
+              <a:t> = "DELETE FROM </a:t>
+            </a:r>
+            <a:r>
+              <a:rPr lang="es-ES" dirty="0" err="1"/>
+              <a:t>tbempleados</a:t>
+            </a:r>
+            <a:r>
+              <a:rPr lang="es-ES" dirty="0"/>
+              <a:t> WHERE id = " + </a:t>
+            </a:r>
+            <a:r>
+              <a:rPr lang="es-ES" dirty="0" err="1"/>
+              <a:t>std</a:t>
+            </a:r>
+            <a:r>
+              <a:rPr lang="es-ES" dirty="0"/>
+              <a:t>::</a:t>
+            </a:r>
+            <a:r>
+              <a:rPr lang="es-ES" dirty="0" err="1"/>
+              <a:t>to_string</a:t>
+            </a:r>
+            <a:r>
+              <a:rPr lang="es-ES" dirty="0"/>
+              <a:t>(id);</a:t>
+            </a:r>
+          </a:p>
+          <a:p>
+            <a:pPr lvl="2"/>
+            <a:r>
+              <a:rPr lang="es-ES" dirty="0" err="1"/>
+              <a:t>PGresult</a:t>
+            </a:r>
+            <a:r>
+              <a:rPr lang="es-ES" dirty="0"/>
+              <a:t>* res = </a:t>
+            </a:r>
+            <a:r>
+              <a:rPr lang="es-ES" b="1" dirty="0" err="1"/>
+              <a:t>PQexec</a:t>
+            </a:r>
+            <a:r>
+              <a:rPr lang="es-ES" dirty="0"/>
+              <a:t>(</a:t>
+            </a:r>
+            <a:r>
+              <a:rPr lang="es-ES" dirty="0" err="1"/>
+              <a:t>conn</a:t>
+            </a:r>
+            <a:r>
+              <a:rPr lang="es-ES" dirty="0"/>
+              <a:t>_, </a:t>
+            </a:r>
+            <a:r>
+              <a:rPr lang="es-ES" dirty="0" err="1"/>
+              <a:t>query.c_str</a:t>
+            </a:r>
+            <a:r>
+              <a:rPr lang="es-ES" dirty="0"/>
+              <a:t>());</a:t>
+            </a:r>
+          </a:p>
+          <a:p>
+            <a:pPr lvl="2"/>
+            <a:endParaRPr lang="es-ES" dirty="0"/>
+          </a:p>
+          <a:p>
+            <a:pPr lvl="1"/>
+            <a:r>
+              <a:rPr lang="es-ES" dirty="0"/>
+              <a:t>Parametrizada:</a:t>
+            </a:r>
+          </a:p>
+          <a:p>
+            <a:pPr lvl="2"/>
+            <a:r>
+              <a:rPr lang="es-ES" dirty="0" err="1"/>
+              <a:t>const</a:t>
+            </a:r>
+            <a:r>
+              <a:rPr lang="es-ES" dirty="0"/>
+              <a:t> </a:t>
+            </a:r>
+            <a:r>
+              <a:rPr lang="es-ES" dirty="0" err="1"/>
+              <a:t>char</a:t>
+            </a:r>
+            <a:r>
+              <a:rPr lang="es-ES" dirty="0"/>
+              <a:t>* </a:t>
+            </a:r>
+            <a:r>
+              <a:rPr lang="es-ES" dirty="0" err="1"/>
+              <a:t>query</a:t>
+            </a:r>
+            <a:r>
+              <a:rPr lang="es-ES" dirty="0"/>
+              <a:t> = "UPDATE </a:t>
+            </a:r>
+            <a:r>
+              <a:rPr lang="es-ES" dirty="0" err="1"/>
+              <a:t>tbempleados</a:t>
+            </a:r>
+            <a:r>
+              <a:rPr lang="es-ES" dirty="0"/>
+              <a:t> SET nombre = $1, cargo = $2 WHERE id = $3";</a:t>
+            </a:r>
+          </a:p>
+          <a:p>
+            <a:pPr lvl="2"/>
+            <a:r>
+              <a:rPr lang="es-ES" dirty="0" err="1"/>
+              <a:t>const</a:t>
+            </a:r>
+            <a:r>
+              <a:rPr lang="es-ES" dirty="0"/>
+              <a:t> </a:t>
+            </a:r>
+            <a:r>
+              <a:rPr lang="es-ES" dirty="0" err="1"/>
+              <a:t>char</a:t>
+            </a:r>
+            <a:r>
+              <a:rPr lang="es-ES" dirty="0"/>
+              <a:t>* </a:t>
+            </a:r>
+            <a:r>
+              <a:rPr lang="es-ES" dirty="0" err="1"/>
+              <a:t>paramValues</a:t>
+            </a:r>
+            <a:r>
+              <a:rPr lang="es-ES" dirty="0"/>
+              <a:t>[3] = { </a:t>
+            </a:r>
+            <a:r>
+              <a:rPr lang="es-ES" dirty="0" err="1"/>
+              <a:t>emp.nombre.c_str</a:t>
+            </a:r>
+            <a:r>
+              <a:rPr lang="es-ES" dirty="0"/>
+              <a:t>(), </a:t>
+            </a:r>
+            <a:r>
+              <a:rPr lang="es-ES" dirty="0" err="1"/>
+              <a:t>emp.cargo.c_str</a:t>
+            </a:r>
+            <a:r>
+              <a:rPr lang="es-ES" dirty="0"/>
+              <a:t>(), </a:t>
+            </a:r>
+            <a:r>
+              <a:rPr lang="es-ES" dirty="0" err="1"/>
+              <a:t>std</a:t>
+            </a:r>
+            <a:r>
+              <a:rPr lang="es-ES" dirty="0"/>
+              <a:t>::</a:t>
+            </a:r>
+            <a:r>
+              <a:rPr lang="es-ES" dirty="0" err="1"/>
+              <a:t>to_string</a:t>
+            </a:r>
+            <a:r>
+              <a:rPr lang="es-ES" dirty="0"/>
+              <a:t>(</a:t>
+            </a:r>
+            <a:r>
+              <a:rPr lang="es-ES" dirty="0" err="1"/>
+              <a:t>emp.id</a:t>
+            </a:r>
+            <a:r>
+              <a:rPr lang="es-ES" dirty="0"/>
+              <a:t>).</a:t>
+            </a:r>
+            <a:r>
+              <a:rPr lang="es-ES" dirty="0" err="1"/>
+              <a:t>c_str</a:t>
+            </a:r>
+            <a:r>
+              <a:rPr lang="es-ES" dirty="0"/>
+              <a:t>() };</a:t>
+            </a:r>
+          </a:p>
+          <a:p>
+            <a:pPr lvl="2"/>
+            <a:r>
+              <a:rPr lang="es-ES" dirty="0" err="1"/>
+              <a:t>PGresult</a:t>
+            </a:r>
+            <a:r>
+              <a:rPr lang="es-ES" dirty="0"/>
+              <a:t>* res = </a:t>
+            </a:r>
+            <a:r>
+              <a:rPr lang="es-ES" dirty="0" err="1"/>
+              <a:t>PQexecParams</a:t>
+            </a:r>
+            <a:r>
+              <a:rPr lang="es-ES" dirty="0"/>
+              <a:t>(</a:t>
+            </a:r>
+            <a:r>
+              <a:rPr lang="es-ES" dirty="0" err="1"/>
+              <a:t>conn</a:t>
+            </a:r>
+            <a:r>
+              <a:rPr lang="es-ES" dirty="0"/>
+              <a:t>_, </a:t>
+            </a:r>
+            <a:r>
+              <a:rPr lang="es-ES" dirty="0" err="1"/>
+              <a:t>query</a:t>
+            </a:r>
+            <a:r>
+              <a:rPr lang="es-ES" dirty="0"/>
+              <a:t>, 3, </a:t>
+            </a:r>
+            <a:r>
+              <a:rPr lang="es-ES" dirty="0" err="1"/>
+              <a:t>nullptr</a:t>
+            </a:r>
+            <a:r>
+              <a:rPr lang="es-ES" dirty="0"/>
+              <a:t>, </a:t>
+            </a:r>
+            <a:r>
+              <a:rPr lang="es-ES" dirty="0" err="1"/>
+              <a:t>paramValues</a:t>
+            </a:r>
+            <a:r>
+              <a:rPr lang="es-ES" dirty="0"/>
+              <a:t>, </a:t>
+            </a:r>
+            <a:r>
+              <a:rPr lang="es-ES" dirty="0" err="1"/>
+              <a:t>nullptr</a:t>
+            </a:r>
+            <a:r>
+              <a:rPr lang="es-ES" dirty="0"/>
+              <a:t>, </a:t>
+            </a:r>
+            <a:r>
+              <a:rPr lang="es-ES" dirty="0" err="1"/>
+              <a:t>nullptr</a:t>
+            </a:r>
+            <a:r>
+              <a:rPr lang="es-ES" dirty="0"/>
+              <a:t>, 0);</a:t>
+            </a:r>
+          </a:p>
+          <a:p>
+            <a:pPr lvl="1"/>
+            <a:endParaRPr lang="es-ES" dirty="0"/>
+          </a:p>
+          <a:p>
+            <a:endParaRPr lang="es-ES" dirty="0"/>
           </a:p>
         </p:txBody>
       </p:sp>
@@ -10658,40 +11126,28 @@
       </p:grpSpPr>
       <p:sp>
         <p:nvSpPr>
-          <p:cNvPr id="5" name="Título 4">
-            <a:extLst>
-              <a:ext uri="{FF2B5EF4-FFF2-40B4-BE49-F238E27FC236}">
-                <a16:creationId xmlns:a16="http://schemas.microsoft.com/office/drawing/2014/main" id="{B18E6648-95B8-F084-3CEA-029F64EC2DE5}"/>
-              </a:ext>
-            </a:extLst>
-          </p:cNvPr>
-          <p:cNvSpPr>
-            <a:spLocks noGrp="1"/>
-          </p:cNvSpPr>
-          <p:nvPr>
-            <p:ph type="ctrTitle"/>
-          </p:nvPr>
-        </p:nvSpPr>
-        <p:spPr>
-          <a:xfrm>
-            <a:off x="1524000" y="2235200"/>
-            <a:ext cx="9144000" cy="2387600"/>
-          </a:xfrm>
-        </p:spPr>
-        <p:txBody>
-          <a:bodyPr/>
-          <a:lstStyle/>
-          <a:p>
-            <a:r>
-              <a:rPr lang="es-ES" b="1" dirty="0"/>
-              <a:t>BD NoSQL</a:t>
-            </a:r>
-            <a:br>
-              <a:rPr lang="es-ES" b="1" dirty="0"/>
-            </a:br>
-            <a:r>
-              <a:rPr lang="es-ES" b="1" dirty="0"/>
-              <a:t>MongoDB</a:t>
+          <p:cNvPr id="2" name="Título 1">
+            <a:extLst>
+              <a:ext uri="{FF2B5EF4-FFF2-40B4-BE49-F238E27FC236}">
+                <a16:creationId xmlns:a16="http://schemas.microsoft.com/office/drawing/2014/main" id="{4141771D-FBB4-2FCC-3F55-FC17A753E099}"/>
+              </a:ext>
+            </a:extLst>
+          </p:cNvPr>
+          <p:cNvSpPr>
+            <a:spLocks noGrp="1"/>
+          </p:cNvSpPr>
+          <p:nvPr>
+            <p:ph type="title"/>
+          </p:nvPr>
+        </p:nvSpPr>
+        <p:spPr/>
+        <p:txBody>
+          <a:bodyPr/>
+          <a:lstStyle/>
+          <a:p>
+            <a:r>
+              <a:rPr lang="es-ES" dirty="0"/>
+              <a:t>Otros objetos</a:t>
             </a:r>
           </a:p>
         </p:txBody>
@@ -10701,7 +11157,7 @@
           <p:cNvPr id="4" name="Marcador de número de diapositiva 3">
             <a:extLst>
               <a:ext uri="{FF2B5EF4-FFF2-40B4-BE49-F238E27FC236}">
-                <a16:creationId xmlns:a16="http://schemas.microsoft.com/office/drawing/2014/main" id="{6E392DDE-7D2D-8321-D831-B6ACC01199AF}"/>
+                <a16:creationId xmlns:a16="http://schemas.microsoft.com/office/drawing/2014/main" id="{972C341B-E371-5EC9-241F-723C5DD9B2F4}"/>
               </a:ext>
             </a:extLst>
           </p:cNvPr>
@@ -10725,10 +11181,40 @@
           </a:p>
         </p:txBody>
       </p:sp>
+      <p:pic>
+        <p:nvPicPr>
+          <p:cNvPr id="8" name="Imagen 7">
+            <a:extLst>
+              <a:ext uri="{FF2B5EF4-FFF2-40B4-BE49-F238E27FC236}">
+                <a16:creationId xmlns:a16="http://schemas.microsoft.com/office/drawing/2014/main" id="{6C8D5D87-C210-1F61-D07F-2E3CE0567B21}"/>
+              </a:ext>
+            </a:extLst>
+          </p:cNvPr>
+          <p:cNvPicPr>
+            <a:picLocks noChangeAspect="1"/>
+          </p:cNvPicPr>
+          <p:nvPr/>
+        </p:nvPicPr>
+        <p:blipFill>
+          <a:blip r:embed="rId2"/>
+          <a:stretch>
+            <a:fillRect/>
+          </a:stretch>
+        </p:blipFill>
+        <p:spPr>
+          <a:xfrm>
+            <a:off x="914600" y="1690687"/>
+            <a:ext cx="10317002" cy="4342467"/>
+          </a:xfrm>
+          <a:prstGeom prst="rect">
+            <a:avLst/>
+          </a:prstGeom>
+        </p:spPr>
+      </p:pic>
     </p:spTree>
     <p:extLst>
       <p:ext uri="{BB962C8B-B14F-4D97-AF65-F5344CB8AC3E}">
-        <p14:creationId xmlns:p14="http://schemas.microsoft.com/office/powerpoint/2010/main" val="1844079400"/>
+        <p14:creationId xmlns:p14="http://schemas.microsoft.com/office/powerpoint/2010/main" val="3983209066"/>
       </p:ext>
     </p:extLst>
   </p:cSld>
@@ -11067,7 +11553,7 @@
           <p:cNvPr id="2" name="Título 1">
             <a:extLst>
               <a:ext uri="{FF2B5EF4-FFF2-40B4-BE49-F238E27FC236}">
-                <a16:creationId xmlns:a16="http://schemas.microsoft.com/office/drawing/2014/main" id="{55AD6E9E-D2B3-7EA0-CCA5-7DB45FC993D8}"/>
+                <a16:creationId xmlns:a16="http://schemas.microsoft.com/office/drawing/2014/main" id="{44BCF7B2-7B50-90B5-95CC-E4DFE6D542A7}"/>
               </a:ext>
             </a:extLst>
           </p:cNvPr>
@@ -11083,7 +11569,10 @@
           <a:bodyPr/>
           <a:lstStyle/>
           <a:p>
-            <a:endParaRPr lang="es-ES"/>
+            <a:r>
+              <a:rPr lang="es-ES" dirty="0"/>
+              <a:t>Transacciones 1 de 2</a:t>
+            </a:r>
           </a:p>
         </p:txBody>
       </p:sp>
@@ -11092,7 +11581,7 @@
           <p:cNvPr id="3" name="Marcador de contenido 2">
             <a:extLst>
               <a:ext uri="{FF2B5EF4-FFF2-40B4-BE49-F238E27FC236}">
-                <a16:creationId xmlns:a16="http://schemas.microsoft.com/office/drawing/2014/main" id="{5E48EFA1-0F74-1914-F3EE-BBB48688781D}"/>
+                <a16:creationId xmlns:a16="http://schemas.microsoft.com/office/drawing/2014/main" id="{54C68B96-7503-4522-2C33-5EC791432271}"/>
               </a:ext>
             </a:extLst>
           </p:cNvPr>
@@ -11105,10 +11594,210 @@
         </p:nvSpPr>
         <p:spPr/>
         <p:txBody>
-          <a:bodyPr/>
-          <a:lstStyle/>
-          <a:p>
-            <a:endParaRPr lang="es-ES"/>
+          <a:bodyPr>
+            <a:normAutofit fontScale="92500" lnSpcReduction="20000"/>
+          </a:bodyPr>
+          <a:lstStyle/>
+          <a:p>
+            <a:pPr marL="0" indent="0">
+              <a:buNone/>
+            </a:pPr>
+            <a:r>
+              <a:rPr lang="es-ES" dirty="0" err="1"/>
+              <a:t>void</a:t>
+            </a:r>
+            <a:r>
+              <a:rPr lang="es-ES" dirty="0"/>
+              <a:t> </a:t>
+            </a:r>
+            <a:r>
+              <a:rPr lang="es-ES" dirty="0" err="1"/>
+              <a:t>ejecutarTransaccion</a:t>
+            </a:r>
+            <a:r>
+              <a:rPr lang="es-ES" dirty="0"/>
+              <a:t>(</a:t>
+            </a:r>
+            <a:r>
+              <a:rPr lang="es-ES" dirty="0" err="1"/>
+              <a:t>PGconn</a:t>
+            </a:r>
+            <a:r>
+              <a:rPr lang="es-ES" dirty="0"/>
+              <a:t>* </a:t>
+            </a:r>
+            <a:r>
+              <a:rPr lang="es-ES" dirty="0" err="1"/>
+              <a:t>conn</a:t>
+            </a:r>
+            <a:r>
+              <a:rPr lang="es-ES" dirty="0"/>
+              <a:t>) {</a:t>
+            </a:r>
+          </a:p>
+          <a:p>
+            <a:pPr marL="0" indent="0">
+              <a:buNone/>
+            </a:pPr>
+            <a:r>
+              <a:rPr lang="es-ES" dirty="0"/>
+              <a:t>    </a:t>
+            </a:r>
+            <a:r>
+              <a:rPr lang="es-ES" dirty="0" err="1"/>
+              <a:t>PGresult</a:t>
+            </a:r>
+            <a:r>
+              <a:rPr lang="es-ES" dirty="0"/>
+              <a:t>* res;</a:t>
+            </a:r>
+          </a:p>
+          <a:p>
+            <a:pPr marL="0" indent="0">
+              <a:buNone/>
+            </a:pPr>
+            <a:endParaRPr lang="es-ES" dirty="0"/>
+          </a:p>
+          <a:p>
+            <a:pPr marL="0" indent="0">
+              <a:buNone/>
+            </a:pPr>
+            <a:r>
+              <a:rPr lang="es-ES" dirty="0"/>
+              <a:t>    // Iniciar transacción</a:t>
+            </a:r>
+          </a:p>
+          <a:p>
+            <a:pPr marL="0" indent="0">
+              <a:buNone/>
+            </a:pPr>
+            <a:r>
+              <a:rPr lang="es-ES" dirty="0"/>
+              <a:t>    res = </a:t>
+            </a:r>
+            <a:r>
+              <a:rPr lang="es-ES" dirty="0" err="1"/>
+              <a:t>PQexec</a:t>
+            </a:r>
+            <a:r>
+              <a:rPr lang="es-ES" dirty="0"/>
+              <a:t>(</a:t>
+            </a:r>
+            <a:r>
+              <a:rPr lang="es-ES" dirty="0" err="1"/>
+              <a:t>conn</a:t>
+            </a:r>
+            <a:r>
+              <a:rPr lang="es-ES" dirty="0"/>
+              <a:t>, "BEGIN");</a:t>
+            </a:r>
+          </a:p>
+          <a:p>
+            <a:pPr marL="0" indent="0">
+              <a:buNone/>
+            </a:pPr>
+            <a:r>
+              <a:rPr lang="es-ES" dirty="0"/>
+              <a:t>    </a:t>
+            </a:r>
+            <a:r>
+              <a:rPr lang="es-ES" dirty="0" err="1"/>
+              <a:t>if</a:t>
+            </a:r>
+            <a:r>
+              <a:rPr lang="es-ES" dirty="0"/>
+              <a:t> (</a:t>
+            </a:r>
+            <a:r>
+              <a:rPr lang="es-ES" dirty="0" err="1"/>
+              <a:t>PQresultStatus</a:t>
+            </a:r>
+            <a:r>
+              <a:rPr lang="es-ES" dirty="0"/>
+              <a:t>(res) != PGRES_COMMAND_OK) {</a:t>
+            </a:r>
+          </a:p>
+          <a:p>
+            <a:pPr marL="0" indent="0">
+              <a:buNone/>
+            </a:pPr>
+            <a:r>
+              <a:rPr lang="es-ES" dirty="0"/>
+              <a:t>        </a:t>
+            </a:r>
+            <a:r>
+              <a:rPr lang="es-ES" dirty="0" err="1"/>
+              <a:t>PQclear</a:t>
+            </a:r>
+            <a:r>
+              <a:rPr lang="es-ES" dirty="0"/>
+              <a:t>(res);</a:t>
+            </a:r>
+          </a:p>
+          <a:p>
+            <a:pPr marL="0" indent="0">
+              <a:buNone/>
+            </a:pPr>
+            <a:r>
+              <a:rPr lang="es-ES" dirty="0"/>
+              <a:t>        </a:t>
+            </a:r>
+            <a:r>
+              <a:rPr lang="es-ES" dirty="0" err="1"/>
+              <a:t>throw</a:t>
+            </a:r>
+            <a:r>
+              <a:rPr lang="es-ES" dirty="0"/>
+              <a:t> </a:t>
+            </a:r>
+            <a:r>
+              <a:rPr lang="es-ES" dirty="0" err="1"/>
+              <a:t>std</a:t>
+            </a:r>
+            <a:r>
+              <a:rPr lang="es-ES" dirty="0"/>
+              <a:t>::</a:t>
+            </a:r>
+            <a:r>
+              <a:rPr lang="es-ES" dirty="0" err="1"/>
+              <a:t>runtime_error</a:t>
+            </a:r>
+            <a:r>
+              <a:rPr lang="es-ES" dirty="0"/>
+              <a:t>("Error al iniciar la transacción");</a:t>
+            </a:r>
+          </a:p>
+          <a:p>
+            <a:pPr marL="0" indent="0">
+              <a:buNone/>
+            </a:pPr>
+            <a:r>
+              <a:rPr lang="es-ES" dirty="0"/>
+              <a:t>    }</a:t>
+            </a:r>
+          </a:p>
+          <a:p>
+            <a:pPr marL="0" indent="0">
+              <a:buNone/>
+            </a:pPr>
+            <a:r>
+              <a:rPr lang="es-ES" dirty="0"/>
+              <a:t>    </a:t>
+            </a:r>
+            <a:r>
+              <a:rPr lang="es-ES" dirty="0" err="1"/>
+              <a:t>PQclear</a:t>
+            </a:r>
+            <a:r>
+              <a:rPr lang="es-ES" dirty="0"/>
+              <a:t>(res);</a:t>
+            </a:r>
+          </a:p>
+          <a:p>
+            <a:endParaRPr lang="es-ES" dirty="0"/>
+          </a:p>
+          <a:p>
+            <a:endParaRPr lang="es-ES" dirty="0"/>
           </a:p>
         </p:txBody>
       </p:sp>
@@ -11117,7 +11806,7 @@
           <p:cNvPr id="4" name="Marcador de número de diapositiva 3">
             <a:extLst>
               <a:ext uri="{FF2B5EF4-FFF2-40B4-BE49-F238E27FC236}">
-                <a16:creationId xmlns:a16="http://schemas.microsoft.com/office/drawing/2014/main" id="{6F673F4A-EB42-1EE3-6623-CEC4AD8A122D}"/>
+                <a16:creationId xmlns:a16="http://schemas.microsoft.com/office/drawing/2014/main" id="{497DE5FA-0523-82A3-2D22-4AF95EEA0544}"/>
               </a:ext>
             </a:extLst>
           </p:cNvPr>
@@ -11144,7 +11833,7 @@
     </p:spTree>
     <p:extLst>
       <p:ext uri="{BB962C8B-B14F-4D97-AF65-F5344CB8AC3E}">
-        <p14:creationId xmlns:p14="http://schemas.microsoft.com/office/powerpoint/2010/main" val="878187405"/>
+        <p14:creationId xmlns:p14="http://schemas.microsoft.com/office/powerpoint/2010/main" val="3918278837"/>
       </p:ext>
     </p:extLst>
   </p:cSld>
@@ -11173,33 +11862,815 @@
       </p:grpSpPr>
       <p:sp>
         <p:nvSpPr>
-          <p:cNvPr id="5" name="Título 4">
-            <a:extLst>
-              <a:ext uri="{FF2B5EF4-FFF2-40B4-BE49-F238E27FC236}">
-                <a16:creationId xmlns:a16="http://schemas.microsoft.com/office/drawing/2014/main" id="{3530AFC8-879B-AB7E-BD55-0F2A15347493}"/>
-              </a:ext>
-            </a:extLst>
-          </p:cNvPr>
-          <p:cNvSpPr>
-            <a:spLocks noGrp="1"/>
-          </p:cNvSpPr>
-          <p:nvPr>
-            <p:ph type="ctrTitle"/>
+          <p:cNvPr id="2" name="Título 1">
+            <a:extLst>
+              <a:ext uri="{FF2B5EF4-FFF2-40B4-BE49-F238E27FC236}">
+                <a16:creationId xmlns:a16="http://schemas.microsoft.com/office/drawing/2014/main" id="{2E3C6AAF-928B-4C78-0A29-547419845915}"/>
+              </a:ext>
+            </a:extLst>
+          </p:cNvPr>
+          <p:cNvSpPr>
+            <a:spLocks noGrp="1"/>
+          </p:cNvSpPr>
+          <p:nvPr>
+            <p:ph type="title"/>
           </p:nvPr>
         </p:nvSpPr>
         <p:spPr>
           <a:xfrm>
-            <a:off x="1524000" y="1988636"/>
-            <a:ext cx="9144000" cy="2387600"/>
+            <a:off x="762000" y="0"/>
+            <a:ext cx="10515600" cy="539848"/>
           </a:xfrm>
         </p:spPr>
         <p:txBody>
-          <a:bodyPr/>
-          <a:lstStyle/>
-          <a:p>
+          <a:bodyPr>
+            <a:normAutofit fontScale="90000"/>
+          </a:bodyPr>
+          <a:lstStyle/>
+          <a:p>
+            <a:r>
+              <a:rPr lang="es-ES" dirty="0"/>
+              <a:t>Transacciones 2 de 2</a:t>
+            </a:r>
+          </a:p>
+        </p:txBody>
+      </p:sp>
+      <p:sp>
+        <p:nvSpPr>
+          <p:cNvPr id="3" name="Marcador de contenido 2">
+            <a:extLst>
+              <a:ext uri="{FF2B5EF4-FFF2-40B4-BE49-F238E27FC236}">
+                <a16:creationId xmlns:a16="http://schemas.microsoft.com/office/drawing/2014/main" id="{C460762D-EB24-43F5-C7E2-073159576041}"/>
+              </a:ext>
+            </a:extLst>
+          </p:cNvPr>
+          <p:cNvSpPr>
+            <a:spLocks noGrp="1"/>
+          </p:cNvSpPr>
+          <p:nvPr>
+            <p:ph sz="half" idx="1"/>
+          </p:nvPr>
+        </p:nvSpPr>
+        <p:spPr>
+          <a:xfrm>
+            <a:off x="0" y="829559"/>
+            <a:ext cx="6019800" cy="5347404"/>
+          </a:xfrm>
+        </p:spPr>
+        <p:txBody>
+          <a:bodyPr>
+            <a:normAutofit fontScale="55000" lnSpcReduction="20000"/>
+          </a:bodyPr>
+          <a:lstStyle/>
+          <a:p>
+            <a:pPr marL="0" indent="0">
+              <a:buNone/>
+            </a:pPr>
+            <a:r>
+              <a:rPr lang="es-ES" dirty="0"/>
+              <a:t> try {</a:t>
+            </a:r>
+          </a:p>
+          <a:p>
+            <a:pPr marL="0" indent="0">
+              <a:buNone/>
+            </a:pPr>
             <a:r>
               <a:rPr lang="es-ES" b="1" dirty="0"/>
-              <a:t>Estrategias de persistencia y acceso rápido a datos </a:t>
+              <a:t>        // Operación 1</a:t>
+            </a:r>
+          </a:p>
+          <a:p>
+            <a:pPr marL="0" indent="0">
+              <a:buNone/>
+            </a:pPr>
+            <a:r>
+              <a:rPr lang="es-ES" dirty="0"/>
+              <a:t>        res = </a:t>
+            </a:r>
+            <a:r>
+              <a:rPr lang="es-ES" dirty="0" err="1"/>
+              <a:t>PQexec</a:t>
+            </a:r>
+            <a:r>
+              <a:rPr lang="es-ES" dirty="0"/>
+              <a:t>(</a:t>
+            </a:r>
+            <a:r>
+              <a:rPr lang="es-ES" dirty="0" err="1"/>
+              <a:t>conn</a:t>
+            </a:r>
+            <a:r>
+              <a:rPr lang="es-ES" dirty="0"/>
+              <a:t>, "DELETE FROM </a:t>
+            </a:r>
+            <a:r>
+              <a:rPr lang="es-ES" dirty="0" err="1"/>
+              <a:t>tbempleados</a:t>
+            </a:r>
+            <a:r>
+              <a:rPr lang="es-ES" dirty="0"/>
+              <a:t> WHERE id = 10");</a:t>
+            </a:r>
+          </a:p>
+          <a:p>
+            <a:pPr marL="0" indent="0">
+              <a:buNone/>
+            </a:pPr>
+            <a:r>
+              <a:rPr lang="es-ES" dirty="0"/>
+              <a:t>        </a:t>
+            </a:r>
+            <a:r>
+              <a:rPr lang="es-ES" dirty="0" err="1"/>
+              <a:t>if</a:t>
+            </a:r>
+            <a:r>
+              <a:rPr lang="es-ES" dirty="0"/>
+              <a:t> (</a:t>
+            </a:r>
+            <a:r>
+              <a:rPr lang="es-ES" dirty="0" err="1"/>
+              <a:t>PQresultStatus</a:t>
+            </a:r>
+            <a:r>
+              <a:rPr lang="es-ES" dirty="0"/>
+              <a:t>(res) != PGRES_COMMAND_OK) </a:t>
+            </a:r>
+            <a:r>
+              <a:rPr lang="es-ES" dirty="0" err="1"/>
+              <a:t>throw</a:t>
+            </a:r>
+            <a:r>
+              <a:rPr lang="es-ES" dirty="0"/>
+              <a:t> </a:t>
+            </a:r>
+            <a:r>
+              <a:rPr lang="es-ES" dirty="0" err="1"/>
+              <a:t>std</a:t>
+            </a:r>
+            <a:r>
+              <a:rPr lang="es-ES" dirty="0"/>
+              <a:t>::</a:t>
+            </a:r>
+            <a:r>
+              <a:rPr lang="es-ES" dirty="0" err="1"/>
+              <a:t>runtime_error</a:t>
+            </a:r>
+            <a:r>
+              <a:rPr lang="es-ES" dirty="0"/>
+              <a:t>("Error al eliminar");</a:t>
+            </a:r>
+          </a:p>
+          <a:p>
+            <a:pPr marL="0" indent="0">
+              <a:buNone/>
+            </a:pPr>
+            <a:r>
+              <a:rPr lang="es-ES" dirty="0"/>
+              <a:t>        </a:t>
+            </a:r>
+            <a:r>
+              <a:rPr lang="es-ES" dirty="0" err="1"/>
+              <a:t>PQclear</a:t>
+            </a:r>
+            <a:r>
+              <a:rPr lang="es-ES" dirty="0"/>
+              <a:t>(res);</a:t>
+            </a:r>
+          </a:p>
+          <a:p>
+            <a:pPr marL="0" indent="0">
+              <a:buNone/>
+            </a:pPr>
+            <a:endParaRPr lang="es-ES" dirty="0"/>
+          </a:p>
+          <a:p>
+            <a:pPr marL="0" indent="0">
+              <a:buNone/>
+            </a:pPr>
+            <a:r>
+              <a:rPr lang="es-ES" b="1" dirty="0"/>
+              <a:t>        // Operación 2</a:t>
+            </a:r>
+          </a:p>
+          <a:p>
+            <a:pPr marL="0" indent="0">
+              <a:buNone/>
+            </a:pPr>
+            <a:r>
+              <a:rPr lang="es-ES" dirty="0"/>
+              <a:t>        </a:t>
+            </a:r>
+            <a:r>
+              <a:rPr lang="es-ES" dirty="0" err="1"/>
+              <a:t>const</a:t>
+            </a:r>
+            <a:r>
+              <a:rPr lang="es-ES" dirty="0"/>
+              <a:t> </a:t>
+            </a:r>
+            <a:r>
+              <a:rPr lang="es-ES" dirty="0" err="1"/>
+              <a:t>char</a:t>
+            </a:r>
+            <a:r>
+              <a:rPr lang="es-ES" dirty="0"/>
+              <a:t>* </a:t>
+            </a:r>
+            <a:r>
+              <a:rPr lang="es-ES" dirty="0" err="1"/>
+              <a:t>query</a:t>
+            </a:r>
+            <a:r>
+              <a:rPr lang="es-ES" dirty="0"/>
+              <a:t> = "INSERT INTO </a:t>
+            </a:r>
+            <a:r>
+              <a:rPr lang="es-ES" dirty="0" err="1"/>
+              <a:t>tbempleados</a:t>
+            </a:r>
+            <a:r>
+              <a:rPr lang="es-ES" dirty="0"/>
+              <a:t>(id, nombre, cargo) VALUES($1, $2, $3)";</a:t>
+            </a:r>
+          </a:p>
+          <a:p>
+            <a:pPr marL="0" indent="0">
+              <a:buNone/>
+            </a:pPr>
+            <a:r>
+              <a:rPr lang="es-ES" dirty="0"/>
+              <a:t>        </a:t>
+            </a:r>
+            <a:r>
+              <a:rPr lang="es-ES" dirty="0" err="1"/>
+              <a:t>const</a:t>
+            </a:r>
+            <a:r>
+              <a:rPr lang="es-ES" dirty="0"/>
+              <a:t> </a:t>
+            </a:r>
+            <a:r>
+              <a:rPr lang="es-ES" dirty="0" err="1"/>
+              <a:t>char</a:t>
+            </a:r>
+            <a:r>
+              <a:rPr lang="es-ES" dirty="0"/>
+              <a:t>* </a:t>
+            </a:r>
+            <a:r>
+              <a:rPr lang="es-ES" dirty="0" err="1"/>
+              <a:t>params</a:t>
+            </a:r>
+            <a:r>
+              <a:rPr lang="es-ES" dirty="0"/>
+              <a:t>[3] = { "10", "Laura", "Directivo" };</a:t>
+            </a:r>
+          </a:p>
+          <a:p>
+            <a:pPr marL="0" indent="0">
+              <a:buNone/>
+            </a:pPr>
+            <a:r>
+              <a:rPr lang="es-ES" dirty="0"/>
+              <a:t>        res = </a:t>
+            </a:r>
+            <a:r>
+              <a:rPr lang="es-ES" dirty="0" err="1"/>
+              <a:t>PQexecParams</a:t>
+            </a:r>
+            <a:r>
+              <a:rPr lang="es-ES" dirty="0"/>
+              <a:t>(</a:t>
+            </a:r>
+            <a:r>
+              <a:rPr lang="es-ES" dirty="0" err="1"/>
+              <a:t>conn</a:t>
+            </a:r>
+            <a:r>
+              <a:rPr lang="es-ES" dirty="0"/>
+              <a:t>, </a:t>
+            </a:r>
+            <a:r>
+              <a:rPr lang="es-ES" dirty="0" err="1"/>
+              <a:t>query</a:t>
+            </a:r>
+            <a:r>
+              <a:rPr lang="es-ES" dirty="0"/>
+              <a:t>, 3, </a:t>
+            </a:r>
+            <a:r>
+              <a:rPr lang="es-ES" dirty="0" err="1"/>
+              <a:t>nullptr</a:t>
+            </a:r>
+            <a:r>
+              <a:rPr lang="es-ES" dirty="0"/>
+              <a:t>, </a:t>
+            </a:r>
+            <a:r>
+              <a:rPr lang="es-ES" dirty="0" err="1"/>
+              <a:t>params</a:t>
+            </a:r>
+            <a:r>
+              <a:rPr lang="es-ES" dirty="0"/>
+              <a:t>, </a:t>
+            </a:r>
+            <a:r>
+              <a:rPr lang="es-ES" dirty="0" err="1"/>
+              <a:t>nullptr</a:t>
+            </a:r>
+            <a:r>
+              <a:rPr lang="es-ES" dirty="0"/>
+              <a:t>, </a:t>
+            </a:r>
+            <a:r>
+              <a:rPr lang="es-ES" dirty="0" err="1"/>
+              <a:t>nullptr</a:t>
+            </a:r>
+            <a:r>
+              <a:rPr lang="es-ES" dirty="0"/>
+              <a:t>, 0);</a:t>
+            </a:r>
+          </a:p>
+          <a:p>
+            <a:pPr marL="0" indent="0">
+              <a:buNone/>
+            </a:pPr>
+            <a:r>
+              <a:rPr lang="es-ES" dirty="0"/>
+              <a:t>        </a:t>
+            </a:r>
+            <a:r>
+              <a:rPr lang="es-ES" dirty="0" err="1"/>
+              <a:t>if</a:t>
+            </a:r>
+            <a:r>
+              <a:rPr lang="es-ES" dirty="0"/>
+              <a:t> (</a:t>
+            </a:r>
+            <a:r>
+              <a:rPr lang="es-ES" dirty="0" err="1"/>
+              <a:t>PQresultStatus</a:t>
+            </a:r>
+            <a:r>
+              <a:rPr lang="es-ES" dirty="0"/>
+              <a:t>(res) != PGRES_COMMAND_OK) </a:t>
+            </a:r>
+            <a:r>
+              <a:rPr lang="es-ES" dirty="0" err="1"/>
+              <a:t>throw</a:t>
+            </a:r>
+            <a:r>
+              <a:rPr lang="es-ES" dirty="0"/>
+              <a:t> </a:t>
+            </a:r>
+            <a:r>
+              <a:rPr lang="es-ES" dirty="0" err="1"/>
+              <a:t>std</a:t>
+            </a:r>
+            <a:r>
+              <a:rPr lang="es-ES" dirty="0"/>
+              <a:t>::</a:t>
+            </a:r>
+            <a:r>
+              <a:rPr lang="es-ES" dirty="0" err="1"/>
+              <a:t>runtime_error</a:t>
+            </a:r>
+            <a:r>
+              <a:rPr lang="es-ES" dirty="0"/>
+              <a:t>("Error al insertar");</a:t>
+            </a:r>
+          </a:p>
+          <a:p>
+            <a:pPr marL="0" indent="0">
+              <a:buNone/>
+            </a:pPr>
+            <a:r>
+              <a:rPr lang="es-ES" dirty="0"/>
+              <a:t>        </a:t>
+            </a:r>
+            <a:r>
+              <a:rPr lang="es-ES" dirty="0" err="1"/>
+              <a:t>PQclear</a:t>
+            </a:r>
+            <a:r>
+              <a:rPr lang="es-ES" dirty="0"/>
+              <a:t>(res);</a:t>
+            </a:r>
+          </a:p>
+          <a:p>
+            <a:endParaRPr lang="es-ES" dirty="0"/>
+          </a:p>
+          <a:p>
+            <a:endParaRPr lang="es-ES" dirty="0"/>
+          </a:p>
+        </p:txBody>
+      </p:sp>
+      <p:sp>
+        <p:nvSpPr>
+          <p:cNvPr id="5" name="Marcador de contenido 4">
+            <a:extLst>
+              <a:ext uri="{FF2B5EF4-FFF2-40B4-BE49-F238E27FC236}">
+                <a16:creationId xmlns:a16="http://schemas.microsoft.com/office/drawing/2014/main" id="{D4C967BD-5EEA-75F9-9DA1-C5A432416BCB}"/>
+              </a:ext>
+            </a:extLst>
+          </p:cNvPr>
+          <p:cNvSpPr>
+            <a:spLocks noGrp="1"/>
+          </p:cNvSpPr>
+          <p:nvPr>
+            <p:ph sz="half" idx="2"/>
+          </p:nvPr>
+        </p:nvSpPr>
+        <p:spPr>
+          <a:xfrm>
+            <a:off x="6172200" y="829559"/>
+            <a:ext cx="5950670" cy="5347404"/>
+          </a:xfrm>
+        </p:spPr>
+        <p:txBody>
+          <a:bodyPr>
+            <a:normAutofit fontScale="55000" lnSpcReduction="20000"/>
+          </a:bodyPr>
+          <a:lstStyle/>
+          <a:p>
+            <a:pPr marL="0" indent="0">
+              <a:buNone/>
+            </a:pPr>
+            <a:r>
+              <a:rPr lang="es-ES" b="1" dirty="0"/>
+              <a:t> // Confirmar transacción</a:t>
+            </a:r>
+          </a:p>
+          <a:p>
+            <a:pPr marL="0" indent="0">
+              <a:buNone/>
+            </a:pPr>
+            <a:r>
+              <a:rPr lang="es-ES" dirty="0"/>
+              <a:t>        res = </a:t>
+            </a:r>
+            <a:r>
+              <a:rPr lang="es-ES" dirty="0" err="1"/>
+              <a:t>PQexec</a:t>
+            </a:r>
+            <a:r>
+              <a:rPr lang="es-ES" dirty="0"/>
+              <a:t>(</a:t>
+            </a:r>
+            <a:r>
+              <a:rPr lang="es-ES" dirty="0" err="1"/>
+              <a:t>conn</a:t>
+            </a:r>
+            <a:r>
+              <a:rPr lang="es-ES" dirty="0"/>
+              <a:t>, "</a:t>
+            </a:r>
+            <a:r>
+              <a:rPr lang="es-ES" b="1" dirty="0"/>
+              <a:t>COMMIT</a:t>
+            </a:r>
+            <a:r>
+              <a:rPr lang="es-ES" dirty="0"/>
+              <a:t>");</a:t>
+            </a:r>
+          </a:p>
+          <a:p>
+            <a:pPr marL="0" indent="0">
+              <a:buNone/>
+            </a:pPr>
+            <a:r>
+              <a:rPr lang="es-ES" dirty="0"/>
+              <a:t>        </a:t>
+            </a:r>
+            <a:r>
+              <a:rPr lang="es-ES" dirty="0" err="1"/>
+              <a:t>if</a:t>
+            </a:r>
+            <a:r>
+              <a:rPr lang="es-ES" dirty="0"/>
+              <a:t> (</a:t>
+            </a:r>
+            <a:r>
+              <a:rPr lang="es-ES" dirty="0" err="1"/>
+              <a:t>PQresultStatus</a:t>
+            </a:r>
+            <a:r>
+              <a:rPr lang="es-ES" dirty="0"/>
+              <a:t>(res) != PGRES_COMMAND_OK) </a:t>
+            </a:r>
+          </a:p>
+          <a:p>
+            <a:pPr marL="0" indent="0">
+              <a:buNone/>
+            </a:pPr>
+            <a:r>
+              <a:rPr lang="es-ES" dirty="0"/>
+              <a:t>	</a:t>
+            </a:r>
+            <a:r>
+              <a:rPr lang="es-ES" dirty="0" err="1"/>
+              <a:t>throw</a:t>
+            </a:r>
+            <a:r>
+              <a:rPr lang="es-ES" dirty="0"/>
+              <a:t> </a:t>
+            </a:r>
+            <a:r>
+              <a:rPr lang="es-ES" dirty="0" err="1"/>
+              <a:t>std</a:t>
+            </a:r>
+            <a:r>
+              <a:rPr lang="es-ES" dirty="0"/>
+              <a:t>::</a:t>
+            </a:r>
+            <a:r>
+              <a:rPr lang="es-ES" dirty="0" err="1"/>
+              <a:t>runtime_error</a:t>
+            </a:r>
+            <a:r>
+              <a:rPr lang="es-ES" dirty="0"/>
+              <a:t>("Error al confirmar");</a:t>
+            </a:r>
+          </a:p>
+          <a:p>
+            <a:pPr marL="0" indent="0">
+              <a:buNone/>
+            </a:pPr>
+            <a:r>
+              <a:rPr lang="es-ES" dirty="0"/>
+              <a:t>        </a:t>
+            </a:r>
+            <a:r>
+              <a:rPr lang="es-ES" dirty="0" err="1"/>
+              <a:t>PQclear</a:t>
+            </a:r>
+            <a:r>
+              <a:rPr lang="es-ES" dirty="0"/>
+              <a:t>(res);</a:t>
+            </a:r>
+          </a:p>
+          <a:p>
+            <a:pPr marL="0" indent="0">
+              <a:buNone/>
+            </a:pPr>
+            <a:endParaRPr lang="es-ES" dirty="0"/>
+          </a:p>
+          <a:p>
+            <a:pPr marL="0" indent="0">
+              <a:buNone/>
+            </a:pPr>
+            <a:r>
+              <a:rPr lang="es-ES" dirty="0"/>
+              <a:t>    } catch (</a:t>
+            </a:r>
+            <a:r>
+              <a:rPr lang="es-ES" dirty="0" err="1"/>
+              <a:t>const</a:t>
+            </a:r>
+            <a:r>
+              <a:rPr lang="es-ES" dirty="0"/>
+              <a:t> </a:t>
+            </a:r>
+            <a:r>
+              <a:rPr lang="es-ES" dirty="0" err="1"/>
+              <a:t>std</a:t>
+            </a:r>
+            <a:r>
+              <a:rPr lang="es-ES" dirty="0"/>
+              <a:t>::</a:t>
+            </a:r>
+            <a:r>
+              <a:rPr lang="es-ES" dirty="0" err="1"/>
+              <a:t>exception</a:t>
+            </a:r>
+            <a:r>
+              <a:rPr lang="es-ES" dirty="0"/>
+              <a:t>&amp; ex) {</a:t>
+            </a:r>
+          </a:p>
+          <a:p>
+            <a:pPr marL="0" indent="0">
+              <a:buNone/>
+            </a:pPr>
+            <a:r>
+              <a:rPr lang="es-ES" dirty="0"/>
+              <a:t>        </a:t>
+            </a:r>
+            <a:r>
+              <a:rPr lang="es-ES" dirty="0" err="1"/>
+              <a:t>std</a:t>
+            </a:r>
+            <a:r>
+              <a:rPr lang="es-ES" dirty="0"/>
+              <a:t>::</a:t>
+            </a:r>
+            <a:r>
+              <a:rPr lang="es-ES" dirty="0" err="1"/>
+              <a:t>cerr</a:t>
+            </a:r>
+            <a:r>
+              <a:rPr lang="es-ES" dirty="0"/>
+              <a:t> &lt;&lt; "ERROR: " &lt;&lt; </a:t>
+            </a:r>
+            <a:r>
+              <a:rPr lang="es-ES" dirty="0" err="1"/>
+              <a:t>ex.what</a:t>
+            </a:r>
+            <a:r>
+              <a:rPr lang="es-ES" dirty="0"/>
+              <a:t>() &lt;&lt; </a:t>
+            </a:r>
+            <a:r>
+              <a:rPr lang="es-ES" dirty="0" err="1"/>
+              <a:t>std</a:t>
+            </a:r>
+            <a:r>
+              <a:rPr lang="es-ES" dirty="0"/>
+              <a:t>::</a:t>
+            </a:r>
+            <a:r>
+              <a:rPr lang="es-ES" dirty="0" err="1"/>
+              <a:t>endl</a:t>
+            </a:r>
+            <a:r>
+              <a:rPr lang="es-ES" dirty="0"/>
+              <a:t>;</a:t>
+            </a:r>
+          </a:p>
+          <a:p>
+            <a:pPr marL="0" indent="0">
+              <a:buNone/>
+            </a:pPr>
+            <a:endParaRPr lang="es-ES" dirty="0"/>
+          </a:p>
+          <a:p>
+            <a:pPr marL="0" indent="0">
+              <a:buNone/>
+            </a:pPr>
+            <a:r>
+              <a:rPr lang="es-ES" dirty="0"/>
+              <a:t>        // Revertir transacción</a:t>
+            </a:r>
+          </a:p>
+          <a:p>
+            <a:pPr marL="0" indent="0">
+              <a:buNone/>
+            </a:pPr>
+            <a:r>
+              <a:rPr lang="es-ES" dirty="0"/>
+              <a:t>        res = </a:t>
+            </a:r>
+            <a:r>
+              <a:rPr lang="es-ES" dirty="0" err="1"/>
+              <a:t>PQexec</a:t>
+            </a:r>
+            <a:r>
+              <a:rPr lang="es-ES" dirty="0"/>
+              <a:t>(</a:t>
+            </a:r>
+            <a:r>
+              <a:rPr lang="es-ES" dirty="0" err="1"/>
+              <a:t>conn</a:t>
+            </a:r>
+            <a:r>
+              <a:rPr lang="es-ES" dirty="0"/>
+              <a:t>, "</a:t>
+            </a:r>
+            <a:r>
+              <a:rPr lang="es-ES" b="1" dirty="0"/>
+              <a:t>ROLLBACK</a:t>
+            </a:r>
+            <a:r>
+              <a:rPr lang="es-ES" dirty="0"/>
+              <a:t>");</a:t>
+            </a:r>
+          </a:p>
+          <a:p>
+            <a:pPr marL="0" indent="0">
+              <a:buNone/>
+            </a:pPr>
+            <a:r>
+              <a:rPr lang="es-ES" dirty="0"/>
+              <a:t>        </a:t>
+            </a:r>
+            <a:r>
+              <a:rPr lang="es-ES" dirty="0" err="1"/>
+              <a:t>if</a:t>
+            </a:r>
+            <a:r>
+              <a:rPr lang="es-ES" dirty="0"/>
+              <a:t> (</a:t>
+            </a:r>
+            <a:r>
+              <a:rPr lang="es-ES" dirty="0" err="1"/>
+              <a:t>PQresultStatus</a:t>
+            </a:r>
+            <a:r>
+              <a:rPr lang="es-ES" dirty="0"/>
+              <a:t>(res) != PGRES_COMMAND_OK) {</a:t>
+            </a:r>
+          </a:p>
+          <a:p>
+            <a:pPr marL="0" indent="0">
+              <a:buNone/>
+            </a:pPr>
+            <a:r>
+              <a:rPr lang="es-ES" dirty="0"/>
+              <a:t>            </a:t>
+            </a:r>
+            <a:r>
+              <a:rPr lang="es-ES" dirty="0" err="1"/>
+              <a:t>std</a:t>
+            </a:r>
+            <a:r>
+              <a:rPr lang="es-ES" dirty="0"/>
+              <a:t>::</a:t>
+            </a:r>
+            <a:r>
+              <a:rPr lang="es-ES" dirty="0" err="1"/>
+              <a:t>cerr</a:t>
+            </a:r>
+            <a:r>
+              <a:rPr lang="es-ES" dirty="0"/>
+              <a:t> &lt;&lt; "Error al revertir la transacción: " &lt;&lt; </a:t>
+            </a:r>
+            <a:r>
+              <a:rPr lang="es-ES" dirty="0" err="1"/>
+              <a:t>PQerrorMessage</a:t>
+            </a:r>
+            <a:r>
+              <a:rPr lang="es-ES" dirty="0"/>
+              <a:t>(</a:t>
+            </a:r>
+            <a:r>
+              <a:rPr lang="es-ES" dirty="0" err="1"/>
+              <a:t>conn</a:t>
+            </a:r>
+            <a:r>
+              <a:rPr lang="es-ES" dirty="0"/>
+              <a:t>) &lt;&lt; </a:t>
+            </a:r>
+            <a:r>
+              <a:rPr lang="es-ES" dirty="0" err="1"/>
+              <a:t>std</a:t>
+            </a:r>
+            <a:r>
+              <a:rPr lang="es-ES" dirty="0"/>
+              <a:t>::</a:t>
+            </a:r>
+            <a:r>
+              <a:rPr lang="es-ES" dirty="0" err="1"/>
+              <a:t>endl</a:t>
+            </a:r>
+            <a:r>
+              <a:rPr lang="es-ES" dirty="0"/>
+              <a:t>;</a:t>
+            </a:r>
+          </a:p>
+          <a:p>
+            <a:pPr marL="0" indent="0">
+              <a:buNone/>
+            </a:pPr>
+            <a:r>
+              <a:rPr lang="es-ES" dirty="0"/>
+              <a:t>        }</a:t>
+            </a:r>
+          </a:p>
+          <a:p>
+            <a:pPr marL="0" indent="0">
+              <a:buNone/>
+            </a:pPr>
+            <a:r>
+              <a:rPr lang="es-ES" dirty="0"/>
+              <a:t>        </a:t>
+            </a:r>
+            <a:r>
+              <a:rPr lang="es-ES" dirty="0" err="1"/>
+              <a:t>PQclear</a:t>
+            </a:r>
+            <a:r>
+              <a:rPr lang="es-ES" dirty="0"/>
+              <a:t>(res);</a:t>
+            </a:r>
+          </a:p>
+          <a:p>
+            <a:pPr marL="0" indent="0">
+              <a:buNone/>
+            </a:pPr>
+            <a:r>
+              <a:rPr lang="es-ES" dirty="0"/>
+              <a:t>    }</a:t>
+            </a:r>
+          </a:p>
+          <a:p>
+            <a:pPr marL="0" indent="0">
+              <a:buNone/>
+            </a:pPr>
+            <a:r>
+              <a:rPr lang="es-ES" dirty="0"/>
+              <a:t>}</a:t>
             </a:r>
           </a:p>
         </p:txBody>
@@ -11209,7 +12680,7 @@
           <p:cNvPr id="4" name="Marcador de número de diapositiva 3">
             <a:extLst>
               <a:ext uri="{FF2B5EF4-FFF2-40B4-BE49-F238E27FC236}">
-                <a16:creationId xmlns:a16="http://schemas.microsoft.com/office/drawing/2014/main" id="{3ACD2230-B698-9BBC-AE67-4C639DF769BF}"/>
+                <a16:creationId xmlns:a16="http://schemas.microsoft.com/office/drawing/2014/main" id="{C223AC09-CE6A-DEEC-CABD-9452E39A3015}"/>
               </a:ext>
             </a:extLst>
           </p:cNvPr>
@@ -11236,7 +12707,7 @@
     </p:spTree>
     <p:extLst>
       <p:ext uri="{BB962C8B-B14F-4D97-AF65-F5344CB8AC3E}">
-        <p14:creationId xmlns:p14="http://schemas.microsoft.com/office/powerpoint/2010/main" val="215953526"/>
+        <p14:creationId xmlns:p14="http://schemas.microsoft.com/office/powerpoint/2010/main" val="4232276378"/>
       </p:ext>
     </p:extLst>
   </p:cSld>
@@ -11265,10 +12736,10 @@
       </p:grpSpPr>
       <p:sp>
         <p:nvSpPr>
-          <p:cNvPr id="2" name="Título 1">
-            <a:extLst>
-              <a:ext uri="{FF2B5EF4-FFF2-40B4-BE49-F238E27FC236}">
-                <a16:creationId xmlns:a16="http://schemas.microsoft.com/office/drawing/2014/main" id="{F7F18BDE-AFE9-009B-D6D1-7D572F17D467}"/>
+          <p:cNvPr id="6" name="Título 5">
+            <a:extLst>
+              <a:ext uri="{FF2B5EF4-FFF2-40B4-BE49-F238E27FC236}">
+                <a16:creationId xmlns:a16="http://schemas.microsoft.com/office/drawing/2014/main" id="{AFFA51DA-D11F-F31D-2D3B-47CD0B3431BC}"/>
               </a:ext>
             </a:extLst>
           </p:cNvPr>
@@ -11279,64 +12750,107 @@
             <p:ph type="title"/>
           </p:nvPr>
         </p:nvSpPr>
-        <p:spPr>
-          <a:xfrm>
-            <a:off x="211756" y="365125"/>
-            <a:ext cx="11829448" cy="1325563"/>
-          </a:xfrm>
-        </p:spPr>
-        <p:txBody>
-          <a:bodyPr>
-            <a:normAutofit fontScale="90000"/>
-          </a:bodyPr>
-          <a:lstStyle/>
-          <a:p>
-            <a:br>
-              <a:rPr lang="es-ES" dirty="0"/>
-            </a:br>
-            <a:r>
-              <a:rPr lang="es-ES" dirty="0" err="1"/>
-              <a:t>Caching</a:t>
-            </a:r>
-            <a:r>
-              <a:rPr lang="es-ES" dirty="0"/>
-              <a:t> con Redis o </a:t>
-            </a:r>
-            <a:r>
-              <a:rPr lang="es-ES" dirty="0" err="1"/>
-              <a:t>Memcached</a:t>
-            </a:r>
-            <a:r>
-              <a:rPr lang="es-ES" dirty="0"/>
-              <a:t> en aplicaciones C++. </a:t>
-            </a:r>
-            <a:br>
-              <a:rPr lang="es-ES" dirty="0"/>
-            </a:br>
+        <p:spPr/>
+        <p:txBody>
+          <a:bodyPr/>
+          <a:lstStyle/>
+          <a:p>
+            <a:r>
+              <a:rPr lang="es-ES" dirty="0"/>
+              <a:t>Filas afectadas</a:t>
+            </a:r>
+          </a:p>
+        </p:txBody>
+      </p:sp>
+      <p:sp>
+        <p:nvSpPr>
+          <p:cNvPr id="7" name="Marcador de contenido 6">
+            <a:extLst>
+              <a:ext uri="{FF2B5EF4-FFF2-40B4-BE49-F238E27FC236}">
+                <a16:creationId xmlns:a16="http://schemas.microsoft.com/office/drawing/2014/main" id="{05FA7863-7CA3-C8A3-79EA-F7F52F543E04}"/>
+              </a:ext>
+            </a:extLst>
+          </p:cNvPr>
+          <p:cNvSpPr>
+            <a:spLocks noGrp="1"/>
+          </p:cNvSpPr>
+          <p:nvPr>
+            <p:ph idx="1"/>
+          </p:nvPr>
+        </p:nvSpPr>
+        <p:spPr/>
+        <p:txBody>
+          <a:bodyPr/>
+          <a:lstStyle/>
+          <a:p>
+            <a:r>
+              <a:rPr lang="es-ES" dirty="0"/>
+              <a:t>Para </a:t>
+            </a:r>
+            <a:r>
+              <a:rPr lang="es-ES" dirty="0" err="1"/>
+              <a:t>insert</a:t>
+            </a:r>
+            <a:r>
+              <a:rPr lang="es-ES" dirty="0"/>
+              <a:t>, </a:t>
+            </a:r>
+            <a:r>
+              <a:rPr lang="es-ES" dirty="0" err="1"/>
+              <a:t>update</a:t>
+            </a:r>
+            <a:r>
+              <a:rPr lang="es-ES" dirty="0"/>
+              <a:t> y </a:t>
+            </a:r>
+            <a:r>
+              <a:rPr lang="es-ES" dirty="0" err="1"/>
+              <a:t>delete</a:t>
+            </a:r>
             <a:endParaRPr lang="es-ES" dirty="0"/>
           </a:p>
-        </p:txBody>
-      </p:sp>
-      <p:sp>
-        <p:nvSpPr>
-          <p:cNvPr id="3" name="Marcador de contenido 2">
-            <a:extLst>
-              <a:ext uri="{FF2B5EF4-FFF2-40B4-BE49-F238E27FC236}">
-                <a16:creationId xmlns:a16="http://schemas.microsoft.com/office/drawing/2014/main" id="{EA659A88-5D37-41C8-64E8-31D6A24EE5E3}"/>
-              </a:ext>
-            </a:extLst>
-          </p:cNvPr>
-          <p:cNvSpPr>
-            <a:spLocks noGrp="1"/>
-          </p:cNvSpPr>
-          <p:nvPr>
-            <p:ph idx="1"/>
-          </p:nvPr>
-        </p:nvSpPr>
-        <p:spPr/>
-        <p:txBody>
-          <a:bodyPr/>
-          <a:lstStyle/>
+          <a:p>
+            <a:r>
+              <a:rPr lang="fr-FR" dirty="0" err="1"/>
+              <a:t>int</a:t>
+            </a:r>
+            <a:r>
+              <a:rPr lang="fr-FR" dirty="0"/>
+              <a:t> </a:t>
+            </a:r>
+            <a:r>
+              <a:rPr lang="fr-FR" dirty="0" err="1"/>
+              <a:t>filasAfectadas</a:t>
+            </a:r>
+            <a:r>
+              <a:rPr lang="fr-FR" dirty="0"/>
+              <a:t> = std::</a:t>
+            </a:r>
+            <a:r>
+              <a:rPr lang="fr-FR" dirty="0" err="1"/>
+              <a:t>stoi</a:t>
+            </a:r>
+            <a:r>
+              <a:rPr lang="fr-FR" dirty="0"/>
+              <a:t>(</a:t>
+            </a:r>
+            <a:r>
+              <a:rPr lang="fr-FR" b="1" dirty="0" err="1"/>
+              <a:t>PQcmdTuples</a:t>
+            </a:r>
+            <a:r>
+              <a:rPr lang="fr-FR" dirty="0"/>
+              <a:t>(</a:t>
+            </a:r>
+            <a:r>
+              <a:rPr lang="fr-FR" dirty="0" err="1"/>
+              <a:t>res</a:t>
+            </a:r>
+            <a:r>
+              <a:rPr lang="fr-FR" dirty="0"/>
+              <a:t>));</a:t>
+            </a:r>
+          </a:p>
           <a:p>
             <a:endParaRPr lang="es-ES" dirty="0"/>
           </a:p>
@@ -11344,10 +12858,10 @@
       </p:sp>
       <p:sp>
         <p:nvSpPr>
-          <p:cNvPr id="4" name="Marcador de número de diapositiva 3">
-            <a:extLst>
-              <a:ext uri="{FF2B5EF4-FFF2-40B4-BE49-F238E27FC236}">
-                <a16:creationId xmlns:a16="http://schemas.microsoft.com/office/drawing/2014/main" id="{B4554192-6168-CC32-B34C-95A000769902}"/>
+          <p:cNvPr id="5" name="Marcador de número de diapositiva 4">
+            <a:extLst>
+              <a:ext uri="{FF2B5EF4-FFF2-40B4-BE49-F238E27FC236}">
+                <a16:creationId xmlns:a16="http://schemas.microsoft.com/office/drawing/2014/main" id="{29C3372E-268B-4CAA-35B6-5EA8CA679510}"/>
               </a:ext>
             </a:extLst>
           </p:cNvPr>
@@ -11374,7 +12888,7 @@
     </p:spTree>
     <p:extLst>
       <p:ext uri="{BB962C8B-B14F-4D97-AF65-F5344CB8AC3E}">
-        <p14:creationId xmlns:p14="http://schemas.microsoft.com/office/powerpoint/2010/main" val="616475062"/>
+        <p14:creationId xmlns:p14="http://schemas.microsoft.com/office/powerpoint/2010/main" val="3446717394"/>
       </p:ext>
     </p:extLst>
   </p:cSld>
@@ -11406,7 +12920,7 @@
           <p:cNvPr id="2" name="Título 1">
             <a:extLst>
               <a:ext uri="{FF2B5EF4-FFF2-40B4-BE49-F238E27FC236}">
-                <a16:creationId xmlns:a16="http://schemas.microsoft.com/office/drawing/2014/main" id="{49BB2EED-00D7-72C8-4BAA-9054EDCFA75D}"/>
+                <a16:creationId xmlns:a16="http://schemas.microsoft.com/office/drawing/2014/main" id="{1121B5B9-466B-55C6-B62C-13E7CE2E4EF1}"/>
               </a:ext>
             </a:extLst>
           </p:cNvPr>
@@ -11422,7 +12936,10 @@
           <a:bodyPr/>
           <a:lstStyle/>
           <a:p>
-            <a:endParaRPr lang="es-ES"/>
+            <a:r>
+              <a:rPr lang="es-ES" dirty="0"/>
+              <a:t>Ultimo id generado</a:t>
+            </a:r>
           </a:p>
         </p:txBody>
       </p:sp>
@@ -11431,7 +12948,7 @@
           <p:cNvPr id="3" name="Marcador de contenido 2">
             <a:extLst>
               <a:ext uri="{FF2B5EF4-FFF2-40B4-BE49-F238E27FC236}">
-                <a16:creationId xmlns:a16="http://schemas.microsoft.com/office/drawing/2014/main" id="{4E51DAE2-6BF9-D230-8633-B37A6B6FAA28}"/>
+                <a16:creationId xmlns:a16="http://schemas.microsoft.com/office/drawing/2014/main" id="{CCC2E335-6756-E7F5-208A-4E4B7CF8ED0B}"/>
               </a:ext>
             </a:extLst>
           </p:cNvPr>
@@ -11442,12 +12959,334 @@
             <p:ph idx="1"/>
           </p:nvPr>
         </p:nvSpPr>
-        <p:spPr/>
-        <p:txBody>
-          <a:bodyPr/>
-          <a:lstStyle/>
-          <a:p>
-            <a:endParaRPr lang="es-ES"/>
+        <p:spPr>
+          <a:xfrm>
+            <a:off x="169682" y="1825625"/>
+            <a:ext cx="11840066" cy="4351338"/>
+          </a:xfrm>
+        </p:spPr>
+        <p:txBody>
+          <a:bodyPr>
+            <a:normAutofit fontScale="77500" lnSpcReduction="20000"/>
+          </a:bodyPr>
+          <a:lstStyle/>
+          <a:p>
+            <a:pPr marL="0" indent="0">
+              <a:buNone/>
+            </a:pPr>
+            <a:r>
+              <a:rPr lang="es-ES" dirty="0" err="1"/>
+              <a:t>const</a:t>
+            </a:r>
+            <a:r>
+              <a:rPr lang="es-ES" dirty="0"/>
+              <a:t> </a:t>
+            </a:r>
+            <a:r>
+              <a:rPr lang="es-ES" dirty="0" err="1"/>
+              <a:t>char</a:t>
+            </a:r>
+            <a:r>
+              <a:rPr lang="es-ES" dirty="0"/>
+              <a:t>* </a:t>
+            </a:r>
+            <a:r>
+              <a:rPr lang="es-ES" dirty="0" err="1"/>
+              <a:t>query</a:t>
+            </a:r>
+            <a:r>
+              <a:rPr lang="es-ES" dirty="0"/>
+              <a:t> = "INSERT INTO </a:t>
+            </a:r>
+            <a:r>
+              <a:rPr lang="es-ES" dirty="0" err="1"/>
+              <a:t>tbempleados</a:t>
+            </a:r>
+            <a:r>
+              <a:rPr lang="es-ES" dirty="0"/>
+              <a:t>(nombre, cargo) VALUES($1, $2) </a:t>
+            </a:r>
+            <a:r>
+              <a:rPr lang="es-ES" b="1" dirty="0"/>
+              <a:t>RETURNING</a:t>
+            </a:r>
+            <a:r>
+              <a:rPr lang="es-ES" dirty="0"/>
+              <a:t> id";</a:t>
+            </a:r>
+          </a:p>
+          <a:p>
+            <a:pPr marL="0" indent="0">
+              <a:buNone/>
+            </a:pPr>
+            <a:r>
+              <a:rPr lang="es-ES" dirty="0" err="1"/>
+              <a:t>const</a:t>
+            </a:r>
+            <a:r>
+              <a:rPr lang="es-ES" dirty="0"/>
+              <a:t> </a:t>
+            </a:r>
+            <a:r>
+              <a:rPr lang="es-ES" dirty="0" err="1"/>
+              <a:t>char</a:t>
+            </a:r>
+            <a:r>
+              <a:rPr lang="es-ES" dirty="0"/>
+              <a:t>* </a:t>
+            </a:r>
+            <a:r>
+              <a:rPr lang="es-ES" dirty="0" err="1"/>
+              <a:t>params</a:t>
+            </a:r>
+            <a:r>
+              <a:rPr lang="es-ES" dirty="0"/>
+              <a:t>[2] = { </a:t>
+            </a:r>
+            <a:r>
+              <a:rPr lang="es-ES" dirty="0" err="1"/>
+              <a:t>emp.nombre.c_str</a:t>
+            </a:r>
+            <a:r>
+              <a:rPr lang="es-ES" dirty="0"/>
+              <a:t>(), </a:t>
+            </a:r>
+            <a:r>
+              <a:rPr lang="es-ES" dirty="0" err="1"/>
+              <a:t>emp.cargo.c_str</a:t>
+            </a:r>
+            <a:r>
+              <a:rPr lang="es-ES" dirty="0"/>
+              <a:t>() };</a:t>
+            </a:r>
+          </a:p>
+          <a:p>
+            <a:pPr marL="0" indent="0">
+              <a:buNone/>
+            </a:pPr>
+            <a:endParaRPr lang="es-ES" dirty="0"/>
+          </a:p>
+          <a:p>
+            <a:pPr marL="0" indent="0">
+              <a:buNone/>
+            </a:pPr>
+            <a:r>
+              <a:rPr lang="es-ES" dirty="0" err="1"/>
+              <a:t>PGresult</a:t>
+            </a:r>
+            <a:r>
+              <a:rPr lang="es-ES" dirty="0"/>
+              <a:t>* res = </a:t>
+            </a:r>
+            <a:r>
+              <a:rPr lang="es-ES" dirty="0" err="1"/>
+              <a:t>PQexecParams</a:t>
+            </a:r>
+            <a:r>
+              <a:rPr lang="es-ES" dirty="0"/>
+              <a:t>(</a:t>
+            </a:r>
+            <a:r>
+              <a:rPr lang="es-ES" dirty="0" err="1"/>
+              <a:t>conn</a:t>
+            </a:r>
+            <a:r>
+              <a:rPr lang="es-ES" dirty="0"/>
+              <a:t>_, </a:t>
+            </a:r>
+            <a:r>
+              <a:rPr lang="es-ES" dirty="0" err="1"/>
+              <a:t>query</a:t>
+            </a:r>
+            <a:r>
+              <a:rPr lang="es-ES" dirty="0"/>
+              <a:t>, 2, </a:t>
+            </a:r>
+            <a:r>
+              <a:rPr lang="es-ES" dirty="0" err="1"/>
+              <a:t>nullptr</a:t>
+            </a:r>
+            <a:r>
+              <a:rPr lang="es-ES" dirty="0"/>
+              <a:t>, </a:t>
+            </a:r>
+            <a:r>
+              <a:rPr lang="es-ES" dirty="0" err="1"/>
+              <a:t>params</a:t>
+            </a:r>
+            <a:r>
+              <a:rPr lang="es-ES" dirty="0"/>
+              <a:t>, </a:t>
+            </a:r>
+            <a:r>
+              <a:rPr lang="es-ES" dirty="0" err="1"/>
+              <a:t>nullptr</a:t>
+            </a:r>
+            <a:r>
+              <a:rPr lang="es-ES" dirty="0"/>
+              <a:t>, </a:t>
+            </a:r>
+            <a:r>
+              <a:rPr lang="es-ES" dirty="0" err="1"/>
+              <a:t>nullptr</a:t>
+            </a:r>
+            <a:r>
+              <a:rPr lang="es-ES" dirty="0"/>
+              <a:t>, 0);</a:t>
+            </a:r>
+          </a:p>
+          <a:p>
+            <a:pPr marL="0" indent="0">
+              <a:buNone/>
+            </a:pPr>
+            <a:endParaRPr lang="es-ES" dirty="0"/>
+          </a:p>
+          <a:p>
+            <a:pPr marL="0" indent="0">
+              <a:buNone/>
+            </a:pPr>
+            <a:r>
+              <a:rPr lang="es-ES" dirty="0" err="1"/>
+              <a:t>if</a:t>
+            </a:r>
+            <a:r>
+              <a:rPr lang="es-ES" dirty="0"/>
+              <a:t> (</a:t>
+            </a:r>
+            <a:r>
+              <a:rPr lang="es-ES" dirty="0" err="1"/>
+              <a:t>PQresultStatus</a:t>
+            </a:r>
+            <a:r>
+              <a:rPr lang="es-ES" dirty="0"/>
+              <a:t>(res) != PGRES_TUPLES_OK) {</a:t>
+            </a:r>
+          </a:p>
+          <a:p>
+            <a:pPr marL="0" indent="0">
+              <a:buNone/>
+            </a:pPr>
+            <a:r>
+              <a:rPr lang="es-ES" dirty="0"/>
+              <a:t>    </a:t>
+            </a:r>
+            <a:r>
+              <a:rPr lang="es-ES" dirty="0" err="1"/>
+              <a:t>PQclear</a:t>
+            </a:r>
+            <a:r>
+              <a:rPr lang="es-ES" dirty="0"/>
+              <a:t>(res);</a:t>
+            </a:r>
+          </a:p>
+          <a:p>
+            <a:pPr marL="0" indent="0">
+              <a:buNone/>
+            </a:pPr>
+            <a:r>
+              <a:rPr lang="es-ES" dirty="0"/>
+              <a:t>    </a:t>
+            </a:r>
+            <a:r>
+              <a:rPr lang="es-ES" dirty="0" err="1"/>
+              <a:t>throw</a:t>
+            </a:r>
+            <a:r>
+              <a:rPr lang="es-ES" dirty="0"/>
+              <a:t> </a:t>
+            </a:r>
+            <a:r>
+              <a:rPr lang="es-ES" dirty="0" err="1"/>
+              <a:t>std</a:t>
+            </a:r>
+            <a:r>
+              <a:rPr lang="es-ES" dirty="0"/>
+              <a:t>::</a:t>
+            </a:r>
+            <a:r>
+              <a:rPr lang="es-ES" dirty="0" err="1"/>
+              <a:t>runtime_error</a:t>
+            </a:r>
+            <a:r>
+              <a:rPr lang="es-ES" dirty="0"/>
+              <a:t>("Error al insertar empleado");</a:t>
+            </a:r>
+          </a:p>
+          <a:p>
+            <a:pPr marL="0" indent="0">
+              <a:buNone/>
+            </a:pPr>
+            <a:r>
+              <a:rPr lang="es-ES" dirty="0"/>
+              <a:t>}</a:t>
+            </a:r>
+          </a:p>
+          <a:p>
+            <a:pPr marL="0" indent="0">
+              <a:buNone/>
+            </a:pPr>
+            <a:endParaRPr lang="es-ES" dirty="0"/>
+          </a:p>
+          <a:p>
+            <a:pPr marL="0" indent="0">
+              <a:buNone/>
+            </a:pPr>
+            <a:r>
+              <a:rPr lang="es-ES" dirty="0" err="1"/>
+              <a:t>int</a:t>
+            </a:r>
+            <a:r>
+              <a:rPr lang="es-ES" dirty="0"/>
+              <a:t> </a:t>
+            </a:r>
+            <a:r>
+              <a:rPr lang="es-ES" dirty="0" err="1"/>
+              <a:t>nuevoId</a:t>
+            </a:r>
+            <a:r>
+              <a:rPr lang="es-ES" dirty="0"/>
+              <a:t> = </a:t>
+            </a:r>
+            <a:r>
+              <a:rPr lang="es-ES" dirty="0" err="1"/>
+              <a:t>std</a:t>
+            </a:r>
+            <a:r>
+              <a:rPr lang="es-ES" dirty="0"/>
+              <a:t>::</a:t>
+            </a:r>
+            <a:r>
+              <a:rPr lang="es-ES" dirty="0" err="1"/>
+              <a:t>stoi</a:t>
+            </a:r>
+            <a:r>
+              <a:rPr lang="es-ES" dirty="0"/>
+              <a:t>(</a:t>
+            </a:r>
+            <a:r>
+              <a:rPr lang="es-ES" dirty="0" err="1"/>
+              <a:t>PQgetvalue</a:t>
+            </a:r>
+            <a:r>
+              <a:rPr lang="es-ES" dirty="0"/>
+              <a:t>(res, 0, 0));</a:t>
+            </a:r>
+          </a:p>
+          <a:p>
+            <a:pPr marL="0" indent="0">
+              <a:buNone/>
+            </a:pPr>
+            <a:r>
+              <a:rPr lang="es-ES" dirty="0" err="1"/>
+              <a:t>PQclear</a:t>
+            </a:r>
+            <a:r>
+              <a:rPr lang="es-ES" dirty="0"/>
+              <a:t>(res);</a:t>
+            </a:r>
+          </a:p>
+          <a:p>
+            <a:endParaRPr lang="es-ES" dirty="0"/>
           </a:p>
         </p:txBody>
       </p:sp>
@@ -11456,7 +13295,7 @@
           <p:cNvPr id="4" name="Marcador de número de diapositiva 3">
             <a:extLst>
               <a:ext uri="{FF2B5EF4-FFF2-40B4-BE49-F238E27FC236}">
-                <a16:creationId xmlns:a16="http://schemas.microsoft.com/office/drawing/2014/main" id="{7C785272-8B36-78C1-1936-DD08C0F0D35C}"/>
+                <a16:creationId xmlns:a16="http://schemas.microsoft.com/office/drawing/2014/main" id="{87C32299-148F-4EDD-959F-95C7F6BA436B}"/>
               </a:ext>
             </a:extLst>
           </p:cNvPr>
@@ -11483,7 +13322,7 @@
     </p:spTree>
     <p:extLst>
       <p:ext uri="{BB962C8B-B14F-4D97-AF65-F5344CB8AC3E}">
-        <p14:creationId xmlns:p14="http://schemas.microsoft.com/office/powerpoint/2010/main" val="1445094952"/>
+        <p14:creationId xmlns:p14="http://schemas.microsoft.com/office/powerpoint/2010/main" val="3015973611"/>
       </p:ext>
     </p:extLst>
   </p:cSld>
@@ -11512,10 +13351,109 @@
       </p:grpSpPr>
       <p:sp>
         <p:nvSpPr>
+          <p:cNvPr id="5" name="Título 4">
+            <a:extLst>
+              <a:ext uri="{FF2B5EF4-FFF2-40B4-BE49-F238E27FC236}">
+                <a16:creationId xmlns:a16="http://schemas.microsoft.com/office/drawing/2014/main" id="{B18E6648-95B8-F084-3CEA-029F64EC2DE5}"/>
+              </a:ext>
+            </a:extLst>
+          </p:cNvPr>
+          <p:cNvSpPr>
+            <a:spLocks noGrp="1"/>
+          </p:cNvSpPr>
+          <p:nvPr>
+            <p:ph type="ctrTitle"/>
+          </p:nvPr>
+        </p:nvSpPr>
+        <p:spPr>
+          <a:xfrm>
+            <a:off x="1524000" y="2235200"/>
+            <a:ext cx="9144000" cy="2387600"/>
+          </a:xfrm>
+        </p:spPr>
+        <p:txBody>
+          <a:bodyPr/>
+          <a:lstStyle/>
+          <a:p>
+            <a:r>
+              <a:rPr lang="es-ES" b="1" dirty="0"/>
+              <a:t>BD NoSQL</a:t>
+            </a:r>
+            <a:br>
+              <a:rPr lang="es-ES" b="1" dirty="0"/>
+            </a:br>
+            <a:r>
+              <a:rPr lang="es-ES" b="1" dirty="0"/>
+              <a:t>MongoDB</a:t>
+            </a:r>
+          </a:p>
+        </p:txBody>
+      </p:sp>
+      <p:sp>
+        <p:nvSpPr>
+          <p:cNvPr id="4" name="Marcador de número de diapositiva 3">
+            <a:extLst>
+              <a:ext uri="{FF2B5EF4-FFF2-40B4-BE49-F238E27FC236}">
+                <a16:creationId xmlns:a16="http://schemas.microsoft.com/office/drawing/2014/main" id="{6E392DDE-7D2D-8321-D831-B6ACC01199AF}"/>
+              </a:ext>
+            </a:extLst>
+          </p:cNvPr>
+          <p:cNvSpPr>
+            <a:spLocks noGrp="1"/>
+          </p:cNvSpPr>
+          <p:nvPr>
+            <p:ph type="sldNum" sz="quarter" idx="12"/>
+          </p:nvPr>
+        </p:nvSpPr>
+        <p:spPr/>
+        <p:txBody>
+          <a:bodyPr/>
+          <a:lstStyle/>
+          <a:p>
+            <a:fld id="{768BFD4A-17AE-4857-8B7E-5E5A409CCC86}" type="slidenum">
+              <a:rPr lang="es-ES" smtClean="0"/>
+              <a:t>44</a:t>
+            </a:fld>
+            <a:endParaRPr lang="es-ES"/>
+          </a:p>
+        </p:txBody>
+      </p:sp>
+    </p:spTree>
+    <p:extLst>
+      <p:ext uri="{BB962C8B-B14F-4D97-AF65-F5344CB8AC3E}">
+        <p14:creationId xmlns:p14="http://schemas.microsoft.com/office/powerpoint/2010/main" val="1844079400"/>
+      </p:ext>
+    </p:extLst>
+  </p:cSld>
+  <p:clrMapOvr>
+    <a:masterClrMapping/>
+  </p:clrMapOvr>
+</p:sld>
+</file>
+
+<file path=ppt/slides/slide45.xml><?xml version="1.0" encoding="utf-8"?>
+<p:sld xmlns:a="http://schemas.openxmlformats.org/drawingml/2006/main" xmlns:r="http://schemas.openxmlformats.org/officeDocument/2006/relationships" xmlns:p="http://schemas.openxmlformats.org/presentationml/2006/main">
+  <p:cSld>
+    <p:spTree>
+      <p:nvGrpSpPr>
+        <p:cNvPr id="1" name=""/>
+        <p:cNvGrpSpPr/>
+        <p:nvPr/>
+      </p:nvGrpSpPr>
+      <p:grpSpPr>
+        <a:xfrm>
+          <a:off x="0" y="0"/>
+          <a:ext cx="0" cy="0"/>
+          <a:chOff x="0" y="0"/>
+          <a:chExt cx="0" cy="0"/>
+        </a:xfrm>
+      </p:grpSpPr>
+      <p:sp>
+        <p:nvSpPr>
           <p:cNvPr id="2" name="Título 1">
             <a:extLst>
               <a:ext uri="{FF2B5EF4-FFF2-40B4-BE49-F238E27FC236}">
-                <a16:creationId xmlns:a16="http://schemas.microsoft.com/office/drawing/2014/main" id="{0AF1788B-5C79-E93A-CFF1-2028E33D14F2}"/>
+                <a16:creationId xmlns:a16="http://schemas.microsoft.com/office/drawing/2014/main" id="{55AD6E9E-D2B3-7EA0-CCA5-7DB45FC993D8}"/>
               </a:ext>
             </a:extLst>
           </p:cNvPr>
@@ -11527,6 +13465,212 @@
           </p:nvPr>
         </p:nvSpPr>
         <p:spPr/>
+        <p:txBody>
+          <a:bodyPr/>
+          <a:lstStyle/>
+          <a:p>
+            <a:endParaRPr lang="es-ES"/>
+          </a:p>
+        </p:txBody>
+      </p:sp>
+      <p:sp>
+        <p:nvSpPr>
+          <p:cNvPr id="3" name="Marcador de contenido 2">
+            <a:extLst>
+              <a:ext uri="{FF2B5EF4-FFF2-40B4-BE49-F238E27FC236}">
+                <a16:creationId xmlns:a16="http://schemas.microsoft.com/office/drawing/2014/main" id="{5E48EFA1-0F74-1914-F3EE-BBB48688781D}"/>
+              </a:ext>
+            </a:extLst>
+          </p:cNvPr>
+          <p:cNvSpPr>
+            <a:spLocks noGrp="1"/>
+          </p:cNvSpPr>
+          <p:nvPr>
+            <p:ph idx="1"/>
+          </p:nvPr>
+        </p:nvSpPr>
+        <p:spPr/>
+        <p:txBody>
+          <a:bodyPr/>
+          <a:lstStyle/>
+          <a:p>
+            <a:endParaRPr lang="es-ES"/>
+          </a:p>
+        </p:txBody>
+      </p:sp>
+      <p:sp>
+        <p:nvSpPr>
+          <p:cNvPr id="4" name="Marcador de número de diapositiva 3">
+            <a:extLst>
+              <a:ext uri="{FF2B5EF4-FFF2-40B4-BE49-F238E27FC236}">
+                <a16:creationId xmlns:a16="http://schemas.microsoft.com/office/drawing/2014/main" id="{6F673F4A-EB42-1EE3-6623-CEC4AD8A122D}"/>
+              </a:ext>
+            </a:extLst>
+          </p:cNvPr>
+          <p:cNvSpPr>
+            <a:spLocks noGrp="1"/>
+          </p:cNvSpPr>
+          <p:nvPr>
+            <p:ph type="sldNum" sz="quarter" idx="12"/>
+          </p:nvPr>
+        </p:nvSpPr>
+        <p:spPr/>
+        <p:txBody>
+          <a:bodyPr/>
+          <a:lstStyle/>
+          <a:p>
+            <a:fld id="{768BFD4A-17AE-4857-8B7E-5E5A409CCC86}" type="slidenum">
+              <a:rPr lang="es-ES" smtClean="0"/>
+              <a:t>45</a:t>
+            </a:fld>
+            <a:endParaRPr lang="es-ES"/>
+          </a:p>
+        </p:txBody>
+      </p:sp>
+    </p:spTree>
+    <p:extLst>
+      <p:ext uri="{BB962C8B-B14F-4D97-AF65-F5344CB8AC3E}">
+        <p14:creationId xmlns:p14="http://schemas.microsoft.com/office/powerpoint/2010/main" val="878187405"/>
+      </p:ext>
+    </p:extLst>
+  </p:cSld>
+  <p:clrMapOvr>
+    <a:masterClrMapping/>
+  </p:clrMapOvr>
+</p:sld>
+</file>
+
+<file path=ppt/slides/slide46.xml><?xml version="1.0" encoding="utf-8"?>
+<p:sld xmlns:a="http://schemas.openxmlformats.org/drawingml/2006/main" xmlns:r="http://schemas.openxmlformats.org/officeDocument/2006/relationships" xmlns:p="http://schemas.openxmlformats.org/presentationml/2006/main">
+  <p:cSld>
+    <p:spTree>
+      <p:nvGrpSpPr>
+        <p:cNvPr id="1" name=""/>
+        <p:cNvGrpSpPr/>
+        <p:nvPr/>
+      </p:nvGrpSpPr>
+      <p:grpSpPr>
+        <a:xfrm>
+          <a:off x="0" y="0"/>
+          <a:ext cx="0" cy="0"/>
+          <a:chOff x="0" y="0"/>
+          <a:chExt cx="0" cy="0"/>
+        </a:xfrm>
+      </p:grpSpPr>
+      <p:sp>
+        <p:nvSpPr>
+          <p:cNvPr id="5" name="Título 4">
+            <a:extLst>
+              <a:ext uri="{FF2B5EF4-FFF2-40B4-BE49-F238E27FC236}">
+                <a16:creationId xmlns:a16="http://schemas.microsoft.com/office/drawing/2014/main" id="{3530AFC8-879B-AB7E-BD55-0F2A15347493}"/>
+              </a:ext>
+            </a:extLst>
+          </p:cNvPr>
+          <p:cNvSpPr>
+            <a:spLocks noGrp="1"/>
+          </p:cNvSpPr>
+          <p:nvPr>
+            <p:ph type="ctrTitle"/>
+          </p:nvPr>
+        </p:nvSpPr>
+        <p:spPr>
+          <a:xfrm>
+            <a:off x="1524000" y="1988636"/>
+            <a:ext cx="9144000" cy="2387600"/>
+          </a:xfrm>
+        </p:spPr>
+        <p:txBody>
+          <a:bodyPr/>
+          <a:lstStyle/>
+          <a:p>
+            <a:r>
+              <a:rPr lang="es-ES" b="1" dirty="0"/>
+              <a:t>Estrategias de persistencia y acceso rápido a datos </a:t>
+            </a:r>
+          </a:p>
+        </p:txBody>
+      </p:sp>
+      <p:sp>
+        <p:nvSpPr>
+          <p:cNvPr id="4" name="Marcador de número de diapositiva 3">
+            <a:extLst>
+              <a:ext uri="{FF2B5EF4-FFF2-40B4-BE49-F238E27FC236}">
+                <a16:creationId xmlns:a16="http://schemas.microsoft.com/office/drawing/2014/main" id="{3ACD2230-B698-9BBC-AE67-4C639DF769BF}"/>
+              </a:ext>
+            </a:extLst>
+          </p:cNvPr>
+          <p:cNvSpPr>
+            <a:spLocks noGrp="1"/>
+          </p:cNvSpPr>
+          <p:nvPr>
+            <p:ph type="sldNum" sz="quarter" idx="12"/>
+          </p:nvPr>
+        </p:nvSpPr>
+        <p:spPr/>
+        <p:txBody>
+          <a:bodyPr/>
+          <a:lstStyle/>
+          <a:p>
+            <a:fld id="{768BFD4A-17AE-4857-8B7E-5E5A409CCC86}" type="slidenum">
+              <a:rPr lang="es-ES" smtClean="0"/>
+              <a:t>46</a:t>
+            </a:fld>
+            <a:endParaRPr lang="es-ES"/>
+          </a:p>
+        </p:txBody>
+      </p:sp>
+    </p:spTree>
+    <p:extLst>
+      <p:ext uri="{BB962C8B-B14F-4D97-AF65-F5344CB8AC3E}">
+        <p14:creationId xmlns:p14="http://schemas.microsoft.com/office/powerpoint/2010/main" val="215953526"/>
+      </p:ext>
+    </p:extLst>
+  </p:cSld>
+  <p:clrMapOvr>
+    <a:masterClrMapping/>
+  </p:clrMapOvr>
+</p:sld>
+</file>
+
+<file path=ppt/slides/slide47.xml><?xml version="1.0" encoding="utf-8"?>
+<p:sld xmlns:a="http://schemas.openxmlformats.org/drawingml/2006/main" xmlns:r="http://schemas.openxmlformats.org/officeDocument/2006/relationships" xmlns:p="http://schemas.openxmlformats.org/presentationml/2006/main">
+  <p:cSld>
+    <p:spTree>
+      <p:nvGrpSpPr>
+        <p:cNvPr id="1" name=""/>
+        <p:cNvGrpSpPr/>
+        <p:nvPr/>
+      </p:nvGrpSpPr>
+      <p:grpSpPr>
+        <a:xfrm>
+          <a:off x="0" y="0"/>
+          <a:ext cx="0" cy="0"/>
+          <a:chOff x="0" y="0"/>
+          <a:chExt cx="0" cy="0"/>
+        </a:xfrm>
+      </p:grpSpPr>
+      <p:sp>
+        <p:nvSpPr>
+          <p:cNvPr id="2" name="Título 1">
+            <a:extLst>
+              <a:ext uri="{FF2B5EF4-FFF2-40B4-BE49-F238E27FC236}">
+                <a16:creationId xmlns:a16="http://schemas.microsoft.com/office/drawing/2014/main" id="{F7F18BDE-AFE9-009B-D6D1-7D572F17D467}"/>
+              </a:ext>
+            </a:extLst>
+          </p:cNvPr>
+          <p:cNvSpPr>
+            <a:spLocks noGrp="1"/>
+          </p:cNvSpPr>
+          <p:nvPr>
+            <p:ph type="title"/>
+          </p:nvPr>
+        </p:nvSpPr>
+        <p:spPr>
+          <a:xfrm>
+            <a:off x="211756" y="365125"/>
+            <a:ext cx="11829448" cy="1325563"/>
+          </a:xfrm>
+        </p:spPr>
         <p:txBody>
           <a:bodyPr>
             <a:normAutofit fontScale="90000"/>
@@ -11537,8 +13681,20 @@
               <a:rPr lang="es-ES" dirty="0"/>
             </a:br>
             <a:r>
-              <a:rPr lang="es-ES" dirty="0"/>
-              <a:t>Implementación de acceso en tiempo real a grandes volúmenes de datos </a:t>
+              <a:rPr lang="es-ES" dirty="0" err="1"/>
+              <a:t>Caching</a:t>
+            </a:r>
+            <a:r>
+              <a:rPr lang="es-ES" dirty="0"/>
+              <a:t> con Redis o </a:t>
+            </a:r>
+            <a:r>
+              <a:rPr lang="es-ES" dirty="0" err="1"/>
+              <a:t>Memcached</a:t>
+            </a:r>
+            <a:r>
+              <a:rPr lang="es-ES" dirty="0"/>
+              <a:t> en aplicaciones C++. </a:t>
             </a:r>
             <a:br>
               <a:rPr lang="es-ES" dirty="0"/>
@@ -11552,7 +13708,7 @@
           <p:cNvPr id="3" name="Marcador de contenido 2">
             <a:extLst>
               <a:ext uri="{FF2B5EF4-FFF2-40B4-BE49-F238E27FC236}">
-                <a16:creationId xmlns:a16="http://schemas.microsoft.com/office/drawing/2014/main" id="{2D020A8F-0A2D-0870-5DA2-82B7D01EAC67}"/>
+                <a16:creationId xmlns:a16="http://schemas.microsoft.com/office/drawing/2014/main" id="{EA659A88-5D37-41C8-64E8-31D6A24EE5E3}"/>
               </a:ext>
             </a:extLst>
           </p:cNvPr>
@@ -11568,7 +13724,7 @@
           <a:bodyPr/>
           <a:lstStyle/>
           <a:p>
-            <a:endParaRPr lang="es-ES"/>
+            <a:endParaRPr lang="es-ES" dirty="0"/>
           </a:p>
         </p:txBody>
       </p:sp>
@@ -11577,7 +13733,7 @@
           <p:cNvPr id="4" name="Marcador de número de diapositiva 3">
             <a:extLst>
               <a:ext uri="{FF2B5EF4-FFF2-40B4-BE49-F238E27FC236}">
-                <a16:creationId xmlns:a16="http://schemas.microsoft.com/office/drawing/2014/main" id="{91067DBD-6930-F91A-B260-0C31A518892C}"/>
+                <a16:creationId xmlns:a16="http://schemas.microsoft.com/office/drawing/2014/main" id="{B4554192-6168-CC32-B34C-95A000769902}"/>
               </a:ext>
             </a:extLst>
           </p:cNvPr>
@@ -11595,7 +13751,237 @@
           <a:p>
             <a:fld id="{768BFD4A-17AE-4857-8B7E-5E5A409CCC86}" type="slidenum">
               <a:rPr lang="es-ES" smtClean="0"/>
-              <a:t>44</a:t>
+              <a:t>47</a:t>
+            </a:fld>
+            <a:endParaRPr lang="es-ES"/>
+          </a:p>
+        </p:txBody>
+      </p:sp>
+    </p:spTree>
+    <p:extLst>
+      <p:ext uri="{BB962C8B-B14F-4D97-AF65-F5344CB8AC3E}">
+        <p14:creationId xmlns:p14="http://schemas.microsoft.com/office/powerpoint/2010/main" val="616475062"/>
+      </p:ext>
+    </p:extLst>
+  </p:cSld>
+  <p:clrMapOvr>
+    <a:masterClrMapping/>
+  </p:clrMapOvr>
+</p:sld>
+</file>
+
+<file path=ppt/slides/slide48.xml><?xml version="1.0" encoding="utf-8"?>
+<p:sld xmlns:a="http://schemas.openxmlformats.org/drawingml/2006/main" xmlns:r="http://schemas.openxmlformats.org/officeDocument/2006/relationships" xmlns:p="http://schemas.openxmlformats.org/presentationml/2006/main">
+  <p:cSld>
+    <p:spTree>
+      <p:nvGrpSpPr>
+        <p:cNvPr id="1" name=""/>
+        <p:cNvGrpSpPr/>
+        <p:nvPr/>
+      </p:nvGrpSpPr>
+      <p:grpSpPr>
+        <a:xfrm>
+          <a:off x="0" y="0"/>
+          <a:ext cx="0" cy="0"/>
+          <a:chOff x="0" y="0"/>
+          <a:chExt cx="0" cy="0"/>
+        </a:xfrm>
+      </p:grpSpPr>
+      <p:sp>
+        <p:nvSpPr>
+          <p:cNvPr id="2" name="Título 1">
+            <a:extLst>
+              <a:ext uri="{FF2B5EF4-FFF2-40B4-BE49-F238E27FC236}">
+                <a16:creationId xmlns:a16="http://schemas.microsoft.com/office/drawing/2014/main" id="{49BB2EED-00D7-72C8-4BAA-9054EDCFA75D}"/>
+              </a:ext>
+            </a:extLst>
+          </p:cNvPr>
+          <p:cNvSpPr>
+            <a:spLocks noGrp="1"/>
+          </p:cNvSpPr>
+          <p:nvPr>
+            <p:ph type="title"/>
+          </p:nvPr>
+        </p:nvSpPr>
+        <p:spPr/>
+        <p:txBody>
+          <a:bodyPr/>
+          <a:lstStyle/>
+          <a:p>
+            <a:endParaRPr lang="es-ES"/>
+          </a:p>
+        </p:txBody>
+      </p:sp>
+      <p:sp>
+        <p:nvSpPr>
+          <p:cNvPr id="3" name="Marcador de contenido 2">
+            <a:extLst>
+              <a:ext uri="{FF2B5EF4-FFF2-40B4-BE49-F238E27FC236}">
+                <a16:creationId xmlns:a16="http://schemas.microsoft.com/office/drawing/2014/main" id="{4E51DAE2-6BF9-D230-8633-B37A6B6FAA28}"/>
+              </a:ext>
+            </a:extLst>
+          </p:cNvPr>
+          <p:cNvSpPr>
+            <a:spLocks noGrp="1"/>
+          </p:cNvSpPr>
+          <p:nvPr>
+            <p:ph idx="1"/>
+          </p:nvPr>
+        </p:nvSpPr>
+        <p:spPr/>
+        <p:txBody>
+          <a:bodyPr/>
+          <a:lstStyle/>
+          <a:p>
+            <a:endParaRPr lang="es-ES"/>
+          </a:p>
+        </p:txBody>
+      </p:sp>
+      <p:sp>
+        <p:nvSpPr>
+          <p:cNvPr id="4" name="Marcador de número de diapositiva 3">
+            <a:extLst>
+              <a:ext uri="{FF2B5EF4-FFF2-40B4-BE49-F238E27FC236}">
+                <a16:creationId xmlns:a16="http://schemas.microsoft.com/office/drawing/2014/main" id="{7C785272-8B36-78C1-1936-DD08C0F0D35C}"/>
+              </a:ext>
+            </a:extLst>
+          </p:cNvPr>
+          <p:cNvSpPr>
+            <a:spLocks noGrp="1"/>
+          </p:cNvSpPr>
+          <p:nvPr>
+            <p:ph type="sldNum" sz="quarter" idx="12"/>
+          </p:nvPr>
+        </p:nvSpPr>
+        <p:spPr/>
+        <p:txBody>
+          <a:bodyPr/>
+          <a:lstStyle/>
+          <a:p>
+            <a:fld id="{768BFD4A-17AE-4857-8B7E-5E5A409CCC86}" type="slidenum">
+              <a:rPr lang="es-ES" smtClean="0"/>
+              <a:t>48</a:t>
+            </a:fld>
+            <a:endParaRPr lang="es-ES"/>
+          </a:p>
+        </p:txBody>
+      </p:sp>
+    </p:spTree>
+    <p:extLst>
+      <p:ext uri="{BB962C8B-B14F-4D97-AF65-F5344CB8AC3E}">
+        <p14:creationId xmlns:p14="http://schemas.microsoft.com/office/powerpoint/2010/main" val="1445094952"/>
+      </p:ext>
+    </p:extLst>
+  </p:cSld>
+  <p:clrMapOvr>
+    <a:masterClrMapping/>
+  </p:clrMapOvr>
+</p:sld>
+</file>
+
+<file path=ppt/slides/slide49.xml><?xml version="1.0" encoding="utf-8"?>
+<p:sld xmlns:a="http://schemas.openxmlformats.org/drawingml/2006/main" xmlns:r="http://schemas.openxmlformats.org/officeDocument/2006/relationships" xmlns:p="http://schemas.openxmlformats.org/presentationml/2006/main">
+  <p:cSld>
+    <p:spTree>
+      <p:nvGrpSpPr>
+        <p:cNvPr id="1" name=""/>
+        <p:cNvGrpSpPr/>
+        <p:nvPr/>
+      </p:nvGrpSpPr>
+      <p:grpSpPr>
+        <a:xfrm>
+          <a:off x="0" y="0"/>
+          <a:ext cx="0" cy="0"/>
+          <a:chOff x="0" y="0"/>
+          <a:chExt cx="0" cy="0"/>
+        </a:xfrm>
+      </p:grpSpPr>
+      <p:sp>
+        <p:nvSpPr>
+          <p:cNvPr id="2" name="Título 1">
+            <a:extLst>
+              <a:ext uri="{FF2B5EF4-FFF2-40B4-BE49-F238E27FC236}">
+                <a16:creationId xmlns:a16="http://schemas.microsoft.com/office/drawing/2014/main" id="{0AF1788B-5C79-E93A-CFF1-2028E33D14F2}"/>
+              </a:ext>
+            </a:extLst>
+          </p:cNvPr>
+          <p:cNvSpPr>
+            <a:spLocks noGrp="1"/>
+          </p:cNvSpPr>
+          <p:nvPr>
+            <p:ph type="title"/>
+          </p:nvPr>
+        </p:nvSpPr>
+        <p:spPr/>
+        <p:txBody>
+          <a:bodyPr>
+            <a:normAutofit fontScale="90000"/>
+          </a:bodyPr>
+          <a:lstStyle/>
+          <a:p>
+            <a:br>
+              <a:rPr lang="es-ES" dirty="0"/>
+            </a:br>
+            <a:r>
+              <a:rPr lang="es-ES" dirty="0"/>
+              <a:t>Implementación de acceso en tiempo real a grandes volúmenes de datos </a:t>
+            </a:r>
+            <a:br>
+              <a:rPr lang="es-ES" dirty="0"/>
+            </a:br>
+            <a:endParaRPr lang="es-ES" dirty="0"/>
+          </a:p>
+        </p:txBody>
+      </p:sp>
+      <p:sp>
+        <p:nvSpPr>
+          <p:cNvPr id="3" name="Marcador de contenido 2">
+            <a:extLst>
+              <a:ext uri="{FF2B5EF4-FFF2-40B4-BE49-F238E27FC236}">
+                <a16:creationId xmlns:a16="http://schemas.microsoft.com/office/drawing/2014/main" id="{2D020A8F-0A2D-0870-5DA2-82B7D01EAC67}"/>
+              </a:ext>
+            </a:extLst>
+          </p:cNvPr>
+          <p:cNvSpPr>
+            <a:spLocks noGrp="1"/>
+          </p:cNvSpPr>
+          <p:nvPr>
+            <p:ph idx="1"/>
+          </p:nvPr>
+        </p:nvSpPr>
+        <p:spPr/>
+        <p:txBody>
+          <a:bodyPr/>
+          <a:lstStyle/>
+          <a:p>
+            <a:endParaRPr lang="es-ES"/>
+          </a:p>
+        </p:txBody>
+      </p:sp>
+      <p:sp>
+        <p:nvSpPr>
+          <p:cNvPr id="4" name="Marcador de número de diapositiva 3">
+            <a:extLst>
+              <a:ext uri="{FF2B5EF4-FFF2-40B4-BE49-F238E27FC236}">
+                <a16:creationId xmlns:a16="http://schemas.microsoft.com/office/drawing/2014/main" id="{91067DBD-6930-F91A-B260-0C31A518892C}"/>
+              </a:ext>
+            </a:extLst>
+          </p:cNvPr>
+          <p:cNvSpPr>
+            <a:spLocks noGrp="1"/>
+          </p:cNvSpPr>
+          <p:nvPr>
+            <p:ph type="sldNum" sz="quarter" idx="12"/>
+          </p:nvPr>
+        </p:nvSpPr>
+        <p:spPr/>
+        <p:txBody>
+          <a:bodyPr/>
+          <a:lstStyle/>
+          <a:p>
+            <a:fld id="{768BFD4A-17AE-4857-8B7E-5E5A409CCC86}" type="slidenum">
+              <a:rPr lang="es-ES" smtClean="0"/>
+              <a:t>49</a:t>
             </a:fld>
             <a:endParaRPr lang="es-ES"/>
           </a:p>

--- a/doc/4_Gestion_estado_persistencia.pptx
+++ b/doc/4_Gestion_estado_persistencia.pptx
@@ -5,7 +5,7 @@
     <p:sldMasterId id="2147483648" r:id="rId1"/>
   </p:sldMasterIdLst>
   <p:notesMasterIdLst>
-    <p:notesMasterId r:id="rId51"/>
+    <p:notesMasterId r:id="rId55"/>
   </p:notesMasterIdLst>
   <p:sldIdLst>
     <p:sldId id="256" r:id="rId2"/>
@@ -53,10 +53,14 @@
     <p:sldId id="307" r:id="rId44"/>
     <p:sldId id="281" r:id="rId45"/>
     <p:sldId id="259" r:id="rId46"/>
-    <p:sldId id="282" r:id="rId47"/>
-    <p:sldId id="283" r:id="rId48"/>
-    <p:sldId id="284" r:id="rId49"/>
-    <p:sldId id="285" r:id="rId50"/>
+    <p:sldId id="308" r:id="rId47"/>
+    <p:sldId id="309" r:id="rId48"/>
+    <p:sldId id="282" r:id="rId49"/>
+    <p:sldId id="283" r:id="rId50"/>
+    <p:sldId id="284" r:id="rId51"/>
+    <p:sldId id="310" r:id="rId52"/>
+    <p:sldId id="311" r:id="rId53"/>
+    <p:sldId id="285" r:id="rId54"/>
   </p:sldIdLst>
   <p:sldSz cx="12192000" cy="6858000"/>
   <p:notesSz cx="6858000" cy="9144000"/>
@@ -245,7 +249,7 @@
           <a:p>
             <a:fld id="{1655E9AB-EF8E-404F-9ED0-86C5474D9762}" type="datetimeFigureOut">
               <a:rPr lang="es-ES" smtClean="0"/>
-              <a:t>15/09/2025</a:t>
+              <a:t>16/09/2025</a:t>
             </a:fld>
             <a:endParaRPr lang="es-ES"/>
           </a:p>
@@ -659,7 +663,7 @@
           <a:p>
             <a:fld id="{E62B872C-FC23-4055-8B07-FADE96D7802C}" type="datetime1">
               <a:rPr lang="es-ES" smtClean="0"/>
-              <a:t>15/09/2025</a:t>
+              <a:t>16/09/2025</a:t>
             </a:fld>
             <a:endParaRPr lang="es-ES"/>
           </a:p>
@@ -857,7 +861,7 @@
           <a:p>
             <a:fld id="{B2780EAF-7CB8-44B7-B12D-CC17A6ECD69E}" type="datetime1">
               <a:rPr lang="es-ES" smtClean="0"/>
-              <a:t>15/09/2025</a:t>
+              <a:t>16/09/2025</a:t>
             </a:fld>
             <a:endParaRPr lang="es-ES"/>
           </a:p>
@@ -1065,7 +1069,7 @@
           <a:p>
             <a:fld id="{A623F2D4-ACBE-488E-809A-D23F76D8B737}" type="datetime1">
               <a:rPr lang="es-ES" smtClean="0"/>
-              <a:t>15/09/2025</a:t>
+              <a:t>16/09/2025</a:t>
             </a:fld>
             <a:endParaRPr lang="es-ES"/>
           </a:p>
@@ -1263,7 +1267,7 @@
           <a:p>
             <a:fld id="{710B3105-95C4-4099-A364-90D93564A4C1}" type="datetime1">
               <a:rPr lang="es-ES" smtClean="0"/>
-              <a:t>15/09/2025</a:t>
+              <a:t>16/09/2025</a:t>
             </a:fld>
             <a:endParaRPr lang="es-ES"/>
           </a:p>
@@ -1538,7 +1542,7 @@
           <a:p>
             <a:fld id="{A3B2FD73-2912-4888-80DC-B2BB1E1705CB}" type="datetime1">
               <a:rPr lang="es-ES" smtClean="0"/>
-              <a:t>15/09/2025</a:t>
+              <a:t>16/09/2025</a:t>
             </a:fld>
             <a:endParaRPr lang="es-ES"/>
           </a:p>
@@ -1803,7 +1807,7 @@
           <a:p>
             <a:fld id="{FA9FEBBD-9F7A-482E-A376-3EDA971D0F0C}" type="datetime1">
               <a:rPr lang="es-ES" smtClean="0"/>
-              <a:t>15/09/2025</a:t>
+              <a:t>16/09/2025</a:t>
             </a:fld>
             <a:endParaRPr lang="es-ES"/>
           </a:p>
@@ -2215,7 +2219,7 @@
           <a:p>
             <a:fld id="{37E7EDCD-1D5A-44E7-A767-44DAEFB4D594}" type="datetime1">
               <a:rPr lang="es-ES" smtClean="0"/>
-              <a:t>15/09/2025</a:t>
+              <a:t>16/09/2025</a:t>
             </a:fld>
             <a:endParaRPr lang="es-ES"/>
           </a:p>
@@ -2356,7 +2360,7 @@
           <a:p>
             <a:fld id="{70EB0D49-9E68-475B-9FA0-3CFB085CC588}" type="datetime1">
               <a:rPr lang="es-ES" smtClean="0"/>
-              <a:t>15/09/2025</a:t>
+              <a:t>16/09/2025</a:t>
             </a:fld>
             <a:endParaRPr lang="es-ES"/>
           </a:p>
@@ -2469,7 +2473,7 @@
           <a:p>
             <a:fld id="{C90FA803-CDF8-4E5F-BF39-A047F2CE96C7}" type="datetime1">
               <a:rPr lang="es-ES" smtClean="0"/>
-              <a:t>15/09/2025</a:t>
+              <a:t>16/09/2025</a:t>
             </a:fld>
             <a:endParaRPr lang="es-ES"/>
           </a:p>
@@ -2780,7 +2784,7 @@
           <a:p>
             <a:fld id="{44BBC0B8-08BE-4E58-A5BF-D59E4AE70275}" type="datetime1">
               <a:rPr lang="es-ES" smtClean="0"/>
-              <a:t>15/09/2025</a:t>
+              <a:t>16/09/2025</a:t>
             </a:fld>
             <a:endParaRPr lang="es-ES"/>
           </a:p>
@@ -3068,7 +3072,7 @@
           <a:p>
             <a:fld id="{ED5126FC-B483-47DC-919E-F96E7C554726}" type="datetime1">
               <a:rPr lang="es-ES" smtClean="0"/>
-              <a:t>15/09/2025</a:t>
+              <a:t>16/09/2025</a:t>
             </a:fld>
             <a:endParaRPr lang="es-ES"/>
           </a:p>
@@ -3309,7 +3313,7 @@
           <a:p>
             <a:fld id="{99A794F4-2787-449C-B22E-09EB7B697085}" type="datetime1">
               <a:rPr lang="es-ES" smtClean="0"/>
-              <a:t>15/09/2025</a:t>
+              <a:t>16/09/2025</a:t>
             </a:fld>
             <a:endParaRPr lang="es-ES"/>
           </a:p>
@@ -13469,7 +13473,11 @@
           <a:bodyPr/>
           <a:lstStyle/>
           <a:p>
-            <a:endParaRPr lang="es-ES"/>
+            <a:r>
+              <a:rPr lang="es-ES" dirty="0" err="1"/>
+              <a:t>Mongodb</a:t>
+            </a:r>
+            <a:endParaRPr lang="es-ES" dirty="0"/>
           </a:p>
         </p:txBody>
       </p:sp>
@@ -13491,10 +13499,165 @@
         </p:nvSpPr>
         <p:spPr/>
         <p:txBody>
-          <a:bodyPr/>
-          <a:lstStyle/>
-          <a:p>
-            <a:endParaRPr lang="es-ES"/>
+          <a:bodyPr>
+            <a:normAutofit fontScale="85000" lnSpcReduction="20000"/>
+          </a:bodyPr>
+          <a:lstStyle/>
+          <a:p>
+            <a:r>
+              <a:rPr lang="es-ES" dirty="0"/>
+              <a:t>La librería </a:t>
+            </a:r>
+            <a:r>
+              <a:rPr lang="es-ES" b="1" dirty="0"/>
+              <a:t>mongo-</a:t>
+            </a:r>
+            <a:r>
+              <a:rPr lang="es-ES" b="1" dirty="0" err="1"/>
+              <a:t>cxx</a:t>
+            </a:r>
+            <a:r>
+              <a:rPr lang="es-ES" b="1" dirty="0"/>
+              <a:t>-driver</a:t>
+            </a:r>
+            <a:r>
+              <a:rPr lang="es-ES" dirty="0"/>
+              <a:t>, está disponible en </a:t>
+            </a:r>
+            <a:r>
+              <a:rPr lang="es-ES" b="1" dirty="0" err="1"/>
+              <a:t>vcpkg</a:t>
+            </a:r>
+            <a:r>
+              <a:rPr lang="es-ES" dirty="0"/>
+              <a:t>.</a:t>
+            </a:r>
+          </a:p>
+          <a:p>
+            <a:r>
+              <a:rPr lang="es-ES" dirty="0">
+                <a:hlinkClick r:id="rId2"/>
+              </a:rPr>
+              <a:t>https://www.mongodb.com/docs/languages/cpp/cpp-driver/current/</a:t>
+            </a:r>
+            <a:endParaRPr lang="es-ES" dirty="0"/>
+          </a:p>
+          <a:p>
+            <a:endParaRPr lang="es-ES" dirty="0"/>
+          </a:p>
+          <a:p>
+            <a:endParaRPr lang="es-ES" dirty="0"/>
+          </a:p>
+          <a:p>
+            <a:r>
+              <a:rPr lang="es-ES" b="1" dirty="0" err="1"/>
+              <a:t>vcpkg</a:t>
+            </a:r>
+            <a:r>
+              <a:rPr lang="es-ES" b="1" dirty="0"/>
+              <a:t> </a:t>
+            </a:r>
+            <a:r>
+              <a:rPr lang="es-ES" b="1" dirty="0" err="1"/>
+              <a:t>install</a:t>
+            </a:r>
+            <a:r>
+              <a:rPr lang="es-ES" b="1" dirty="0"/>
+              <a:t> mongo-</a:t>
+            </a:r>
+            <a:r>
+              <a:rPr lang="es-ES" b="1" dirty="0" err="1"/>
+              <a:t>cxx</a:t>
+            </a:r>
+            <a:r>
+              <a:rPr lang="es-ES" b="1" dirty="0"/>
+              <a:t>-driver</a:t>
+            </a:r>
+          </a:p>
+          <a:p>
+            <a:r>
+              <a:rPr lang="es-ES" b="1" dirty="0" err="1"/>
+              <a:t>vcpkg</a:t>
+            </a:r>
+            <a:r>
+              <a:rPr lang="es-ES" b="1" dirty="0"/>
+              <a:t> </a:t>
+            </a:r>
+            <a:r>
+              <a:rPr lang="es-ES" b="1" dirty="0" err="1"/>
+              <a:t>integrate</a:t>
+            </a:r>
+            <a:r>
+              <a:rPr lang="es-ES" b="1" dirty="0"/>
+              <a:t> </a:t>
+            </a:r>
+            <a:r>
+              <a:rPr lang="es-ES" b="1" dirty="0" err="1"/>
+              <a:t>install</a:t>
+            </a:r>
+            <a:endParaRPr lang="es-ES" b="1" dirty="0"/>
+          </a:p>
+          <a:p>
+            <a:endParaRPr lang="es-ES" dirty="0"/>
+          </a:p>
+          <a:p>
+            <a:r>
+              <a:rPr lang="es-ES" dirty="0"/>
+              <a:t>OJO esta librería no ubica los .h en los mismos directorios que otras librerías.</a:t>
+            </a:r>
+          </a:p>
+          <a:p>
+            <a:endParaRPr lang="es-ES" dirty="0"/>
+          </a:p>
+          <a:p>
+            <a:r>
+              <a:rPr lang="es-ES" dirty="0"/>
+              <a:t>Se instalan en:</a:t>
+            </a:r>
+          </a:p>
+          <a:p>
+            <a:pPr lvl="1"/>
+            <a:r>
+              <a:rPr lang="es-ES" b="1" dirty="0"/>
+              <a:t>\</a:t>
+            </a:r>
+            <a:r>
+              <a:rPr lang="es-ES" b="1" dirty="0" err="1"/>
+              <a:t>vcpkg</a:t>
+            </a:r>
+            <a:r>
+              <a:rPr lang="es-ES" b="1" dirty="0"/>
+              <a:t>\</a:t>
+            </a:r>
+            <a:r>
+              <a:rPr lang="es-ES" b="1" dirty="0" err="1"/>
+              <a:t>installed</a:t>
+            </a:r>
+            <a:r>
+              <a:rPr lang="es-ES" b="1" dirty="0"/>
+              <a:t>\x64-windows\</a:t>
+            </a:r>
+            <a:r>
+              <a:rPr lang="es-ES" b="1" dirty="0" err="1"/>
+              <a:t>include</a:t>
+            </a:r>
+            <a:r>
+              <a:rPr lang="es-ES" b="1" dirty="0"/>
+              <a:t>\</a:t>
+            </a:r>
+            <a:r>
+              <a:rPr lang="es-ES" b="1" dirty="0" err="1"/>
+              <a:t>mongocxx</a:t>
+            </a:r>
+            <a:r>
+              <a:rPr lang="es-ES" b="1" dirty="0"/>
+              <a:t>\v-</a:t>
+            </a:r>
+            <a:r>
+              <a:rPr lang="es-ES" b="1" dirty="0" err="1"/>
+              <a:t>noabi</a:t>
+            </a:r>
+            <a:endParaRPr lang="es-ES" b="1" dirty="0"/>
           </a:p>
         </p:txBody>
       </p:sp>
@@ -13559,24 +13722,24 @@
       </p:grpSpPr>
       <p:sp>
         <p:nvSpPr>
-          <p:cNvPr id="5" name="Título 4">
-            <a:extLst>
-              <a:ext uri="{FF2B5EF4-FFF2-40B4-BE49-F238E27FC236}">
-                <a16:creationId xmlns:a16="http://schemas.microsoft.com/office/drawing/2014/main" id="{3530AFC8-879B-AB7E-BD55-0F2A15347493}"/>
-              </a:ext>
-            </a:extLst>
-          </p:cNvPr>
-          <p:cNvSpPr>
-            <a:spLocks noGrp="1"/>
-          </p:cNvSpPr>
-          <p:nvPr>
-            <p:ph type="ctrTitle"/>
+          <p:cNvPr id="2" name="Título 1">
+            <a:extLst>
+              <a:ext uri="{FF2B5EF4-FFF2-40B4-BE49-F238E27FC236}">
+                <a16:creationId xmlns:a16="http://schemas.microsoft.com/office/drawing/2014/main" id="{46BDDF53-4083-2285-8AB9-4D07ADF3A428}"/>
+              </a:ext>
+            </a:extLst>
+          </p:cNvPr>
+          <p:cNvSpPr>
+            <a:spLocks noGrp="1"/>
+          </p:cNvSpPr>
+          <p:nvPr>
+            <p:ph type="title"/>
           </p:nvPr>
         </p:nvSpPr>
         <p:spPr>
           <a:xfrm>
-            <a:off x="1524000" y="1988636"/>
-            <a:ext cx="9144000" cy="2387600"/>
+            <a:off x="838200" y="365126"/>
+            <a:ext cx="10515600" cy="775518"/>
           </a:xfrm>
         </p:spPr>
         <p:txBody>
@@ -13584,8 +13747,261 @@
           <a:lstStyle/>
           <a:p>
             <a:r>
+              <a:rPr lang="es-ES" dirty="0"/>
+              <a:t>En Visual Studio</a:t>
+            </a:r>
+          </a:p>
+        </p:txBody>
+      </p:sp>
+      <p:sp>
+        <p:nvSpPr>
+          <p:cNvPr id="3" name="Marcador de contenido 2">
+            <a:extLst>
+              <a:ext uri="{FF2B5EF4-FFF2-40B4-BE49-F238E27FC236}">
+                <a16:creationId xmlns:a16="http://schemas.microsoft.com/office/drawing/2014/main" id="{153F9D05-5431-CCE5-466F-600D6BD918B1}"/>
+              </a:ext>
+            </a:extLst>
+          </p:cNvPr>
+          <p:cNvSpPr>
+            <a:spLocks noGrp="1"/>
+          </p:cNvSpPr>
+          <p:nvPr>
+            <p:ph idx="1"/>
+          </p:nvPr>
+        </p:nvSpPr>
+        <p:spPr>
+          <a:xfrm>
+            <a:off x="688157" y="1348033"/>
+            <a:ext cx="10665643" cy="4828930"/>
+          </a:xfrm>
+        </p:spPr>
+        <p:txBody>
+          <a:bodyPr>
+            <a:normAutofit fontScale="85000" lnSpcReduction="10000"/>
+          </a:bodyPr>
+          <a:lstStyle/>
+          <a:p>
+            <a:r>
+              <a:rPr lang="es-ES" dirty="0"/>
+              <a:t>Agregar estas rutas de forma manual:</a:t>
+            </a:r>
+          </a:p>
+          <a:p>
+            <a:endParaRPr lang="es-ES" dirty="0"/>
+          </a:p>
+          <a:p>
+            <a:r>
+              <a:rPr lang="es-ES" dirty="0"/>
+              <a:t>Propiedades del proyecto → </a:t>
+            </a:r>
+            <a:r>
               <a:rPr lang="es-ES" b="1" dirty="0"/>
-              <a:t>Estrategias de persistencia y acceso rápido a datos </a:t>
+              <a:t>C/C++</a:t>
+            </a:r>
+            <a:r>
+              <a:rPr lang="es-ES" dirty="0"/>
+              <a:t> → General → </a:t>
+            </a:r>
+            <a:r>
+              <a:rPr lang="es-ES" dirty="0" err="1"/>
+              <a:t>Additional</a:t>
+            </a:r>
+            <a:r>
+              <a:rPr lang="es-ES" dirty="0"/>
+              <a:t> </a:t>
+            </a:r>
+            <a:r>
+              <a:rPr lang="es-ES" dirty="0" err="1"/>
+              <a:t>Include</a:t>
+            </a:r>
+            <a:r>
+              <a:rPr lang="es-ES" dirty="0"/>
+              <a:t> Directories</a:t>
+            </a:r>
+          </a:p>
+          <a:p>
+            <a:pPr lvl="1"/>
+            <a:r>
+              <a:rPr lang="es-ES" dirty="0"/>
+              <a:t>$(</a:t>
+            </a:r>
+            <a:r>
+              <a:rPr lang="es-ES" dirty="0" err="1"/>
+              <a:t>VcpkgRoot</a:t>
+            </a:r>
+            <a:r>
+              <a:rPr lang="es-ES" dirty="0"/>
+              <a:t>)</a:t>
+            </a:r>
+            <a:r>
+              <a:rPr lang="es-ES" dirty="0" err="1"/>
+              <a:t>installed</a:t>
+            </a:r>
+            <a:r>
+              <a:rPr lang="es-ES" dirty="0"/>
+              <a:t>\x64-windows\</a:t>
+            </a:r>
+            <a:r>
+              <a:rPr lang="es-ES" dirty="0" err="1"/>
+              <a:t>include</a:t>
+            </a:r>
+            <a:r>
+              <a:rPr lang="es-ES" dirty="0"/>
+              <a:t>\</a:t>
+            </a:r>
+            <a:r>
+              <a:rPr lang="es-ES" dirty="0" err="1"/>
+              <a:t>mongocxx</a:t>
+            </a:r>
+            <a:r>
+              <a:rPr lang="es-ES" dirty="0"/>
+              <a:t>\</a:t>
+            </a:r>
+            <a:r>
+              <a:rPr lang="es-ES" dirty="0" err="1"/>
+              <a:t>v_noabi</a:t>
+            </a:r>
+            <a:endParaRPr lang="es-ES" dirty="0"/>
+          </a:p>
+          <a:p>
+            <a:pPr lvl="1"/>
+            <a:r>
+              <a:rPr lang="es-ES" dirty="0"/>
+              <a:t>$(</a:t>
+            </a:r>
+            <a:r>
+              <a:rPr lang="es-ES" dirty="0" err="1"/>
+              <a:t>VcpkgRoot</a:t>
+            </a:r>
+            <a:r>
+              <a:rPr lang="es-ES" dirty="0"/>
+              <a:t>)</a:t>
+            </a:r>
+            <a:r>
+              <a:rPr lang="es-ES" dirty="0" err="1"/>
+              <a:t>installed</a:t>
+            </a:r>
+            <a:r>
+              <a:rPr lang="es-ES" dirty="0"/>
+              <a:t>\x64-windows\</a:t>
+            </a:r>
+            <a:r>
+              <a:rPr lang="es-ES" dirty="0" err="1"/>
+              <a:t>include</a:t>
+            </a:r>
+            <a:r>
+              <a:rPr lang="es-ES" dirty="0"/>
+              <a:t>\</a:t>
+            </a:r>
+            <a:r>
+              <a:rPr lang="es-ES" dirty="0" err="1"/>
+              <a:t>bsoncxx</a:t>
+            </a:r>
+            <a:r>
+              <a:rPr lang="es-ES" dirty="0"/>
+              <a:t>\</a:t>
+            </a:r>
+            <a:r>
+              <a:rPr lang="es-ES" dirty="0" err="1"/>
+              <a:t>v_noabi</a:t>
+            </a:r>
+            <a:endParaRPr lang="es-ES" dirty="0"/>
+          </a:p>
+          <a:p>
+            <a:endParaRPr lang="es-ES" dirty="0"/>
+          </a:p>
+          <a:p>
+            <a:r>
+              <a:rPr lang="es-ES" dirty="0"/>
+              <a:t>Propiedades del proyecto → </a:t>
+            </a:r>
+            <a:r>
+              <a:rPr lang="es-ES" b="1" dirty="0" err="1"/>
+              <a:t>Linker</a:t>
+            </a:r>
+            <a:r>
+              <a:rPr lang="es-ES" dirty="0"/>
+              <a:t> → General → </a:t>
+            </a:r>
+            <a:r>
+              <a:rPr lang="es-ES" dirty="0" err="1"/>
+              <a:t>Additional</a:t>
+            </a:r>
+            <a:r>
+              <a:rPr lang="es-ES" dirty="0"/>
+              <a:t> Library Directories</a:t>
+            </a:r>
+          </a:p>
+          <a:p>
+            <a:pPr lvl="1"/>
+            <a:r>
+              <a:rPr lang="es-ES" dirty="0"/>
+              <a:t>$(</a:t>
+            </a:r>
+            <a:r>
+              <a:rPr lang="es-ES" dirty="0" err="1"/>
+              <a:t>VcpkgRoot</a:t>
+            </a:r>
+            <a:r>
+              <a:rPr lang="es-ES" dirty="0"/>
+              <a:t>)</a:t>
+            </a:r>
+            <a:r>
+              <a:rPr lang="es-ES" dirty="0" err="1"/>
+              <a:t>installed</a:t>
+            </a:r>
+            <a:r>
+              <a:rPr lang="es-ES" dirty="0"/>
+              <a:t>\x64-windows\</a:t>
+            </a:r>
+            <a:r>
+              <a:rPr lang="es-ES" dirty="0" err="1"/>
+              <a:t>lib</a:t>
+            </a:r>
+            <a:endParaRPr lang="es-ES" dirty="0"/>
+          </a:p>
+          <a:p>
+            <a:endParaRPr lang="es-ES" dirty="0"/>
+          </a:p>
+          <a:p>
+            <a:r>
+              <a:rPr lang="es-ES" dirty="0"/>
+              <a:t>Propiedades del proyecto → </a:t>
+            </a:r>
+            <a:r>
+              <a:rPr lang="es-ES" b="1" dirty="0" err="1"/>
+              <a:t>Linker</a:t>
+            </a:r>
+            <a:r>
+              <a:rPr lang="es-ES" dirty="0"/>
+              <a:t> → Input → </a:t>
+            </a:r>
+            <a:r>
+              <a:rPr lang="es-ES" dirty="0" err="1"/>
+              <a:t>Additional</a:t>
+            </a:r>
+            <a:r>
+              <a:rPr lang="es-ES" dirty="0"/>
+              <a:t> </a:t>
+            </a:r>
+            <a:r>
+              <a:rPr lang="es-ES" dirty="0" err="1"/>
+              <a:t>Dependencies</a:t>
+            </a:r>
+            <a:endParaRPr lang="es-ES" dirty="0"/>
+          </a:p>
+          <a:p>
+            <a:pPr lvl="1"/>
+            <a:r>
+              <a:rPr lang="es-ES" b="1" dirty="0"/>
+              <a:t>mongocxx-v_noabi-rhi-md.lib</a:t>
+            </a:r>
+          </a:p>
+          <a:p>
+            <a:pPr lvl="1"/>
+            <a:r>
+              <a:rPr lang="es-ES" b="1" dirty="0"/>
+              <a:t>bsoncxx-v_noabi-rhi-md.lib</a:t>
             </a:r>
           </a:p>
         </p:txBody>
@@ -13595,7 +14011,7 @@
           <p:cNvPr id="4" name="Marcador de número de diapositiva 3">
             <a:extLst>
               <a:ext uri="{FF2B5EF4-FFF2-40B4-BE49-F238E27FC236}">
-                <a16:creationId xmlns:a16="http://schemas.microsoft.com/office/drawing/2014/main" id="{3ACD2230-B698-9BBC-AE67-4C639DF769BF}"/>
+                <a16:creationId xmlns:a16="http://schemas.microsoft.com/office/drawing/2014/main" id="{027A0AAE-0707-41E8-682E-1AFABFE93575}"/>
               </a:ext>
             </a:extLst>
           </p:cNvPr>
@@ -13622,7 +14038,7 @@
     </p:spTree>
     <p:extLst>
       <p:ext uri="{BB962C8B-B14F-4D97-AF65-F5344CB8AC3E}">
-        <p14:creationId xmlns:p14="http://schemas.microsoft.com/office/powerpoint/2010/main" val="215953526"/>
+        <p14:creationId xmlns:p14="http://schemas.microsoft.com/office/powerpoint/2010/main" val="1075016104"/>
       </p:ext>
     </p:extLst>
   </p:cSld>
@@ -13654,7 +14070,7 @@
           <p:cNvPr id="2" name="Título 1">
             <a:extLst>
               <a:ext uri="{FF2B5EF4-FFF2-40B4-BE49-F238E27FC236}">
-                <a16:creationId xmlns:a16="http://schemas.microsoft.com/office/drawing/2014/main" id="{F7F18BDE-AFE9-009B-D6D1-7D572F17D467}"/>
+                <a16:creationId xmlns:a16="http://schemas.microsoft.com/office/drawing/2014/main" id="{4B67E262-EB07-CFEA-C622-705AF13786EC}"/>
               </a:ext>
             </a:extLst>
           </p:cNvPr>
@@ -13665,41 +14081,19 @@
             <p:ph type="title"/>
           </p:nvPr>
         </p:nvSpPr>
-        <p:spPr>
-          <a:xfrm>
-            <a:off x="211756" y="365125"/>
-            <a:ext cx="11829448" cy="1325563"/>
-          </a:xfrm>
-        </p:spPr>
-        <p:txBody>
-          <a:bodyPr>
-            <a:normAutofit fontScale="90000"/>
-          </a:bodyPr>
-          <a:lstStyle/>
-          <a:p>
-            <a:br>
-              <a:rPr lang="es-ES" dirty="0"/>
-            </a:br>
-            <a:r>
-              <a:rPr lang="es-ES" dirty="0" err="1"/>
-              <a:t>Caching</a:t>
-            </a:r>
-            <a:r>
-              <a:rPr lang="es-ES" dirty="0"/>
-              <a:t> con Redis o </a:t>
-            </a:r>
-            <a:r>
-              <a:rPr lang="es-ES" dirty="0" err="1"/>
-              <a:t>Memcached</a:t>
-            </a:r>
-            <a:r>
-              <a:rPr lang="es-ES" dirty="0"/>
-              <a:t> en aplicaciones C++. </a:t>
-            </a:r>
-            <a:br>
-              <a:rPr lang="es-ES" dirty="0"/>
-            </a:br>
-            <a:endParaRPr lang="es-ES" dirty="0"/>
+        <p:spPr/>
+        <p:txBody>
+          <a:bodyPr/>
+          <a:lstStyle/>
+          <a:p>
+            <a:r>
+              <a:rPr lang="es-ES" dirty="0">
+                <a:solidFill>
+                  <a:srgbClr val="FF0000"/>
+                </a:solidFill>
+              </a:rPr>
+              <a:t>Problemas</a:t>
+            </a:r>
           </a:p>
         </p:txBody>
       </p:sp>
@@ -13708,7 +14102,7 @@
           <p:cNvPr id="3" name="Marcador de contenido 2">
             <a:extLst>
               <a:ext uri="{FF2B5EF4-FFF2-40B4-BE49-F238E27FC236}">
-                <a16:creationId xmlns:a16="http://schemas.microsoft.com/office/drawing/2014/main" id="{EA659A88-5D37-41C8-64E8-31D6A24EE5E3}"/>
+                <a16:creationId xmlns:a16="http://schemas.microsoft.com/office/drawing/2014/main" id="{A018D74C-DD10-704C-EAB9-9395AB99F5C4}"/>
               </a:ext>
             </a:extLst>
           </p:cNvPr>
@@ -13724,7 +14118,30 @@
           <a:bodyPr/>
           <a:lstStyle/>
           <a:p>
-            <a:endParaRPr lang="es-ES" dirty="0"/>
+            <a:r>
+              <a:rPr lang="es-ES" dirty="0">
+                <a:solidFill>
+                  <a:srgbClr val="FF0000"/>
+                </a:solidFill>
+              </a:rPr>
+              <a:t>Aunque se incluyen las rutas da problemas (no encuentra las librerías en el momento de </a:t>
+            </a:r>
+            <a:r>
+              <a:rPr lang="es-ES" dirty="0" err="1">
+                <a:solidFill>
+                  <a:srgbClr val="FF0000"/>
+                </a:solidFill>
+              </a:rPr>
+              <a:t>linkar</a:t>
+            </a:r>
+            <a:r>
+              <a:rPr lang="es-ES" dirty="0">
+                <a:solidFill>
+                  <a:srgbClr val="FF0000"/>
+                </a:solidFill>
+              </a:rPr>
+              <a:t>)</a:t>
+            </a:r>
           </a:p>
         </p:txBody>
       </p:sp>
@@ -13733,7 +14150,7 @@
           <p:cNvPr id="4" name="Marcador de número de diapositiva 3">
             <a:extLst>
               <a:ext uri="{FF2B5EF4-FFF2-40B4-BE49-F238E27FC236}">
-                <a16:creationId xmlns:a16="http://schemas.microsoft.com/office/drawing/2014/main" id="{B4554192-6168-CC32-B34C-95A000769902}"/>
+                <a16:creationId xmlns:a16="http://schemas.microsoft.com/office/drawing/2014/main" id="{9862A963-4DDD-795F-2E4F-A14B2B8BE1A4}"/>
               </a:ext>
             </a:extLst>
           </p:cNvPr>
@@ -13760,7 +14177,7 @@
     </p:spTree>
     <p:extLst>
       <p:ext uri="{BB962C8B-B14F-4D97-AF65-F5344CB8AC3E}">
-        <p14:creationId xmlns:p14="http://schemas.microsoft.com/office/powerpoint/2010/main" val="616475062"/>
+        <p14:creationId xmlns:p14="http://schemas.microsoft.com/office/powerpoint/2010/main" val="3463271019"/>
       </p:ext>
     </p:extLst>
   </p:cSld>
@@ -13789,51 +14206,34 @@
       </p:grpSpPr>
       <p:sp>
         <p:nvSpPr>
-          <p:cNvPr id="2" name="Título 1">
-            <a:extLst>
-              <a:ext uri="{FF2B5EF4-FFF2-40B4-BE49-F238E27FC236}">
-                <a16:creationId xmlns:a16="http://schemas.microsoft.com/office/drawing/2014/main" id="{49BB2EED-00D7-72C8-4BAA-9054EDCFA75D}"/>
-              </a:ext>
-            </a:extLst>
-          </p:cNvPr>
-          <p:cNvSpPr>
-            <a:spLocks noGrp="1"/>
-          </p:cNvSpPr>
-          <p:nvPr>
-            <p:ph type="title"/>
-          </p:nvPr>
-        </p:nvSpPr>
-        <p:spPr/>
-        <p:txBody>
-          <a:bodyPr/>
-          <a:lstStyle/>
-          <a:p>
-            <a:endParaRPr lang="es-ES"/>
-          </a:p>
-        </p:txBody>
-      </p:sp>
-      <p:sp>
-        <p:nvSpPr>
-          <p:cNvPr id="3" name="Marcador de contenido 2">
-            <a:extLst>
-              <a:ext uri="{FF2B5EF4-FFF2-40B4-BE49-F238E27FC236}">
-                <a16:creationId xmlns:a16="http://schemas.microsoft.com/office/drawing/2014/main" id="{4E51DAE2-6BF9-D230-8633-B37A6B6FAA28}"/>
-              </a:ext>
-            </a:extLst>
-          </p:cNvPr>
-          <p:cNvSpPr>
-            <a:spLocks noGrp="1"/>
-          </p:cNvSpPr>
-          <p:nvPr>
-            <p:ph idx="1"/>
-          </p:nvPr>
-        </p:nvSpPr>
-        <p:spPr/>
-        <p:txBody>
-          <a:bodyPr/>
-          <a:lstStyle/>
-          <a:p>
-            <a:endParaRPr lang="es-ES"/>
+          <p:cNvPr id="5" name="Título 4">
+            <a:extLst>
+              <a:ext uri="{FF2B5EF4-FFF2-40B4-BE49-F238E27FC236}">
+                <a16:creationId xmlns:a16="http://schemas.microsoft.com/office/drawing/2014/main" id="{3530AFC8-879B-AB7E-BD55-0F2A15347493}"/>
+              </a:ext>
+            </a:extLst>
+          </p:cNvPr>
+          <p:cNvSpPr>
+            <a:spLocks noGrp="1"/>
+          </p:cNvSpPr>
+          <p:nvPr>
+            <p:ph type="ctrTitle"/>
+          </p:nvPr>
+        </p:nvSpPr>
+        <p:spPr>
+          <a:xfrm>
+            <a:off x="1524000" y="1988636"/>
+            <a:ext cx="9144000" cy="2387600"/>
+          </a:xfrm>
+        </p:spPr>
+        <p:txBody>
+          <a:bodyPr/>
+          <a:lstStyle/>
+          <a:p>
+            <a:r>
+              <a:rPr lang="es-ES" b="1" dirty="0"/>
+              <a:t>Estrategias de persistencia y acceso rápido a datos </a:t>
+            </a:r>
           </a:p>
         </p:txBody>
       </p:sp>
@@ -13842,7 +14242,7 @@
           <p:cNvPr id="4" name="Marcador de número de diapositiva 3">
             <a:extLst>
               <a:ext uri="{FF2B5EF4-FFF2-40B4-BE49-F238E27FC236}">
-                <a16:creationId xmlns:a16="http://schemas.microsoft.com/office/drawing/2014/main" id="{7C785272-8B36-78C1-1936-DD08C0F0D35C}"/>
+                <a16:creationId xmlns:a16="http://schemas.microsoft.com/office/drawing/2014/main" id="{3ACD2230-B698-9BBC-AE67-4C639DF769BF}"/>
               </a:ext>
             </a:extLst>
           </p:cNvPr>
@@ -13869,7 +14269,7 @@
     </p:spTree>
     <p:extLst>
       <p:ext uri="{BB962C8B-B14F-4D97-AF65-F5344CB8AC3E}">
-        <p14:creationId xmlns:p14="http://schemas.microsoft.com/office/powerpoint/2010/main" val="1445094952"/>
+        <p14:creationId xmlns:p14="http://schemas.microsoft.com/office/powerpoint/2010/main" val="215953526"/>
       </p:ext>
     </p:extLst>
   </p:cSld>
@@ -13901,7 +14301,7 @@
           <p:cNvPr id="2" name="Título 1">
             <a:extLst>
               <a:ext uri="{FF2B5EF4-FFF2-40B4-BE49-F238E27FC236}">
-                <a16:creationId xmlns:a16="http://schemas.microsoft.com/office/drawing/2014/main" id="{0AF1788B-5C79-E93A-CFF1-2028E33D14F2}"/>
+                <a16:creationId xmlns:a16="http://schemas.microsoft.com/office/drawing/2014/main" id="{F7F18BDE-AFE9-009B-D6D1-7D572F17D467}"/>
               </a:ext>
             </a:extLst>
           </p:cNvPr>
@@ -13912,7 +14312,12 @@
             <p:ph type="title"/>
           </p:nvPr>
         </p:nvSpPr>
-        <p:spPr/>
+        <p:spPr>
+          <a:xfrm>
+            <a:off x="211756" y="365125"/>
+            <a:ext cx="11829448" cy="1325563"/>
+          </a:xfrm>
+        </p:spPr>
         <p:txBody>
           <a:bodyPr>
             <a:normAutofit fontScale="90000"/>
@@ -13923,8 +14328,20 @@
               <a:rPr lang="es-ES" dirty="0"/>
             </a:br>
             <a:r>
-              <a:rPr lang="es-ES" dirty="0"/>
-              <a:t>Implementación de acceso en tiempo real a grandes volúmenes de datos </a:t>
+              <a:rPr lang="es-ES" dirty="0" err="1"/>
+              <a:t>Caching</a:t>
+            </a:r>
+            <a:r>
+              <a:rPr lang="es-ES" dirty="0"/>
+              <a:t> con Redis o </a:t>
+            </a:r>
+            <a:r>
+              <a:rPr lang="es-ES" dirty="0" err="1"/>
+              <a:t>Memcached</a:t>
+            </a:r>
+            <a:r>
+              <a:rPr lang="es-ES" dirty="0"/>
+              <a:t> en aplicaciones C++ </a:t>
             </a:r>
             <a:br>
               <a:rPr lang="es-ES" dirty="0"/>
@@ -13938,7 +14355,7 @@
           <p:cNvPr id="3" name="Marcador de contenido 2">
             <a:extLst>
               <a:ext uri="{FF2B5EF4-FFF2-40B4-BE49-F238E27FC236}">
-                <a16:creationId xmlns:a16="http://schemas.microsoft.com/office/drawing/2014/main" id="{2D020A8F-0A2D-0870-5DA2-82B7D01EAC67}"/>
+                <a16:creationId xmlns:a16="http://schemas.microsoft.com/office/drawing/2014/main" id="{EA659A88-5D37-41C8-64E8-31D6A24EE5E3}"/>
               </a:ext>
             </a:extLst>
           </p:cNvPr>
@@ -13951,10 +14368,72 @@
         </p:nvSpPr>
         <p:spPr/>
         <p:txBody>
-          <a:bodyPr/>
-          <a:lstStyle/>
-          <a:p>
-            <a:endParaRPr lang="es-ES"/>
+          <a:bodyPr>
+            <a:normAutofit/>
+          </a:bodyPr>
+          <a:lstStyle/>
+          <a:p>
+            <a:r>
+              <a:rPr lang="es-ES" b="1" dirty="0" err="1"/>
+              <a:t>Caching</a:t>
+            </a:r>
+            <a:r>
+              <a:rPr lang="es-ES" b="1" dirty="0"/>
+              <a:t> con Redis o </a:t>
+            </a:r>
+            <a:r>
+              <a:rPr lang="es-ES" b="1" dirty="0" err="1"/>
+              <a:t>Memcached</a:t>
+            </a:r>
+            <a:r>
+              <a:rPr lang="es-ES" b="1" dirty="0"/>
+              <a:t> en C++</a:t>
+            </a:r>
+            <a:r>
+              <a:rPr lang="es-ES" dirty="0"/>
+              <a:t> puede mejorar drásticamente el rendimiento las aplicaciones, especialmente en sistemas que hacen muchas consultas repetitivas o requieren baja latencia.</a:t>
+            </a:r>
+          </a:p>
+          <a:p>
+            <a:endParaRPr lang="es-ES" dirty="0"/>
+          </a:p>
+          <a:p>
+            <a:r>
+              <a:rPr lang="es-ES" dirty="0" err="1"/>
+              <a:t>Caching</a:t>
+            </a:r>
+            <a:r>
+              <a:rPr lang="es-ES" dirty="0"/>
+              <a:t> en C++</a:t>
+            </a:r>
+          </a:p>
+          <a:p>
+            <a:pPr lvl="1"/>
+            <a:r>
+              <a:rPr lang="es-ES" dirty="0"/>
+              <a:t>Reduce la carga en la base de datos</a:t>
+            </a:r>
+          </a:p>
+          <a:p>
+            <a:pPr lvl="1"/>
+            <a:r>
+              <a:rPr lang="es-ES" dirty="0"/>
+              <a:t>Minimiza el tiempo de respuesta</a:t>
+            </a:r>
+          </a:p>
+          <a:p>
+            <a:pPr lvl="1"/>
+            <a:r>
+              <a:rPr lang="es-ES" dirty="0"/>
+              <a:t>Mejora la escalabilidad</a:t>
+            </a:r>
+          </a:p>
+          <a:p>
+            <a:pPr lvl="1"/>
+            <a:r>
+              <a:rPr lang="es-ES" dirty="0"/>
+              <a:t>Evita cálculos repetidos</a:t>
+            </a:r>
           </a:p>
         </p:txBody>
       </p:sp>
@@ -13963,7 +14442,7 @@
           <p:cNvPr id="4" name="Marcador de número de diapositiva 3">
             <a:extLst>
               <a:ext uri="{FF2B5EF4-FFF2-40B4-BE49-F238E27FC236}">
-                <a16:creationId xmlns:a16="http://schemas.microsoft.com/office/drawing/2014/main" id="{91067DBD-6930-F91A-B260-0C31A518892C}"/>
+                <a16:creationId xmlns:a16="http://schemas.microsoft.com/office/drawing/2014/main" id="{B4554192-6168-CC32-B34C-95A000769902}"/>
               </a:ext>
             </a:extLst>
           </p:cNvPr>
@@ -13990,7 +14469,7 @@
     </p:spTree>
     <p:extLst>
       <p:ext uri="{BB962C8B-B14F-4D97-AF65-F5344CB8AC3E}">
-        <p14:creationId xmlns:p14="http://schemas.microsoft.com/office/powerpoint/2010/main" val="2528525117"/>
+        <p14:creationId xmlns:p14="http://schemas.microsoft.com/office/powerpoint/2010/main" val="616475062"/>
       </p:ext>
     </p:extLst>
   </p:cSld>
@@ -14321,6 +14800,477 @@
     <p:extLst>
       <p:ext uri="{BB962C8B-B14F-4D97-AF65-F5344CB8AC3E}">
         <p14:creationId xmlns:p14="http://schemas.microsoft.com/office/powerpoint/2010/main" val="2316711201"/>
+      </p:ext>
+    </p:extLst>
+  </p:cSld>
+  <p:clrMapOvr>
+    <a:masterClrMapping/>
+  </p:clrMapOvr>
+</p:sld>
+</file>
+
+<file path=ppt/slides/slide50.xml><?xml version="1.0" encoding="utf-8"?>
+<p:sld xmlns:a="http://schemas.openxmlformats.org/drawingml/2006/main" xmlns:r="http://schemas.openxmlformats.org/officeDocument/2006/relationships" xmlns:p="http://schemas.openxmlformats.org/presentationml/2006/main">
+  <p:cSld>
+    <p:spTree>
+      <p:nvGrpSpPr>
+        <p:cNvPr id="1" name=""/>
+        <p:cNvGrpSpPr/>
+        <p:nvPr/>
+      </p:nvGrpSpPr>
+      <p:grpSpPr>
+        <a:xfrm>
+          <a:off x="0" y="0"/>
+          <a:ext cx="0" cy="0"/>
+          <a:chOff x="0" y="0"/>
+          <a:chExt cx="0" cy="0"/>
+        </a:xfrm>
+      </p:grpSpPr>
+      <p:sp>
+        <p:nvSpPr>
+          <p:cNvPr id="2" name="Título 1">
+            <a:extLst>
+              <a:ext uri="{FF2B5EF4-FFF2-40B4-BE49-F238E27FC236}">
+                <a16:creationId xmlns:a16="http://schemas.microsoft.com/office/drawing/2014/main" id="{49BB2EED-00D7-72C8-4BAA-9054EDCFA75D}"/>
+              </a:ext>
+            </a:extLst>
+          </p:cNvPr>
+          <p:cNvSpPr>
+            <a:spLocks noGrp="1"/>
+          </p:cNvSpPr>
+          <p:nvPr>
+            <p:ph type="title"/>
+          </p:nvPr>
+        </p:nvSpPr>
+        <p:spPr/>
+        <p:txBody>
+          <a:bodyPr/>
+          <a:lstStyle/>
+          <a:p>
+            <a:r>
+              <a:rPr lang="es-ES" dirty="0"/>
+              <a:t>Redis vs </a:t>
+            </a:r>
+            <a:r>
+              <a:rPr lang="es-ES" dirty="0" err="1"/>
+              <a:t>Memcached</a:t>
+            </a:r>
+            <a:r>
+              <a:rPr lang="es-ES" dirty="0"/>
+              <a:t> en C++</a:t>
+            </a:r>
+          </a:p>
+        </p:txBody>
+      </p:sp>
+      <p:sp>
+        <p:nvSpPr>
+          <p:cNvPr id="4" name="Marcador de número de diapositiva 3">
+            <a:extLst>
+              <a:ext uri="{FF2B5EF4-FFF2-40B4-BE49-F238E27FC236}">
+                <a16:creationId xmlns:a16="http://schemas.microsoft.com/office/drawing/2014/main" id="{7C785272-8B36-78C1-1936-DD08C0F0D35C}"/>
+              </a:ext>
+            </a:extLst>
+          </p:cNvPr>
+          <p:cNvSpPr>
+            <a:spLocks noGrp="1"/>
+          </p:cNvSpPr>
+          <p:nvPr>
+            <p:ph type="sldNum" sz="quarter" idx="12"/>
+          </p:nvPr>
+        </p:nvSpPr>
+        <p:spPr/>
+        <p:txBody>
+          <a:bodyPr/>
+          <a:lstStyle/>
+          <a:p>
+            <a:fld id="{768BFD4A-17AE-4857-8B7E-5E5A409CCC86}" type="slidenum">
+              <a:rPr lang="es-ES" smtClean="0"/>
+              <a:t>50</a:t>
+            </a:fld>
+            <a:endParaRPr lang="es-ES"/>
+          </a:p>
+        </p:txBody>
+      </p:sp>
+      <p:pic>
+        <p:nvPicPr>
+          <p:cNvPr id="6" name="Imagen 5">
+            <a:extLst>
+              <a:ext uri="{FF2B5EF4-FFF2-40B4-BE49-F238E27FC236}">
+                <a16:creationId xmlns:a16="http://schemas.microsoft.com/office/drawing/2014/main" id="{5A1D19F7-5B1B-C5A6-A275-9FDC65A0194C}"/>
+              </a:ext>
+            </a:extLst>
+          </p:cNvPr>
+          <p:cNvPicPr>
+            <a:picLocks noChangeAspect="1"/>
+          </p:cNvPicPr>
+          <p:nvPr/>
+        </p:nvPicPr>
+        <p:blipFill>
+          <a:blip r:embed="rId2"/>
+          <a:stretch>
+            <a:fillRect/>
+          </a:stretch>
+        </p:blipFill>
+        <p:spPr>
+          <a:xfrm>
+            <a:off x="1036947" y="1690688"/>
+            <a:ext cx="9973559" cy="4235929"/>
+          </a:xfrm>
+          <a:prstGeom prst="rect">
+            <a:avLst/>
+          </a:prstGeom>
+        </p:spPr>
+      </p:pic>
+    </p:spTree>
+    <p:extLst>
+      <p:ext uri="{BB962C8B-B14F-4D97-AF65-F5344CB8AC3E}">
+        <p14:creationId xmlns:p14="http://schemas.microsoft.com/office/powerpoint/2010/main" val="1445094952"/>
+      </p:ext>
+    </p:extLst>
+  </p:cSld>
+  <p:clrMapOvr>
+    <a:masterClrMapping/>
+  </p:clrMapOvr>
+</p:sld>
+</file>
+
+<file path=ppt/slides/slide51.xml><?xml version="1.0" encoding="utf-8"?>
+<p:sld xmlns:a="http://schemas.openxmlformats.org/drawingml/2006/main" xmlns:r="http://schemas.openxmlformats.org/officeDocument/2006/relationships" xmlns:p="http://schemas.openxmlformats.org/presentationml/2006/main">
+  <p:cSld>
+    <p:spTree>
+      <p:nvGrpSpPr>
+        <p:cNvPr id="1" name=""/>
+        <p:cNvGrpSpPr/>
+        <p:nvPr/>
+      </p:nvGrpSpPr>
+      <p:grpSpPr>
+        <a:xfrm>
+          <a:off x="0" y="0"/>
+          <a:ext cx="0" cy="0"/>
+          <a:chOff x="0" y="0"/>
+          <a:chExt cx="0" cy="0"/>
+        </a:xfrm>
+      </p:grpSpPr>
+      <p:sp>
+        <p:nvSpPr>
+          <p:cNvPr id="2" name="Título 1">
+            <a:extLst>
+              <a:ext uri="{FF2B5EF4-FFF2-40B4-BE49-F238E27FC236}">
+                <a16:creationId xmlns:a16="http://schemas.microsoft.com/office/drawing/2014/main" id="{D30F9F85-EC58-5CCF-C5F1-E6278E6CC6DA}"/>
+              </a:ext>
+            </a:extLst>
+          </p:cNvPr>
+          <p:cNvSpPr>
+            <a:spLocks noGrp="1"/>
+          </p:cNvSpPr>
+          <p:nvPr>
+            <p:ph type="title"/>
+          </p:nvPr>
+        </p:nvSpPr>
+        <p:spPr/>
+        <p:txBody>
+          <a:bodyPr/>
+          <a:lstStyle/>
+          <a:p>
+            <a:r>
+              <a:rPr lang="es-ES" dirty="0"/>
+              <a:t>Redis</a:t>
+            </a:r>
+          </a:p>
+        </p:txBody>
+      </p:sp>
+      <p:sp>
+        <p:nvSpPr>
+          <p:cNvPr id="3" name="Marcador de contenido 2">
+            <a:extLst>
+              <a:ext uri="{FF2B5EF4-FFF2-40B4-BE49-F238E27FC236}">
+                <a16:creationId xmlns:a16="http://schemas.microsoft.com/office/drawing/2014/main" id="{55E56455-D369-8895-4927-C447650C5C48}"/>
+              </a:ext>
+            </a:extLst>
+          </p:cNvPr>
+          <p:cNvSpPr>
+            <a:spLocks noGrp="1"/>
+          </p:cNvSpPr>
+          <p:nvPr>
+            <p:ph idx="1"/>
+          </p:nvPr>
+        </p:nvSpPr>
+        <p:spPr/>
+        <p:txBody>
+          <a:bodyPr/>
+          <a:lstStyle/>
+          <a:p>
+            <a:endParaRPr lang="es-ES"/>
+          </a:p>
+        </p:txBody>
+      </p:sp>
+      <p:sp>
+        <p:nvSpPr>
+          <p:cNvPr id="4" name="Marcador de número de diapositiva 3">
+            <a:extLst>
+              <a:ext uri="{FF2B5EF4-FFF2-40B4-BE49-F238E27FC236}">
+                <a16:creationId xmlns:a16="http://schemas.microsoft.com/office/drawing/2014/main" id="{4B244B79-D036-EDE7-C43C-2F7DDE0B4401}"/>
+              </a:ext>
+            </a:extLst>
+          </p:cNvPr>
+          <p:cNvSpPr>
+            <a:spLocks noGrp="1"/>
+          </p:cNvSpPr>
+          <p:nvPr>
+            <p:ph type="sldNum" sz="quarter" idx="12"/>
+          </p:nvPr>
+        </p:nvSpPr>
+        <p:spPr/>
+        <p:txBody>
+          <a:bodyPr/>
+          <a:lstStyle/>
+          <a:p>
+            <a:fld id="{768BFD4A-17AE-4857-8B7E-5E5A409CCC86}" type="slidenum">
+              <a:rPr lang="es-ES" smtClean="0"/>
+              <a:t>51</a:t>
+            </a:fld>
+            <a:endParaRPr lang="es-ES"/>
+          </a:p>
+        </p:txBody>
+      </p:sp>
+    </p:spTree>
+    <p:extLst>
+      <p:ext uri="{BB962C8B-B14F-4D97-AF65-F5344CB8AC3E}">
+        <p14:creationId xmlns:p14="http://schemas.microsoft.com/office/powerpoint/2010/main" val="2857976897"/>
+      </p:ext>
+    </p:extLst>
+  </p:cSld>
+  <p:clrMapOvr>
+    <a:masterClrMapping/>
+  </p:clrMapOvr>
+</p:sld>
+</file>
+
+<file path=ppt/slides/slide52.xml><?xml version="1.0" encoding="utf-8"?>
+<p:sld xmlns:a="http://schemas.openxmlformats.org/drawingml/2006/main" xmlns:r="http://schemas.openxmlformats.org/officeDocument/2006/relationships" xmlns:p="http://schemas.openxmlformats.org/presentationml/2006/main">
+  <p:cSld>
+    <p:spTree>
+      <p:nvGrpSpPr>
+        <p:cNvPr id="1" name=""/>
+        <p:cNvGrpSpPr/>
+        <p:nvPr/>
+      </p:nvGrpSpPr>
+      <p:grpSpPr>
+        <a:xfrm>
+          <a:off x="0" y="0"/>
+          <a:ext cx="0" cy="0"/>
+          <a:chOff x="0" y="0"/>
+          <a:chExt cx="0" cy="0"/>
+        </a:xfrm>
+      </p:grpSpPr>
+      <p:sp>
+        <p:nvSpPr>
+          <p:cNvPr id="2" name="Título 1">
+            <a:extLst>
+              <a:ext uri="{FF2B5EF4-FFF2-40B4-BE49-F238E27FC236}">
+                <a16:creationId xmlns:a16="http://schemas.microsoft.com/office/drawing/2014/main" id="{1BEB0F62-28E8-9155-3E82-BAEB14CF4D25}"/>
+              </a:ext>
+            </a:extLst>
+          </p:cNvPr>
+          <p:cNvSpPr>
+            <a:spLocks noGrp="1"/>
+          </p:cNvSpPr>
+          <p:nvPr>
+            <p:ph type="title"/>
+          </p:nvPr>
+        </p:nvSpPr>
+        <p:spPr/>
+        <p:txBody>
+          <a:bodyPr/>
+          <a:lstStyle/>
+          <a:p>
+            <a:r>
+              <a:rPr lang="es-ES" dirty="0" err="1"/>
+              <a:t>MemCached</a:t>
+            </a:r>
+            <a:endParaRPr lang="es-ES" dirty="0"/>
+          </a:p>
+        </p:txBody>
+      </p:sp>
+      <p:sp>
+        <p:nvSpPr>
+          <p:cNvPr id="3" name="Marcador de contenido 2">
+            <a:extLst>
+              <a:ext uri="{FF2B5EF4-FFF2-40B4-BE49-F238E27FC236}">
+                <a16:creationId xmlns:a16="http://schemas.microsoft.com/office/drawing/2014/main" id="{FE249098-6308-0805-2971-694B6A0331A1}"/>
+              </a:ext>
+            </a:extLst>
+          </p:cNvPr>
+          <p:cNvSpPr>
+            <a:spLocks noGrp="1"/>
+          </p:cNvSpPr>
+          <p:nvPr>
+            <p:ph idx="1"/>
+          </p:nvPr>
+        </p:nvSpPr>
+        <p:spPr/>
+        <p:txBody>
+          <a:bodyPr/>
+          <a:lstStyle/>
+          <a:p>
+            <a:endParaRPr lang="es-ES"/>
+          </a:p>
+        </p:txBody>
+      </p:sp>
+      <p:sp>
+        <p:nvSpPr>
+          <p:cNvPr id="4" name="Marcador de número de diapositiva 3">
+            <a:extLst>
+              <a:ext uri="{FF2B5EF4-FFF2-40B4-BE49-F238E27FC236}">
+                <a16:creationId xmlns:a16="http://schemas.microsoft.com/office/drawing/2014/main" id="{A775AC36-57BB-BC67-0DDE-39E76B319F15}"/>
+              </a:ext>
+            </a:extLst>
+          </p:cNvPr>
+          <p:cNvSpPr>
+            <a:spLocks noGrp="1"/>
+          </p:cNvSpPr>
+          <p:nvPr>
+            <p:ph type="sldNum" sz="quarter" idx="12"/>
+          </p:nvPr>
+        </p:nvSpPr>
+        <p:spPr/>
+        <p:txBody>
+          <a:bodyPr/>
+          <a:lstStyle/>
+          <a:p>
+            <a:fld id="{768BFD4A-17AE-4857-8B7E-5E5A409CCC86}" type="slidenum">
+              <a:rPr lang="es-ES" smtClean="0"/>
+              <a:t>52</a:t>
+            </a:fld>
+            <a:endParaRPr lang="es-ES"/>
+          </a:p>
+        </p:txBody>
+      </p:sp>
+    </p:spTree>
+    <p:extLst>
+      <p:ext uri="{BB962C8B-B14F-4D97-AF65-F5344CB8AC3E}">
+        <p14:creationId xmlns:p14="http://schemas.microsoft.com/office/powerpoint/2010/main" val="3737473164"/>
+      </p:ext>
+    </p:extLst>
+  </p:cSld>
+  <p:clrMapOvr>
+    <a:masterClrMapping/>
+  </p:clrMapOvr>
+</p:sld>
+</file>
+
+<file path=ppt/slides/slide53.xml><?xml version="1.0" encoding="utf-8"?>
+<p:sld xmlns:a="http://schemas.openxmlformats.org/drawingml/2006/main" xmlns:r="http://schemas.openxmlformats.org/officeDocument/2006/relationships" xmlns:p="http://schemas.openxmlformats.org/presentationml/2006/main">
+  <p:cSld>
+    <p:spTree>
+      <p:nvGrpSpPr>
+        <p:cNvPr id="1" name=""/>
+        <p:cNvGrpSpPr/>
+        <p:nvPr/>
+      </p:nvGrpSpPr>
+      <p:grpSpPr>
+        <a:xfrm>
+          <a:off x="0" y="0"/>
+          <a:ext cx="0" cy="0"/>
+          <a:chOff x="0" y="0"/>
+          <a:chExt cx="0" cy="0"/>
+        </a:xfrm>
+      </p:grpSpPr>
+      <p:sp>
+        <p:nvSpPr>
+          <p:cNvPr id="2" name="Título 1">
+            <a:extLst>
+              <a:ext uri="{FF2B5EF4-FFF2-40B4-BE49-F238E27FC236}">
+                <a16:creationId xmlns:a16="http://schemas.microsoft.com/office/drawing/2014/main" id="{0AF1788B-5C79-E93A-CFF1-2028E33D14F2}"/>
+              </a:ext>
+            </a:extLst>
+          </p:cNvPr>
+          <p:cNvSpPr>
+            <a:spLocks noGrp="1"/>
+          </p:cNvSpPr>
+          <p:nvPr>
+            <p:ph type="title"/>
+          </p:nvPr>
+        </p:nvSpPr>
+        <p:spPr/>
+        <p:txBody>
+          <a:bodyPr>
+            <a:normAutofit fontScale="90000"/>
+          </a:bodyPr>
+          <a:lstStyle/>
+          <a:p>
+            <a:br>
+              <a:rPr lang="es-ES" dirty="0"/>
+            </a:br>
+            <a:r>
+              <a:rPr lang="es-ES" dirty="0"/>
+              <a:t>Implementación de acceso en tiempo real a grandes volúmenes de datos </a:t>
+            </a:r>
+            <a:br>
+              <a:rPr lang="es-ES" dirty="0"/>
+            </a:br>
+            <a:endParaRPr lang="es-ES" dirty="0"/>
+          </a:p>
+        </p:txBody>
+      </p:sp>
+      <p:sp>
+        <p:nvSpPr>
+          <p:cNvPr id="3" name="Marcador de contenido 2">
+            <a:extLst>
+              <a:ext uri="{FF2B5EF4-FFF2-40B4-BE49-F238E27FC236}">
+                <a16:creationId xmlns:a16="http://schemas.microsoft.com/office/drawing/2014/main" id="{2D020A8F-0A2D-0870-5DA2-82B7D01EAC67}"/>
+              </a:ext>
+            </a:extLst>
+          </p:cNvPr>
+          <p:cNvSpPr>
+            <a:spLocks noGrp="1"/>
+          </p:cNvSpPr>
+          <p:nvPr>
+            <p:ph idx="1"/>
+          </p:nvPr>
+        </p:nvSpPr>
+        <p:spPr/>
+        <p:txBody>
+          <a:bodyPr/>
+          <a:lstStyle/>
+          <a:p>
+            <a:endParaRPr lang="es-ES"/>
+          </a:p>
+        </p:txBody>
+      </p:sp>
+      <p:sp>
+        <p:nvSpPr>
+          <p:cNvPr id="4" name="Marcador de número de diapositiva 3">
+            <a:extLst>
+              <a:ext uri="{FF2B5EF4-FFF2-40B4-BE49-F238E27FC236}">
+                <a16:creationId xmlns:a16="http://schemas.microsoft.com/office/drawing/2014/main" id="{91067DBD-6930-F91A-B260-0C31A518892C}"/>
+              </a:ext>
+            </a:extLst>
+          </p:cNvPr>
+          <p:cNvSpPr>
+            <a:spLocks noGrp="1"/>
+          </p:cNvSpPr>
+          <p:nvPr>
+            <p:ph type="sldNum" sz="quarter" idx="12"/>
+          </p:nvPr>
+        </p:nvSpPr>
+        <p:spPr/>
+        <p:txBody>
+          <a:bodyPr/>
+          <a:lstStyle/>
+          <a:p>
+            <a:fld id="{768BFD4A-17AE-4857-8B7E-5E5A409CCC86}" type="slidenum">
+              <a:rPr lang="es-ES" smtClean="0"/>
+              <a:t>53</a:t>
+            </a:fld>
+            <a:endParaRPr lang="es-ES"/>
+          </a:p>
+        </p:txBody>
+      </p:sp>
+    </p:spTree>
+    <p:extLst>
+      <p:ext uri="{BB962C8B-B14F-4D97-AF65-F5344CB8AC3E}">
+        <p14:creationId xmlns:p14="http://schemas.microsoft.com/office/powerpoint/2010/main" val="2528525117"/>
       </p:ext>
     </p:extLst>
   </p:cSld>

--- a/doc/4_Gestion_estado_persistencia.pptx
+++ b/doc/4_Gestion_estado_persistencia.pptx
@@ -5,7 +5,7 @@
     <p:sldMasterId id="2147483648" r:id="rId1"/>
   </p:sldMasterIdLst>
   <p:notesMasterIdLst>
-    <p:notesMasterId r:id="rId55"/>
+    <p:notesMasterId r:id="rId69"/>
   </p:notesMasterIdLst>
   <p:sldIdLst>
     <p:sldId id="256" r:id="rId2"/>
@@ -59,8 +59,22 @@
     <p:sldId id="283" r:id="rId50"/>
     <p:sldId id="284" r:id="rId51"/>
     <p:sldId id="310" r:id="rId52"/>
-    <p:sldId id="311" r:id="rId53"/>
-    <p:sldId id="285" r:id="rId54"/>
+    <p:sldId id="315" r:id="rId53"/>
+    <p:sldId id="316" r:id="rId54"/>
+    <p:sldId id="317" r:id="rId55"/>
+    <p:sldId id="314" r:id="rId56"/>
+    <p:sldId id="313" r:id="rId57"/>
+    <p:sldId id="318" r:id="rId58"/>
+    <p:sldId id="319" r:id="rId59"/>
+    <p:sldId id="320" r:id="rId60"/>
+    <p:sldId id="321" r:id="rId61"/>
+    <p:sldId id="322" r:id="rId62"/>
+    <p:sldId id="323" r:id="rId63"/>
+    <p:sldId id="324" r:id="rId64"/>
+    <p:sldId id="326" r:id="rId65"/>
+    <p:sldId id="325" r:id="rId66"/>
+    <p:sldId id="311" r:id="rId67"/>
+    <p:sldId id="285" r:id="rId68"/>
   </p:sldIdLst>
   <p:sldSz cx="12192000" cy="6858000"/>
   <p:notesSz cx="6858000" cy="9144000"/>
@@ -249,7 +263,7 @@
           <a:p>
             <a:fld id="{1655E9AB-EF8E-404F-9ED0-86C5474D9762}" type="datetimeFigureOut">
               <a:rPr lang="es-ES" smtClean="0"/>
-              <a:t>16/09/2025</a:t>
+              <a:t>17/09/2025</a:t>
             </a:fld>
             <a:endParaRPr lang="es-ES"/>
           </a:p>
@@ -663,7 +677,7 @@
           <a:p>
             <a:fld id="{E62B872C-FC23-4055-8B07-FADE96D7802C}" type="datetime1">
               <a:rPr lang="es-ES" smtClean="0"/>
-              <a:t>16/09/2025</a:t>
+              <a:t>17/09/2025</a:t>
             </a:fld>
             <a:endParaRPr lang="es-ES"/>
           </a:p>
@@ -861,7 +875,7 @@
           <a:p>
             <a:fld id="{B2780EAF-7CB8-44B7-B12D-CC17A6ECD69E}" type="datetime1">
               <a:rPr lang="es-ES" smtClean="0"/>
-              <a:t>16/09/2025</a:t>
+              <a:t>17/09/2025</a:t>
             </a:fld>
             <a:endParaRPr lang="es-ES"/>
           </a:p>
@@ -1069,7 +1083,7 @@
           <a:p>
             <a:fld id="{A623F2D4-ACBE-488E-809A-D23F76D8B737}" type="datetime1">
               <a:rPr lang="es-ES" smtClean="0"/>
-              <a:t>16/09/2025</a:t>
+              <a:t>17/09/2025</a:t>
             </a:fld>
             <a:endParaRPr lang="es-ES"/>
           </a:p>
@@ -1267,7 +1281,7 @@
           <a:p>
             <a:fld id="{710B3105-95C4-4099-A364-90D93564A4C1}" type="datetime1">
               <a:rPr lang="es-ES" smtClean="0"/>
-              <a:t>16/09/2025</a:t>
+              <a:t>17/09/2025</a:t>
             </a:fld>
             <a:endParaRPr lang="es-ES"/>
           </a:p>
@@ -1542,7 +1556,7 @@
           <a:p>
             <a:fld id="{A3B2FD73-2912-4888-80DC-B2BB1E1705CB}" type="datetime1">
               <a:rPr lang="es-ES" smtClean="0"/>
-              <a:t>16/09/2025</a:t>
+              <a:t>17/09/2025</a:t>
             </a:fld>
             <a:endParaRPr lang="es-ES"/>
           </a:p>
@@ -1807,7 +1821,7 @@
           <a:p>
             <a:fld id="{FA9FEBBD-9F7A-482E-A376-3EDA971D0F0C}" type="datetime1">
               <a:rPr lang="es-ES" smtClean="0"/>
-              <a:t>16/09/2025</a:t>
+              <a:t>17/09/2025</a:t>
             </a:fld>
             <a:endParaRPr lang="es-ES"/>
           </a:p>
@@ -2219,7 +2233,7 @@
           <a:p>
             <a:fld id="{37E7EDCD-1D5A-44E7-A767-44DAEFB4D594}" type="datetime1">
               <a:rPr lang="es-ES" smtClean="0"/>
-              <a:t>16/09/2025</a:t>
+              <a:t>17/09/2025</a:t>
             </a:fld>
             <a:endParaRPr lang="es-ES"/>
           </a:p>
@@ -2360,7 +2374,7 @@
           <a:p>
             <a:fld id="{70EB0D49-9E68-475B-9FA0-3CFB085CC588}" type="datetime1">
               <a:rPr lang="es-ES" smtClean="0"/>
-              <a:t>16/09/2025</a:t>
+              <a:t>17/09/2025</a:t>
             </a:fld>
             <a:endParaRPr lang="es-ES"/>
           </a:p>
@@ -2473,7 +2487,7 @@
           <a:p>
             <a:fld id="{C90FA803-CDF8-4E5F-BF39-A047F2CE96C7}" type="datetime1">
               <a:rPr lang="es-ES" smtClean="0"/>
-              <a:t>16/09/2025</a:t>
+              <a:t>17/09/2025</a:t>
             </a:fld>
             <a:endParaRPr lang="es-ES"/>
           </a:p>
@@ -2784,7 +2798,7 @@
           <a:p>
             <a:fld id="{44BBC0B8-08BE-4E58-A5BF-D59E4AE70275}" type="datetime1">
               <a:rPr lang="es-ES" smtClean="0"/>
-              <a:t>16/09/2025</a:t>
+              <a:t>17/09/2025</a:t>
             </a:fld>
             <a:endParaRPr lang="es-ES"/>
           </a:p>
@@ -3072,7 +3086,7 @@
           <a:p>
             <a:fld id="{ED5126FC-B483-47DC-919E-F96E7C554726}" type="datetime1">
               <a:rPr lang="es-ES" smtClean="0"/>
-              <a:t>16/09/2025</a:t>
+              <a:t>17/09/2025</a:t>
             </a:fld>
             <a:endParaRPr lang="es-ES"/>
           </a:p>
@@ -3313,7 +3327,7 @@
           <a:p>
             <a:fld id="{99A794F4-2787-449C-B22E-09EB7B697085}" type="datetime1">
               <a:rPr lang="es-ES" smtClean="0"/>
-              <a:t>16/09/2025</a:t>
+              <a:t>17/09/2025</a:t>
             </a:fld>
             <a:endParaRPr lang="es-ES"/>
           </a:p>
@@ -14399,7 +14413,7 @@
           </a:p>
           <a:p>
             <a:r>
-              <a:rPr lang="es-ES" dirty="0" err="1"/>
+              <a:rPr lang="es-ES" b="1" dirty="0" err="1"/>
               <a:t>Caching</a:t>
             </a:r>
             <a:r>
@@ -14967,7 +14981,12 @@
             <p:ph type="title"/>
           </p:nvPr>
         </p:nvSpPr>
-        <p:spPr/>
+        <p:spPr>
+          <a:xfrm>
+            <a:off x="838200" y="365126"/>
+            <a:ext cx="10515600" cy="728384"/>
+          </a:xfrm>
+        </p:spPr>
         <p:txBody>
           <a:bodyPr/>
           <a:lstStyle/>
@@ -14995,12 +15014,188 @@
             <p:ph idx="1"/>
           </p:nvPr>
         </p:nvSpPr>
-        <p:spPr/>
-        <p:txBody>
-          <a:bodyPr/>
-          <a:lstStyle/>
-          <a:p>
-            <a:endParaRPr lang="es-ES"/>
+        <p:spPr>
+          <a:xfrm>
+            <a:off x="641023" y="1253764"/>
+            <a:ext cx="10821971" cy="5316717"/>
+          </a:xfrm>
+        </p:spPr>
+        <p:txBody>
+          <a:bodyPr>
+            <a:normAutofit/>
+          </a:bodyPr>
+          <a:lstStyle/>
+          <a:p>
+            <a:r>
+              <a:rPr lang="es-ES" dirty="0"/>
+              <a:t>Es una </a:t>
+            </a:r>
+            <a:r>
+              <a:rPr lang="es-ES" b="1" dirty="0"/>
+              <a:t>base de datos clave – valor</a:t>
+            </a:r>
+            <a:r>
+              <a:rPr lang="es-ES" dirty="0"/>
+              <a:t>.</a:t>
+            </a:r>
+          </a:p>
+          <a:p>
+            <a:r>
+              <a:rPr lang="es-ES" dirty="0"/>
+              <a:t>Redis tiene dos formas de guardar datos en disco:</a:t>
+            </a:r>
+          </a:p>
+          <a:p>
+            <a:pPr lvl="1"/>
+            <a:r>
+              <a:rPr lang="es-ES" b="1" dirty="0"/>
+              <a:t>RDB (Redis </a:t>
+            </a:r>
+            <a:r>
+              <a:rPr lang="es-ES" b="1" dirty="0" err="1"/>
+              <a:t>Database</a:t>
+            </a:r>
+            <a:r>
+              <a:rPr lang="es-ES" b="1" dirty="0"/>
+              <a:t> </a:t>
+            </a:r>
+            <a:r>
+              <a:rPr lang="es-ES" b="1" dirty="0" err="1"/>
+              <a:t>Snapshot</a:t>
+            </a:r>
+            <a:r>
+              <a:rPr lang="es-ES" b="1" dirty="0"/>
+              <a:t>)</a:t>
+            </a:r>
+            <a:r>
+              <a:rPr lang="es-ES" dirty="0"/>
+              <a:t>: guarda </a:t>
+            </a:r>
+            <a:r>
+              <a:rPr lang="es-ES" dirty="0" err="1"/>
+              <a:t>snapshots</a:t>
+            </a:r>
+            <a:r>
+              <a:rPr lang="es-ES" dirty="0"/>
+              <a:t> periódicos.</a:t>
+            </a:r>
+          </a:p>
+          <a:p>
+            <a:pPr lvl="1"/>
+            <a:r>
+              <a:rPr lang="es-ES" b="1" dirty="0"/>
+              <a:t>AOF (</a:t>
+            </a:r>
+            <a:r>
+              <a:rPr lang="es-ES" b="1" dirty="0" err="1"/>
+              <a:t>Append-Only</a:t>
+            </a:r>
+            <a:r>
+              <a:rPr lang="es-ES" b="1" dirty="0"/>
+              <a:t> File)</a:t>
+            </a:r>
+            <a:r>
+              <a:rPr lang="es-ES" dirty="0"/>
+              <a:t>: registra cada operación que modifica datos.</a:t>
+            </a:r>
+          </a:p>
+          <a:p>
+            <a:pPr lvl="1"/>
+            <a:endParaRPr lang="es-ES" dirty="0"/>
+          </a:p>
+          <a:p>
+            <a:pPr lvl="1"/>
+            <a:r>
+              <a:rPr lang="es-ES" dirty="0"/>
+              <a:t>En el arranque si usamos: </a:t>
+            </a:r>
+            <a:r>
+              <a:rPr lang="es-ES" b="1" dirty="0" err="1"/>
+              <a:t>redis</a:t>
+            </a:r>
+            <a:r>
+              <a:rPr lang="es-ES" b="1" dirty="0"/>
+              <a:t>-server</a:t>
+            </a:r>
+            <a:r>
+              <a:rPr lang="es-ES" b="1" i="1" dirty="0"/>
+              <a:t> --</a:t>
+            </a:r>
+            <a:r>
+              <a:rPr lang="es-ES" b="1" i="1" dirty="0" err="1"/>
+              <a:t>appendonly</a:t>
+            </a:r>
+            <a:r>
+              <a:rPr lang="es-ES" b="1" i="1" dirty="0"/>
+              <a:t> yes</a:t>
+            </a:r>
+            <a:r>
+              <a:rPr lang="es-ES" dirty="0"/>
+              <a:t>, Redis:</a:t>
+            </a:r>
+          </a:p>
+          <a:p>
+            <a:pPr lvl="2"/>
+            <a:r>
+              <a:rPr lang="es-ES" dirty="0"/>
+              <a:t>Comienza a registrar </a:t>
+            </a:r>
+            <a:r>
+              <a:rPr lang="es-ES" b="1" dirty="0"/>
+              <a:t>cada comando que cambia el estado</a:t>
+            </a:r>
+            <a:r>
+              <a:rPr lang="es-ES" dirty="0"/>
+              <a:t> (como SET, DEL, etc.)</a:t>
+            </a:r>
+          </a:p>
+          <a:p>
+            <a:pPr lvl="2"/>
+            <a:r>
+              <a:rPr lang="es-ES" dirty="0"/>
+              <a:t>Guarda estos comandos en un archivo llamado </a:t>
+            </a:r>
+            <a:r>
+              <a:rPr lang="es-ES" b="1" dirty="0" err="1"/>
+              <a:t>appendonly.aof</a:t>
+            </a:r>
+            <a:endParaRPr lang="es-ES" b="1" dirty="0"/>
+          </a:p>
+          <a:p>
+            <a:endParaRPr lang="es-ES" dirty="0"/>
+          </a:p>
+          <a:p>
+            <a:pPr lvl="2"/>
+            <a:r>
+              <a:rPr lang="es-ES" dirty="0"/>
+              <a:t>Puede </a:t>
+            </a:r>
+            <a:r>
+              <a:rPr lang="es-ES" b="1" dirty="0"/>
+              <a:t>reconstruir el estado completo</a:t>
+            </a:r>
+            <a:r>
+              <a:rPr lang="es-ES" dirty="0"/>
+              <a:t> del servidor ejecutando ese archivo en el arranque</a:t>
+            </a:r>
+          </a:p>
+          <a:p>
+            <a:pPr lvl="2"/>
+            <a:r>
+              <a:rPr lang="es-ES" dirty="0"/>
+              <a:t>Esto es útil si quieres que Redis </a:t>
+            </a:r>
+            <a:r>
+              <a:rPr lang="es-ES" b="1" dirty="0"/>
+              <a:t>recupere automáticamente los datos</a:t>
+            </a:r>
+            <a:r>
+              <a:rPr lang="es-ES" dirty="0"/>
+              <a:t> después de un reinicio, incluso si lo usas como caché con tolerancia a fallos.</a:t>
+            </a:r>
+          </a:p>
+          <a:p>
+            <a:endParaRPr lang="es-ES" dirty="0"/>
           </a:p>
         </p:txBody>
       </p:sp>
@@ -15051,7 +15246,13 @@
   <p:cSld>
     <p:spTree>
       <p:nvGrpSpPr>
-        <p:cNvPr id="1" name=""/>
+        <p:cNvPr id="1" name="">
+          <a:extLst>
+            <a:ext uri="{FF2B5EF4-FFF2-40B4-BE49-F238E27FC236}">
+              <a16:creationId xmlns:a16="http://schemas.microsoft.com/office/drawing/2014/main" id="{FFDBB721-F801-A030-3B47-C9457AAAB49D}"/>
+            </a:ext>
+          </a:extLst>
+        </p:cNvPr>
         <p:cNvGrpSpPr/>
         <p:nvPr/>
       </p:nvGrpSpPr>
@@ -15068,7 +15269,7 @@
           <p:cNvPr id="2" name="Título 1">
             <a:extLst>
               <a:ext uri="{FF2B5EF4-FFF2-40B4-BE49-F238E27FC236}">
-                <a16:creationId xmlns:a16="http://schemas.microsoft.com/office/drawing/2014/main" id="{1BEB0F62-28E8-9155-3E82-BAEB14CF4D25}"/>
+                <a16:creationId xmlns:a16="http://schemas.microsoft.com/office/drawing/2014/main" id="{94740099-8F9D-23AE-C9B4-43C86AB1CA00}"/>
               </a:ext>
             </a:extLst>
           </p:cNvPr>
@@ -15085,35 +15286,148 @@
           <a:lstStyle/>
           <a:p>
             <a:r>
-              <a:rPr lang="es-ES" dirty="0" err="1"/>
-              <a:t>MemCached</a:t>
-            </a:r>
+              <a:rPr lang="es-ES" dirty="0"/>
+              <a:t>Redis: patrones típicos</a:t>
+            </a:r>
+          </a:p>
+        </p:txBody>
+      </p:sp>
+      <p:sp>
+        <p:nvSpPr>
+          <p:cNvPr id="3" name="Marcador de contenido 2">
+            <a:extLst>
+              <a:ext uri="{FF2B5EF4-FFF2-40B4-BE49-F238E27FC236}">
+                <a16:creationId xmlns:a16="http://schemas.microsoft.com/office/drawing/2014/main" id="{0981783A-89C9-54E3-A610-83C41547DD4E}"/>
+              </a:ext>
+            </a:extLst>
+          </p:cNvPr>
+          <p:cNvSpPr>
+            <a:spLocks noGrp="1"/>
+          </p:cNvSpPr>
+          <p:nvPr>
+            <p:ph idx="1"/>
+          </p:nvPr>
+        </p:nvSpPr>
+        <p:spPr/>
+        <p:txBody>
+          <a:bodyPr>
+            <a:normAutofit lnSpcReduction="10000"/>
+          </a:bodyPr>
+          <a:lstStyle/>
+          <a:p>
+            <a:r>
+              <a:rPr lang="es-ES" b="1" dirty="0"/>
+              <a:t>Caché al margen (Cache-aside)</a:t>
+            </a:r>
+          </a:p>
+          <a:p>
+            <a:pPr lvl="1"/>
+            <a:r>
+              <a:rPr lang="es-ES" dirty="0"/>
+              <a:t>El patrón más común:</a:t>
+            </a:r>
+          </a:p>
+          <a:p>
+            <a:pPr lvl="1"/>
+            <a:r>
+              <a:rPr lang="es-ES" dirty="0"/>
+              <a:t>El microservicio consulta Redis antes de ir a la base de datos.</a:t>
+            </a:r>
+          </a:p>
+          <a:p>
+            <a:pPr lvl="1"/>
+            <a:r>
+              <a:rPr lang="es-ES" dirty="0"/>
+              <a:t>Si el dato está en Redis → se devuelve directamente.</a:t>
+            </a:r>
+          </a:p>
+          <a:p>
+            <a:pPr lvl="1"/>
+            <a:r>
+              <a:rPr lang="es-ES" dirty="0"/>
+              <a:t>Si no está → se consulta la base de datos, se guarda en Redis y se devuelve.</a:t>
+            </a:r>
+          </a:p>
+          <a:p>
+            <a:pPr lvl="1"/>
             <a:endParaRPr lang="es-ES" dirty="0"/>
           </a:p>
-        </p:txBody>
-      </p:sp>
-      <p:sp>
-        <p:nvSpPr>
-          <p:cNvPr id="3" name="Marcador de contenido 2">
-            <a:extLst>
-              <a:ext uri="{FF2B5EF4-FFF2-40B4-BE49-F238E27FC236}">
-                <a16:creationId xmlns:a16="http://schemas.microsoft.com/office/drawing/2014/main" id="{FE249098-6308-0805-2971-694B6A0331A1}"/>
-              </a:ext>
-            </a:extLst>
-          </p:cNvPr>
-          <p:cNvSpPr>
-            <a:spLocks noGrp="1"/>
-          </p:cNvSpPr>
-          <p:nvPr>
-            <p:ph idx="1"/>
-          </p:nvPr>
-        </p:nvSpPr>
-        <p:spPr/>
-        <p:txBody>
-          <a:bodyPr/>
-          <a:lstStyle/>
-          <a:p>
-            <a:endParaRPr lang="es-ES"/>
+          <a:p>
+            <a:pPr marL="457200" lvl="1" indent="0">
+              <a:buNone/>
+            </a:pPr>
+            <a:r>
+              <a:rPr lang="es-ES" dirty="0"/>
+              <a:t>auto val = </a:t>
+            </a:r>
+            <a:r>
+              <a:rPr lang="es-ES" dirty="0" err="1"/>
+              <a:t>redis.get</a:t>
+            </a:r>
+            <a:r>
+              <a:rPr lang="es-ES" dirty="0"/>
+              <a:t>("user:123");</a:t>
+            </a:r>
+          </a:p>
+          <a:p>
+            <a:pPr marL="457200" lvl="1" indent="0">
+              <a:buNone/>
+            </a:pPr>
+            <a:r>
+              <a:rPr lang="es-ES" dirty="0" err="1"/>
+              <a:t>if</a:t>
+            </a:r>
+            <a:r>
+              <a:rPr lang="es-ES" dirty="0"/>
+              <a:t> (!val) {</a:t>
+            </a:r>
+          </a:p>
+          <a:p>
+            <a:pPr marL="457200" lvl="1" indent="0">
+              <a:buNone/>
+            </a:pPr>
+            <a:r>
+              <a:rPr lang="es-ES" dirty="0"/>
+              <a:t>    val = </a:t>
+            </a:r>
+            <a:r>
+              <a:rPr lang="es-ES" dirty="0" err="1"/>
+              <a:t>fetchFromDatabase</a:t>
+            </a:r>
+            <a:r>
+              <a:rPr lang="es-ES" dirty="0"/>
+              <a:t>("user:123");</a:t>
+            </a:r>
+          </a:p>
+          <a:p>
+            <a:pPr marL="457200" lvl="1" indent="0">
+              <a:buNone/>
+            </a:pPr>
+            <a:r>
+              <a:rPr lang="es-ES" dirty="0"/>
+              <a:t>    </a:t>
+            </a:r>
+            <a:r>
+              <a:rPr lang="es-ES" dirty="0" err="1"/>
+              <a:t>redis.set</a:t>
+            </a:r>
+            <a:r>
+              <a:rPr lang="es-ES" dirty="0"/>
+              <a:t>("user:123", *val);</a:t>
+            </a:r>
+          </a:p>
+          <a:p>
+            <a:pPr marL="457200" lvl="1" indent="0">
+              <a:buNone/>
+            </a:pPr>
+            <a:r>
+              <a:rPr lang="es-ES" dirty="0"/>
+              <a:t>}</a:t>
+            </a:r>
+          </a:p>
+          <a:p>
+            <a:pPr lvl="1"/>
+            <a:endParaRPr lang="es-ES" dirty="0"/>
           </a:p>
         </p:txBody>
       </p:sp>
@@ -15122,7 +15436,7 @@
           <p:cNvPr id="4" name="Marcador de número de diapositiva 3">
             <a:extLst>
               <a:ext uri="{FF2B5EF4-FFF2-40B4-BE49-F238E27FC236}">
-                <a16:creationId xmlns:a16="http://schemas.microsoft.com/office/drawing/2014/main" id="{A775AC36-57BB-BC67-0DDE-39E76B319F15}"/>
+                <a16:creationId xmlns:a16="http://schemas.microsoft.com/office/drawing/2014/main" id="{02E2ACB7-71F1-8B54-F0B7-97F9A191FBC4}"/>
               </a:ext>
             </a:extLst>
           </p:cNvPr>
@@ -15149,7 +15463,7 @@
     </p:spTree>
     <p:extLst>
       <p:ext uri="{BB962C8B-B14F-4D97-AF65-F5344CB8AC3E}">
-        <p14:creationId xmlns:p14="http://schemas.microsoft.com/office/powerpoint/2010/main" val="3737473164"/>
+        <p14:creationId xmlns:p14="http://schemas.microsoft.com/office/powerpoint/2010/main" val="1986796876"/>
       </p:ext>
     </p:extLst>
   </p:cSld>
@@ -15160,6 +15474,522 @@
 </file>
 
 <file path=ppt/slides/slide53.xml><?xml version="1.0" encoding="utf-8"?>
+<p:sld xmlns:a="http://schemas.openxmlformats.org/drawingml/2006/main" xmlns:r="http://schemas.openxmlformats.org/officeDocument/2006/relationships" xmlns:p="http://schemas.openxmlformats.org/presentationml/2006/main">
+  <p:cSld>
+    <p:spTree>
+      <p:nvGrpSpPr>
+        <p:cNvPr id="1" name="">
+          <a:extLst>
+            <a:ext uri="{FF2B5EF4-FFF2-40B4-BE49-F238E27FC236}">
+              <a16:creationId xmlns:a16="http://schemas.microsoft.com/office/drawing/2014/main" id="{5056A0BE-0509-FE48-E753-0912B866CEF0}"/>
+            </a:ext>
+          </a:extLst>
+        </p:cNvPr>
+        <p:cNvGrpSpPr/>
+        <p:nvPr/>
+      </p:nvGrpSpPr>
+      <p:grpSpPr>
+        <a:xfrm>
+          <a:off x="0" y="0"/>
+          <a:ext cx="0" cy="0"/>
+          <a:chOff x="0" y="0"/>
+          <a:chExt cx="0" cy="0"/>
+        </a:xfrm>
+      </p:grpSpPr>
+      <p:sp>
+        <p:nvSpPr>
+          <p:cNvPr id="2" name="Título 1">
+            <a:extLst>
+              <a:ext uri="{FF2B5EF4-FFF2-40B4-BE49-F238E27FC236}">
+                <a16:creationId xmlns:a16="http://schemas.microsoft.com/office/drawing/2014/main" id="{C40B7092-A73A-1FAA-EF28-F9A196671AA0}"/>
+              </a:ext>
+            </a:extLst>
+          </p:cNvPr>
+          <p:cNvSpPr>
+            <a:spLocks noGrp="1"/>
+          </p:cNvSpPr>
+          <p:nvPr>
+            <p:ph type="title"/>
+          </p:nvPr>
+        </p:nvSpPr>
+        <p:spPr/>
+        <p:txBody>
+          <a:bodyPr/>
+          <a:lstStyle/>
+          <a:p>
+            <a:r>
+              <a:rPr lang="es-ES" dirty="0"/>
+              <a:t>Redis: patrones típicos</a:t>
+            </a:r>
+          </a:p>
+        </p:txBody>
+      </p:sp>
+      <p:sp>
+        <p:nvSpPr>
+          <p:cNvPr id="3" name="Marcador de contenido 2">
+            <a:extLst>
+              <a:ext uri="{FF2B5EF4-FFF2-40B4-BE49-F238E27FC236}">
+                <a16:creationId xmlns:a16="http://schemas.microsoft.com/office/drawing/2014/main" id="{FF7B246C-43F1-3D66-C375-9170681BFBBF}"/>
+              </a:ext>
+            </a:extLst>
+          </p:cNvPr>
+          <p:cNvSpPr>
+            <a:spLocks noGrp="1"/>
+          </p:cNvSpPr>
+          <p:nvPr>
+            <p:ph idx="1"/>
+          </p:nvPr>
+        </p:nvSpPr>
+        <p:spPr>
+          <a:xfrm>
+            <a:off x="838200" y="1825624"/>
+            <a:ext cx="10700208" cy="4735431"/>
+          </a:xfrm>
+        </p:spPr>
+        <p:txBody>
+          <a:bodyPr/>
+          <a:lstStyle/>
+          <a:p>
+            <a:r>
+              <a:rPr lang="es-ES" b="1" dirty="0"/>
+              <a:t>Cache distribuida</a:t>
+            </a:r>
+          </a:p>
+          <a:p>
+            <a:pPr lvl="1"/>
+            <a:r>
+              <a:rPr lang="es-ES" dirty="0"/>
+              <a:t>Redis puede actuar como </a:t>
+            </a:r>
+            <a:r>
+              <a:rPr lang="es-ES" b="1" dirty="0"/>
+              <a:t>caché compartida entre múltiples microservicios</a:t>
+            </a:r>
+            <a:r>
+              <a:rPr lang="es-ES" dirty="0"/>
+              <a:t>, incluso en distintos contenedores o nodos. Esto permite:</a:t>
+            </a:r>
+          </a:p>
+          <a:p>
+            <a:pPr lvl="1"/>
+            <a:r>
+              <a:rPr lang="es-ES" dirty="0"/>
+              <a:t>Compartir resultados de consultas costosas</a:t>
+            </a:r>
+          </a:p>
+          <a:p>
+            <a:pPr lvl="1"/>
+            <a:r>
+              <a:rPr lang="es-ES" dirty="0"/>
+              <a:t>Evitar duplicación de lógica de negocio</a:t>
+            </a:r>
+          </a:p>
+          <a:p>
+            <a:pPr lvl="1"/>
+            <a:r>
+              <a:rPr lang="es-ES" dirty="0"/>
+              <a:t>Reducir carga en servicios centrales</a:t>
+            </a:r>
+          </a:p>
+          <a:p>
+            <a:pPr lvl="1"/>
+            <a:r>
+              <a:rPr lang="es-ES" dirty="0"/>
+              <a:t>Redis </a:t>
+            </a:r>
+            <a:r>
+              <a:rPr lang="es-ES" dirty="0" err="1"/>
+              <a:t>Cluster</a:t>
+            </a:r>
+            <a:r>
+              <a:rPr lang="es-ES" dirty="0"/>
+              <a:t> o Redis </a:t>
+            </a:r>
+            <a:r>
+              <a:rPr lang="es-ES" dirty="0" err="1"/>
+              <a:t>Sentinel</a:t>
+            </a:r>
+            <a:r>
+              <a:rPr lang="es-ES" dirty="0"/>
+              <a:t> se usan para alta disponibilidad y escalabilidad horizontal</a:t>
+            </a:r>
+          </a:p>
+          <a:p>
+            <a:endParaRPr lang="es-ES" dirty="0"/>
+          </a:p>
+        </p:txBody>
+      </p:sp>
+      <p:sp>
+        <p:nvSpPr>
+          <p:cNvPr id="4" name="Marcador de número de diapositiva 3">
+            <a:extLst>
+              <a:ext uri="{FF2B5EF4-FFF2-40B4-BE49-F238E27FC236}">
+                <a16:creationId xmlns:a16="http://schemas.microsoft.com/office/drawing/2014/main" id="{708C6723-2710-F634-7B1C-44420709D38D}"/>
+              </a:ext>
+            </a:extLst>
+          </p:cNvPr>
+          <p:cNvSpPr>
+            <a:spLocks noGrp="1"/>
+          </p:cNvSpPr>
+          <p:nvPr>
+            <p:ph type="sldNum" sz="quarter" idx="12"/>
+          </p:nvPr>
+        </p:nvSpPr>
+        <p:spPr/>
+        <p:txBody>
+          <a:bodyPr/>
+          <a:lstStyle/>
+          <a:p>
+            <a:fld id="{768BFD4A-17AE-4857-8B7E-5E5A409CCC86}" type="slidenum">
+              <a:rPr lang="es-ES" smtClean="0"/>
+              <a:t>53</a:t>
+            </a:fld>
+            <a:endParaRPr lang="es-ES"/>
+          </a:p>
+        </p:txBody>
+      </p:sp>
+    </p:spTree>
+    <p:extLst>
+      <p:ext uri="{BB962C8B-B14F-4D97-AF65-F5344CB8AC3E}">
+        <p14:creationId xmlns:p14="http://schemas.microsoft.com/office/powerpoint/2010/main" val="4068814989"/>
+      </p:ext>
+    </p:extLst>
+  </p:cSld>
+  <p:clrMapOvr>
+    <a:masterClrMapping/>
+  </p:clrMapOvr>
+</p:sld>
+</file>
+
+<file path=ppt/slides/slide54.xml><?xml version="1.0" encoding="utf-8"?>
+<p:sld xmlns:a="http://schemas.openxmlformats.org/drawingml/2006/main" xmlns:r="http://schemas.openxmlformats.org/officeDocument/2006/relationships" xmlns:p="http://schemas.openxmlformats.org/presentationml/2006/main">
+  <p:cSld>
+    <p:spTree>
+      <p:nvGrpSpPr>
+        <p:cNvPr id="1" name="">
+          <a:extLst>
+            <a:ext uri="{FF2B5EF4-FFF2-40B4-BE49-F238E27FC236}">
+              <a16:creationId xmlns:a16="http://schemas.microsoft.com/office/drawing/2014/main" id="{EB322084-7248-2466-91EF-539F31EAD0AC}"/>
+            </a:ext>
+          </a:extLst>
+        </p:cNvPr>
+        <p:cNvGrpSpPr/>
+        <p:nvPr/>
+      </p:nvGrpSpPr>
+      <p:grpSpPr>
+        <a:xfrm>
+          <a:off x="0" y="0"/>
+          <a:ext cx="0" cy="0"/>
+          <a:chOff x="0" y="0"/>
+          <a:chExt cx="0" cy="0"/>
+        </a:xfrm>
+      </p:grpSpPr>
+      <p:sp>
+        <p:nvSpPr>
+          <p:cNvPr id="2" name="Título 1">
+            <a:extLst>
+              <a:ext uri="{FF2B5EF4-FFF2-40B4-BE49-F238E27FC236}">
+                <a16:creationId xmlns:a16="http://schemas.microsoft.com/office/drawing/2014/main" id="{FDC61678-BE2A-B762-11AD-AA9015F11D0D}"/>
+              </a:ext>
+            </a:extLst>
+          </p:cNvPr>
+          <p:cNvSpPr>
+            <a:spLocks noGrp="1"/>
+          </p:cNvSpPr>
+          <p:nvPr>
+            <p:ph type="title"/>
+          </p:nvPr>
+        </p:nvSpPr>
+        <p:spPr/>
+        <p:txBody>
+          <a:bodyPr/>
+          <a:lstStyle/>
+          <a:p>
+            <a:r>
+              <a:rPr lang="es-ES" dirty="0"/>
+              <a:t>Redis: patrones típicos</a:t>
+            </a:r>
+          </a:p>
+        </p:txBody>
+      </p:sp>
+      <p:sp>
+        <p:nvSpPr>
+          <p:cNvPr id="3" name="Marcador de contenido 2">
+            <a:extLst>
+              <a:ext uri="{FF2B5EF4-FFF2-40B4-BE49-F238E27FC236}">
+                <a16:creationId xmlns:a16="http://schemas.microsoft.com/office/drawing/2014/main" id="{652B554D-CBC6-167D-4E24-9E95C18E029A}"/>
+              </a:ext>
+            </a:extLst>
+          </p:cNvPr>
+          <p:cNvSpPr>
+            <a:spLocks noGrp="1"/>
+          </p:cNvSpPr>
+          <p:nvPr>
+            <p:ph idx="1"/>
+          </p:nvPr>
+        </p:nvSpPr>
+        <p:spPr/>
+        <p:txBody>
+          <a:bodyPr/>
+          <a:lstStyle/>
+          <a:p>
+            <a:r>
+              <a:rPr lang="es-ES" b="1" dirty="0"/>
+              <a:t>Caché de sesión o tokens:</a:t>
+            </a:r>
+          </a:p>
+          <a:p>
+            <a:pPr lvl="1"/>
+            <a:r>
+              <a:rPr lang="es-ES" dirty="0"/>
+              <a:t>Redis se usa para almacenar:</a:t>
+            </a:r>
+          </a:p>
+          <a:p>
+            <a:pPr lvl="1"/>
+            <a:r>
+              <a:rPr lang="es-ES" dirty="0"/>
+              <a:t>Tokens JWT o sesiones de usuario</a:t>
+            </a:r>
+          </a:p>
+          <a:p>
+            <a:pPr lvl="1"/>
+            <a:r>
+              <a:rPr lang="es-ES" dirty="0"/>
+              <a:t>Estados temporales de autenticación</a:t>
+            </a:r>
+          </a:p>
+          <a:p>
+            <a:pPr lvl="1"/>
+            <a:r>
+              <a:rPr lang="es-ES" dirty="0" err="1"/>
+              <a:t>Flags</a:t>
+            </a:r>
+            <a:r>
+              <a:rPr lang="es-ES" dirty="0"/>
+              <a:t> de autorización</a:t>
+            </a:r>
+          </a:p>
+          <a:p>
+            <a:pPr lvl="1"/>
+            <a:r>
+              <a:rPr lang="es-ES" dirty="0"/>
+              <a:t>Esto permite que servicios de autenticación y autorización trabajen de forma desacoplada.</a:t>
+            </a:r>
+          </a:p>
+          <a:p>
+            <a:pPr lvl="1"/>
+            <a:endParaRPr lang="es-ES" dirty="0"/>
+          </a:p>
+        </p:txBody>
+      </p:sp>
+      <p:sp>
+        <p:nvSpPr>
+          <p:cNvPr id="4" name="Marcador de número de diapositiva 3">
+            <a:extLst>
+              <a:ext uri="{FF2B5EF4-FFF2-40B4-BE49-F238E27FC236}">
+                <a16:creationId xmlns:a16="http://schemas.microsoft.com/office/drawing/2014/main" id="{F74E0597-43AB-747F-2E79-274F228B23FA}"/>
+              </a:ext>
+            </a:extLst>
+          </p:cNvPr>
+          <p:cNvSpPr>
+            <a:spLocks noGrp="1"/>
+          </p:cNvSpPr>
+          <p:nvPr>
+            <p:ph type="sldNum" sz="quarter" idx="12"/>
+          </p:nvPr>
+        </p:nvSpPr>
+        <p:spPr/>
+        <p:txBody>
+          <a:bodyPr/>
+          <a:lstStyle/>
+          <a:p>
+            <a:fld id="{768BFD4A-17AE-4857-8B7E-5E5A409CCC86}" type="slidenum">
+              <a:rPr lang="es-ES" smtClean="0"/>
+              <a:t>54</a:t>
+            </a:fld>
+            <a:endParaRPr lang="es-ES"/>
+          </a:p>
+        </p:txBody>
+      </p:sp>
+    </p:spTree>
+    <p:extLst>
+      <p:ext uri="{BB962C8B-B14F-4D97-AF65-F5344CB8AC3E}">
+        <p14:creationId xmlns:p14="http://schemas.microsoft.com/office/powerpoint/2010/main" val="3620905119"/>
+      </p:ext>
+    </p:extLst>
+  </p:cSld>
+  <p:clrMapOvr>
+    <a:masterClrMapping/>
+  </p:clrMapOvr>
+</p:sld>
+</file>
+
+<file path=ppt/slides/slide55.xml><?xml version="1.0" encoding="utf-8"?>
+<p:sld xmlns:a="http://schemas.openxmlformats.org/drawingml/2006/main" xmlns:r="http://schemas.openxmlformats.org/officeDocument/2006/relationships" xmlns:p="http://schemas.openxmlformats.org/presentationml/2006/main">
+  <p:cSld>
+    <p:spTree>
+      <p:nvGrpSpPr>
+        <p:cNvPr id="1" name="">
+          <a:extLst>
+            <a:ext uri="{FF2B5EF4-FFF2-40B4-BE49-F238E27FC236}">
+              <a16:creationId xmlns:a16="http://schemas.microsoft.com/office/drawing/2014/main" id="{318BBAA8-62D9-E532-ACD6-4BAFCFB4BBE9}"/>
+            </a:ext>
+          </a:extLst>
+        </p:cNvPr>
+        <p:cNvGrpSpPr/>
+        <p:nvPr/>
+      </p:nvGrpSpPr>
+      <p:grpSpPr>
+        <a:xfrm>
+          <a:off x="0" y="0"/>
+          <a:ext cx="0" cy="0"/>
+          <a:chOff x="0" y="0"/>
+          <a:chExt cx="0" cy="0"/>
+        </a:xfrm>
+      </p:grpSpPr>
+      <p:sp>
+        <p:nvSpPr>
+          <p:cNvPr id="2" name="Título 1">
+            <a:extLst>
+              <a:ext uri="{FF2B5EF4-FFF2-40B4-BE49-F238E27FC236}">
+                <a16:creationId xmlns:a16="http://schemas.microsoft.com/office/drawing/2014/main" id="{48CC8A00-258D-8814-4AB1-992BF7D8C099}"/>
+              </a:ext>
+            </a:extLst>
+          </p:cNvPr>
+          <p:cNvSpPr>
+            <a:spLocks noGrp="1"/>
+          </p:cNvSpPr>
+          <p:nvPr>
+            <p:ph type="title"/>
+          </p:nvPr>
+        </p:nvSpPr>
+        <p:spPr/>
+        <p:txBody>
+          <a:bodyPr/>
+          <a:lstStyle/>
+          <a:p>
+            <a:r>
+              <a:rPr lang="es-ES" dirty="0"/>
+              <a:t>Redis: patrones típicos</a:t>
+            </a:r>
+          </a:p>
+        </p:txBody>
+      </p:sp>
+      <p:sp>
+        <p:nvSpPr>
+          <p:cNvPr id="3" name="Marcador de contenido 2">
+            <a:extLst>
+              <a:ext uri="{FF2B5EF4-FFF2-40B4-BE49-F238E27FC236}">
+                <a16:creationId xmlns:a16="http://schemas.microsoft.com/office/drawing/2014/main" id="{0FDED4EC-4E6A-2902-F9B6-6187C4C1F9AF}"/>
+              </a:ext>
+            </a:extLst>
+          </p:cNvPr>
+          <p:cNvSpPr>
+            <a:spLocks noGrp="1"/>
+          </p:cNvSpPr>
+          <p:nvPr>
+            <p:ph idx="1"/>
+          </p:nvPr>
+        </p:nvSpPr>
+        <p:spPr/>
+        <p:txBody>
+          <a:bodyPr/>
+          <a:lstStyle/>
+          <a:p>
+            <a:r>
+              <a:rPr lang="es-ES" dirty="0"/>
+              <a:t>Caché de eventos o colas:</a:t>
+            </a:r>
+          </a:p>
+          <a:p>
+            <a:pPr lvl="1"/>
+            <a:r>
+              <a:rPr lang="es-ES" dirty="0"/>
+              <a:t>Redis también puede actuar como:</a:t>
+            </a:r>
+          </a:p>
+          <a:p>
+            <a:pPr lvl="1"/>
+            <a:r>
+              <a:rPr lang="es-ES" b="1" dirty="0"/>
+              <a:t>Buffer de eventos</a:t>
+            </a:r>
+            <a:r>
+              <a:rPr lang="es-ES" dirty="0"/>
+              <a:t> entre microservicios</a:t>
+            </a:r>
+          </a:p>
+          <a:p>
+            <a:pPr lvl="1"/>
+            <a:r>
+              <a:rPr lang="es-ES" b="1" dirty="0"/>
+              <a:t>Cola temporal</a:t>
+            </a:r>
+            <a:r>
+              <a:rPr lang="es-ES" dirty="0"/>
+              <a:t> usando listas (LPUSH, RPOP)</a:t>
+            </a:r>
+          </a:p>
+          <a:p>
+            <a:pPr lvl="1"/>
+            <a:r>
+              <a:rPr lang="es-ES" b="1" dirty="0"/>
+              <a:t>Pub/Sub</a:t>
+            </a:r>
+            <a:r>
+              <a:rPr lang="es-ES" dirty="0"/>
+              <a:t> para notificaciones entre servicios</a:t>
+            </a:r>
+          </a:p>
+          <a:p>
+            <a:endParaRPr lang="es-ES" dirty="0"/>
+          </a:p>
+        </p:txBody>
+      </p:sp>
+      <p:sp>
+        <p:nvSpPr>
+          <p:cNvPr id="4" name="Marcador de número de diapositiva 3">
+            <a:extLst>
+              <a:ext uri="{FF2B5EF4-FFF2-40B4-BE49-F238E27FC236}">
+                <a16:creationId xmlns:a16="http://schemas.microsoft.com/office/drawing/2014/main" id="{A336F900-4B53-6A6F-1E61-F4A8A67FF497}"/>
+              </a:ext>
+            </a:extLst>
+          </p:cNvPr>
+          <p:cNvSpPr>
+            <a:spLocks noGrp="1"/>
+          </p:cNvSpPr>
+          <p:nvPr>
+            <p:ph type="sldNum" sz="quarter" idx="12"/>
+          </p:nvPr>
+        </p:nvSpPr>
+        <p:spPr/>
+        <p:txBody>
+          <a:bodyPr/>
+          <a:lstStyle/>
+          <a:p>
+            <a:fld id="{768BFD4A-17AE-4857-8B7E-5E5A409CCC86}" type="slidenum">
+              <a:rPr lang="es-ES" smtClean="0"/>
+              <a:t>55</a:t>
+            </a:fld>
+            <a:endParaRPr lang="es-ES"/>
+          </a:p>
+        </p:txBody>
+      </p:sp>
+    </p:spTree>
+    <p:extLst>
+      <p:ext uri="{BB962C8B-B14F-4D97-AF65-F5344CB8AC3E}">
+        <p14:creationId xmlns:p14="http://schemas.microsoft.com/office/powerpoint/2010/main" val="3555398573"/>
+      </p:ext>
+    </p:extLst>
+  </p:cSld>
+  <p:clrMapOvr>
+    <a:masterClrMapping/>
+  </p:clrMapOvr>
+</p:sld>
+</file>
+
+<file path=ppt/slides/slide56.xml><?xml version="1.0" encoding="utf-8"?>
 <p:sld xmlns:a="http://schemas.openxmlformats.org/drawingml/2006/main" xmlns:r="http://schemas.openxmlformats.org/officeDocument/2006/relationships" xmlns:p="http://schemas.openxmlformats.org/presentationml/2006/main">
   <p:cSld>
     <p:spTree>
@@ -15181,7 +16011,7 @@
           <p:cNvPr id="2" name="Título 1">
             <a:extLst>
               <a:ext uri="{FF2B5EF4-FFF2-40B4-BE49-F238E27FC236}">
-                <a16:creationId xmlns:a16="http://schemas.microsoft.com/office/drawing/2014/main" id="{0AF1788B-5C79-E93A-CFF1-2028E33D14F2}"/>
+                <a16:creationId xmlns:a16="http://schemas.microsoft.com/office/drawing/2014/main" id="{27CDBB00-3FE4-0F3B-E85E-E972CEE7EC72}"/>
               </a:ext>
             </a:extLst>
           </p:cNvPr>
@@ -15194,21 +16024,17 @@
         </p:nvSpPr>
         <p:spPr/>
         <p:txBody>
-          <a:bodyPr>
-            <a:normAutofit fontScale="90000"/>
-          </a:bodyPr>
-          <a:lstStyle/>
-          <a:p>
-            <a:br>
-              <a:rPr lang="es-ES" dirty="0"/>
-            </a:br>
-            <a:r>
-              <a:rPr lang="es-ES" dirty="0"/>
-              <a:t>Implementación de acceso en tiempo real a grandes volúmenes de datos </a:t>
-            </a:r>
-            <a:br>
-              <a:rPr lang="es-ES" dirty="0"/>
-            </a:br>
+          <a:bodyPr/>
+          <a:lstStyle/>
+          <a:p>
+            <a:r>
+              <a:rPr lang="es-ES" dirty="0"/>
+              <a:t>Librería </a:t>
+            </a:r>
+            <a:r>
+              <a:rPr lang="es-ES" dirty="0" err="1"/>
+              <a:t>hiredis</a:t>
+            </a:r>
             <a:endParaRPr lang="es-ES" dirty="0"/>
           </a:p>
         </p:txBody>
@@ -15218,7 +16044,7 @@
           <p:cNvPr id="3" name="Marcador de contenido 2">
             <a:extLst>
               <a:ext uri="{FF2B5EF4-FFF2-40B4-BE49-F238E27FC236}">
-                <a16:creationId xmlns:a16="http://schemas.microsoft.com/office/drawing/2014/main" id="{2D020A8F-0A2D-0870-5DA2-82B7D01EAC67}"/>
+                <a16:creationId xmlns:a16="http://schemas.microsoft.com/office/drawing/2014/main" id="{7AB637E2-63DA-5C35-A8B4-1FCCB57A3D26}"/>
               </a:ext>
             </a:extLst>
           </p:cNvPr>
@@ -15234,7 +16060,111 @@
           <a:bodyPr/>
           <a:lstStyle/>
           <a:p>
-            <a:endParaRPr lang="es-ES"/>
+            <a:r>
+              <a:rPr lang="es-ES" dirty="0"/>
+              <a:t>Se instala con </a:t>
+            </a:r>
+            <a:r>
+              <a:rPr lang="es-ES" dirty="0" err="1"/>
+              <a:t>vcpkg</a:t>
+            </a:r>
+            <a:r>
+              <a:rPr lang="es-ES" dirty="0"/>
+              <a:t>: </a:t>
+            </a:r>
+          </a:p>
+          <a:p>
+            <a:pPr lvl="1"/>
+            <a:r>
+              <a:rPr lang="es-ES" dirty="0" err="1"/>
+              <a:t>vcpkg</a:t>
+            </a:r>
+            <a:r>
+              <a:rPr lang="es-ES" dirty="0"/>
+              <a:t> </a:t>
+            </a:r>
+            <a:r>
+              <a:rPr lang="es-ES" dirty="0" err="1"/>
+              <a:t>install</a:t>
+            </a:r>
+            <a:r>
+              <a:rPr lang="es-ES" dirty="0"/>
+              <a:t> </a:t>
+            </a:r>
+            <a:r>
+              <a:rPr lang="es-ES" dirty="0" err="1"/>
+              <a:t>hiredis</a:t>
+            </a:r>
+            <a:endParaRPr lang="es-ES" dirty="0"/>
+          </a:p>
+          <a:p>
+            <a:pPr lvl="1"/>
+            <a:r>
+              <a:rPr lang="es-ES" dirty="0" err="1"/>
+              <a:t>vcpkg</a:t>
+            </a:r>
+            <a:r>
+              <a:rPr lang="es-ES" dirty="0"/>
+              <a:t> </a:t>
+            </a:r>
+            <a:r>
+              <a:rPr lang="es-ES" dirty="0" err="1"/>
+              <a:t>integrate</a:t>
+            </a:r>
+            <a:r>
+              <a:rPr lang="es-ES" dirty="0"/>
+              <a:t> </a:t>
+            </a:r>
+            <a:r>
+              <a:rPr lang="es-ES" dirty="0" err="1"/>
+              <a:t>install</a:t>
+            </a:r>
+            <a:endParaRPr lang="es-ES" dirty="0"/>
+          </a:p>
+          <a:p>
+            <a:pPr lvl="1"/>
+            <a:endParaRPr lang="es-ES" dirty="0"/>
+          </a:p>
+          <a:p>
+            <a:pPr lvl="1"/>
+            <a:endParaRPr lang="es-ES" dirty="0"/>
+          </a:p>
+          <a:p>
+            <a:pPr lvl="1"/>
+            <a:r>
+              <a:rPr lang="es-ES" dirty="0"/>
+              <a:t>Para utilizarla en los proyectos de C++ (aunque esta desarrollada en C):</a:t>
+            </a:r>
+          </a:p>
+          <a:p>
+            <a:pPr lvl="1"/>
+            <a:r>
+              <a:rPr lang="es-ES" b="1" dirty="0"/>
+              <a:t>#include &lt;</a:t>
+            </a:r>
+            <a:r>
+              <a:rPr lang="es-ES" b="1" dirty="0" err="1"/>
+              <a:t>hiredis</a:t>
+            </a:r>
+            <a:r>
+              <a:rPr lang="es-ES" b="1" dirty="0"/>
+              <a:t>/</a:t>
+            </a:r>
+            <a:r>
+              <a:rPr lang="es-ES" b="1" dirty="0" err="1"/>
+              <a:t>hiredis.h</a:t>
+            </a:r>
+            <a:r>
+              <a:rPr lang="es-ES" b="1" dirty="0"/>
+              <a:t>&gt;</a:t>
+            </a:r>
+          </a:p>
+          <a:p>
+            <a:pPr lvl="1"/>
+            <a:endParaRPr lang="es-ES" dirty="0"/>
+          </a:p>
+          <a:p>
+            <a:endParaRPr lang="es-ES" dirty="0"/>
           </a:p>
         </p:txBody>
       </p:sp>
@@ -15243,7 +16173,7 @@
           <p:cNvPr id="4" name="Marcador de número de diapositiva 3">
             <a:extLst>
               <a:ext uri="{FF2B5EF4-FFF2-40B4-BE49-F238E27FC236}">
-                <a16:creationId xmlns:a16="http://schemas.microsoft.com/office/drawing/2014/main" id="{91067DBD-6930-F91A-B260-0C31A518892C}"/>
+                <a16:creationId xmlns:a16="http://schemas.microsoft.com/office/drawing/2014/main" id="{065677CC-47C3-6B58-8DFA-ADDFA4BDA782}"/>
               </a:ext>
             </a:extLst>
           </p:cNvPr>
@@ -15261,7 +16191,7 @@
           <a:p>
             <a:fld id="{768BFD4A-17AE-4857-8B7E-5E5A409CCC86}" type="slidenum">
               <a:rPr lang="es-ES" smtClean="0"/>
-              <a:t>53</a:t>
+              <a:t>56</a:t>
             </a:fld>
             <a:endParaRPr lang="es-ES"/>
           </a:p>
@@ -15270,7 +16200,653 @@
     </p:spTree>
     <p:extLst>
       <p:ext uri="{BB962C8B-B14F-4D97-AF65-F5344CB8AC3E}">
-        <p14:creationId xmlns:p14="http://schemas.microsoft.com/office/powerpoint/2010/main" val="2528525117"/>
+        <p14:creationId xmlns:p14="http://schemas.microsoft.com/office/powerpoint/2010/main" val="355006439"/>
+      </p:ext>
+    </p:extLst>
+  </p:cSld>
+  <p:clrMapOvr>
+    <a:masterClrMapping/>
+  </p:clrMapOvr>
+</p:sld>
+</file>
+
+<file path=ppt/slides/slide57.xml><?xml version="1.0" encoding="utf-8"?>
+<p:sld xmlns:a="http://schemas.openxmlformats.org/drawingml/2006/main" xmlns:r="http://schemas.openxmlformats.org/officeDocument/2006/relationships" xmlns:p="http://schemas.openxmlformats.org/presentationml/2006/main">
+  <p:cSld>
+    <p:spTree>
+      <p:nvGrpSpPr>
+        <p:cNvPr id="1" name=""/>
+        <p:cNvGrpSpPr/>
+        <p:nvPr/>
+      </p:nvGrpSpPr>
+      <p:grpSpPr>
+        <a:xfrm>
+          <a:off x="0" y="0"/>
+          <a:ext cx="0" cy="0"/>
+          <a:chOff x="0" y="0"/>
+          <a:chExt cx="0" cy="0"/>
+        </a:xfrm>
+      </p:grpSpPr>
+      <p:sp>
+        <p:nvSpPr>
+          <p:cNvPr id="2" name="Título 1">
+            <a:extLst>
+              <a:ext uri="{FF2B5EF4-FFF2-40B4-BE49-F238E27FC236}">
+                <a16:creationId xmlns:a16="http://schemas.microsoft.com/office/drawing/2014/main" id="{0F4A4FB5-1B36-F4B5-ED27-762571981D23}"/>
+              </a:ext>
+            </a:extLst>
+          </p:cNvPr>
+          <p:cNvSpPr>
+            <a:spLocks noGrp="1"/>
+          </p:cNvSpPr>
+          <p:nvPr>
+            <p:ph type="title"/>
+          </p:nvPr>
+        </p:nvSpPr>
+        <p:spPr/>
+        <p:txBody>
+          <a:bodyPr/>
+          <a:lstStyle/>
+          <a:p>
+            <a:r>
+              <a:rPr lang="es-ES" dirty="0"/>
+              <a:t>Librería </a:t>
+            </a:r>
+            <a:r>
+              <a:rPr lang="es-ES" dirty="0" err="1"/>
+              <a:t>hiredis</a:t>
+            </a:r>
+            <a:r>
+              <a:rPr lang="es-ES" dirty="0"/>
+              <a:t>: objetos</a:t>
+            </a:r>
+          </a:p>
+        </p:txBody>
+      </p:sp>
+      <p:sp>
+        <p:nvSpPr>
+          <p:cNvPr id="3" name="Marcador de contenido 2">
+            <a:extLst>
+              <a:ext uri="{FF2B5EF4-FFF2-40B4-BE49-F238E27FC236}">
+                <a16:creationId xmlns:a16="http://schemas.microsoft.com/office/drawing/2014/main" id="{86F549CA-74FF-8854-FF93-06AF51DCEB83}"/>
+              </a:ext>
+            </a:extLst>
+          </p:cNvPr>
+          <p:cNvSpPr>
+            <a:spLocks noGrp="1"/>
+          </p:cNvSpPr>
+          <p:nvPr>
+            <p:ph idx="1"/>
+          </p:nvPr>
+        </p:nvSpPr>
+        <p:spPr/>
+        <p:txBody>
+          <a:bodyPr/>
+          <a:lstStyle/>
+          <a:p>
+            <a:r>
+              <a:rPr lang="es-ES" dirty="0" err="1"/>
+              <a:t>redisContext</a:t>
+            </a:r>
+            <a:r>
+              <a:rPr lang="es-ES" dirty="0"/>
+              <a:t>	Representa la conexión con el servidor Redis</a:t>
+            </a:r>
+          </a:p>
+          <a:p>
+            <a:r>
+              <a:rPr lang="es-ES" dirty="0" err="1"/>
+              <a:t>redisReply</a:t>
+            </a:r>
+            <a:r>
+              <a:rPr lang="es-ES" dirty="0"/>
+              <a:t>	Representa la respuesta de Redis a un comando</a:t>
+            </a:r>
+          </a:p>
+          <a:p>
+            <a:r>
+              <a:rPr lang="es-ES" dirty="0" err="1"/>
+              <a:t>redisReader</a:t>
+            </a:r>
+            <a:r>
+              <a:rPr lang="es-ES" dirty="0"/>
+              <a:t>	</a:t>
+            </a:r>
+            <a:r>
+              <a:rPr lang="es-ES" dirty="0" err="1"/>
+              <a:t>Parse</a:t>
+            </a:r>
+            <a:r>
+              <a:rPr lang="es-ES" dirty="0"/>
+              <a:t> de respuestas</a:t>
+            </a:r>
+          </a:p>
+        </p:txBody>
+      </p:sp>
+      <p:sp>
+        <p:nvSpPr>
+          <p:cNvPr id="4" name="Marcador de número de diapositiva 3">
+            <a:extLst>
+              <a:ext uri="{FF2B5EF4-FFF2-40B4-BE49-F238E27FC236}">
+                <a16:creationId xmlns:a16="http://schemas.microsoft.com/office/drawing/2014/main" id="{22E43ED8-3253-C950-99C6-086F7D267428}"/>
+              </a:ext>
+            </a:extLst>
+          </p:cNvPr>
+          <p:cNvSpPr>
+            <a:spLocks noGrp="1"/>
+          </p:cNvSpPr>
+          <p:nvPr>
+            <p:ph type="sldNum" sz="quarter" idx="12"/>
+          </p:nvPr>
+        </p:nvSpPr>
+        <p:spPr/>
+        <p:txBody>
+          <a:bodyPr/>
+          <a:lstStyle/>
+          <a:p>
+            <a:fld id="{768BFD4A-17AE-4857-8B7E-5E5A409CCC86}" type="slidenum">
+              <a:rPr lang="es-ES" smtClean="0"/>
+              <a:t>57</a:t>
+            </a:fld>
+            <a:endParaRPr lang="es-ES"/>
+          </a:p>
+        </p:txBody>
+      </p:sp>
+    </p:spTree>
+    <p:extLst>
+      <p:ext uri="{BB962C8B-B14F-4D97-AF65-F5344CB8AC3E}">
+        <p14:creationId xmlns:p14="http://schemas.microsoft.com/office/powerpoint/2010/main" val="4281024289"/>
+      </p:ext>
+    </p:extLst>
+  </p:cSld>
+  <p:clrMapOvr>
+    <a:masterClrMapping/>
+  </p:clrMapOvr>
+</p:sld>
+</file>
+
+<file path=ppt/slides/slide58.xml><?xml version="1.0" encoding="utf-8"?>
+<p:sld xmlns:a="http://schemas.openxmlformats.org/drawingml/2006/main" xmlns:r="http://schemas.openxmlformats.org/officeDocument/2006/relationships" xmlns:p="http://schemas.openxmlformats.org/presentationml/2006/main">
+  <p:cSld>
+    <p:spTree>
+      <p:nvGrpSpPr>
+        <p:cNvPr id="1" name="">
+          <a:extLst>
+            <a:ext uri="{FF2B5EF4-FFF2-40B4-BE49-F238E27FC236}">
+              <a16:creationId xmlns:a16="http://schemas.microsoft.com/office/drawing/2014/main" id="{B3B9B86D-CD2D-9926-934C-08BD7C8C70C2}"/>
+            </a:ext>
+          </a:extLst>
+        </p:cNvPr>
+        <p:cNvGrpSpPr/>
+        <p:nvPr/>
+      </p:nvGrpSpPr>
+      <p:grpSpPr>
+        <a:xfrm>
+          <a:off x="0" y="0"/>
+          <a:ext cx="0" cy="0"/>
+          <a:chOff x="0" y="0"/>
+          <a:chExt cx="0" cy="0"/>
+        </a:xfrm>
+      </p:grpSpPr>
+      <p:sp>
+        <p:nvSpPr>
+          <p:cNvPr id="2" name="Título 1">
+            <a:extLst>
+              <a:ext uri="{FF2B5EF4-FFF2-40B4-BE49-F238E27FC236}">
+                <a16:creationId xmlns:a16="http://schemas.microsoft.com/office/drawing/2014/main" id="{7A0AB3D1-04DC-5684-5A96-3EF88CEFB4E6}"/>
+              </a:ext>
+            </a:extLst>
+          </p:cNvPr>
+          <p:cNvSpPr>
+            <a:spLocks noGrp="1"/>
+          </p:cNvSpPr>
+          <p:nvPr>
+            <p:ph type="title"/>
+          </p:nvPr>
+        </p:nvSpPr>
+        <p:spPr/>
+        <p:txBody>
+          <a:bodyPr/>
+          <a:lstStyle/>
+          <a:p>
+            <a:r>
+              <a:rPr lang="es-ES" dirty="0"/>
+              <a:t>Librería </a:t>
+            </a:r>
+            <a:r>
+              <a:rPr lang="es-ES" dirty="0" err="1"/>
+              <a:t>hiredis</a:t>
+            </a:r>
+            <a:r>
+              <a:rPr lang="es-ES" dirty="0"/>
+              <a:t>: objetos</a:t>
+            </a:r>
+          </a:p>
+        </p:txBody>
+      </p:sp>
+      <p:sp>
+        <p:nvSpPr>
+          <p:cNvPr id="3" name="Marcador de contenido 2">
+            <a:extLst>
+              <a:ext uri="{FF2B5EF4-FFF2-40B4-BE49-F238E27FC236}">
+                <a16:creationId xmlns:a16="http://schemas.microsoft.com/office/drawing/2014/main" id="{0FC9B0CF-DAB5-CBEB-1C7E-9886831A4643}"/>
+              </a:ext>
+            </a:extLst>
+          </p:cNvPr>
+          <p:cNvSpPr>
+            <a:spLocks noGrp="1"/>
+          </p:cNvSpPr>
+          <p:nvPr>
+            <p:ph idx="1"/>
+          </p:nvPr>
+        </p:nvSpPr>
+        <p:spPr/>
+        <p:txBody>
+          <a:bodyPr/>
+          <a:lstStyle/>
+          <a:p>
+            <a:r>
+              <a:rPr lang="es-ES" b="1" dirty="0" err="1"/>
+              <a:t>redisContext</a:t>
+            </a:r>
+            <a:endParaRPr lang="es-ES" b="1" dirty="0"/>
+          </a:p>
+          <a:p>
+            <a:r>
+              <a:rPr lang="es-ES" dirty="0"/>
+              <a:t>Es el núcleo de la conexión.</a:t>
+            </a:r>
+          </a:p>
+          <a:p>
+            <a:r>
+              <a:rPr lang="es-ES" dirty="0"/>
+              <a:t>Contiene información como:</a:t>
+            </a:r>
+          </a:p>
+          <a:p>
+            <a:pPr lvl="1"/>
+            <a:r>
+              <a:rPr lang="es-ES" dirty="0"/>
+              <a:t>IP, puerto</a:t>
+            </a:r>
+          </a:p>
+          <a:p>
+            <a:pPr lvl="1"/>
+            <a:r>
+              <a:rPr lang="es-ES" dirty="0"/>
+              <a:t>Estado de error (</a:t>
+            </a:r>
+            <a:r>
+              <a:rPr lang="es-ES" dirty="0" err="1"/>
+              <a:t>err</a:t>
+            </a:r>
+            <a:r>
+              <a:rPr lang="es-ES" dirty="0"/>
+              <a:t>, </a:t>
+            </a:r>
+            <a:r>
+              <a:rPr lang="es-ES" dirty="0" err="1"/>
+              <a:t>errstr</a:t>
+            </a:r>
+            <a:r>
+              <a:rPr lang="es-ES" dirty="0"/>
+              <a:t>)</a:t>
+            </a:r>
+          </a:p>
+          <a:p>
+            <a:pPr lvl="1"/>
+            <a:r>
+              <a:rPr lang="es-ES" dirty="0"/>
+              <a:t>Socket y buffer de lectura/escritura</a:t>
+            </a:r>
+          </a:p>
+          <a:p>
+            <a:pPr lvl="1"/>
+            <a:endParaRPr lang="es-ES" dirty="0"/>
+          </a:p>
+          <a:p>
+            <a:endParaRPr lang="es-ES" dirty="0"/>
+          </a:p>
+          <a:p>
+            <a:r>
+              <a:rPr lang="es-ES" dirty="0" err="1"/>
+              <a:t>redisContext</a:t>
+            </a:r>
+            <a:r>
+              <a:rPr lang="es-ES" dirty="0"/>
+              <a:t>* </a:t>
+            </a:r>
+            <a:r>
+              <a:rPr lang="es-ES" dirty="0" err="1"/>
+              <a:t>context</a:t>
+            </a:r>
+            <a:r>
+              <a:rPr lang="es-ES" dirty="0"/>
+              <a:t> = </a:t>
+            </a:r>
+            <a:r>
+              <a:rPr lang="es-ES" dirty="0" err="1"/>
+              <a:t>redisConnect</a:t>
+            </a:r>
+            <a:r>
+              <a:rPr lang="es-ES" dirty="0"/>
+              <a:t>("127.0.0.1", 6379);</a:t>
+            </a:r>
+          </a:p>
+          <a:p>
+            <a:endParaRPr lang="es-ES" dirty="0"/>
+          </a:p>
+          <a:p>
+            <a:endParaRPr lang="es-ES" dirty="0"/>
+          </a:p>
+        </p:txBody>
+      </p:sp>
+      <p:sp>
+        <p:nvSpPr>
+          <p:cNvPr id="4" name="Marcador de número de diapositiva 3">
+            <a:extLst>
+              <a:ext uri="{FF2B5EF4-FFF2-40B4-BE49-F238E27FC236}">
+                <a16:creationId xmlns:a16="http://schemas.microsoft.com/office/drawing/2014/main" id="{1B83490A-F0C3-1604-8B9F-CD576D9125FE}"/>
+              </a:ext>
+            </a:extLst>
+          </p:cNvPr>
+          <p:cNvSpPr>
+            <a:spLocks noGrp="1"/>
+          </p:cNvSpPr>
+          <p:nvPr>
+            <p:ph type="sldNum" sz="quarter" idx="12"/>
+          </p:nvPr>
+        </p:nvSpPr>
+        <p:spPr/>
+        <p:txBody>
+          <a:bodyPr/>
+          <a:lstStyle/>
+          <a:p>
+            <a:fld id="{768BFD4A-17AE-4857-8B7E-5E5A409CCC86}" type="slidenum">
+              <a:rPr lang="es-ES" smtClean="0"/>
+              <a:t>58</a:t>
+            </a:fld>
+            <a:endParaRPr lang="es-ES"/>
+          </a:p>
+        </p:txBody>
+      </p:sp>
+    </p:spTree>
+    <p:extLst>
+      <p:ext uri="{BB962C8B-B14F-4D97-AF65-F5344CB8AC3E}">
+        <p14:creationId xmlns:p14="http://schemas.microsoft.com/office/powerpoint/2010/main" val="4254544126"/>
+      </p:ext>
+    </p:extLst>
+  </p:cSld>
+  <p:clrMapOvr>
+    <a:masterClrMapping/>
+  </p:clrMapOvr>
+</p:sld>
+</file>
+
+<file path=ppt/slides/slide59.xml><?xml version="1.0" encoding="utf-8"?>
+<p:sld xmlns:a="http://schemas.openxmlformats.org/drawingml/2006/main" xmlns:r="http://schemas.openxmlformats.org/officeDocument/2006/relationships" xmlns:p="http://schemas.openxmlformats.org/presentationml/2006/main">
+  <p:cSld>
+    <p:spTree>
+      <p:nvGrpSpPr>
+        <p:cNvPr id="1" name="">
+          <a:extLst>
+            <a:ext uri="{FF2B5EF4-FFF2-40B4-BE49-F238E27FC236}">
+              <a16:creationId xmlns:a16="http://schemas.microsoft.com/office/drawing/2014/main" id="{BB934D5B-95BF-ED9B-85B6-A80CB97EF12D}"/>
+            </a:ext>
+          </a:extLst>
+        </p:cNvPr>
+        <p:cNvGrpSpPr/>
+        <p:nvPr/>
+      </p:nvGrpSpPr>
+      <p:grpSpPr>
+        <a:xfrm>
+          <a:off x="0" y="0"/>
+          <a:ext cx="0" cy="0"/>
+          <a:chOff x="0" y="0"/>
+          <a:chExt cx="0" cy="0"/>
+        </a:xfrm>
+      </p:grpSpPr>
+      <p:sp>
+        <p:nvSpPr>
+          <p:cNvPr id="2" name="Título 1">
+            <a:extLst>
+              <a:ext uri="{FF2B5EF4-FFF2-40B4-BE49-F238E27FC236}">
+                <a16:creationId xmlns:a16="http://schemas.microsoft.com/office/drawing/2014/main" id="{6B4A01FF-8A19-D5D1-B738-F64A30308CFE}"/>
+              </a:ext>
+            </a:extLst>
+          </p:cNvPr>
+          <p:cNvSpPr>
+            <a:spLocks noGrp="1"/>
+          </p:cNvSpPr>
+          <p:nvPr>
+            <p:ph type="title"/>
+          </p:nvPr>
+        </p:nvSpPr>
+        <p:spPr/>
+        <p:txBody>
+          <a:bodyPr/>
+          <a:lstStyle/>
+          <a:p>
+            <a:r>
+              <a:rPr lang="es-ES" dirty="0"/>
+              <a:t>Librería </a:t>
+            </a:r>
+            <a:r>
+              <a:rPr lang="es-ES" dirty="0" err="1"/>
+              <a:t>hiredis</a:t>
+            </a:r>
+            <a:r>
+              <a:rPr lang="es-ES" dirty="0"/>
+              <a:t>: objetos</a:t>
+            </a:r>
+          </a:p>
+        </p:txBody>
+      </p:sp>
+      <p:sp>
+        <p:nvSpPr>
+          <p:cNvPr id="3" name="Marcador de contenido 2">
+            <a:extLst>
+              <a:ext uri="{FF2B5EF4-FFF2-40B4-BE49-F238E27FC236}">
+                <a16:creationId xmlns:a16="http://schemas.microsoft.com/office/drawing/2014/main" id="{020930A2-BCB7-C621-F2BB-E3AEBAE602D8}"/>
+              </a:ext>
+            </a:extLst>
+          </p:cNvPr>
+          <p:cNvSpPr>
+            <a:spLocks noGrp="1"/>
+          </p:cNvSpPr>
+          <p:nvPr>
+            <p:ph idx="1"/>
+          </p:nvPr>
+        </p:nvSpPr>
+        <p:spPr/>
+        <p:txBody>
+          <a:bodyPr>
+            <a:normAutofit fontScale="92500" lnSpcReduction="20000"/>
+          </a:bodyPr>
+          <a:lstStyle/>
+          <a:p>
+            <a:r>
+              <a:rPr lang="es-ES" b="1" dirty="0" err="1"/>
+              <a:t>redisReply</a:t>
+            </a:r>
+            <a:endParaRPr lang="es-ES" b="1" dirty="0"/>
+          </a:p>
+          <a:p>
+            <a:r>
+              <a:rPr lang="es-ES" dirty="0"/>
+              <a:t>Devuelto por </a:t>
+            </a:r>
+            <a:r>
+              <a:rPr lang="es-ES" dirty="0" err="1"/>
+              <a:t>redisCommand</a:t>
+            </a:r>
+            <a:r>
+              <a:rPr lang="es-ES" dirty="0"/>
+              <a:t>()</a:t>
+            </a:r>
+          </a:p>
+          <a:p>
+            <a:endParaRPr lang="es-ES" dirty="0"/>
+          </a:p>
+          <a:p>
+            <a:r>
+              <a:rPr lang="es-ES" dirty="0"/>
+              <a:t>Tiene campos según el tipo de respuesta:</a:t>
+            </a:r>
+          </a:p>
+          <a:p>
+            <a:pPr lvl="1"/>
+            <a:r>
+              <a:rPr lang="es-ES" dirty="0" err="1"/>
+              <a:t>type</a:t>
+            </a:r>
+            <a:r>
+              <a:rPr lang="es-ES" dirty="0"/>
+              <a:t>: tipo de respuesta (REDIS_REPLY_STRING, ARRAY, INTEGER, etc.)</a:t>
+            </a:r>
+          </a:p>
+          <a:p>
+            <a:pPr lvl="1"/>
+            <a:r>
+              <a:rPr lang="es-ES" dirty="0" err="1"/>
+              <a:t>str</a:t>
+            </a:r>
+            <a:r>
+              <a:rPr lang="es-ES" dirty="0"/>
+              <a:t>: si es una cadena</a:t>
+            </a:r>
+          </a:p>
+          <a:p>
+            <a:pPr lvl="1"/>
+            <a:r>
+              <a:rPr lang="es-ES" dirty="0" err="1"/>
+              <a:t>integer</a:t>
+            </a:r>
+            <a:r>
+              <a:rPr lang="es-ES" dirty="0"/>
+              <a:t>: si es un número</a:t>
+            </a:r>
+          </a:p>
+          <a:p>
+            <a:pPr lvl="1"/>
+            <a:r>
+              <a:rPr lang="es-ES" dirty="0" err="1"/>
+              <a:t>elements</a:t>
+            </a:r>
+            <a:r>
+              <a:rPr lang="es-ES" dirty="0"/>
+              <a:t>: número de elementos si es un array</a:t>
+            </a:r>
+          </a:p>
+          <a:p>
+            <a:pPr lvl="1"/>
+            <a:r>
+              <a:rPr lang="es-ES" dirty="0" err="1"/>
+              <a:t>element</a:t>
+            </a:r>
+            <a:r>
+              <a:rPr lang="es-ES" dirty="0"/>
+              <a:t>[]: array de </a:t>
+            </a:r>
+            <a:r>
+              <a:rPr lang="es-ES" dirty="0" err="1"/>
+              <a:t>redisReply</a:t>
+            </a:r>
+            <a:r>
+              <a:rPr lang="es-ES" dirty="0"/>
+              <a:t>* si es una respuesta compuesta</a:t>
+            </a:r>
+          </a:p>
+          <a:p>
+            <a:pPr lvl="1"/>
+            <a:endParaRPr lang="es-ES" dirty="0"/>
+          </a:p>
+          <a:p>
+            <a:r>
+              <a:rPr lang="en-US" dirty="0" err="1"/>
+              <a:t>redisReply</a:t>
+            </a:r>
+            <a:r>
+              <a:rPr lang="en-US" dirty="0"/>
+              <a:t>* reply = (</a:t>
+            </a:r>
+            <a:r>
+              <a:rPr lang="en-US" dirty="0" err="1"/>
+              <a:t>redisReply</a:t>
+            </a:r>
+            <a:r>
+              <a:rPr lang="en-US" dirty="0"/>
+              <a:t>*)</a:t>
+            </a:r>
+            <a:r>
+              <a:rPr lang="en-US" dirty="0" err="1"/>
+              <a:t>redisCommand</a:t>
+            </a:r>
+            <a:r>
+              <a:rPr lang="en-US" dirty="0"/>
+              <a:t>(context, "GET clave");</a:t>
+            </a:r>
+          </a:p>
+          <a:p>
+            <a:r>
+              <a:rPr lang="en-US" dirty="0"/>
+              <a:t>std::</a:t>
+            </a:r>
+            <a:r>
+              <a:rPr lang="en-US" dirty="0" err="1"/>
+              <a:t>cout</a:t>
+            </a:r>
+            <a:r>
+              <a:rPr lang="en-US" dirty="0"/>
+              <a:t> &lt;&lt; reply-&gt;str &lt;&lt; std::</a:t>
+            </a:r>
+            <a:r>
+              <a:rPr lang="en-US" dirty="0" err="1"/>
+              <a:t>endl</a:t>
+            </a:r>
+            <a:r>
+              <a:rPr lang="en-US" dirty="0"/>
+              <a:t>;</a:t>
+            </a:r>
+          </a:p>
+          <a:p>
+            <a:endParaRPr lang="es-ES" dirty="0"/>
+          </a:p>
+        </p:txBody>
+      </p:sp>
+      <p:sp>
+        <p:nvSpPr>
+          <p:cNvPr id="4" name="Marcador de número de diapositiva 3">
+            <a:extLst>
+              <a:ext uri="{FF2B5EF4-FFF2-40B4-BE49-F238E27FC236}">
+                <a16:creationId xmlns:a16="http://schemas.microsoft.com/office/drawing/2014/main" id="{2FCFC594-D0F6-39A4-08BB-94F8F8CCBDD9}"/>
+              </a:ext>
+            </a:extLst>
+          </p:cNvPr>
+          <p:cNvSpPr>
+            <a:spLocks noGrp="1"/>
+          </p:cNvSpPr>
+          <p:nvPr>
+            <p:ph type="sldNum" sz="quarter" idx="12"/>
+          </p:nvPr>
+        </p:nvSpPr>
+        <p:spPr/>
+        <p:txBody>
+          <a:bodyPr/>
+          <a:lstStyle/>
+          <a:p>
+            <a:fld id="{768BFD4A-17AE-4857-8B7E-5E5A409CCC86}" type="slidenum">
+              <a:rPr lang="es-ES" smtClean="0"/>
+              <a:t>59</a:t>
+            </a:fld>
+            <a:endParaRPr lang="es-ES"/>
+          </a:p>
+        </p:txBody>
+      </p:sp>
+    </p:spTree>
+    <p:extLst>
+      <p:ext uri="{BB962C8B-B14F-4D97-AF65-F5344CB8AC3E}">
+        <p14:creationId xmlns:p14="http://schemas.microsoft.com/office/powerpoint/2010/main" val="305666165"/>
       </p:ext>
     </p:extLst>
   </p:cSld>
@@ -15358,6 +16934,1350 @@
     <p:extLst>
       <p:ext uri="{BB962C8B-B14F-4D97-AF65-F5344CB8AC3E}">
         <p14:creationId xmlns:p14="http://schemas.microsoft.com/office/powerpoint/2010/main" val="2492995704"/>
+      </p:ext>
+    </p:extLst>
+  </p:cSld>
+  <p:clrMapOvr>
+    <a:masterClrMapping/>
+  </p:clrMapOvr>
+</p:sld>
+</file>
+
+<file path=ppt/slides/slide60.xml><?xml version="1.0" encoding="utf-8"?>
+<p:sld xmlns:a="http://schemas.openxmlformats.org/drawingml/2006/main" xmlns:r="http://schemas.openxmlformats.org/officeDocument/2006/relationships" xmlns:p="http://schemas.openxmlformats.org/presentationml/2006/main">
+  <p:cSld>
+    <p:spTree>
+      <p:nvGrpSpPr>
+        <p:cNvPr id="1" name=""/>
+        <p:cNvGrpSpPr/>
+        <p:nvPr/>
+      </p:nvGrpSpPr>
+      <p:grpSpPr>
+        <a:xfrm>
+          <a:off x="0" y="0"/>
+          <a:ext cx="0" cy="0"/>
+          <a:chOff x="0" y="0"/>
+          <a:chExt cx="0" cy="0"/>
+        </a:xfrm>
+      </p:grpSpPr>
+      <p:sp>
+        <p:nvSpPr>
+          <p:cNvPr id="2" name="Título 1">
+            <a:extLst>
+              <a:ext uri="{FF2B5EF4-FFF2-40B4-BE49-F238E27FC236}">
+                <a16:creationId xmlns:a16="http://schemas.microsoft.com/office/drawing/2014/main" id="{0A47342E-0E9C-DEA6-BAEF-1FBA78E5CECE}"/>
+              </a:ext>
+            </a:extLst>
+          </p:cNvPr>
+          <p:cNvSpPr>
+            <a:spLocks noGrp="1"/>
+          </p:cNvSpPr>
+          <p:nvPr>
+            <p:ph type="title"/>
+          </p:nvPr>
+        </p:nvSpPr>
+        <p:spPr/>
+        <p:txBody>
+          <a:bodyPr/>
+          <a:lstStyle/>
+          <a:p>
+            <a:r>
+              <a:rPr lang="es-ES" dirty="0"/>
+              <a:t>Librería </a:t>
+            </a:r>
+            <a:r>
+              <a:rPr lang="es-ES" dirty="0" err="1"/>
+              <a:t>hiredis</a:t>
+            </a:r>
+            <a:r>
+              <a:rPr lang="es-ES" dirty="0"/>
+              <a:t>: objetos</a:t>
+            </a:r>
+          </a:p>
+        </p:txBody>
+      </p:sp>
+      <p:sp>
+        <p:nvSpPr>
+          <p:cNvPr id="3" name="Marcador de contenido 2">
+            <a:extLst>
+              <a:ext uri="{FF2B5EF4-FFF2-40B4-BE49-F238E27FC236}">
+                <a16:creationId xmlns:a16="http://schemas.microsoft.com/office/drawing/2014/main" id="{D3C83F38-DF9C-16F5-7D18-F315916B4DE3}"/>
+              </a:ext>
+            </a:extLst>
+          </p:cNvPr>
+          <p:cNvSpPr>
+            <a:spLocks noGrp="1"/>
+          </p:cNvSpPr>
+          <p:nvPr>
+            <p:ph idx="1"/>
+          </p:nvPr>
+        </p:nvSpPr>
+        <p:spPr>
+          <a:xfrm>
+            <a:off x="838200" y="1825625"/>
+            <a:ext cx="11030146" cy="4351338"/>
+          </a:xfrm>
+        </p:spPr>
+        <p:txBody>
+          <a:bodyPr/>
+          <a:lstStyle/>
+          <a:p>
+            <a:r>
+              <a:rPr lang="es-ES" b="1" dirty="0" err="1"/>
+              <a:t>redisReader</a:t>
+            </a:r>
+            <a:r>
+              <a:rPr lang="es-ES" b="1" dirty="0"/>
+              <a:t> (menos común en C++)</a:t>
+            </a:r>
+          </a:p>
+          <a:p>
+            <a:r>
+              <a:rPr lang="es-ES" dirty="0"/>
+              <a:t>Se usa para </a:t>
+            </a:r>
+            <a:r>
+              <a:rPr lang="es-ES" b="1" dirty="0" err="1"/>
+              <a:t>parsear</a:t>
+            </a:r>
+            <a:r>
+              <a:rPr lang="es-ES" b="1" dirty="0"/>
+              <a:t> respuestas</a:t>
+            </a:r>
+            <a:r>
+              <a:rPr lang="es-ES" dirty="0"/>
+              <a:t> en modo asincrónico o embebido.</a:t>
+            </a:r>
+          </a:p>
+          <a:p>
+            <a:r>
+              <a:rPr lang="es-ES" dirty="0"/>
+              <a:t>Útil si estás integrando </a:t>
+            </a:r>
+            <a:r>
+              <a:rPr lang="es-ES" b="1" dirty="0" err="1"/>
+              <a:t>hiredis</a:t>
+            </a:r>
+            <a:r>
+              <a:rPr lang="es-ES" dirty="0"/>
+              <a:t> en una arquitectura personalizada.</a:t>
+            </a:r>
+          </a:p>
+          <a:p>
+            <a:endParaRPr lang="es-ES" dirty="0"/>
+          </a:p>
+        </p:txBody>
+      </p:sp>
+      <p:sp>
+        <p:nvSpPr>
+          <p:cNvPr id="4" name="Marcador de número de diapositiva 3">
+            <a:extLst>
+              <a:ext uri="{FF2B5EF4-FFF2-40B4-BE49-F238E27FC236}">
+                <a16:creationId xmlns:a16="http://schemas.microsoft.com/office/drawing/2014/main" id="{567EF41C-B959-7731-B7A6-A95DAADD2093}"/>
+              </a:ext>
+            </a:extLst>
+          </p:cNvPr>
+          <p:cNvSpPr>
+            <a:spLocks noGrp="1"/>
+          </p:cNvSpPr>
+          <p:nvPr>
+            <p:ph type="sldNum" sz="quarter" idx="12"/>
+          </p:nvPr>
+        </p:nvSpPr>
+        <p:spPr/>
+        <p:txBody>
+          <a:bodyPr/>
+          <a:lstStyle/>
+          <a:p>
+            <a:fld id="{768BFD4A-17AE-4857-8B7E-5E5A409CCC86}" type="slidenum">
+              <a:rPr lang="es-ES" smtClean="0"/>
+              <a:t>60</a:t>
+            </a:fld>
+            <a:endParaRPr lang="es-ES"/>
+          </a:p>
+        </p:txBody>
+      </p:sp>
+    </p:spTree>
+    <p:extLst>
+      <p:ext uri="{BB962C8B-B14F-4D97-AF65-F5344CB8AC3E}">
+        <p14:creationId xmlns:p14="http://schemas.microsoft.com/office/powerpoint/2010/main" val="3537644087"/>
+      </p:ext>
+    </p:extLst>
+  </p:cSld>
+  <p:clrMapOvr>
+    <a:masterClrMapping/>
+  </p:clrMapOvr>
+</p:sld>
+</file>
+
+<file path=ppt/slides/slide61.xml><?xml version="1.0" encoding="utf-8"?>
+<p:sld xmlns:a="http://schemas.openxmlformats.org/drawingml/2006/main" xmlns:r="http://schemas.openxmlformats.org/officeDocument/2006/relationships" xmlns:p="http://schemas.openxmlformats.org/presentationml/2006/main">
+  <p:cSld>
+    <p:spTree>
+      <p:nvGrpSpPr>
+        <p:cNvPr id="1" name=""/>
+        <p:cNvGrpSpPr/>
+        <p:nvPr/>
+      </p:nvGrpSpPr>
+      <p:grpSpPr>
+        <a:xfrm>
+          <a:off x="0" y="0"/>
+          <a:ext cx="0" cy="0"/>
+          <a:chOff x="0" y="0"/>
+          <a:chExt cx="0" cy="0"/>
+        </a:xfrm>
+      </p:grpSpPr>
+      <p:sp>
+        <p:nvSpPr>
+          <p:cNvPr id="2" name="Título 1">
+            <a:extLst>
+              <a:ext uri="{FF2B5EF4-FFF2-40B4-BE49-F238E27FC236}">
+                <a16:creationId xmlns:a16="http://schemas.microsoft.com/office/drawing/2014/main" id="{95BFE0B1-68FD-E501-4F38-BE5B80A883F7}"/>
+              </a:ext>
+            </a:extLst>
+          </p:cNvPr>
+          <p:cNvSpPr>
+            <a:spLocks noGrp="1"/>
+          </p:cNvSpPr>
+          <p:nvPr>
+            <p:ph type="title"/>
+          </p:nvPr>
+        </p:nvSpPr>
+        <p:spPr/>
+        <p:txBody>
+          <a:bodyPr/>
+          <a:lstStyle/>
+          <a:p>
+            <a:r>
+              <a:rPr lang="es-ES" dirty="0"/>
+              <a:t>Jerarquía funcional (no orientada a objetos)</a:t>
+            </a:r>
+          </a:p>
+        </p:txBody>
+      </p:sp>
+      <p:sp>
+        <p:nvSpPr>
+          <p:cNvPr id="3" name="Marcador de contenido 2">
+            <a:extLst>
+              <a:ext uri="{FF2B5EF4-FFF2-40B4-BE49-F238E27FC236}">
+                <a16:creationId xmlns:a16="http://schemas.microsoft.com/office/drawing/2014/main" id="{197BAE1B-BD31-7409-CB89-F0153015D0E0}"/>
+              </a:ext>
+            </a:extLst>
+          </p:cNvPr>
+          <p:cNvSpPr>
+            <a:spLocks noGrp="1"/>
+          </p:cNvSpPr>
+          <p:nvPr>
+            <p:ph idx="1"/>
+          </p:nvPr>
+        </p:nvSpPr>
+        <p:spPr/>
+        <p:txBody>
+          <a:bodyPr>
+            <a:normAutofit fontScale="92500" lnSpcReduction="20000"/>
+          </a:bodyPr>
+          <a:lstStyle/>
+          <a:p>
+            <a:r>
+              <a:rPr lang="es-ES" dirty="0" err="1"/>
+              <a:t>redisContext</a:t>
+            </a:r>
+            <a:endParaRPr lang="es-ES" dirty="0"/>
+          </a:p>
+          <a:p>
+            <a:pPr lvl="1"/>
+            <a:r>
+              <a:rPr lang="es-ES" dirty="0" err="1"/>
+              <a:t>redisCommand</a:t>
+            </a:r>
+            <a:r>
+              <a:rPr lang="es-ES" dirty="0"/>
+              <a:t>(…) </a:t>
+            </a:r>
+            <a:r>
+              <a:rPr lang="es-ES" dirty="0">
+                <a:sym typeface="Wingdings" panose="05000000000000000000" pitchFamily="2" charset="2"/>
+              </a:rPr>
+              <a:t> </a:t>
+            </a:r>
+            <a:r>
+              <a:rPr lang="es-ES" dirty="0" err="1">
+                <a:sym typeface="Wingdings" panose="05000000000000000000" pitchFamily="2" charset="2"/>
+              </a:rPr>
+              <a:t>redisReply</a:t>
+            </a:r>
+            <a:endParaRPr lang="es-ES" dirty="0">
+              <a:sym typeface="Wingdings" panose="05000000000000000000" pitchFamily="2" charset="2"/>
+            </a:endParaRPr>
+          </a:p>
+          <a:p>
+            <a:pPr lvl="8"/>
+            <a:r>
+              <a:rPr lang="es-ES" dirty="0" err="1">
+                <a:sym typeface="Wingdings" panose="05000000000000000000" pitchFamily="2" charset="2"/>
+              </a:rPr>
+              <a:t>type</a:t>
+            </a:r>
+            <a:endParaRPr lang="es-ES" dirty="0">
+              <a:sym typeface="Wingdings" panose="05000000000000000000" pitchFamily="2" charset="2"/>
+            </a:endParaRPr>
+          </a:p>
+          <a:p>
+            <a:pPr lvl="8"/>
+            <a:r>
+              <a:rPr lang="es-ES" dirty="0" err="1"/>
+              <a:t>str</a:t>
+            </a:r>
+            <a:r>
+              <a:rPr lang="es-ES" dirty="0"/>
+              <a:t> / </a:t>
+            </a:r>
+            <a:r>
+              <a:rPr lang="es-ES" dirty="0" err="1"/>
+              <a:t>integer</a:t>
+            </a:r>
+            <a:r>
+              <a:rPr lang="es-ES" dirty="0"/>
+              <a:t> / </a:t>
+            </a:r>
+            <a:r>
+              <a:rPr lang="es-ES" dirty="0" err="1"/>
+              <a:t>elements</a:t>
+            </a:r>
+            <a:endParaRPr lang="es-ES" dirty="0"/>
+          </a:p>
+          <a:p>
+            <a:pPr lvl="8"/>
+            <a:r>
+              <a:rPr lang="es-ES" dirty="0" err="1"/>
+              <a:t>element</a:t>
+            </a:r>
+            <a:r>
+              <a:rPr lang="es-ES" dirty="0"/>
+              <a:t>[] (si es array)</a:t>
+            </a:r>
+          </a:p>
+          <a:p>
+            <a:pPr lvl="8"/>
+            <a:endParaRPr lang="es-ES" dirty="0"/>
+          </a:p>
+          <a:p>
+            <a:pPr lvl="8"/>
+            <a:endParaRPr lang="es-ES" dirty="0"/>
+          </a:p>
+          <a:p>
+            <a:r>
+              <a:rPr lang="es-ES" dirty="0"/>
+              <a:t>Tipos de respuesta:</a:t>
+            </a:r>
+          </a:p>
+          <a:p>
+            <a:pPr marL="457200" lvl="1" indent="0">
+              <a:buNone/>
+            </a:pPr>
+            <a:r>
+              <a:rPr lang="es-ES" dirty="0"/>
+              <a:t>#define REDIS_REPLY_STRING	1</a:t>
+            </a:r>
+          </a:p>
+          <a:p>
+            <a:pPr marL="457200" lvl="1" indent="0">
+              <a:buNone/>
+            </a:pPr>
+            <a:r>
+              <a:rPr lang="es-ES" dirty="0"/>
+              <a:t>#define REDIS_REPLY_ARRAY    	2</a:t>
+            </a:r>
+          </a:p>
+          <a:p>
+            <a:pPr marL="457200" lvl="1" indent="0">
+              <a:buNone/>
+            </a:pPr>
+            <a:r>
+              <a:rPr lang="es-ES" dirty="0"/>
+              <a:t>#define REDIS_REPLY_INTEGER  	3</a:t>
+            </a:r>
+          </a:p>
+          <a:p>
+            <a:pPr marL="457200" lvl="1" indent="0">
+              <a:buNone/>
+            </a:pPr>
+            <a:r>
+              <a:rPr lang="es-ES" dirty="0"/>
+              <a:t>#define REDIS_REPLY_NIL      	4</a:t>
+            </a:r>
+          </a:p>
+          <a:p>
+            <a:pPr marL="457200" lvl="1" indent="0">
+              <a:buNone/>
+            </a:pPr>
+            <a:r>
+              <a:rPr lang="es-ES" dirty="0"/>
+              <a:t>#define REDIS_REPLY_STATUS   	5</a:t>
+            </a:r>
+          </a:p>
+          <a:p>
+            <a:pPr marL="457200" lvl="1" indent="0">
+              <a:buNone/>
+            </a:pPr>
+            <a:r>
+              <a:rPr lang="es-ES" dirty="0"/>
+              <a:t>#define REDIS_REPLY_ERROR    	6</a:t>
+            </a:r>
+          </a:p>
+          <a:p>
+            <a:pPr marL="457200" lvl="1" indent="0">
+              <a:buNone/>
+            </a:pPr>
+            <a:endParaRPr lang="es-ES" dirty="0"/>
+          </a:p>
+          <a:p>
+            <a:endParaRPr lang="es-ES" dirty="0"/>
+          </a:p>
+        </p:txBody>
+      </p:sp>
+      <p:sp>
+        <p:nvSpPr>
+          <p:cNvPr id="4" name="Marcador de número de diapositiva 3">
+            <a:extLst>
+              <a:ext uri="{FF2B5EF4-FFF2-40B4-BE49-F238E27FC236}">
+                <a16:creationId xmlns:a16="http://schemas.microsoft.com/office/drawing/2014/main" id="{2F85AED3-D1A5-2332-96CD-6E4F524C60EA}"/>
+              </a:ext>
+            </a:extLst>
+          </p:cNvPr>
+          <p:cNvSpPr>
+            <a:spLocks noGrp="1"/>
+          </p:cNvSpPr>
+          <p:nvPr>
+            <p:ph type="sldNum" sz="quarter" idx="12"/>
+          </p:nvPr>
+        </p:nvSpPr>
+        <p:spPr/>
+        <p:txBody>
+          <a:bodyPr/>
+          <a:lstStyle/>
+          <a:p>
+            <a:fld id="{768BFD4A-17AE-4857-8B7E-5E5A409CCC86}" type="slidenum">
+              <a:rPr lang="es-ES" smtClean="0"/>
+              <a:t>61</a:t>
+            </a:fld>
+            <a:endParaRPr lang="es-ES"/>
+          </a:p>
+        </p:txBody>
+      </p:sp>
+    </p:spTree>
+    <p:extLst>
+      <p:ext uri="{BB962C8B-B14F-4D97-AF65-F5344CB8AC3E}">
+        <p14:creationId xmlns:p14="http://schemas.microsoft.com/office/powerpoint/2010/main" val="3759741545"/>
+      </p:ext>
+    </p:extLst>
+  </p:cSld>
+  <p:clrMapOvr>
+    <a:masterClrMapping/>
+  </p:clrMapOvr>
+</p:sld>
+</file>
+
+<file path=ppt/slides/slide62.xml><?xml version="1.0" encoding="utf-8"?>
+<p:sld xmlns:a="http://schemas.openxmlformats.org/drawingml/2006/main" xmlns:r="http://schemas.openxmlformats.org/officeDocument/2006/relationships" xmlns:p="http://schemas.openxmlformats.org/presentationml/2006/main">
+  <p:cSld>
+    <p:spTree>
+      <p:nvGrpSpPr>
+        <p:cNvPr id="1" name=""/>
+        <p:cNvGrpSpPr/>
+        <p:nvPr/>
+      </p:nvGrpSpPr>
+      <p:grpSpPr>
+        <a:xfrm>
+          <a:off x="0" y="0"/>
+          <a:ext cx="0" cy="0"/>
+          <a:chOff x="0" y="0"/>
+          <a:chExt cx="0" cy="0"/>
+        </a:xfrm>
+      </p:grpSpPr>
+      <p:sp>
+        <p:nvSpPr>
+          <p:cNvPr id="2" name="Título 1">
+            <a:extLst>
+              <a:ext uri="{FF2B5EF4-FFF2-40B4-BE49-F238E27FC236}">
+                <a16:creationId xmlns:a16="http://schemas.microsoft.com/office/drawing/2014/main" id="{4411C460-665A-33E9-F8F3-CEC84083A6B4}"/>
+              </a:ext>
+            </a:extLst>
+          </p:cNvPr>
+          <p:cNvSpPr>
+            <a:spLocks noGrp="1"/>
+          </p:cNvSpPr>
+          <p:nvPr>
+            <p:ph type="title"/>
+          </p:nvPr>
+        </p:nvSpPr>
+        <p:spPr/>
+        <p:txBody>
+          <a:bodyPr/>
+          <a:lstStyle/>
+          <a:p>
+            <a:r>
+              <a:rPr lang="es-ES" dirty="0"/>
+              <a:t>Otros tipos de </a:t>
+            </a:r>
+            <a:r>
+              <a:rPr lang="es-ES" dirty="0" err="1"/>
+              <a:t>redis</a:t>
+            </a:r>
+            <a:endParaRPr lang="es-ES" dirty="0"/>
+          </a:p>
+        </p:txBody>
+      </p:sp>
+      <p:sp>
+        <p:nvSpPr>
+          <p:cNvPr id="3" name="Marcador de contenido 2">
+            <a:extLst>
+              <a:ext uri="{FF2B5EF4-FFF2-40B4-BE49-F238E27FC236}">
+                <a16:creationId xmlns:a16="http://schemas.microsoft.com/office/drawing/2014/main" id="{8C88DB9F-C1CA-F239-BC29-A20061FC2AD0}"/>
+              </a:ext>
+            </a:extLst>
+          </p:cNvPr>
+          <p:cNvSpPr>
+            <a:spLocks noGrp="1"/>
+          </p:cNvSpPr>
+          <p:nvPr>
+            <p:ph idx="1"/>
+          </p:nvPr>
+        </p:nvSpPr>
+        <p:spPr/>
+        <p:txBody>
+          <a:bodyPr>
+            <a:normAutofit fontScale="62500" lnSpcReduction="20000"/>
+          </a:bodyPr>
+          <a:lstStyle/>
+          <a:p>
+            <a:r>
+              <a:rPr lang="es-ES" dirty="0"/>
+              <a:t>Hash	</a:t>
+            </a:r>
+          </a:p>
+          <a:p>
+            <a:pPr lvl="1"/>
+            <a:r>
+              <a:rPr lang="es-ES" dirty="0"/>
+              <a:t>HSET empleado:123 campo valor</a:t>
+            </a:r>
+          </a:p>
+          <a:p>
+            <a:pPr lvl="1"/>
+            <a:r>
+              <a:rPr lang="es-ES" dirty="0" err="1"/>
+              <a:t>Hset</a:t>
+            </a:r>
+            <a:r>
+              <a:rPr lang="es-ES" dirty="0"/>
+              <a:t> empleado:123 id 123 nombre pepe cargo telefonista</a:t>
+            </a:r>
+          </a:p>
+          <a:p>
+            <a:pPr lvl="1"/>
+            <a:endParaRPr lang="es-ES" dirty="0"/>
+          </a:p>
+          <a:p>
+            <a:r>
+              <a:rPr lang="es-ES" dirty="0" err="1"/>
+              <a:t>String</a:t>
+            </a:r>
+            <a:r>
+              <a:rPr lang="es-ES" dirty="0"/>
+              <a:t>	</a:t>
+            </a:r>
+          </a:p>
+          <a:p>
+            <a:pPr lvl="1"/>
+            <a:r>
+              <a:rPr lang="es-ES" dirty="0"/>
+              <a:t>Serializar como JSON o CSV</a:t>
+            </a:r>
+          </a:p>
+          <a:p>
+            <a:pPr lvl="1"/>
+            <a:endParaRPr lang="es-ES" dirty="0"/>
+          </a:p>
+          <a:p>
+            <a:r>
+              <a:rPr lang="es-ES" dirty="0" err="1"/>
+              <a:t>List</a:t>
+            </a:r>
+            <a:r>
+              <a:rPr lang="es-ES" dirty="0"/>
+              <a:t>		</a:t>
+            </a:r>
+          </a:p>
+          <a:p>
+            <a:pPr lvl="1"/>
+            <a:r>
+              <a:rPr lang="es-ES" dirty="0"/>
+              <a:t>Lista de </a:t>
+            </a:r>
+            <a:r>
+              <a:rPr lang="es-ES" dirty="0" err="1"/>
+              <a:t>Ids</a:t>
+            </a:r>
+            <a:r>
+              <a:rPr lang="es-ES" dirty="0"/>
+              <a:t> o nombres</a:t>
+            </a:r>
+          </a:p>
+          <a:p>
+            <a:pPr lvl="1"/>
+            <a:r>
+              <a:rPr lang="es-ES" dirty="0" err="1"/>
+              <a:t>Lpush</a:t>
+            </a:r>
+            <a:r>
+              <a:rPr lang="es-ES" dirty="0"/>
+              <a:t> pedidos 12345</a:t>
+            </a:r>
+          </a:p>
+          <a:p>
+            <a:pPr lvl="1"/>
+            <a:r>
+              <a:rPr lang="es-ES" dirty="0" err="1"/>
+              <a:t>Lpush</a:t>
+            </a:r>
+            <a:r>
+              <a:rPr lang="es-ES" dirty="0"/>
+              <a:t> pedidos 44533</a:t>
+            </a:r>
+          </a:p>
+          <a:p>
+            <a:pPr lvl="1"/>
+            <a:r>
+              <a:rPr lang="es-ES" dirty="0" err="1"/>
+              <a:t>Lpush</a:t>
+            </a:r>
+            <a:r>
+              <a:rPr lang="es-ES" dirty="0"/>
+              <a:t> pedidos 55123</a:t>
+            </a:r>
+          </a:p>
+          <a:p>
+            <a:pPr lvl="1"/>
+            <a:endParaRPr lang="es-ES" dirty="0"/>
+          </a:p>
+          <a:p>
+            <a:pPr lvl="1"/>
+            <a:r>
+              <a:rPr lang="es-ES" dirty="0" err="1"/>
+              <a:t>Lrange</a:t>
+            </a:r>
+            <a:r>
+              <a:rPr lang="es-ES" dirty="0"/>
+              <a:t> pedidos 0 -1</a:t>
+            </a:r>
+          </a:p>
+          <a:p>
+            <a:pPr lvl="1"/>
+            <a:endParaRPr lang="es-ES" dirty="0"/>
+          </a:p>
+          <a:p>
+            <a:r>
+              <a:rPr lang="es-ES" dirty="0"/>
+              <a:t>Set</a:t>
+            </a:r>
+          </a:p>
+          <a:p>
+            <a:pPr lvl="1"/>
+            <a:r>
+              <a:rPr lang="es-ES" dirty="0"/>
+              <a:t>Para evitar duplicados</a:t>
+            </a:r>
+          </a:p>
+          <a:p>
+            <a:pPr lvl="1"/>
+            <a:endParaRPr lang="es-ES" dirty="0"/>
+          </a:p>
+        </p:txBody>
+      </p:sp>
+      <p:sp>
+        <p:nvSpPr>
+          <p:cNvPr id="4" name="Marcador de número de diapositiva 3">
+            <a:extLst>
+              <a:ext uri="{FF2B5EF4-FFF2-40B4-BE49-F238E27FC236}">
+                <a16:creationId xmlns:a16="http://schemas.microsoft.com/office/drawing/2014/main" id="{4838FD96-9F4C-F5C7-3722-F6D02FAD5959}"/>
+              </a:ext>
+            </a:extLst>
+          </p:cNvPr>
+          <p:cNvSpPr>
+            <a:spLocks noGrp="1"/>
+          </p:cNvSpPr>
+          <p:nvPr>
+            <p:ph type="sldNum" sz="quarter" idx="12"/>
+          </p:nvPr>
+        </p:nvSpPr>
+        <p:spPr/>
+        <p:txBody>
+          <a:bodyPr/>
+          <a:lstStyle/>
+          <a:p>
+            <a:fld id="{768BFD4A-17AE-4857-8B7E-5E5A409CCC86}" type="slidenum">
+              <a:rPr lang="es-ES" smtClean="0"/>
+              <a:t>62</a:t>
+            </a:fld>
+            <a:endParaRPr lang="es-ES"/>
+          </a:p>
+        </p:txBody>
+      </p:sp>
+    </p:spTree>
+    <p:extLst>
+      <p:ext uri="{BB962C8B-B14F-4D97-AF65-F5344CB8AC3E}">
+        <p14:creationId xmlns:p14="http://schemas.microsoft.com/office/powerpoint/2010/main" val="299046490"/>
+      </p:ext>
+    </p:extLst>
+  </p:cSld>
+  <p:clrMapOvr>
+    <a:masterClrMapping/>
+  </p:clrMapOvr>
+</p:sld>
+</file>
+
+<file path=ppt/slides/slide63.xml><?xml version="1.0" encoding="utf-8"?>
+<p:sld xmlns:a="http://schemas.openxmlformats.org/drawingml/2006/main" xmlns:r="http://schemas.openxmlformats.org/officeDocument/2006/relationships" xmlns:p="http://schemas.openxmlformats.org/presentationml/2006/main">
+  <p:cSld>
+    <p:spTree>
+      <p:nvGrpSpPr>
+        <p:cNvPr id="1" name=""/>
+        <p:cNvGrpSpPr/>
+        <p:nvPr/>
+      </p:nvGrpSpPr>
+      <p:grpSpPr>
+        <a:xfrm>
+          <a:off x="0" y="0"/>
+          <a:ext cx="0" cy="0"/>
+          <a:chOff x="0" y="0"/>
+          <a:chExt cx="0" cy="0"/>
+        </a:xfrm>
+      </p:grpSpPr>
+      <p:sp>
+        <p:nvSpPr>
+          <p:cNvPr id="2" name="Título 1">
+            <a:extLst>
+              <a:ext uri="{FF2B5EF4-FFF2-40B4-BE49-F238E27FC236}">
+                <a16:creationId xmlns:a16="http://schemas.microsoft.com/office/drawing/2014/main" id="{2806DA4A-29AE-7020-1DA1-5031F00C5463}"/>
+              </a:ext>
+            </a:extLst>
+          </p:cNvPr>
+          <p:cNvSpPr>
+            <a:spLocks noGrp="1"/>
+          </p:cNvSpPr>
+          <p:nvPr>
+            <p:ph type="title"/>
+          </p:nvPr>
+        </p:nvSpPr>
+        <p:spPr/>
+        <p:txBody>
+          <a:bodyPr/>
+          <a:lstStyle/>
+          <a:p>
+            <a:r>
+              <a:rPr lang="es-ES" dirty="0"/>
+              <a:t>Comandos para listas</a:t>
+            </a:r>
+          </a:p>
+        </p:txBody>
+      </p:sp>
+      <p:sp>
+        <p:nvSpPr>
+          <p:cNvPr id="4" name="Marcador de número de diapositiva 3">
+            <a:extLst>
+              <a:ext uri="{FF2B5EF4-FFF2-40B4-BE49-F238E27FC236}">
+                <a16:creationId xmlns:a16="http://schemas.microsoft.com/office/drawing/2014/main" id="{2DD3A922-A9F4-096C-FAA0-EEAC000B29A6}"/>
+              </a:ext>
+            </a:extLst>
+          </p:cNvPr>
+          <p:cNvSpPr>
+            <a:spLocks noGrp="1"/>
+          </p:cNvSpPr>
+          <p:nvPr>
+            <p:ph type="sldNum" sz="quarter" idx="12"/>
+          </p:nvPr>
+        </p:nvSpPr>
+        <p:spPr/>
+        <p:txBody>
+          <a:bodyPr/>
+          <a:lstStyle/>
+          <a:p>
+            <a:fld id="{768BFD4A-17AE-4857-8B7E-5E5A409CCC86}" type="slidenum">
+              <a:rPr lang="es-ES" smtClean="0"/>
+              <a:t>63</a:t>
+            </a:fld>
+            <a:endParaRPr lang="es-ES"/>
+          </a:p>
+        </p:txBody>
+      </p:sp>
+      <p:pic>
+        <p:nvPicPr>
+          <p:cNvPr id="6" name="Imagen 5">
+            <a:extLst>
+              <a:ext uri="{FF2B5EF4-FFF2-40B4-BE49-F238E27FC236}">
+                <a16:creationId xmlns:a16="http://schemas.microsoft.com/office/drawing/2014/main" id="{E92C98A0-0117-A2C1-C600-F526F0DB8442}"/>
+              </a:ext>
+            </a:extLst>
+          </p:cNvPr>
+          <p:cNvPicPr>
+            <a:picLocks noChangeAspect="1"/>
+          </p:cNvPicPr>
+          <p:nvPr/>
+        </p:nvPicPr>
+        <p:blipFill>
+          <a:blip r:embed="rId2"/>
+          <a:stretch>
+            <a:fillRect/>
+          </a:stretch>
+        </p:blipFill>
+        <p:spPr>
+          <a:xfrm>
+            <a:off x="952107" y="1616026"/>
+            <a:ext cx="8714011" cy="4814986"/>
+          </a:xfrm>
+          <a:prstGeom prst="rect">
+            <a:avLst/>
+          </a:prstGeom>
+        </p:spPr>
+      </p:pic>
+    </p:spTree>
+    <p:extLst>
+      <p:ext uri="{BB962C8B-B14F-4D97-AF65-F5344CB8AC3E}">
+        <p14:creationId xmlns:p14="http://schemas.microsoft.com/office/powerpoint/2010/main" val="2434238793"/>
+      </p:ext>
+    </p:extLst>
+  </p:cSld>
+  <p:clrMapOvr>
+    <a:masterClrMapping/>
+  </p:clrMapOvr>
+</p:sld>
+</file>
+
+<file path=ppt/slides/slide64.xml><?xml version="1.0" encoding="utf-8"?>
+<p:sld xmlns:a="http://schemas.openxmlformats.org/drawingml/2006/main" xmlns:r="http://schemas.openxmlformats.org/officeDocument/2006/relationships" xmlns:p="http://schemas.openxmlformats.org/presentationml/2006/main">
+  <p:cSld>
+    <p:spTree>
+      <p:nvGrpSpPr>
+        <p:cNvPr id="1" name=""/>
+        <p:cNvGrpSpPr/>
+        <p:nvPr/>
+      </p:nvGrpSpPr>
+      <p:grpSpPr>
+        <a:xfrm>
+          <a:off x="0" y="0"/>
+          <a:ext cx="0" cy="0"/>
+          <a:chOff x="0" y="0"/>
+          <a:chExt cx="0" cy="0"/>
+        </a:xfrm>
+      </p:grpSpPr>
+      <p:sp>
+        <p:nvSpPr>
+          <p:cNvPr id="2" name="Título 1">
+            <a:extLst>
+              <a:ext uri="{FF2B5EF4-FFF2-40B4-BE49-F238E27FC236}">
+                <a16:creationId xmlns:a16="http://schemas.microsoft.com/office/drawing/2014/main" id="{E07E3880-CBFA-693B-F146-FBB9AF3ADC52}"/>
+              </a:ext>
+            </a:extLst>
+          </p:cNvPr>
+          <p:cNvSpPr>
+            <a:spLocks noGrp="1"/>
+          </p:cNvSpPr>
+          <p:nvPr>
+            <p:ph type="title"/>
+          </p:nvPr>
+        </p:nvSpPr>
+        <p:spPr>
+          <a:xfrm>
+            <a:off x="838200" y="136525"/>
+            <a:ext cx="10515600" cy="709531"/>
+          </a:xfrm>
+        </p:spPr>
+        <p:txBody>
+          <a:bodyPr/>
+          <a:lstStyle/>
+          <a:p>
+            <a:r>
+              <a:rPr lang="es-ES" dirty="0"/>
+              <a:t>Comandos para conjuntos</a:t>
+            </a:r>
+          </a:p>
+        </p:txBody>
+      </p:sp>
+      <p:sp>
+        <p:nvSpPr>
+          <p:cNvPr id="4" name="Marcador de número de diapositiva 3">
+            <a:extLst>
+              <a:ext uri="{FF2B5EF4-FFF2-40B4-BE49-F238E27FC236}">
+                <a16:creationId xmlns:a16="http://schemas.microsoft.com/office/drawing/2014/main" id="{E332BDD4-3F5E-2484-5200-5EDBF875EAD3}"/>
+              </a:ext>
+            </a:extLst>
+          </p:cNvPr>
+          <p:cNvSpPr>
+            <a:spLocks noGrp="1"/>
+          </p:cNvSpPr>
+          <p:nvPr>
+            <p:ph type="sldNum" sz="quarter" idx="12"/>
+          </p:nvPr>
+        </p:nvSpPr>
+        <p:spPr/>
+        <p:txBody>
+          <a:bodyPr/>
+          <a:lstStyle/>
+          <a:p>
+            <a:fld id="{768BFD4A-17AE-4857-8B7E-5E5A409CCC86}" type="slidenum">
+              <a:rPr lang="es-ES" smtClean="0"/>
+              <a:t>64</a:t>
+            </a:fld>
+            <a:endParaRPr lang="es-ES"/>
+          </a:p>
+        </p:txBody>
+      </p:sp>
+      <p:pic>
+        <p:nvPicPr>
+          <p:cNvPr id="6" name="Imagen 5">
+            <a:extLst>
+              <a:ext uri="{FF2B5EF4-FFF2-40B4-BE49-F238E27FC236}">
+                <a16:creationId xmlns:a16="http://schemas.microsoft.com/office/drawing/2014/main" id="{D1EDE661-BB4A-0F75-89BE-6EC36BA66533}"/>
+              </a:ext>
+            </a:extLst>
+          </p:cNvPr>
+          <p:cNvPicPr>
+            <a:picLocks noChangeAspect="1"/>
+          </p:cNvPicPr>
+          <p:nvPr/>
+        </p:nvPicPr>
+        <p:blipFill>
+          <a:blip r:embed="rId2"/>
+          <a:stretch>
+            <a:fillRect/>
+          </a:stretch>
+        </p:blipFill>
+        <p:spPr>
+          <a:xfrm>
+            <a:off x="1033764" y="854385"/>
+            <a:ext cx="6190015" cy="5684527"/>
+          </a:xfrm>
+          <a:prstGeom prst="rect">
+            <a:avLst/>
+          </a:prstGeom>
+        </p:spPr>
+      </p:pic>
+    </p:spTree>
+    <p:extLst>
+      <p:ext uri="{BB962C8B-B14F-4D97-AF65-F5344CB8AC3E}">
+        <p14:creationId xmlns:p14="http://schemas.microsoft.com/office/powerpoint/2010/main" val="131398798"/>
+      </p:ext>
+    </p:extLst>
+  </p:cSld>
+  <p:clrMapOvr>
+    <a:masterClrMapping/>
+  </p:clrMapOvr>
+</p:sld>
+</file>
+
+<file path=ppt/slides/slide65.xml><?xml version="1.0" encoding="utf-8"?>
+<p:sld xmlns:a="http://schemas.openxmlformats.org/drawingml/2006/main" xmlns:r="http://schemas.openxmlformats.org/officeDocument/2006/relationships" xmlns:p="http://schemas.openxmlformats.org/presentationml/2006/main">
+  <p:cSld>
+    <p:spTree>
+      <p:nvGrpSpPr>
+        <p:cNvPr id="1" name=""/>
+        <p:cNvGrpSpPr/>
+        <p:nvPr/>
+      </p:nvGrpSpPr>
+      <p:grpSpPr>
+        <a:xfrm>
+          <a:off x="0" y="0"/>
+          <a:ext cx="0" cy="0"/>
+          <a:chOff x="0" y="0"/>
+          <a:chExt cx="0" cy="0"/>
+        </a:xfrm>
+      </p:grpSpPr>
+      <p:sp>
+        <p:nvSpPr>
+          <p:cNvPr id="2" name="Título 1">
+            <a:extLst>
+              <a:ext uri="{FF2B5EF4-FFF2-40B4-BE49-F238E27FC236}">
+                <a16:creationId xmlns:a16="http://schemas.microsoft.com/office/drawing/2014/main" id="{9E4B45CE-5B3D-011F-D00B-2428CDAE3EE6}"/>
+              </a:ext>
+            </a:extLst>
+          </p:cNvPr>
+          <p:cNvSpPr>
+            <a:spLocks noGrp="1"/>
+          </p:cNvSpPr>
+          <p:nvPr>
+            <p:ph type="title"/>
+          </p:nvPr>
+        </p:nvSpPr>
+        <p:spPr/>
+        <p:txBody>
+          <a:bodyPr/>
+          <a:lstStyle/>
+          <a:p>
+            <a:r>
+              <a:rPr lang="es-ES" dirty="0"/>
+              <a:t>Ejemplos conjuntos</a:t>
+            </a:r>
+          </a:p>
+        </p:txBody>
+      </p:sp>
+      <p:sp>
+        <p:nvSpPr>
+          <p:cNvPr id="3" name="Marcador de contenido 2">
+            <a:extLst>
+              <a:ext uri="{FF2B5EF4-FFF2-40B4-BE49-F238E27FC236}">
+                <a16:creationId xmlns:a16="http://schemas.microsoft.com/office/drawing/2014/main" id="{A5ADBD28-0F3C-44E9-5E72-3A14B40AFAFC}"/>
+              </a:ext>
+            </a:extLst>
+          </p:cNvPr>
+          <p:cNvSpPr>
+            <a:spLocks noGrp="1"/>
+          </p:cNvSpPr>
+          <p:nvPr>
+            <p:ph idx="1"/>
+          </p:nvPr>
+        </p:nvSpPr>
+        <p:spPr/>
+        <p:txBody>
+          <a:bodyPr/>
+          <a:lstStyle/>
+          <a:p>
+            <a:r>
+              <a:rPr lang="es-ES" dirty="0"/>
+              <a:t>SADD empleados "juan" "</a:t>
+            </a:r>
+            <a:r>
+              <a:rPr lang="es-ES" dirty="0" err="1"/>
+              <a:t>ana</a:t>
+            </a:r>
+            <a:r>
+              <a:rPr lang="es-ES" dirty="0"/>
+              <a:t>" "pedro"</a:t>
+            </a:r>
+          </a:p>
+          <a:p>
+            <a:r>
+              <a:rPr lang="es-ES" dirty="0"/>
+              <a:t>SADD gerentes "</a:t>
+            </a:r>
+            <a:r>
+              <a:rPr lang="es-ES" dirty="0" err="1"/>
+              <a:t>ana</a:t>
+            </a:r>
+            <a:r>
+              <a:rPr lang="es-ES" dirty="0"/>
+              <a:t>" "lucas"</a:t>
+            </a:r>
+          </a:p>
+          <a:p>
+            <a:endParaRPr lang="es-ES" dirty="0"/>
+          </a:p>
+          <a:p>
+            <a:r>
+              <a:rPr lang="es-ES" dirty="0"/>
+              <a:t>SINTER empleados gerentes      # → "</a:t>
+            </a:r>
+            <a:r>
+              <a:rPr lang="es-ES" dirty="0" err="1"/>
+              <a:t>ana</a:t>
+            </a:r>
+            <a:r>
+              <a:rPr lang="es-ES" dirty="0"/>
+              <a:t>"</a:t>
+            </a:r>
+          </a:p>
+          <a:p>
+            <a:r>
+              <a:rPr lang="es-ES" dirty="0"/>
+              <a:t>SUNION empleados gerentes      # → "juan", "</a:t>
+            </a:r>
+            <a:r>
+              <a:rPr lang="es-ES" dirty="0" err="1"/>
+              <a:t>ana</a:t>
+            </a:r>
+            <a:r>
+              <a:rPr lang="es-ES" dirty="0"/>
+              <a:t>", "pedro", "lucas"</a:t>
+            </a:r>
+          </a:p>
+          <a:p>
+            <a:r>
+              <a:rPr lang="es-ES" dirty="0"/>
+              <a:t>SDIFF empleados gerentes       # → "juan", "pedro"</a:t>
+            </a:r>
+          </a:p>
+          <a:p>
+            <a:endParaRPr lang="es-ES" dirty="0"/>
+          </a:p>
+        </p:txBody>
+      </p:sp>
+      <p:sp>
+        <p:nvSpPr>
+          <p:cNvPr id="4" name="Marcador de número de diapositiva 3">
+            <a:extLst>
+              <a:ext uri="{FF2B5EF4-FFF2-40B4-BE49-F238E27FC236}">
+                <a16:creationId xmlns:a16="http://schemas.microsoft.com/office/drawing/2014/main" id="{A844A95A-D2AF-EA72-4650-73F0C02EB7F7}"/>
+              </a:ext>
+            </a:extLst>
+          </p:cNvPr>
+          <p:cNvSpPr>
+            <a:spLocks noGrp="1"/>
+          </p:cNvSpPr>
+          <p:nvPr>
+            <p:ph type="sldNum" sz="quarter" idx="12"/>
+          </p:nvPr>
+        </p:nvSpPr>
+        <p:spPr/>
+        <p:txBody>
+          <a:bodyPr/>
+          <a:lstStyle/>
+          <a:p>
+            <a:fld id="{768BFD4A-17AE-4857-8B7E-5E5A409CCC86}" type="slidenum">
+              <a:rPr lang="es-ES" smtClean="0"/>
+              <a:t>65</a:t>
+            </a:fld>
+            <a:endParaRPr lang="es-ES"/>
+          </a:p>
+        </p:txBody>
+      </p:sp>
+    </p:spTree>
+    <p:extLst>
+      <p:ext uri="{BB962C8B-B14F-4D97-AF65-F5344CB8AC3E}">
+        <p14:creationId xmlns:p14="http://schemas.microsoft.com/office/powerpoint/2010/main" val="2354738095"/>
+      </p:ext>
+    </p:extLst>
+  </p:cSld>
+  <p:clrMapOvr>
+    <a:masterClrMapping/>
+  </p:clrMapOvr>
+</p:sld>
+</file>
+
+<file path=ppt/slides/slide66.xml><?xml version="1.0" encoding="utf-8"?>
+<p:sld xmlns:a="http://schemas.openxmlformats.org/drawingml/2006/main" xmlns:r="http://schemas.openxmlformats.org/officeDocument/2006/relationships" xmlns:p="http://schemas.openxmlformats.org/presentationml/2006/main">
+  <p:cSld>
+    <p:spTree>
+      <p:nvGrpSpPr>
+        <p:cNvPr id="1" name=""/>
+        <p:cNvGrpSpPr/>
+        <p:nvPr/>
+      </p:nvGrpSpPr>
+      <p:grpSpPr>
+        <a:xfrm>
+          <a:off x="0" y="0"/>
+          <a:ext cx="0" cy="0"/>
+          <a:chOff x="0" y="0"/>
+          <a:chExt cx="0" cy="0"/>
+        </a:xfrm>
+      </p:grpSpPr>
+      <p:sp>
+        <p:nvSpPr>
+          <p:cNvPr id="2" name="Título 1">
+            <a:extLst>
+              <a:ext uri="{FF2B5EF4-FFF2-40B4-BE49-F238E27FC236}">
+                <a16:creationId xmlns:a16="http://schemas.microsoft.com/office/drawing/2014/main" id="{1BEB0F62-28E8-9155-3E82-BAEB14CF4D25}"/>
+              </a:ext>
+            </a:extLst>
+          </p:cNvPr>
+          <p:cNvSpPr>
+            <a:spLocks noGrp="1"/>
+          </p:cNvSpPr>
+          <p:nvPr>
+            <p:ph type="title"/>
+          </p:nvPr>
+        </p:nvSpPr>
+        <p:spPr/>
+        <p:txBody>
+          <a:bodyPr/>
+          <a:lstStyle/>
+          <a:p>
+            <a:r>
+              <a:rPr lang="es-ES" dirty="0" err="1"/>
+              <a:t>MemCached</a:t>
+            </a:r>
+            <a:endParaRPr lang="es-ES" dirty="0"/>
+          </a:p>
+        </p:txBody>
+      </p:sp>
+      <p:sp>
+        <p:nvSpPr>
+          <p:cNvPr id="3" name="Marcador de contenido 2">
+            <a:extLst>
+              <a:ext uri="{FF2B5EF4-FFF2-40B4-BE49-F238E27FC236}">
+                <a16:creationId xmlns:a16="http://schemas.microsoft.com/office/drawing/2014/main" id="{FE249098-6308-0805-2971-694B6A0331A1}"/>
+              </a:ext>
+            </a:extLst>
+          </p:cNvPr>
+          <p:cNvSpPr>
+            <a:spLocks noGrp="1"/>
+          </p:cNvSpPr>
+          <p:nvPr>
+            <p:ph idx="1"/>
+          </p:nvPr>
+        </p:nvSpPr>
+        <p:spPr/>
+        <p:txBody>
+          <a:bodyPr/>
+          <a:lstStyle/>
+          <a:p>
+            <a:endParaRPr lang="es-ES"/>
+          </a:p>
+        </p:txBody>
+      </p:sp>
+      <p:sp>
+        <p:nvSpPr>
+          <p:cNvPr id="4" name="Marcador de número de diapositiva 3">
+            <a:extLst>
+              <a:ext uri="{FF2B5EF4-FFF2-40B4-BE49-F238E27FC236}">
+                <a16:creationId xmlns:a16="http://schemas.microsoft.com/office/drawing/2014/main" id="{A775AC36-57BB-BC67-0DDE-39E76B319F15}"/>
+              </a:ext>
+            </a:extLst>
+          </p:cNvPr>
+          <p:cNvSpPr>
+            <a:spLocks noGrp="1"/>
+          </p:cNvSpPr>
+          <p:nvPr>
+            <p:ph type="sldNum" sz="quarter" idx="12"/>
+          </p:nvPr>
+        </p:nvSpPr>
+        <p:spPr/>
+        <p:txBody>
+          <a:bodyPr/>
+          <a:lstStyle/>
+          <a:p>
+            <a:fld id="{768BFD4A-17AE-4857-8B7E-5E5A409CCC86}" type="slidenum">
+              <a:rPr lang="es-ES" smtClean="0"/>
+              <a:t>66</a:t>
+            </a:fld>
+            <a:endParaRPr lang="es-ES"/>
+          </a:p>
+        </p:txBody>
+      </p:sp>
+    </p:spTree>
+    <p:extLst>
+      <p:ext uri="{BB962C8B-B14F-4D97-AF65-F5344CB8AC3E}">
+        <p14:creationId xmlns:p14="http://schemas.microsoft.com/office/powerpoint/2010/main" val="3737473164"/>
+      </p:ext>
+    </p:extLst>
+  </p:cSld>
+  <p:clrMapOvr>
+    <a:masterClrMapping/>
+  </p:clrMapOvr>
+</p:sld>
+</file>
+
+<file path=ppt/slides/slide67.xml><?xml version="1.0" encoding="utf-8"?>
+<p:sld xmlns:a="http://schemas.openxmlformats.org/drawingml/2006/main" xmlns:r="http://schemas.openxmlformats.org/officeDocument/2006/relationships" xmlns:p="http://schemas.openxmlformats.org/presentationml/2006/main">
+  <p:cSld>
+    <p:spTree>
+      <p:nvGrpSpPr>
+        <p:cNvPr id="1" name=""/>
+        <p:cNvGrpSpPr/>
+        <p:nvPr/>
+      </p:nvGrpSpPr>
+      <p:grpSpPr>
+        <a:xfrm>
+          <a:off x="0" y="0"/>
+          <a:ext cx="0" cy="0"/>
+          <a:chOff x="0" y="0"/>
+          <a:chExt cx="0" cy="0"/>
+        </a:xfrm>
+      </p:grpSpPr>
+      <p:sp>
+        <p:nvSpPr>
+          <p:cNvPr id="2" name="Título 1">
+            <a:extLst>
+              <a:ext uri="{FF2B5EF4-FFF2-40B4-BE49-F238E27FC236}">
+                <a16:creationId xmlns:a16="http://schemas.microsoft.com/office/drawing/2014/main" id="{0AF1788B-5C79-E93A-CFF1-2028E33D14F2}"/>
+              </a:ext>
+            </a:extLst>
+          </p:cNvPr>
+          <p:cNvSpPr>
+            <a:spLocks noGrp="1"/>
+          </p:cNvSpPr>
+          <p:nvPr>
+            <p:ph type="title"/>
+          </p:nvPr>
+        </p:nvSpPr>
+        <p:spPr/>
+        <p:txBody>
+          <a:bodyPr>
+            <a:normAutofit fontScale="90000"/>
+          </a:bodyPr>
+          <a:lstStyle/>
+          <a:p>
+            <a:br>
+              <a:rPr lang="es-ES" dirty="0"/>
+            </a:br>
+            <a:r>
+              <a:rPr lang="es-ES" dirty="0"/>
+              <a:t>Implementación de acceso en tiempo real a grandes volúmenes de datos </a:t>
+            </a:r>
+            <a:br>
+              <a:rPr lang="es-ES" dirty="0"/>
+            </a:br>
+            <a:endParaRPr lang="es-ES" dirty="0"/>
+          </a:p>
+        </p:txBody>
+      </p:sp>
+      <p:sp>
+        <p:nvSpPr>
+          <p:cNvPr id="3" name="Marcador de contenido 2">
+            <a:extLst>
+              <a:ext uri="{FF2B5EF4-FFF2-40B4-BE49-F238E27FC236}">
+                <a16:creationId xmlns:a16="http://schemas.microsoft.com/office/drawing/2014/main" id="{2D020A8F-0A2D-0870-5DA2-82B7D01EAC67}"/>
+              </a:ext>
+            </a:extLst>
+          </p:cNvPr>
+          <p:cNvSpPr>
+            <a:spLocks noGrp="1"/>
+          </p:cNvSpPr>
+          <p:nvPr>
+            <p:ph idx="1"/>
+          </p:nvPr>
+        </p:nvSpPr>
+        <p:spPr/>
+        <p:txBody>
+          <a:bodyPr/>
+          <a:lstStyle/>
+          <a:p>
+            <a:endParaRPr lang="es-ES"/>
+          </a:p>
+        </p:txBody>
+      </p:sp>
+      <p:sp>
+        <p:nvSpPr>
+          <p:cNvPr id="4" name="Marcador de número de diapositiva 3">
+            <a:extLst>
+              <a:ext uri="{FF2B5EF4-FFF2-40B4-BE49-F238E27FC236}">
+                <a16:creationId xmlns:a16="http://schemas.microsoft.com/office/drawing/2014/main" id="{91067DBD-6930-F91A-B260-0C31A518892C}"/>
+              </a:ext>
+            </a:extLst>
+          </p:cNvPr>
+          <p:cNvSpPr>
+            <a:spLocks noGrp="1"/>
+          </p:cNvSpPr>
+          <p:nvPr>
+            <p:ph type="sldNum" sz="quarter" idx="12"/>
+          </p:nvPr>
+        </p:nvSpPr>
+        <p:spPr/>
+        <p:txBody>
+          <a:bodyPr/>
+          <a:lstStyle/>
+          <a:p>
+            <a:fld id="{768BFD4A-17AE-4857-8B7E-5E5A409CCC86}" type="slidenum">
+              <a:rPr lang="es-ES" smtClean="0"/>
+              <a:t>67</a:t>
+            </a:fld>
+            <a:endParaRPr lang="es-ES"/>
+          </a:p>
+        </p:txBody>
+      </p:sp>
+    </p:spTree>
+    <p:extLst>
+      <p:ext uri="{BB962C8B-B14F-4D97-AF65-F5344CB8AC3E}">
+        <p14:creationId xmlns:p14="http://schemas.microsoft.com/office/powerpoint/2010/main" val="2528525117"/>
       </p:ext>
     </p:extLst>
   </p:cSld>

--- a/doc/4_Gestion_estado_persistencia.pptx
+++ b/doc/4_Gestion_estado_persistencia.pptx
@@ -6777,7 +6777,12 @@
             <p:ph idx="1"/>
           </p:nvPr>
         </p:nvSpPr>
-        <p:spPr/>
+        <p:spPr>
+          <a:xfrm>
+            <a:off x="838199" y="1825624"/>
+            <a:ext cx="10869891" cy="4763711"/>
+          </a:xfrm>
+        </p:spPr>
         <p:txBody>
           <a:bodyPr/>
           <a:lstStyle/>
@@ -6866,10 +6871,18 @@
             </a:r>
             <a:r>
               <a:rPr lang="es-ES" dirty="0"/>
-              <a:t> con Redis o </a:t>
-            </a:r>
-            <a:r>
-              <a:rPr lang="es-ES" dirty="0" err="1"/>
+              <a:t> con </a:t>
+            </a:r>
+            <a:r>
+              <a:rPr lang="es-ES" b="1" dirty="0"/>
+              <a:t>Redis</a:t>
+            </a:r>
+            <a:r>
+              <a:rPr lang="es-ES" dirty="0"/>
+              <a:t> o </a:t>
+            </a:r>
+            <a:r>
+              <a:rPr lang="es-ES" b="1" dirty="0" err="1"/>
               <a:t>Memcached</a:t>
             </a:r>
             <a:r>
